--- a/Slides/Lesson 5.3 Testing Systems.pptx
+++ b/Slides/Lesson 5.3 Testing Systems.pptx
@@ -5,7 +5,7 @@
     <p:sldMasterId id="2147483648" r:id="rId1"/>
   </p:sldMasterIdLst>
   <p:notesMasterIdLst>
-    <p:notesMasterId r:id="rId17"/>
+    <p:notesMasterId r:id="rId21"/>
   </p:notesMasterIdLst>
   <p:sldIdLst>
     <p:sldId id="256" r:id="rId2"/>
@@ -16,46 +16,57 @@
     <p:sldId id="404" r:id="rId7"/>
     <p:sldId id="397" r:id="rId8"/>
     <p:sldId id="398" r:id="rId9"/>
-    <p:sldId id="399" r:id="rId10"/>
-    <p:sldId id="400" r:id="rId11"/>
-    <p:sldId id="401" r:id="rId12"/>
-    <p:sldId id="402" r:id="rId13"/>
-    <p:sldId id="403" r:id="rId14"/>
-    <p:sldId id="377" r:id="rId15"/>
-    <p:sldId id="376" r:id="rId16"/>
+    <p:sldId id="408" r:id="rId10"/>
+    <p:sldId id="399" r:id="rId11"/>
+    <p:sldId id="409" r:id="rId12"/>
+    <p:sldId id="400" r:id="rId13"/>
+    <p:sldId id="406" r:id="rId14"/>
+    <p:sldId id="401" r:id="rId15"/>
+    <p:sldId id="411" r:id="rId16"/>
+    <p:sldId id="402" r:id="rId17"/>
+    <p:sldId id="403" r:id="rId18"/>
+    <p:sldId id="377" r:id="rId19"/>
+    <p:sldId id="376" r:id="rId20"/>
   </p:sldIdLst>
   <p:sldSz cx="12192000" cy="6858000"/>
   <p:notesSz cx="6858000" cy="9144000"/>
   <p:embeddedFontLst>
     <p:embeddedFont>
       <p:font typeface="Calibri" panose="020F0502020204030204" pitchFamily="34" charset="0"/>
-      <p:regular r:id="rId18"/>
-      <p:bold r:id="rId19"/>
-      <p:italic r:id="rId20"/>
-      <p:boldItalic r:id="rId21"/>
+      <p:regular r:id="rId22"/>
+      <p:bold r:id="rId23"/>
+      <p:italic r:id="rId24"/>
+      <p:boldItalic r:id="rId25"/>
     </p:embeddedFont>
     <p:embeddedFont>
       <p:font typeface="Calibri Light" panose="020F0302020204030204" pitchFamily="34" charset="0"/>
-      <p:regular r:id="rId22"/>
-      <p:italic r:id="rId23"/>
+      <p:regular r:id="rId26"/>
+      <p:italic r:id="rId27"/>
+    </p:embeddedFont>
+    <p:embeddedFont>
+      <p:font typeface="Consolas" panose="020B0609020204030204" pitchFamily="49" charset="0"/>
+      <p:regular r:id="rId28"/>
+      <p:bold r:id="rId29"/>
+      <p:italic r:id="rId30"/>
+      <p:boldItalic r:id="rId31"/>
     </p:embeddedFont>
     <p:embeddedFont>
       <p:font typeface="Helvetica" panose="020B0604020202020204" pitchFamily="34" charset="0"/>
-      <p:regular r:id="rId24"/>
-      <p:bold r:id="rId25"/>
-      <p:italic r:id="rId26"/>
-      <p:boldItalic r:id="rId27"/>
+      <p:regular r:id="rId32"/>
+      <p:bold r:id="rId33"/>
+      <p:italic r:id="rId34"/>
+      <p:boldItalic r:id="rId35"/>
     </p:embeddedFont>
     <p:embeddedFont>
       <p:font typeface="Ink Free" panose="03080402000500000000" pitchFamily="66" charset="0"/>
-      <p:regular r:id="rId28"/>
+      <p:regular r:id="rId36"/>
     </p:embeddedFont>
     <p:embeddedFont>
       <p:font typeface="Verdana" panose="020B0604030504040204" pitchFamily="34" charset="0"/>
-      <p:regular r:id="rId29"/>
-      <p:bold r:id="rId30"/>
-      <p:italic r:id="rId31"/>
-      <p:boldItalic r:id="rId32"/>
+      <p:regular r:id="rId37"/>
+      <p:bold r:id="rId38"/>
+      <p:italic r:id="rId39"/>
+      <p:boldItalic r:id="rId40"/>
     </p:embeddedFont>
   </p:embeddedFontLst>
   <p:defaultTextStyle>
@@ -243,7 +254,7 @@
           <a:p>
             <a:fld id="{7C7E5181-6CF5-45F7-A87A-E0E0B1FD7549}" type="datetimeFigureOut">
               <a:rPr lang="en-US" smtClean="0"/>
-              <a:t>2/8/2022</a:t>
+              <a:t>2/12/2022</a:t>
             </a:fld>
             <a:endParaRPr lang="en-US"/>
           </a:p>
@@ -510,6 +521,983 @@
 </p:notesMaster>
 </file>
 
+<file path=ppt/notesSlides/notesSlide1.xml><?xml version="1.0" encoding="utf-8"?>
+<p:notes xmlns:a="http://schemas.openxmlformats.org/drawingml/2006/main" xmlns:r="http://schemas.openxmlformats.org/officeDocument/2006/relationships" xmlns:p="http://schemas.openxmlformats.org/presentationml/2006/main">
+  <p:cSld>
+    <p:spTree>
+      <p:nvGrpSpPr>
+        <p:cNvPr id="1" name=""/>
+        <p:cNvGrpSpPr/>
+        <p:nvPr/>
+      </p:nvGrpSpPr>
+      <p:grpSpPr>
+        <a:xfrm>
+          <a:off x="0" y="0"/>
+          <a:ext cx="0" cy="0"/>
+          <a:chOff x="0" y="0"/>
+          <a:chExt cx="0" cy="0"/>
+        </a:xfrm>
+      </p:grpSpPr>
+      <p:sp>
+        <p:nvSpPr>
+          <p:cNvPr id="2" name="Slide Image Placeholder 1"/>
+          <p:cNvSpPr>
+            <a:spLocks noGrp="1" noRot="1" noChangeAspect="1"/>
+          </p:cNvSpPr>
+          <p:nvPr>
+            <p:ph type="sldImg"/>
+          </p:nvPr>
+        </p:nvSpPr>
+        <p:spPr/>
+      </p:sp>
+      <p:sp>
+        <p:nvSpPr>
+          <p:cNvPr id="3" name="Notes Placeholder 2"/>
+          <p:cNvSpPr>
+            <a:spLocks noGrp="1"/>
+          </p:cNvSpPr>
+          <p:nvPr>
+            <p:ph type="body" idx="1"/>
+          </p:nvPr>
+        </p:nvSpPr>
+        <p:spPr/>
+        <p:txBody>
+          <a:bodyPr/>
+          <a:lstStyle/>
+          <a:p>
+            <a:r>
+              <a:rPr lang="en-US" b="1" dirty="0">
+                <a:latin typeface="+mn-lt"/>
+              </a:rPr>
+              <a:t>Stubs</a:t>
+            </a:r>
+            <a:r>
+              <a:rPr lang="en-US" dirty="0">
+                <a:latin typeface="+mn-lt"/>
+              </a:rPr>
+              <a:t> provide canned answers to calls made during the test, usually not responding at all to anything outside what's programmed in for the test.</a:t>
+            </a:r>
+          </a:p>
+        </p:txBody>
+      </p:sp>
+      <p:sp>
+        <p:nvSpPr>
+          <p:cNvPr id="4" name="Slide Number Placeholder 3"/>
+          <p:cNvSpPr>
+            <a:spLocks noGrp="1"/>
+          </p:cNvSpPr>
+          <p:nvPr>
+            <p:ph type="sldNum" sz="quarter" idx="5"/>
+          </p:nvPr>
+        </p:nvSpPr>
+        <p:spPr/>
+        <p:txBody>
+          <a:bodyPr/>
+          <a:lstStyle/>
+          <a:p>
+            <a:fld id="{07937F07-1250-4CCE-B198-1B2887014F41}" type="slidenum">
+              <a:rPr lang="en-US" smtClean="0"/>
+              <a:t>5</a:t>
+            </a:fld>
+            <a:endParaRPr lang="en-US"/>
+          </a:p>
+        </p:txBody>
+      </p:sp>
+    </p:spTree>
+    <p:extLst>
+      <p:ext uri="{BB962C8B-B14F-4D97-AF65-F5344CB8AC3E}">
+        <p14:creationId xmlns:p14="http://schemas.microsoft.com/office/powerpoint/2010/main" val="3383222090"/>
+      </p:ext>
+    </p:extLst>
+  </p:cSld>
+  <p:clrMapOvr>
+    <a:masterClrMapping/>
+  </p:clrMapOvr>
+</p:notes>
+</file>
+
+<file path=ppt/notesSlides/notesSlide10.xml><?xml version="1.0" encoding="utf-8"?>
+<p:notes xmlns:a="http://schemas.openxmlformats.org/drawingml/2006/main" xmlns:r="http://schemas.openxmlformats.org/officeDocument/2006/relationships" xmlns:p="http://schemas.openxmlformats.org/presentationml/2006/main">
+  <p:cSld>
+    <p:spTree>
+      <p:nvGrpSpPr>
+        <p:cNvPr id="1" name=""/>
+        <p:cNvGrpSpPr/>
+        <p:nvPr/>
+      </p:nvGrpSpPr>
+      <p:grpSpPr>
+        <a:xfrm>
+          <a:off x="0" y="0"/>
+          <a:ext cx="0" cy="0"/>
+          <a:chOff x="0" y="0"/>
+          <a:chExt cx="0" cy="0"/>
+        </a:xfrm>
+      </p:grpSpPr>
+      <p:sp>
+        <p:nvSpPr>
+          <p:cNvPr id="2" name="Slide Image Placeholder 1"/>
+          <p:cNvSpPr>
+            <a:spLocks noGrp="1" noRot="1" noChangeAspect="1"/>
+          </p:cNvSpPr>
+          <p:nvPr>
+            <p:ph type="sldImg"/>
+          </p:nvPr>
+        </p:nvSpPr>
+        <p:spPr/>
+      </p:sp>
+      <p:sp>
+        <p:nvSpPr>
+          <p:cNvPr id="3" name="Notes Placeholder 2"/>
+          <p:cNvSpPr>
+            <a:spLocks noGrp="1"/>
+          </p:cNvSpPr>
+          <p:nvPr>
+            <p:ph type="body" idx="1"/>
+          </p:nvPr>
+        </p:nvSpPr>
+        <p:spPr/>
+        <p:txBody>
+          <a:bodyPr/>
+          <a:lstStyle/>
+          <a:p>
+            <a:r>
+              <a:rPr lang="en-US" dirty="0"/>
+              <a:t>A fake is a simpler implementation of real objects.</a:t>
+            </a:r>
+          </a:p>
+          <a:p>
+            <a:r>
+              <a:rPr lang="en-US" dirty="0"/>
+              <a:t>Fakes are used when we want to test an infrastructural class, in other words, fakes are for the classes which are beyond our application limit (repositories or queues, for example).</a:t>
+            </a:r>
+          </a:p>
+          <a:p>
+            <a:r>
+              <a:rPr lang="en-US" dirty="0"/>
+              <a:t>A fake can behave like a dummy, stub, spy or mock.</a:t>
+            </a:r>
+          </a:p>
+        </p:txBody>
+      </p:sp>
+      <p:sp>
+        <p:nvSpPr>
+          <p:cNvPr id="4" name="Slide Number Placeholder 3"/>
+          <p:cNvSpPr>
+            <a:spLocks noGrp="1"/>
+          </p:cNvSpPr>
+          <p:nvPr>
+            <p:ph type="sldNum" sz="quarter" idx="5"/>
+          </p:nvPr>
+        </p:nvSpPr>
+        <p:spPr/>
+        <p:txBody>
+          <a:bodyPr/>
+          <a:lstStyle/>
+          <a:p>
+            <a:fld id="{07937F07-1250-4CCE-B198-1B2887014F41}" type="slidenum">
+              <a:rPr lang="en-US" smtClean="0"/>
+              <a:t>15</a:t>
+            </a:fld>
+            <a:endParaRPr lang="en-US"/>
+          </a:p>
+        </p:txBody>
+      </p:sp>
+    </p:spTree>
+    <p:extLst>
+      <p:ext uri="{BB962C8B-B14F-4D97-AF65-F5344CB8AC3E}">
+        <p14:creationId xmlns:p14="http://schemas.microsoft.com/office/powerpoint/2010/main" val="380861078"/>
+      </p:ext>
+    </p:extLst>
+  </p:cSld>
+  <p:clrMapOvr>
+    <a:masterClrMapping/>
+  </p:clrMapOvr>
+</p:notes>
+</file>
+
+<file path=ppt/notesSlides/notesSlide2.xml><?xml version="1.0" encoding="utf-8"?>
+<p:notes xmlns:a="http://schemas.openxmlformats.org/drawingml/2006/main" xmlns:r="http://schemas.openxmlformats.org/officeDocument/2006/relationships" xmlns:p="http://schemas.openxmlformats.org/presentationml/2006/main">
+  <p:cSld>
+    <p:spTree>
+      <p:nvGrpSpPr>
+        <p:cNvPr id="1" name=""/>
+        <p:cNvGrpSpPr/>
+        <p:nvPr/>
+      </p:nvGrpSpPr>
+      <p:grpSpPr>
+        <a:xfrm>
+          <a:off x="0" y="0"/>
+          <a:ext cx="0" cy="0"/>
+          <a:chOff x="0" y="0"/>
+          <a:chExt cx="0" cy="0"/>
+        </a:xfrm>
+      </p:grpSpPr>
+      <p:sp>
+        <p:nvSpPr>
+          <p:cNvPr id="2" name="Slide Image Placeholder 1"/>
+          <p:cNvSpPr>
+            <a:spLocks noGrp="1" noRot="1" noChangeAspect="1"/>
+          </p:cNvSpPr>
+          <p:nvPr>
+            <p:ph type="sldImg"/>
+          </p:nvPr>
+        </p:nvSpPr>
+        <p:spPr/>
+      </p:sp>
+      <p:sp>
+        <p:nvSpPr>
+          <p:cNvPr id="3" name="Notes Placeholder 2"/>
+          <p:cNvSpPr>
+            <a:spLocks noGrp="1"/>
+          </p:cNvSpPr>
+          <p:nvPr>
+            <p:ph type="body" idx="1"/>
+          </p:nvPr>
+        </p:nvSpPr>
+        <p:spPr/>
+        <p:txBody>
+          <a:bodyPr/>
+          <a:lstStyle/>
+          <a:p>
+            <a:r>
+              <a:rPr lang="en-US" dirty="0"/>
+              <a:t>https://jesusvalerareales.medium.com/testing-with-test-doubles-7c3abb9eb3f2 </a:t>
+            </a:r>
+          </a:p>
+        </p:txBody>
+      </p:sp>
+      <p:sp>
+        <p:nvSpPr>
+          <p:cNvPr id="4" name="Slide Number Placeholder 3"/>
+          <p:cNvSpPr>
+            <a:spLocks noGrp="1"/>
+          </p:cNvSpPr>
+          <p:nvPr>
+            <p:ph type="sldNum" sz="quarter" idx="5"/>
+          </p:nvPr>
+        </p:nvSpPr>
+        <p:spPr/>
+        <p:txBody>
+          <a:bodyPr/>
+          <a:lstStyle/>
+          <a:p>
+            <a:fld id="{07937F07-1250-4CCE-B198-1B2887014F41}" type="slidenum">
+              <a:rPr lang="en-US" smtClean="0"/>
+              <a:t>6</a:t>
+            </a:fld>
+            <a:endParaRPr lang="en-US"/>
+          </a:p>
+        </p:txBody>
+      </p:sp>
+    </p:spTree>
+    <p:extLst>
+      <p:ext uri="{BB962C8B-B14F-4D97-AF65-F5344CB8AC3E}">
+        <p14:creationId xmlns:p14="http://schemas.microsoft.com/office/powerpoint/2010/main" val="2579100474"/>
+      </p:ext>
+    </p:extLst>
+  </p:cSld>
+  <p:clrMapOvr>
+    <a:masterClrMapping/>
+  </p:clrMapOvr>
+</p:notes>
+</file>
+
+<file path=ppt/notesSlides/notesSlide3.xml><?xml version="1.0" encoding="utf-8"?>
+<p:notes xmlns:a="http://schemas.openxmlformats.org/drawingml/2006/main" xmlns:r="http://schemas.openxmlformats.org/officeDocument/2006/relationships" xmlns:p="http://schemas.openxmlformats.org/presentationml/2006/main">
+  <p:cSld>
+    <p:spTree>
+      <p:nvGrpSpPr>
+        <p:cNvPr id="1" name=""/>
+        <p:cNvGrpSpPr/>
+        <p:nvPr/>
+      </p:nvGrpSpPr>
+      <p:grpSpPr>
+        <a:xfrm>
+          <a:off x="0" y="0"/>
+          <a:ext cx="0" cy="0"/>
+          <a:chOff x="0" y="0"/>
+          <a:chExt cx="0" cy="0"/>
+        </a:xfrm>
+      </p:grpSpPr>
+      <p:sp>
+        <p:nvSpPr>
+          <p:cNvPr id="2" name="Slide Image Placeholder 1"/>
+          <p:cNvSpPr>
+            <a:spLocks noGrp="1" noRot="1" noChangeAspect="1"/>
+          </p:cNvSpPr>
+          <p:nvPr>
+            <p:ph type="sldImg"/>
+          </p:nvPr>
+        </p:nvSpPr>
+        <p:spPr/>
+      </p:sp>
+      <p:sp>
+        <p:nvSpPr>
+          <p:cNvPr id="3" name="Notes Placeholder 2"/>
+          <p:cNvSpPr>
+            <a:spLocks noGrp="1"/>
+          </p:cNvSpPr>
+          <p:nvPr>
+            <p:ph type="body" idx="1"/>
+          </p:nvPr>
+        </p:nvSpPr>
+        <p:spPr/>
+        <p:txBody>
+          <a:bodyPr/>
+          <a:lstStyle/>
+          <a:p>
+            <a:r>
+              <a:rPr lang="en-US" dirty="0">
+                <a:latin typeface="+mn-lt"/>
+              </a:rPr>
+              <a:t>If you are working on a system which sends an email to customer after an operation, how will you test it? Instead of sending a real email every time you test, you can use doubles (i.e., a mock mail service)</a:t>
+            </a:r>
+          </a:p>
+        </p:txBody>
+      </p:sp>
+      <p:sp>
+        <p:nvSpPr>
+          <p:cNvPr id="4" name="Slide Number Placeholder 3"/>
+          <p:cNvSpPr>
+            <a:spLocks noGrp="1"/>
+          </p:cNvSpPr>
+          <p:nvPr>
+            <p:ph type="sldNum" sz="quarter" idx="5"/>
+          </p:nvPr>
+        </p:nvSpPr>
+        <p:spPr/>
+        <p:txBody>
+          <a:bodyPr/>
+          <a:lstStyle/>
+          <a:p>
+            <a:fld id="{07937F07-1250-4CCE-B198-1B2887014F41}" type="slidenum">
+              <a:rPr lang="en-US" smtClean="0"/>
+              <a:t>7</a:t>
+            </a:fld>
+            <a:endParaRPr lang="en-US"/>
+          </a:p>
+        </p:txBody>
+      </p:sp>
+    </p:spTree>
+    <p:extLst>
+      <p:ext uri="{BB962C8B-B14F-4D97-AF65-F5344CB8AC3E}">
+        <p14:creationId xmlns:p14="http://schemas.microsoft.com/office/powerpoint/2010/main" val="831579036"/>
+      </p:ext>
+    </p:extLst>
+  </p:cSld>
+  <p:clrMapOvr>
+    <a:masterClrMapping/>
+  </p:clrMapOvr>
+</p:notes>
+</file>
+
+<file path=ppt/notesSlides/notesSlide4.xml><?xml version="1.0" encoding="utf-8"?>
+<p:notes xmlns:a="http://schemas.openxmlformats.org/drawingml/2006/main" xmlns:r="http://schemas.openxmlformats.org/officeDocument/2006/relationships" xmlns:p="http://schemas.openxmlformats.org/presentationml/2006/main">
+  <p:cSld>
+    <p:spTree>
+      <p:nvGrpSpPr>
+        <p:cNvPr id="1" name=""/>
+        <p:cNvGrpSpPr/>
+        <p:nvPr/>
+      </p:nvGrpSpPr>
+      <p:grpSpPr>
+        <a:xfrm>
+          <a:off x="0" y="0"/>
+          <a:ext cx="0" cy="0"/>
+          <a:chOff x="0" y="0"/>
+          <a:chExt cx="0" cy="0"/>
+        </a:xfrm>
+      </p:grpSpPr>
+      <p:sp>
+        <p:nvSpPr>
+          <p:cNvPr id="2" name="Slide Image Placeholder 1"/>
+          <p:cNvSpPr>
+            <a:spLocks noGrp="1" noRot="1" noChangeAspect="1"/>
+          </p:cNvSpPr>
+          <p:nvPr>
+            <p:ph type="sldImg"/>
+          </p:nvPr>
+        </p:nvSpPr>
+        <p:spPr/>
+      </p:sp>
+      <p:sp>
+        <p:nvSpPr>
+          <p:cNvPr id="3" name="Notes Placeholder 2"/>
+          <p:cNvSpPr>
+            <a:spLocks noGrp="1"/>
+          </p:cNvSpPr>
+          <p:nvPr>
+            <p:ph type="body" idx="1"/>
+          </p:nvPr>
+        </p:nvSpPr>
+        <p:spPr/>
+        <p:txBody>
+          <a:bodyPr/>
+          <a:lstStyle/>
+          <a:p>
+            <a:r>
+              <a:rPr lang="en-US" dirty="0"/>
+              <a:t>A stub is an object which returns fake data. Let’s imagine our service depends on a user-model, then the service does something, and finally, it returns the user’s UUID.</a:t>
+            </a:r>
+            <a:br>
+              <a:rPr lang="en-US" dirty="0"/>
+            </a:br>
+            <a:r>
+              <a:rPr lang="en-US" dirty="0"/>
+              <a:t>We can create a stub object with fake values to assert the service works as expected.</a:t>
+            </a:r>
+          </a:p>
+        </p:txBody>
+      </p:sp>
+      <p:sp>
+        <p:nvSpPr>
+          <p:cNvPr id="4" name="Slide Number Placeholder 3"/>
+          <p:cNvSpPr>
+            <a:spLocks noGrp="1"/>
+          </p:cNvSpPr>
+          <p:nvPr>
+            <p:ph type="sldNum" sz="quarter" idx="5"/>
+          </p:nvPr>
+        </p:nvSpPr>
+        <p:spPr/>
+        <p:txBody>
+          <a:bodyPr/>
+          <a:lstStyle/>
+          <a:p>
+            <a:fld id="{07937F07-1250-4CCE-B198-1B2887014F41}" type="slidenum">
+              <a:rPr lang="en-US" smtClean="0"/>
+              <a:t>9</a:t>
+            </a:fld>
+            <a:endParaRPr lang="en-US"/>
+          </a:p>
+        </p:txBody>
+      </p:sp>
+    </p:spTree>
+    <p:extLst>
+      <p:ext uri="{BB962C8B-B14F-4D97-AF65-F5344CB8AC3E}">
+        <p14:creationId xmlns:p14="http://schemas.microsoft.com/office/powerpoint/2010/main" val="2298322642"/>
+      </p:ext>
+    </p:extLst>
+  </p:cSld>
+  <p:clrMapOvr>
+    <a:masterClrMapping/>
+  </p:clrMapOvr>
+</p:notes>
+</file>
+
+<file path=ppt/notesSlides/notesSlide5.xml><?xml version="1.0" encoding="utf-8"?>
+<p:notes xmlns:a="http://schemas.openxmlformats.org/drawingml/2006/main" xmlns:r="http://schemas.openxmlformats.org/officeDocument/2006/relationships" xmlns:p="http://schemas.openxmlformats.org/presentationml/2006/main">
+  <p:cSld>
+    <p:spTree>
+      <p:nvGrpSpPr>
+        <p:cNvPr id="1" name=""/>
+        <p:cNvGrpSpPr/>
+        <p:nvPr/>
+      </p:nvGrpSpPr>
+      <p:grpSpPr>
+        <a:xfrm>
+          <a:off x="0" y="0"/>
+          <a:ext cx="0" cy="0"/>
+          <a:chOff x="0" y="0"/>
+          <a:chExt cx="0" cy="0"/>
+        </a:xfrm>
+      </p:grpSpPr>
+      <p:sp>
+        <p:nvSpPr>
+          <p:cNvPr id="2" name="Slide Image Placeholder 1"/>
+          <p:cNvSpPr>
+            <a:spLocks noGrp="1" noRot="1" noChangeAspect="1"/>
+          </p:cNvSpPr>
+          <p:nvPr>
+            <p:ph type="sldImg"/>
+          </p:nvPr>
+        </p:nvSpPr>
+        <p:spPr/>
+      </p:sp>
+      <p:sp>
+        <p:nvSpPr>
+          <p:cNvPr id="3" name="Notes Placeholder 2"/>
+          <p:cNvSpPr>
+            <a:spLocks noGrp="1"/>
+          </p:cNvSpPr>
+          <p:nvPr>
+            <p:ph type="body" idx="1"/>
+          </p:nvPr>
+        </p:nvSpPr>
+        <p:spPr/>
+        <p:txBody>
+          <a:bodyPr/>
+          <a:lstStyle/>
+          <a:p>
+            <a:r>
+              <a:rPr lang="en-US" b="1" dirty="0">
+                <a:latin typeface="+mn-lt"/>
+              </a:rPr>
+              <a:t>Spies</a:t>
+            </a:r>
+            <a:r>
+              <a:rPr lang="en-US" dirty="0">
+                <a:latin typeface="+mn-lt"/>
+              </a:rPr>
+              <a:t> are stubs that also record some information based on how they were called. One form of this might be an email service that records how many messages it was sent.</a:t>
+            </a:r>
+          </a:p>
+        </p:txBody>
+      </p:sp>
+      <p:sp>
+        <p:nvSpPr>
+          <p:cNvPr id="4" name="Slide Number Placeholder 3"/>
+          <p:cNvSpPr>
+            <a:spLocks noGrp="1"/>
+          </p:cNvSpPr>
+          <p:nvPr>
+            <p:ph type="sldNum" sz="quarter" idx="5"/>
+          </p:nvPr>
+        </p:nvSpPr>
+        <p:spPr/>
+        <p:txBody>
+          <a:bodyPr/>
+          <a:lstStyle/>
+          <a:p>
+            <a:fld id="{07937F07-1250-4CCE-B198-1B2887014F41}" type="slidenum">
+              <a:rPr lang="en-US" smtClean="0"/>
+              <a:t>10</a:t>
+            </a:fld>
+            <a:endParaRPr lang="en-US"/>
+          </a:p>
+        </p:txBody>
+      </p:sp>
+    </p:spTree>
+    <p:extLst>
+      <p:ext uri="{BB962C8B-B14F-4D97-AF65-F5344CB8AC3E}">
+        <p14:creationId xmlns:p14="http://schemas.microsoft.com/office/powerpoint/2010/main" val="2550589936"/>
+      </p:ext>
+    </p:extLst>
+  </p:cSld>
+  <p:clrMapOvr>
+    <a:masterClrMapping/>
+  </p:clrMapOvr>
+</p:notes>
+</file>
+
+<file path=ppt/notesSlides/notesSlide6.xml><?xml version="1.0" encoding="utf-8"?>
+<p:notes xmlns:a="http://schemas.openxmlformats.org/drawingml/2006/main" xmlns:r="http://schemas.openxmlformats.org/officeDocument/2006/relationships" xmlns:p="http://schemas.openxmlformats.org/presentationml/2006/main">
+  <p:cSld>
+    <p:spTree>
+      <p:nvGrpSpPr>
+        <p:cNvPr id="1" name=""/>
+        <p:cNvGrpSpPr/>
+        <p:nvPr/>
+      </p:nvGrpSpPr>
+      <p:grpSpPr>
+        <a:xfrm>
+          <a:off x="0" y="0"/>
+          <a:ext cx="0" cy="0"/>
+          <a:chOff x="0" y="0"/>
+          <a:chExt cx="0" cy="0"/>
+        </a:xfrm>
+      </p:grpSpPr>
+      <p:sp>
+        <p:nvSpPr>
+          <p:cNvPr id="2" name="Slide Image Placeholder 1"/>
+          <p:cNvSpPr>
+            <a:spLocks noGrp="1" noRot="1" noChangeAspect="1"/>
+          </p:cNvSpPr>
+          <p:nvPr>
+            <p:ph type="sldImg"/>
+          </p:nvPr>
+        </p:nvSpPr>
+        <p:spPr/>
+      </p:sp>
+      <p:sp>
+        <p:nvSpPr>
+          <p:cNvPr id="3" name="Notes Placeholder 2"/>
+          <p:cNvSpPr>
+            <a:spLocks noGrp="1"/>
+          </p:cNvSpPr>
+          <p:nvPr>
+            <p:ph type="body" idx="1"/>
+          </p:nvPr>
+        </p:nvSpPr>
+        <p:spPr/>
+        <p:txBody>
+          <a:bodyPr/>
+          <a:lstStyle/>
+          <a:p>
+            <a:r>
+              <a:rPr lang="en-US" dirty="0"/>
+              <a:t>A test spy is an object capable of capturing indirect output and providing indirect input as needed. The indirect output is something we cannot directly observe.</a:t>
+            </a:r>
+            <a:br>
+              <a:rPr lang="en-US" dirty="0"/>
+            </a:br>
+            <a:r>
+              <a:rPr lang="en-US" dirty="0"/>
+              <a:t>In the snippet, we can know exactly how many times the </a:t>
+            </a:r>
+            <a:r>
+              <a:rPr lang="en-US" i="1" dirty="0"/>
+              <a:t>log()</a:t>
+            </a:r>
+            <a:r>
+              <a:rPr lang="en-US" dirty="0"/>
+              <a:t> method has been called, as well as the content of the messages.</a:t>
+            </a:r>
+            <a:br>
+              <a:rPr lang="en-US" dirty="0"/>
+            </a:br>
+            <a:r>
+              <a:rPr lang="en-US" dirty="0"/>
+              <a:t>The point of this spy is to have much more knowledge of the internal object state in exchange for deeper coupling, which could be problematic in the future because it makes our tests more fragile.</a:t>
+            </a:r>
+          </a:p>
+        </p:txBody>
+      </p:sp>
+      <p:sp>
+        <p:nvSpPr>
+          <p:cNvPr id="4" name="Slide Number Placeholder 3"/>
+          <p:cNvSpPr>
+            <a:spLocks noGrp="1"/>
+          </p:cNvSpPr>
+          <p:nvPr>
+            <p:ph type="sldNum" sz="quarter" idx="5"/>
+          </p:nvPr>
+        </p:nvSpPr>
+        <p:spPr/>
+        <p:txBody>
+          <a:bodyPr/>
+          <a:lstStyle/>
+          <a:p>
+            <a:fld id="{07937F07-1250-4CCE-B198-1B2887014F41}" type="slidenum">
+              <a:rPr lang="en-US" smtClean="0"/>
+              <a:t>11</a:t>
+            </a:fld>
+            <a:endParaRPr lang="en-US"/>
+          </a:p>
+        </p:txBody>
+      </p:sp>
+    </p:spTree>
+    <p:extLst>
+      <p:ext uri="{BB962C8B-B14F-4D97-AF65-F5344CB8AC3E}">
+        <p14:creationId xmlns:p14="http://schemas.microsoft.com/office/powerpoint/2010/main" val="251261324"/>
+      </p:ext>
+    </p:extLst>
+  </p:cSld>
+  <p:clrMapOvr>
+    <a:masterClrMapping/>
+  </p:clrMapOvr>
+</p:notes>
+</file>
+
+<file path=ppt/notesSlides/notesSlide7.xml><?xml version="1.0" encoding="utf-8"?>
+<p:notes xmlns:a="http://schemas.openxmlformats.org/drawingml/2006/main" xmlns:r="http://schemas.openxmlformats.org/officeDocument/2006/relationships" xmlns:p="http://schemas.openxmlformats.org/presentationml/2006/main">
+  <p:cSld>
+    <p:spTree>
+      <p:nvGrpSpPr>
+        <p:cNvPr id="1" name=""/>
+        <p:cNvGrpSpPr/>
+        <p:nvPr/>
+      </p:nvGrpSpPr>
+      <p:grpSpPr>
+        <a:xfrm>
+          <a:off x="0" y="0"/>
+          <a:ext cx="0" cy="0"/>
+          <a:chOff x="0" y="0"/>
+          <a:chExt cx="0" cy="0"/>
+        </a:xfrm>
+      </p:grpSpPr>
+      <p:sp>
+        <p:nvSpPr>
+          <p:cNvPr id="2" name="Slide Image Placeholder 1"/>
+          <p:cNvSpPr>
+            <a:spLocks noGrp="1" noRot="1" noChangeAspect="1"/>
+          </p:cNvSpPr>
+          <p:nvPr>
+            <p:ph type="sldImg"/>
+          </p:nvPr>
+        </p:nvSpPr>
+        <p:spPr/>
+      </p:sp>
+      <p:sp>
+        <p:nvSpPr>
+          <p:cNvPr id="3" name="Notes Placeholder 2"/>
+          <p:cNvSpPr>
+            <a:spLocks noGrp="1"/>
+          </p:cNvSpPr>
+          <p:nvPr>
+            <p:ph type="body" idx="1"/>
+          </p:nvPr>
+        </p:nvSpPr>
+        <p:spPr/>
+        <p:txBody>
+          <a:bodyPr/>
+          <a:lstStyle/>
+          <a:p>
+            <a:r>
+              <a:rPr lang="en-US" b="1" dirty="0">
+                <a:latin typeface="+mn-lt"/>
+              </a:rPr>
+              <a:t>Mocks</a:t>
+            </a:r>
+            <a:r>
+              <a:rPr lang="en-US" dirty="0">
+                <a:latin typeface="+mn-lt"/>
+              </a:rPr>
+              <a:t> are what we are talking about here: objects pre-programmed with expectations which form a specification of the calls they are expected to receive. Mocks use </a:t>
+            </a:r>
+            <a:r>
+              <a:rPr lang="en-US" b="1" dirty="0">
+                <a:latin typeface="+mn-lt"/>
+              </a:rPr>
+              <a:t>behavior verification</a:t>
+            </a:r>
+            <a:r>
+              <a:rPr lang="en-US" dirty="0">
+                <a:latin typeface="+mn-lt"/>
+              </a:rPr>
+              <a:t>, where we instead check to see if the object made the correct function calls as expected.</a:t>
+            </a:r>
+          </a:p>
+        </p:txBody>
+      </p:sp>
+      <p:sp>
+        <p:nvSpPr>
+          <p:cNvPr id="4" name="Slide Number Placeholder 3"/>
+          <p:cNvSpPr>
+            <a:spLocks noGrp="1"/>
+          </p:cNvSpPr>
+          <p:nvPr>
+            <p:ph type="sldNum" sz="quarter" idx="5"/>
+          </p:nvPr>
+        </p:nvSpPr>
+        <p:spPr/>
+        <p:txBody>
+          <a:bodyPr/>
+          <a:lstStyle/>
+          <a:p>
+            <a:fld id="{07937F07-1250-4CCE-B198-1B2887014F41}" type="slidenum">
+              <a:rPr lang="en-US" smtClean="0"/>
+              <a:t>12</a:t>
+            </a:fld>
+            <a:endParaRPr lang="en-US"/>
+          </a:p>
+        </p:txBody>
+      </p:sp>
+    </p:spTree>
+    <p:extLst>
+      <p:ext uri="{BB962C8B-B14F-4D97-AF65-F5344CB8AC3E}">
+        <p14:creationId xmlns:p14="http://schemas.microsoft.com/office/powerpoint/2010/main" val="3035997716"/>
+      </p:ext>
+    </p:extLst>
+  </p:cSld>
+  <p:clrMapOvr>
+    <a:masterClrMapping/>
+  </p:clrMapOvr>
+</p:notes>
+</file>
+
+<file path=ppt/notesSlides/notesSlide8.xml><?xml version="1.0" encoding="utf-8"?>
+<p:notes xmlns:a="http://schemas.openxmlformats.org/drawingml/2006/main" xmlns:r="http://schemas.openxmlformats.org/officeDocument/2006/relationships" xmlns:p="http://schemas.openxmlformats.org/presentationml/2006/main">
+  <p:cSld>
+    <p:spTree>
+      <p:nvGrpSpPr>
+        <p:cNvPr id="1" name=""/>
+        <p:cNvGrpSpPr/>
+        <p:nvPr/>
+      </p:nvGrpSpPr>
+      <p:grpSpPr>
+        <a:xfrm>
+          <a:off x="0" y="0"/>
+          <a:ext cx="0" cy="0"/>
+          <a:chOff x="0" y="0"/>
+          <a:chExt cx="0" cy="0"/>
+        </a:xfrm>
+      </p:grpSpPr>
+      <p:sp>
+        <p:nvSpPr>
+          <p:cNvPr id="2" name="Slide Image Placeholder 1"/>
+          <p:cNvSpPr>
+            <a:spLocks noGrp="1" noRot="1" noChangeAspect="1"/>
+          </p:cNvSpPr>
+          <p:nvPr>
+            <p:ph type="sldImg"/>
+          </p:nvPr>
+        </p:nvSpPr>
+        <p:spPr/>
+      </p:sp>
+      <p:sp>
+        <p:nvSpPr>
+          <p:cNvPr id="3" name="Notes Placeholder 2"/>
+          <p:cNvSpPr>
+            <a:spLocks noGrp="1"/>
+          </p:cNvSpPr>
+          <p:nvPr>
+            <p:ph type="body" idx="1"/>
+          </p:nvPr>
+        </p:nvSpPr>
+        <p:spPr/>
+        <p:txBody>
+          <a:bodyPr/>
+          <a:lstStyle/>
+          <a:p>
+            <a:r>
+              <a:rPr lang="en-US" b="1" dirty="0">
+                <a:latin typeface="+mn-lt"/>
+              </a:rPr>
+              <a:t>Mocks</a:t>
+            </a:r>
+            <a:r>
+              <a:rPr lang="en-US" dirty="0">
+                <a:latin typeface="+mn-lt"/>
+              </a:rPr>
+              <a:t> are what we are talking about here: objects pre-programmed with expectations which form a specification of the calls they are expected to receive. Mocks use </a:t>
+            </a:r>
+            <a:r>
+              <a:rPr lang="en-US" b="1" dirty="0">
+                <a:latin typeface="+mn-lt"/>
+              </a:rPr>
+              <a:t>behavior verification</a:t>
+            </a:r>
+            <a:r>
+              <a:rPr lang="en-US" dirty="0">
+                <a:latin typeface="+mn-lt"/>
+              </a:rPr>
+              <a:t>, where we instead check to see if the object made the correct function calls as expected.</a:t>
+            </a:r>
+          </a:p>
+        </p:txBody>
+      </p:sp>
+      <p:sp>
+        <p:nvSpPr>
+          <p:cNvPr id="4" name="Slide Number Placeholder 3"/>
+          <p:cNvSpPr>
+            <a:spLocks noGrp="1"/>
+          </p:cNvSpPr>
+          <p:nvPr>
+            <p:ph type="sldNum" sz="quarter" idx="5"/>
+          </p:nvPr>
+        </p:nvSpPr>
+        <p:spPr/>
+        <p:txBody>
+          <a:bodyPr/>
+          <a:lstStyle/>
+          <a:p>
+            <a:fld id="{07937F07-1250-4CCE-B198-1B2887014F41}" type="slidenum">
+              <a:rPr lang="en-US" smtClean="0"/>
+              <a:t>13</a:t>
+            </a:fld>
+            <a:endParaRPr lang="en-US"/>
+          </a:p>
+        </p:txBody>
+      </p:sp>
+    </p:spTree>
+    <p:extLst>
+      <p:ext uri="{BB962C8B-B14F-4D97-AF65-F5344CB8AC3E}">
+        <p14:creationId xmlns:p14="http://schemas.microsoft.com/office/powerpoint/2010/main" val="3873608806"/>
+      </p:ext>
+    </p:extLst>
+  </p:cSld>
+  <p:clrMapOvr>
+    <a:masterClrMapping/>
+  </p:clrMapOvr>
+</p:notes>
+</file>
+
+<file path=ppt/notesSlides/notesSlide9.xml><?xml version="1.0" encoding="utf-8"?>
+<p:notes xmlns:a="http://schemas.openxmlformats.org/drawingml/2006/main" xmlns:r="http://schemas.openxmlformats.org/officeDocument/2006/relationships" xmlns:p="http://schemas.openxmlformats.org/presentationml/2006/main">
+  <p:cSld>
+    <p:spTree>
+      <p:nvGrpSpPr>
+        <p:cNvPr id="1" name=""/>
+        <p:cNvGrpSpPr/>
+        <p:nvPr/>
+      </p:nvGrpSpPr>
+      <p:grpSpPr>
+        <a:xfrm>
+          <a:off x="0" y="0"/>
+          <a:ext cx="0" cy="0"/>
+          <a:chOff x="0" y="0"/>
+          <a:chExt cx="0" cy="0"/>
+        </a:xfrm>
+      </p:grpSpPr>
+      <p:sp>
+        <p:nvSpPr>
+          <p:cNvPr id="2" name="Slide Image Placeholder 1"/>
+          <p:cNvSpPr>
+            <a:spLocks noGrp="1" noRot="1" noChangeAspect="1"/>
+          </p:cNvSpPr>
+          <p:nvPr>
+            <p:ph type="sldImg"/>
+          </p:nvPr>
+        </p:nvSpPr>
+        <p:spPr/>
+      </p:sp>
+      <p:sp>
+        <p:nvSpPr>
+          <p:cNvPr id="3" name="Notes Placeholder 2"/>
+          <p:cNvSpPr>
+            <a:spLocks noGrp="1"/>
+          </p:cNvSpPr>
+          <p:nvPr>
+            <p:ph type="body" idx="1"/>
+          </p:nvPr>
+        </p:nvSpPr>
+        <p:spPr/>
+        <p:txBody>
+          <a:bodyPr/>
+          <a:lstStyle/>
+          <a:p>
+            <a:r>
+              <a:rPr lang="en-US" b="1" dirty="0">
+                <a:latin typeface="+mn-lt"/>
+              </a:rPr>
+              <a:t>Fake</a:t>
+            </a:r>
+            <a:r>
+              <a:rPr lang="en-US" dirty="0">
+                <a:latin typeface="+mn-lt"/>
+              </a:rPr>
+              <a:t> objects actually have working implementations, but usually take some shortcut which makes them not suitable for production (an in memory database is a good example).</a:t>
+            </a:r>
+          </a:p>
+        </p:txBody>
+      </p:sp>
+      <p:sp>
+        <p:nvSpPr>
+          <p:cNvPr id="4" name="Slide Number Placeholder 3"/>
+          <p:cNvSpPr>
+            <a:spLocks noGrp="1"/>
+          </p:cNvSpPr>
+          <p:nvPr>
+            <p:ph type="sldNum" sz="quarter" idx="5"/>
+          </p:nvPr>
+        </p:nvSpPr>
+        <p:spPr/>
+        <p:txBody>
+          <a:bodyPr/>
+          <a:lstStyle/>
+          <a:p>
+            <a:fld id="{07937F07-1250-4CCE-B198-1B2887014F41}" type="slidenum">
+              <a:rPr lang="en-US" smtClean="0"/>
+              <a:t>14</a:t>
+            </a:fld>
+            <a:endParaRPr lang="en-US"/>
+          </a:p>
+        </p:txBody>
+      </p:sp>
+    </p:spTree>
+    <p:extLst>
+      <p:ext uri="{BB962C8B-B14F-4D97-AF65-F5344CB8AC3E}">
+        <p14:creationId xmlns:p14="http://schemas.microsoft.com/office/powerpoint/2010/main" val="980722978"/>
+      </p:ext>
+    </p:extLst>
+  </p:cSld>
+  <p:clrMapOvr>
+    <a:masterClrMapping/>
+  </p:clrMapOvr>
+</p:notes>
+</file>
+
 <file path=ppt/slideLayouts/slideLayout1.xml><?xml version="1.0" encoding="utf-8"?>
 <p:sldLayout xmlns:a="http://schemas.openxmlformats.org/drawingml/2006/main" xmlns:r="http://schemas.openxmlformats.org/officeDocument/2006/relationships" xmlns:p="http://schemas.openxmlformats.org/presentationml/2006/main" type="title" preserve="1">
   <p:cSld name="Title Slide">
@@ -666,7 +1654,7 @@
           <a:p>
             <a:fld id="{5D2A64DE-480B-420F-9649-4F8E696E08E0}" type="datetime1">
               <a:rPr lang="en-US" smtClean="0"/>
-              <a:t>2/8/2022</a:t>
+              <a:t>2/12/2022</a:t>
             </a:fld>
             <a:endParaRPr lang="en-US"/>
           </a:p>
@@ -900,7 +1888,7 @@
           <a:p>
             <a:fld id="{0D3616D0-8311-4107-9726-6B805E7D05BA}" type="datetime1">
               <a:rPr lang="en-US" smtClean="0"/>
-              <a:t>2/8/2022</a:t>
+              <a:t>2/12/2022</a:t>
             </a:fld>
             <a:endParaRPr lang="en-US"/>
           </a:p>
@@ -1108,7 +2096,7 @@
           <a:p>
             <a:fld id="{3BC2557A-5C88-417A-A763-5AC779462A5F}" type="datetime1">
               <a:rPr lang="en-US" smtClean="0"/>
-              <a:t>2/8/2022</a:t>
+              <a:t>2/12/2022</a:t>
             </a:fld>
             <a:endParaRPr lang="en-US"/>
           </a:p>
@@ -1638,7 +2626,7 @@
           <a:p>
             <a:fld id="{07C7BFD4-467E-4EDE-93EA-052F5B39A4E5}" type="datetime1">
               <a:rPr lang="en-US" smtClean="0"/>
-              <a:t>2/8/2022</a:t>
+              <a:t>2/12/2022</a:t>
             </a:fld>
             <a:endParaRPr lang="en-US"/>
           </a:p>
@@ -1952,7 +2940,7 @@
           <a:p>
             <a:fld id="{A533CBE2-D5BE-47AC-ADC2-9CDFC1D0CF90}" type="datetime1">
               <a:rPr lang="en-US" smtClean="0"/>
-              <a:t>2/8/2022</a:t>
+              <a:t>2/12/2022</a:t>
             </a:fld>
             <a:endParaRPr lang="en-US"/>
           </a:p>
@@ -2255,7 +3243,7 @@
           <a:p>
             <a:fld id="{39B7EDB1-CE74-4951-85A2-0B01C2128E28}" type="datetime1">
               <a:rPr lang="en-US" smtClean="0"/>
-              <a:t>2/8/2022</a:t>
+              <a:t>2/12/2022</a:t>
             </a:fld>
             <a:endParaRPr lang="en-US"/>
           </a:p>
@@ -2704,7 +3692,7 @@
           <a:p>
             <a:fld id="{2BC7EB92-A5C2-4807-A9DC-9EDE6CBFB241}" type="datetime1">
               <a:rPr lang="en-US" smtClean="0"/>
-              <a:t>2/8/2022</a:t>
+              <a:t>2/12/2022</a:t>
             </a:fld>
             <a:endParaRPr lang="en-US"/>
           </a:p>
@@ -2851,7 +3839,7 @@
           <a:p>
             <a:fld id="{109E55A0-C911-4F03-82FC-7E5926047D46}" type="datetime1">
               <a:rPr lang="en-US" smtClean="0"/>
-              <a:t>2/8/2022</a:t>
+              <a:t>2/12/2022</a:t>
             </a:fld>
             <a:endParaRPr lang="en-US"/>
           </a:p>
@@ -3000,7 +3988,7 @@
           <a:p>
             <a:fld id="{2B7B7EE0-7771-4CD5-9B2B-3550753A54A1}" type="datetime1">
               <a:rPr lang="en-US" smtClean="0"/>
-              <a:t>2/8/2022</a:t>
+              <a:t>2/12/2022</a:t>
             </a:fld>
             <a:endParaRPr lang="en-US"/>
           </a:p>
@@ -3311,7 +4299,7 @@
           <a:p>
             <a:fld id="{F8B318B3-0E87-4416-A9B8-D891968C2727}" type="datetime1">
               <a:rPr lang="en-US" smtClean="0"/>
-              <a:t>2/8/2022</a:t>
+              <a:t>2/12/2022</a:t>
             </a:fld>
             <a:endParaRPr lang="en-US"/>
           </a:p>
@@ -3602,7 +4590,7 @@
           <a:p>
             <a:fld id="{EA476A42-A091-4468-A075-64A31BE59948}" type="datetime1">
               <a:rPr lang="en-US" smtClean="0"/>
-              <a:t>2/8/2022</a:t>
+              <a:t>2/12/2022</a:t>
             </a:fld>
             <a:endParaRPr lang="en-US"/>
           </a:p>
@@ -3845,7 +4833,7 @@
           <a:p>
             <a:fld id="{54D997E8-DDEE-43F1-8D9B-F8A1E11DE488}" type="datetime1">
               <a:rPr lang="en-US" smtClean="0"/>
-              <a:t>2/8/2022</a:t>
+              <a:t>2/12/2022</a:t>
             </a:fld>
             <a:endParaRPr lang="en-US"/>
           </a:p>
@@ -4372,13 +5360,8 @@
             </a:pPr>
             <a:r>
               <a:rPr lang="en-US" sz="2400" dirty="0"/>
-              <a:t>Khoury College of Computer </a:t>
-            </a:r>
-            <a:r>
-              <a:rPr lang="en-US" sz="2400" dirty="0" err="1"/>
-              <a:t>Sciencesa</a:t>
-            </a:r>
-            <a:endParaRPr lang="en-US" sz="2400" dirty="0"/>
+              <a:t>Khoury College of Computer Sciences</a:t>
+            </a:r>
           </a:p>
         </p:txBody>
       </p:sp>
@@ -4503,7 +5486,7 @@
           <p:cNvPr id="2" name="Title 1">
             <a:extLst>
               <a:ext uri="{FF2B5EF4-FFF2-40B4-BE49-F238E27FC236}">
-                <a16:creationId xmlns:a16="http://schemas.microsoft.com/office/drawing/2014/main" id="{EED995E9-C50B-3645-B3B4-EF2E34B0F672}"/>
+                <a16:creationId xmlns:a16="http://schemas.microsoft.com/office/drawing/2014/main" id="{96000464-AB28-4140-830A-1D73177468BE}"/>
               </a:ext>
             </a:extLst>
           </p:cNvPr>
@@ -4521,7 +5504,7 @@
           <a:p>
             <a:r>
               <a:rPr lang="en-US" dirty="0"/>
-              <a:t>Test Mocks</a:t>
+              <a:t>Test Spies</a:t>
             </a:r>
           </a:p>
         </p:txBody>
@@ -4531,7 +5514,7 @@
           <p:cNvPr id="3" name="Content Placeholder 2">
             <a:extLst>
               <a:ext uri="{FF2B5EF4-FFF2-40B4-BE49-F238E27FC236}">
-                <a16:creationId xmlns:a16="http://schemas.microsoft.com/office/drawing/2014/main" id="{A9444C6B-CCC8-FC4E-85A6-583BEE66E7B0}"/>
+                <a16:creationId xmlns:a16="http://schemas.microsoft.com/office/drawing/2014/main" id="{C0DEEF84-14BB-A447-8A37-EADB61CB5EED}"/>
               </a:ext>
             </a:extLst>
           </p:cNvPr>
@@ -4544,58 +5527,93 @@
         </p:nvSpPr>
         <p:spPr/>
         <p:txBody>
-          <a:bodyPr/>
+          <a:bodyPr>
+            <a:normAutofit lnSpcReduction="10000"/>
+          </a:bodyPr>
           <a:lstStyle/>
           <a:p>
             <a:r>
               <a:rPr lang="en-US" dirty="0"/>
-              <a:t>A test mock has scripted results:</a:t>
+              <a:t>A test spy is a stub that </a:t>
+            </a:r>
+            <a:r>
+              <a:rPr lang="en-US" dirty="0">
+                <a:solidFill>
+                  <a:srgbClr val="FF0000"/>
+                </a:solidFill>
+              </a:rPr>
+              <a:t>remembers</a:t>
+            </a:r>
+            <a:r>
+              <a:rPr lang="en-US" dirty="0"/>
+              <a:t> how the object was called</a:t>
             </a:r>
           </a:p>
           <a:p>
             <a:pPr lvl="1"/>
             <a:r>
               <a:rPr lang="en-US" dirty="0"/>
-              <a:t>If such-and-such a method is called</a:t>
-            </a:r>
-          </a:p>
-          <a:p>
-            <a:pPr lvl="2"/>
+              <a:t>Then the test harness can check what happened;</a:t>
+            </a:r>
+          </a:p>
+          <a:p>
+            <a:pPr lvl="1"/>
             <a:r>
               <a:rPr lang="en-US" dirty="0"/>
-              <a:t>return some particular value.</a:t>
-            </a:r>
-          </a:p>
-          <a:p>
+              <a:t>For example: a particular method should be called</a:t>
+            </a:r>
+          </a:p>
+          <a:p>
+            <a:pPr marL="1371600" lvl="2" indent="-457200">
+              <a:buFont typeface="+mj-lt"/>
+              <a:buAutoNum type="arabicPeriod"/>
+            </a:pPr>
             <a:r>
               <a:rPr lang="en-US" dirty="0"/>
-              <a:t>A complex mock can have many scripts:</a:t>
+              <a:t>First with parameters “foo” and 42;</a:t>
+            </a:r>
+          </a:p>
+          <a:p>
+            <a:pPr marL="1371600" lvl="2" indent="-457200">
+              <a:buFont typeface="+mj-lt"/>
+              <a:buAutoNum type="arabicPeriod"/>
+            </a:pPr>
+            <a:r>
+              <a:rPr lang="en-US" dirty="0"/>
+              <a:t>Then with parameters “quux” and -88.</a:t>
+            </a:r>
+          </a:p>
+          <a:p>
+            <a:r>
+              <a:rPr lang="en-US" dirty="0"/>
+              <a:t>A spy can be useful on the “real” object:</a:t>
             </a:r>
           </a:p>
           <a:p>
             <a:pPr lvl="1"/>
             <a:r>
               <a:rPr lang="en-US" dirty="0"/>
-              <a:t>Multiple methods;</a:t>
+              <a:t>What was sent on the network?</a:t>
             </a:r>
           </a:p>
           <a:p>
             <a:pPr lvl="1"/>
             <a:r>
               <a:rPr lang="en-US" dirty="0"/>
-              <a:t>Different results for subsequent calls.</a:t>
-            </a:r>
-          </a:p>
-          <a:p>
+              <a:t>How many times a problem was logged?</a:t>
+            </a:r>
+          </a:p>
+          <a:p>
+            <a:pPr lvl="1"/>
             <a:r>
               <a:rPr lang="en-US" dirty="0"/>
-              <a:t>Useful mocking assumes we know how mocked object will be used.</a:t>
+              <a:t>What was inserted in the database?</a:t>
             </a:r>
           </a:p>
           <a:p>
             <a:r>
               <a:rPr lang="en-US" dirty="0"/>
-              <a:t>If a “mock” has real logic, it becomes a “fake”.</a:t>
+              <a:t>But most often used with a “mock.”</a:t>
             </a:r>
           </a:p>
         </p:txBody>
@@ -4605,7 +5623,7 @@
           <p:cNvPr id="4" name="Slide Number Placeholder 3">
             <a:extLst>
               <a:ext uri="{FF2B5EF4-FFF2-40B4-BE49-F238E27FC236}">
-                <a16:creationId xmlns:a16="http://schemas.microsoft.com/office/drawing/2014/main" id="{65F708AD-E1DB-5644-8814-B1B227A25D18}"/>
+                <a16:creationId xmlns:a16="http://schemas.microsoft.com/office/drawing/2014/main" id="{46DF8449-65EA-A842-AAEF-7C83D463A6A7}"/>
               </a:ext>
             </a:extLst>
           </p:cNvPr>
@@ -4634,7 +5652,7 @@
           <p:cNvPr id="5" name="Rectangle 4">
             <a:extLst>
               <a:ext uri="{FF2B5EF4-FFF2-40B4-BE49-F238E27FC236}">
-                <a16:creationId xmlns:a16="http://schemas.microsoft.com/office/drawing/2014/main" id="{04C2F5A4-5E0B-4497-8ADB-C757CB0915B9}"/>
+                <a16:creationId xmlns:a16="http://schemas.microsoft.com/office/drawing/2014/main" id="{40A70448-0377-43FF-B9A5-BEC04C1A837D}"/>
               </a:ext>
             </a:extLst>
           </p:cNvPr>
@@ -4643,8 +5661,8 @@
         </p:nvSpPr>
         <p:spPr>
           <a:xfrm>
-            <a:off x="9223924" y="3073593"/>
-            <a:ext cx="2129876" cy="1325563"/>
+            <a:off x="9223924" y="3073594"/>
+            <a:ext cx="2129876" cy="866810"/>
           </a:xfrm>
           <a:prstGeom prst="rect">
             <a:avLst/>
@@ -4689,7 +5707,7 @@
                 </a:solidFill>
                 <a:latin typeface="Ink Free" panose="03080402000500000000" pitchFamily="66" charset="0"/>
               </a:rPr>
-              <a:t>Mock has “scripted answers”</a:t>
+              <a:t>Spy “remembers”</a:t>
             </a:r>
           </a:p>
         </p:txBody>
@@ -4697,7 +5715,7 @@
     </p:spTree>
     <p:extLst>
       <p:ext uri="{BB962C8B-B14F-4D97-AF65-F5344CB8AC3E}">
-        <p14:creationId xmlns:p14="http://schemas.microsoft.com/office/powerpoint/2010/main" val="2138658308"/>
+        <p14:creationId xmlns:p14="http://schemas.microsoft.com/office/powerpoint/2010/main" val="789637820"/>
       </p:ext>
     </p:extLst>
   </p:cSld>
@@ -4856,7 +5874,7 @@
           <p:cNvPr id="2" name="Title 1">
             <a:extLst>
               <a:ext uri="{FF2B5EF4-FFF2-40B4-BE49-F238E27FC236}">
-                <a16:creationId xmlns:a16="http://schemas.microsoft.com/office/drawing/2014/main" id="{4C77E768-7027-9A41-B88B-CB0667D14490}"/>
+                <a16:creationId xmlns:a16="http://schemas.microsoft.com/office/drawing/2014/main" id="{84254271-F8B1-5348-B575-F509EBC46126}"/>
               </a:ext>
             </a:extLst>
           </p:cNvPr>
@@ -4874,137 +5892,1603 @@
           <a:p>
             <a:r>
               <a:rPr lang="en-US" dirty="0"/>
-              <a:t>Test Fakes</a:t>
+              <a:t>Test Spy Example</a:t>
             </a:r>
           </a:p>
         </p:txBody>
       </p:sp>
       <p:sp>
         <p:nvSpPr>
-          <p:cNvPr id="3" name="Content Placeholder 2">
+          <p:cNvPr id="21" name="Content Placeholder 2">
             <a:extLst>
               <a:ext uri="{FF2B5EF4-FFF2-40B4-BE49-F238E27FC236}">
-                <a16:creationId xmlns:a16="http://schemas.microsoft.com/office/drawing/2014/main" id="{DFA7644B-7956-A147-9BA0-8AF6266FDE78}"/>
+                <a16:creationId xmlns:a16="http://schemas.microsoft.com/office/drawing/2014/main" id="{D21E59DF-D18B-4DAB-835B-2533777E8527}"/>
               </a:ext>
             </a:extLst>
           </p:cNvPr>
-          <p:cNvSpPr>
-            <a:spLocks noGrp="1"/>
+          <p:cNvSpPr txBox="1">
+            <a:spLocks/>
           </p:cNvSpPr>
-          <p:nvPr>
-            <p:ph idx="1"/>
-          </p:nvPr>
-        </p:nvSpPr>
-        <p:spPr/>
+          <p:nvPr/>
+        </p:nvSpPr>
+        <p:spPr>
+          <a:xfrm>
+            <a:off x="838200" y="1464065"/>
+            <a:ext cx="6740047" cy="4351338"/>
+          </a:xfrm>
+          <a:prstGeom prst="rect">
+            <a:avLst/>
+          </a:prstGeom>
+        </p:spPr>
         <p:txBody>
           <a:bodyPr/>
-          <a:lstStyle/>
-          <a:p>
-            <a:r>
-              <a:rPr lang="en-US" dirty="0"/>
-              <a:t>A </a:t>
-            </a:r>
-            <a:r>
-              <a:rPr lang="en-US" i="1" dirty="0"/>
-              <a:t>fake</a:t>
-            </a:r>
-            <a:r>
-              <a:rPr lang="en-US" dirty="0"/>
-              <a:t> has an implementation of the object being replaced</a:t>
-            </a:r>
-          </a:p>
-          <a:p>
-            <a:pPr lvl="1"/>
-            <a:r>
-              <a:rPr lang="en-US" dirty="0"/>
-              <a:t>A </a:t>
-            </a:r>
-            <a:r>
-              <a:rPr lang="en-US" i="1" dirty="0"/>
-              <a:t>low-fidelity </a:t>
-            </a:r>
-            <a:r>
-              <a:rPr lang="en-US" dirty="0"/>
-              <a:t>fake implements things partially</a:t>
-            </a:r>
-          </a:p>
-          <a:p>
-            <a:pPr lvl="2"/>
-            <a:r>
-              <a:rPr lang="en-US" dirty="0"/>
-              <a:t>Enough to work for the test.</a:t>
-            </a:r>
-          </a:p>
-          <a:p>
-            <a:pPr lvl="1"/>
-            <a:r>
-              <a:rPr lang="en-US" dirty="0"/>
-              <a:t>A </a:t>
-            </a:r>
-            <a:r>
-              <a:rPr lang="en-US" i="1" dirty="0"/>
-              <a:t>high-fidelity</a:t>
-            </a:r>
-            <a:r>
-              <a:rPr lang="en-US" dirty="0"/>
-              <a:t> fake implements most aspects:</a:t>
-            </a:r>
-          </a:p>
-          <a:p>
-            <a:pPr lvl="2"/>
-            <a:r>
-              <a:rPr lang="en-US" dirty="0"/>
-              <a:t>Usually all functional aspects;</a:t>
-            </a:r>
-          </a:p>
-          <a:p>
-            <a:pPr lvl="2"/>
-            <a:r>
-              <a:rPr lang="en-US" dirty="0"/>
-              <a:t>Usually not as efficiently or as scalable.</a:t>
-            </a:r>
-          </a:p>
-          <a:p>
-            <a:r>
-              <a:rPr lang="en-US" dirty="0"/>
-              <a:t>The purpose of the fake is to avoid processes/network/cost:</a:t>
-            </a:r>
-          </a:p>
-          <a:p>
-            <a:pPr lvl="1"/>
-            <a:r>
-              <a:rPr lang="en-US" dirty="0"/>
-              <a:t>So the test can be cheap and deterministic.</a:t>
+          <a:lstStyle>
+            <a:lvl1pPr marL="228600" indent="-228600" algn="l" defTabSz="914400" rtl="0" eaLnBrk="1" latinLnBrk="0" hangingPunct="1">
+              <a:lnSpc>
+                <a:spcPct val="90000"/>
+              </a:lnSpc>
+              <a:spcBef>
+                <a:spcPts val="1000"/>
+              </a:spcBef>
+              <a:buFont typeface="Arial" panose="020B0604020202020204" pitchFamily="34" charset="0"/>
+              <a:buChar char="•"/>
+              <a:defRPr sz="2800" kern="1200">
+                <a:solidFill>
+                  <a:schemeClr val="tx1"/>
+                </a:solidFill>
+                <a:latin typeface="+mn-lt"/>
+                <a:ea typeface="+mn-ea"/>
+                <a:cs typeface="+mn-cs"/>
+              </a:defRPr>
+            </a:lvl1pPr>
+            <a:lvl2pPr marL="685800" indent="-228600" algn="l" defTabSz="914400" rtl="0" eaLnBrk="1" latinLnBrk="0" hangingPunct="1">
+              <a:lnSpc>
+                <a:spcPct val="90000"/>
+              </a:lnSpc>
+              <a:spcBef>
+                <a:spcPts val="500"/>
+              </a:spcBef>
+              <a:buFont typeface="Arial" panose="020B0604020202020204" pitchFamily="34" charset="0"/>
+              <a:buChar char="•"/>
+              <a:defRPr sz="2400" kern="1200">
+                <a:solidFill>
+                  <a:schemeClr val="tx1"/>
+                </a:solidFill>
+                <a:latin typeface="+mn-lt"/>
+                <a:ea typeface="+mn-ea"/>
+                <a:cs typeface="+mn-cs"/>
+              </a:defRPr>
+            </a:lvl2pPr>
+            <a:lvl3pPr marL="1143000" indent="-228600" algn="l" defTabSz="914400" rtl="0" eaLnBrk="1" latinLnBrk="0" hangingPunct="1">
+              <a:lnSpc>
+                <a:spcPct val="90000"/>
+              </a:lnSpc>
+              <a:spcBef>
+                <a:spcPts val="500"/>
+              </a:spcBef>
+              <a:buFont typeface="Arial" panose="020B0604020202020204" pitchFamily="34" charset="0"/>
+              <a:buChar char="•"/>
+              <a:defRPr sz="2000" kern="1200">
+                <a:solidFill>
+                  <a:schemeClr val="tx1"/>
+                </a:solidFill>
+                <a:latin typeface="+mn-lt"/>
+                <a:ea typeface="+mn-ea"/>
+                <a:cs typeface="+mn-cs"/>
+              </a:defRPr>
+            </a:lvl3pPr>
+            <a:lvl4pPr marL="1600200" indent="-228600" algn="l" defTabSz="914400" rtl="0" eaLnBrk="1" latinLnBrk="0" hangingPunct="1">
+              <a:lnSpc>
+                <a:spcPct val="90000"/>
+              </a:lnSpc>
+              <a:spcBef>
+                <a:spcPts val="500"/>
+              </a:spcBef>
+              <a:buFont typeface="Arial" panose="020B0604020202020204" pitchFamily="34" charset="0"/>
+              <a:buChar char="•"/>
+              <a:defRPr sz="1800" kern="1200">
+                <a:solidFill>
+                  <a:schemeClr val="tx1"/>
+                </a:solidFill>
+                <a:latin typeface="+mn-lt"/>
+                <a:ea typeface="+mn-ea"/>
+                <a:cs typeface="+mn-cs"/>
+              </a:defRPr>
+            </a:lvl4pPr>
+            <a:lvl5pPr marL="2057400" indent="-228600" algn="l" defTabSz="914400" rtl="0" eaLnBrk="1" latinLnBrk="0" hangingPunct="1">
+              <a:lnSpc>
+                <a:spcPct val="90000"/>
+              </a:lnSpc>
+              <a:spcBef>
+                <a:spcPts val="500"/>
+              </a:spcBef>
+              <a:buFont typeface="Arial" panose="020B0604020202020204" pitchFamily="34" charset="0"/>
+              <a:buChar char="•"/>
+              <a:defRPr sz="1800" kern="1200">
+                <a:solidFill>
+                  <a:schemeClr val="tx1"/>
+                </a:solidFill>
+                <a:latin typeface="+mn-lt"/>
+                <a:ea typeface="+mn-ea"/>
+                <a:cs typeface="+mn-cs"/>
+              </a:defRPr>
+            </a:lvl5pPr>
+            <a:lvl6pPr marL="2514600" indent="-228600" algn="l" defTabSz="914400" rtl="0" eaLnBrk="1" latinLnBrk="0" hangingPunct="1">
+              <a:lnSpc>
+                <a:spcPct val="90000"/>
+              </a:lnSpc>
+              <a:spcBef>
+                <a:spcPts val="500"/>
+              </a:spcBef>
+              <a:buFont typeface="Arial" panose="020B0604020202020204" pitchFamily="34" charset="0"/>
+              <a:buChar char="•"/>
+              <a:defRPr sz="1800" kern="1200">
+                <a:solidFill>
+                  <a:schemeClr val="tx1"/>
+                </a:solidFill>
+                <a:latin typeface="+mn-lt"/>
+                <a:ea typeface="+mn-ea"/>
+                <a:cs typeface="+mn-cs"/>
+              </a:defRPr>
+            </a:lvl6pPr>
+            <a:lvl7pPr marL="2971800" indent="-228600" algn="l" defTabSz="914400" rtl="0" eaLnBrk="1" latinLnBrk="0" hangingPunct="1">
+              <a:lnSpc>
+                <a:spcPct val="90000"/>
+              </a:lnSpc>
+              <a:spcBef>
+                <a:spcPts val="500"/>
+              </a:spcBef>
+              <a:buFont typeface="Arial" panose="020B0604020202020204" pitchFamily="34" charset="0"/>
+              <a:buChar char="•"/>
+              <a:defRPr sz="1800" kern="1200">
+                <a:solidFill>
+                  <a:schemeClr val="tx1"/>
+                </a:solidFill>
+                <a:latin typeface="+mn-lt"/>
+                <a:ea typeface="+mn-ea"/>
+                <a:cs typeface="+mn-cs"/>
+              </a:defRPr>
+            </a:lvl7pPr>
+            <a:lvl8pPr marL="3429000" indent="-228600" algn="l" defTabSz="914400" rtl="0" eaLnBrk="1" latinLnBrk="0" hangingPunct="1">
+              <a:lnSpc>
+                <a:spcPct val="90000"/>
+              </a:lnSpc>
+              <a:spcBef>
+                <a:spcPts val="500"/>
+              </a:spcBef>
+              <a:buFont typeface="Arial" panose="020B0604020202020204" pitchFamily="34" charset="0"/>
+              <a:buChar char="•"/>
+              <a:defRPr sz="1800" kern="1200">
+                <a:solidFill>
+                  <a:schemeClr val="tx1"/>
+                </a:solidFill>
+                <a:latin typeface="+mn-lt"/>
+                <a:ea typeface="+mn-ea"/>
+                <a:cs typeface="+mn-cs"/>
+              </a:defRPr>
+            </a:lvl8pPr>
+            <a:lvl9pPr marL="3886200" indent="-228600" algn="l" defTabSz="914400" rtl="0" eaLnBrk="1" latinLnBrk="0" hangingPunct="1">
+              <a:lnSpc>
+                <a:spcPct val="90000"/>
+              </a:lnSpc>
+              <a:spcBef>
+                <a:spcPts val="500"/>
+              </a:spcBef>
+              <a:buFont typeface="Arial" panose="020B0604020202020204" pitchFamily="34" charset="0"/>
+              <a:buChar char="•"/>
+              <a:defRPr sz="1800" kern="1200">
+                <a:solidFill>
+                  <a:schemeClr val="tx1"/>
+                </a:solidFill>
+                <a:latin typeface="+mn-lt"/>
+                <a:ea typeface="+mn-ea"/>
+                <a:cs typeface="+mn-cs"/>
+              </a:defRPr>
+            </a:lvl9pPr>
+          </a:lstStyle>
+          <a:p>
+            <a:pPr marL="0" indent="0">
+              <a:buNone/>
+            </a:pPr>
+            <a:r>
+              <a:rPr lang="en-US" sz="1400" b="0" dirty="0">
+                <a:solidFill>
+                  <a:srgbClr val="0000FF"/>
+                </a:solidFill>
+                <a:effectLst/>
+                <a:latin typeface="Consolas" panose="020B0609020204030204" pitchFamily="49" charset="0"/>
+              </a:rPr>
+              <a:t>interface</a:t>
+            </a:r>
+            <a:r>
+              <a:rPr lang="en-US" sz="1400" b="0" dirty="0">
+                <a:solidFill>
+                  <a:srgbClr val="000000"/>
+                </a:solidFill>
+                <a:effectLst/>
+                <a:latin typeface="Consolas" panose="020B0609020204030204" pitchFamily="49" charset="0"/>
+              </a:rPr>
+              <a:t> Logger {</a:t>
+            </a:r>
+          </a:p>
+          <a:p>
+            <a:pPr marL="0" indent="0">
+              <a:buNone/>
+            </a:pPr>
+            <a:r>
+              <a:rPr lang="en-US" sz="1400" b="0" dirty="0">
+                <a:solidFill>
+                  <a:srgbClr val="000000"/>
+                </a:solidFill>
+                <a:effectLst/>
+                <a:latin typeface="Consolas" panose="020B0609020204030204" pitchFamily="49" charset="0"/>
+              </a:rPr>
+              <a:t>    </a:t>
+            </a:r>
+            <a:r>
+              <a:rPr lang="en-US" sz="1400" b="0" dirty="0">
+                <a:solidFill>
+                  <a:srgbClr val="0000FF"/>
+                </a:solidFill>
+                <a:effectLst/>
+                <a:latin typeface="Consolas" panose="020B0609020204030204" pitchFamily="49" charset="0"/>
+              </a:rPr>
+              <a:t>public</a:t>
+            </a:r>
+            <a:r>
+              <a:rPr lang="en-US" sz="1400" b="0" dirty="0">
+                <a:solidFill>
+                  <a:srgbClr val="000000"/>
+                </a:solidFill>
+                <a:effectLst/>
+                <a:latin typeface="Consolas" panose="020B0609020204030204" pitchFamily="49" charset="0"/>
+              </a:rPr>
+              <a:t> function log(</a:t>
+            </a:r>
+            <a:r>
+              <a:rPr lang="en-US" sz="1400" b="0" dirty="0">
+                <a:solidFill>
+                  <a:srgbClr val="0000FF"/>
+                </a:solidFill>
+                <a:effectLst/>
+                <a:latin typeface="Consolas" panose="020B0609020204030204" pitchFamily="49" charset="0"/>
+              </a:rPr>
+              <a:t>String</a:t>
+            </a:r>
+            <a:r>
+              <a:rPr lang="en-US" sz="1400" b="0" dirty="0">
+                <a:solidFill>
+                  <a:srgbClr val="000000"/>
+                </a:solidFill>
+                <a:effectLst/>
+                <a:latin typeface="Consolas" panose="020B0609020204030204" pitchFamily="49" charset="0"/>
+              </a:rPr>
+              <a:t> message): void;</a:t>
+            </a:r>
+          </a:p>
+          <a:p>
+            <a:pPr marL="0" indent="0">
+              <a:buNone/>
+            </a:pPr>
+            <a:r>
+              <a:rPr lang="en-US" sz="1400" b="0" dirty="0">
+                <a:solidFill>
+                  <a:srgbClr val="000000"/>
+                </a:solidFill>
+                <a:effectLst/>
+                <a:latin typeface="Consolas" panose="020B0609020204030204" pitchFamily="49" charset="0"/>
+              </a:rPr>
+              <a:t>}</a:t>
+            </a:r>
+          </a:p>
+          <a:p>
+            <a:pPr marL="0" indent="0">
+              <a:buNone/>
+            </a:pPr>
+            <a:r>
+              <a:rPr lang="en-US" sz="1400" b="0" dirty="0">
+                <a:solidFill>
+                  <a:srgbClr val="0000FF"/>
+                </a:solidFill>
+                <a:effectLst/>
+                <a:latin typeface="Consolas" panose="020B0609020204030204" pitchFamily="49" charset="0"/>
+              </a:rPr>
+              <a:t>final</a:t>
+            </a:r>
+            <a:r>
+              <a:rPr lang="en-US" sz="1400" b="0" dirty="0">
+                <a:solidFill>
+                  <a:srgbClr val="000000"/>
+                </a:solidFill>
+                <a:effectLst/>
+                <a:latin typeface="Consolas" panose="020B0609020204030204" pitchFamily="49" charset="0"/>
+              </a:rPr>
+              <a:t> </a:t>
+            </a:r>
+            <a:r>
+              <a:rPr lang="en-US" sz="1400" b="0" dirty="0">
+                <a:solidFill>
+                  <a:srgbClr val="0000FF"/>
+                </a:solidFill>
+                <a:effectLst/>
+                <a:latin typeface="Consolas" panose="020B0609020204030204" pitchFamily="49" charset="0"/>
+              </a:rPr>
+              <a:t>class</a:t>
+            </a:r>
+            <a:r>
+              <a:rPr lang="en-US" sz="1400" b="0" dirty="0">
+                <a:solidFill>
+                  <a:srgbClr val="000000"/>
+                </a:solidFill>
+                <a:effectLst/>
+                <a:latin typeface="Consolas" panose="020B0609020204030204" pitchFamily="49" charset="0"/>
+              </a:rPr>
+              <a:t> </a:t>
+            </a:r>
+            <a:r>
+              <a:rPr lang="en-US" sz="1400" b="0" dirty="0" err="1">
+                <a:solidFill>
+                  <a:srgbClr val="000000"/>
+                </a:solidFill>
+                <a:effectLst/>
+                <a:latin typeface="Consolas" panose="020B0609020204030204" pitchFamily="49" charset="0"/>
+              </a:rPr>
+              <a:t>LoggerSpy</a:t>
+            </a:r>
+            <a:r>
+              <a:rPr lang="en-US" sz="1400" b="0" dirty="0">
+                <a:solidFill>
+                  <a:srgbClr val="000000"/>
+                </a:solidFill>
+                <a:effectLst/>
+                <a:latin typeface="Consolas" panose="020B0609020204030204" pitchFamily="49" charset="0"/>
+              </a:rPr>
+              <a:t> </a:t>
+            </a:r>
+            <a:r>
+              <a:rPr lang="en-US" sz="1400" b="0" dirty="0">
+                <a:solidFill>
+                  <a:srgbClr val="0000FF"/>
+                </a:solidFill>
+                <a:effectLst/>
+                <a:latin typeface="Consolas" panose="020B0609020204030204" pitchFamily="49" charset="0"/>
+              </a:rPr>
+              <a:t>implements</a:t>
+            </a:r>
+            <a:r>
+              <a:rPr lang="en-US" sz="1400" b="0" dirty="0">
+                <a:solidFill>
+                  <a:srgbClr val="000000"/>
+                </a:solidFill>
+                <a:effectLst/>
+                <a:latin typeface="Consolas" panose="020B0609020204030204" pitchFamily="49" charset="0"/>
+              </a:rPr>
+              <a:t> Logger {</a:t>
+            </a:r>
+          </a:p>
+          <a:p>
+            <a:pPr marL="0" indent="0">
+              <a:buNone/>
+            </a:pPr>
+            <a:r>
+              <a:rPr lang="en-US" sz="1400" b="0" dirty="0">
+                <a:solidFill>
+                  <a:srgbClr val="000000"/>
+                </a:solidFill>
+                <a:effectLst/>
+                <a:latin typeface="Consolas" panose="020B0609020204030204" pitchFamily="49" charset="0"/>
+              </a:rPr>
+              <a:t>    </a:t>
+            </a:r>
+            <a:r>
+              <a:rPr lang="en-US" sz="1400" b="0" dirty="0">
+                <a:solidFill>
+                  <a:srgbClr val="0000FF"/>
+                </a:solidFill>
+                <a:effectLst/>
+                <a:latin typeface="Consolas" panose="020B0609020204030204" pitchFamily="49" charset="0"/>
+              </a:rPr>
+              <a:t>public</a:t>
+            </a:r>
+            <a:r>
+              <a:rPr lang="en-US" sz="1400" b="0" dirty="0">
+                <a:solidFill>
+                  <a:srgbClr val="000000"/>
+                </a:solidFill>
+                <a:effectLst/>
+                <a:latin typeface="Consolas" panose="020B0609020204030204" pitchFamily="49" charset="0"/>
+              </a:rPr>
+              <a:t> </a:t>
+            </a:r>
+            <a:r>
+              <a:rPr lang="en-US" sz="1400" b="0" dirty="0">
+                <a:solidFill>
+                  <a:srgbClr val="0000FF"/>
+                </a:solidFill>
+                <a:effectLst/>
+                <a:latin typeface="Consolas" panose="020B0609020204030204" pitchFamily="49" charset="0"/>
+              </a:rPr>
+              <a:t>Array</a:t>
+            </a:r>
+            <a:r>
+              <a:rPr lang="en-US" sz="1400" b="0" dirty="0">
+                <a:solidFill>
+                  <a:srgbClr val="000000"/>
+                </a:solidFill>
+                <a:effectLst/>
+                <a:latin typeface="Consolas" panose="020B0609020204030204" pitchFamily="49" charset="0"/>
+              </a:rPr>
+              <a:t> messages = [];    </a:t>
+            </a:r>
+          </a:p>
+          <a:p>
+            <a:pPr marL="0" indent="0">
+              <a:buNone/>
+            </a:pPr>
+            <a:r>
+              <a:rPr lang="en-US" sz="1400" dirty="0">
+                <a:solidFill>
+                  <a:srgbClr val="000000"/>
+                </a:solidFill>
+                <a:latin typeface="Consolas" panose="020B0609020204030204" pitchFamily="49" charset="0"/>
+              </a:rPr>
+              <a:t>    </a:t>
+            </a:r>
+            <a:r>
+              <a:rPr lang="en-US" sz="1400" b="0" dirty="0">
+                <a:solidFill>
+                  <a:srgbClr val="0000FF"/>
+                </a:solidFill>
+                <a:effectLst/>
+                <a:latin typeface="Consolas" panose="020B0609020204030204" pitchFamily="49" charset="0"/>
+              </a:rPr>
+              <a:t>public</a:t>
+            </a:r>
+            <a:r>
+              <a:rPr lang="en-US" sz="1400" b="0" dirty="0">
+                <a:solidFill>
+                  <a:srgbClr val="000000"/>
+                </a:solidFill>
+                <a:effectLst/>
+                <a:latin typeface="Consolas" panose="020B0609020204030204" pitchFamily="49" charset="0"/>
+              </a:rPr>
+              <a:t> function log(string message): void {</a:t>
+            </a:r>
+          </a:p>
+          <a:p>
+            <a:pPr marL="0" indent="0">
+              <a:buNone/>
+            </a:pPr>
+            <a:r>
+              <a:rPr lang="en-US" sz="1400" b="0" dirty="0">
+                <a:solidFill>
+                  <a:srgbClr val="000000"/>
+                </a:solidFill>
+                <a:effectLst/>
+                <a:latin typeface="Consolas" panose="020B0609020204030204" pitchFamily="49" charset="0"/>
+              </a:rPr>
+              <a:t>        </a:t>
+            </a:r>
+            <a:r>
+              <a:rPr lang="en-US" sz="1400" b="0" dirty="0" err="1">
+                <a:solidFill>
+                  <a:srgbClr val="0000FF"/>
+                </a:solidFill>
+                <a:effectLst/>
+                <a:latin typeface="Consolas" panose="020B0609020204030204" pitchFamily="49" charset="0"/>
+              </a:rPr>
+              <a:t>this</a:t>
+            </a:r>
+            <a:r>
+              <a:rPr lang="en-US" sz="1400" b="0" dirty="0" err="1">
+                <a:solidFill>
+                  <a:srgbClr val="000000"/>
+                </a:solidFill>
+                <a:effectLst/>
+                <a:latin typeface="Consolas" panose="020B0609020204030204" pitchFamily="49" charset="0"/>
+              </a:rPr>
+              <a:t>.messages</a:t>
+            </a:r>
+            <a:r>
+              <a:rPr lang="en-US" sz="1400" b="0" dirty="0">
+                <a:solidFill>
+                  <a:srgbClr val="000000"/>
+                </a:solidFill>
+                <a:effectLst/>
+                <a:latin typeface="Consolas" panose="020B0609020204030204" pitchFamily="49" charset="0"/>
+              </a:rPr>
+              <a:t>[] = message;</a:t>
+            </a:r>
+          </a:p>
+          <a:p>
+            <a:pPr marL="0" indent="0">
+              <a:buNone/>
+            </a:pPr>
+            <a:r>
+              <a:rPr lang="en-US" sz="1400" b="0" dirty="0">
+                <a:solidFill>
+                  <a:srgbClr val="000000"/>
+                </a:solidFill>
+                <a:effectLst/>
+                <a:latin typeface="Consolas" panose="020B0609020204030204" pitchFamily="49" charset="0"/>
+              </a:rPr>
+              <a:t>    }</a:t>
+            </a:r>
+          </a:p>
+          <a:p>
+            <a:pPr marL="0" indent="0">
+              <a:buNone/>
+            </a:pPr>
+            <a:r>
+              <a:rPr lang="en-US" sz="1400" b="0" dirty="0">
+                <a:solidFill>
+                  <a:srgbClr val="000000"/>
+                </a:solidFill>
+                <a:effectLst/>
+                <a:latin typeface="Consolas" panose="020B0609020204030204" pitchFamily="49" charset="0"/>
+              </a:rPr>
+              <a:t>}</a:t>
+            </a:r>
+          </a:p>
+          <a:p>
+            <a:pPr marL="0" indent="0">
+              <a:buNone/>
+            </a:pPr>
+            <a:r>
+              <a:rPr lang="en-US" sz="1400" b="0" dirty="0">
+                <a:solidFill>
+                  <a:srgbClr val="0000FF"/>
+                </a:solidFill>
+                <a:effectLst/>
+                <a:latin typeface="Consolas" panose="020B0609020204030204" pitchFamily="49" charset="0"/>
+              </a:rPr>
+              <a:t>final</a:t>
+            </a:r>
+            <a:r>
+              <a:rPr lang="en-US" sz="1400" b="0" dirty="0">
+                <a:solidFill>
+                  <a:srgbClr val="000000"/>
+                </a:solidFill>
+                <a:effectLst/>
+                <a:latin typeface="Consolas" panose="020B0609020204030204" pitchFamily="49" charset="0"/>
+              </a:rPr>
+              <a:t> </a:t>
+            </a:r>
+            <a:r>
+              <a:rPr lang="en-US" sz="1400" b="0" dirty="0">
+                <a:solidFill>
+                  <a:srgbClr val="0000FF"/>
+                </a:solidFill>
+                <a:effectLst/>
+                <a:latin typeface="Consolas" panose="020B0609020204030204" pitchFamily="49" charset="0"/>
+              </a:rPr>
+              <a:t>class</a:t>
+            </a:r>
+            <a:r>
+              <a:rPr lang="en-US" sz="1400" b="0" dirty="0">
+                <a:solidFill>
+                  <a:srgbClr val="000000"/>
+                </a:solidFill>
+                <a:effectLst/>
+                <a:latin typeface="Consolas" panose="020B0609020204030204" pitchFamily="49" charset="0"/>
+              </a:rPr>
+              <a:t> </a:t>
+            </a:r>
+            <a:r>
+              <a:rPr lang="en-US" sz="1400" b="0" dirty="0" err="1">
+                <a:solidFill>
+                  <a:srgbClr val="000000"/>
+                </a:solidFill>
+                <a:effectLst/>
+                <a:latin typeface="Consolas" panose="020B0609020204030204" pitchFamily="49" charset="0"/>
+              </a:rPr>
+              <a:t>UserNotifier</a:t>
+            </a:r>
+            <a:r>
+              <a:rPr lang="en-US" sz="1400" b="0" dirty="0">
+                <a:solidFill>
+                  <a:srgbClr val="000000"/>
+                </a:solidFill>
+                <a:effectLst/>
+                <a:latin typeface="Consolas" panose="020B0609020204030204" pitchFamily="49" charset="0"/>
+              </a:rPr>
+              <a:t> {</a:t>
+            </a:r>
+          </a:p>
+          <a:p>
+            <a:pPr marL="0" indent="0">
+              <a:buNone/>
+            </a:pPr>
+            <a:r>
+              <a:rPr lang="en-US" sz="1400" b="0" dirty="0">
+                <a:solidFill>
+                  <a:srgbClr val="000000"/>
+                </a:solidFill>
+                <a:effectLst/>
+                <a:latin typeface="Consolas" panose="020B0609020204030204" pitchFamily="49" charset="0"/>
+              </a:rPr>
+              <a:t>    </a:t>
+            </a:r>
+            <a:r>
+              <a:rPr lang="en-US" sz="1400" b="0" dirty="0">
+                <a:solidFill>
+                  <a:srgbClr val="0000FF"/>
+                </a:solidFill>
+                <a:effectLst/>
+                <a:latin typeface="Consolas" panose="020B0609020204030204" pitchFamily="49" charset="0"/>
+              </a:rPr>
+              <a:t>public</a:t>
+            </a:r>
+            <a:r>
+              <a:rPr lang="en-US" sz="1400" b="0" dirty="0">
+                <a:solidFill>
+                  <a:srgbClr val="000000"/>
+                </a:solidFill>
+                <a:effectLst/>
+                <a:latin typeface="Consolas" panose="020B0609020204030204" pitchFamily="49" charset="0"/>
+              </a:rPr>
+              <a:t> function __construct(private </a:t>
+            </a:r>
+            <a:r>
+              <a:rPr lang="en-US" sz="1400" b="0" dirty="0">
+                <a:solidFill>
+                  <a:srgbClr val="0000FF"/>
+                </a:solidFill>
+                <a:effectLst/>
+                <a:latin typeface="Consolas" panose="020B0609020204030204" pitchFamily="49" charset="0"/>
+              </a:rPr>
+              <a:t>Logger</a:t>
+            </a:r>
+            <a:r>
+              <a:rPr lang="en-US" sz="1400" b="0" dirty="0">
+                <a:solidFill>
+                  <a:srgbClr val="000000"/>
+                </a:solidFill>
+                <a:effectLst/>
+                <a:latin typeface="Consolas" panose="020B0609020204030204" pitchFamily="49" charset="0"/>
+              </a:rPr>
+              <a:t> logger) {}</a:t>
+            </a:r>
+          </a:p>
+          <a:p>
+            <a:pPr marL="0" indent="0">
+              <a:buNone/>
+            </a:pPr>
+            <a:r>
+              <a:rPr lang="en-US" sz="1400" b="0" dirty="0">
+                <a:solidFill>
+                  <a:srgbClr val="000000"/>
+                </a:solidFill>
+                <a:effectLst/>
+                <a:latin typeface="Consolas" panose="020B0609020204030204" pitchFamily="49" charset="0"/>
+              </a:rPr>
+              <a:t>    </a:t>
+            </a:r>
+            <a:r>
+              <a:rPr lang="en-US" sz="1400" b="0" dirty="0">
+                <a:solidFill>
+                  <a:srgbClr val="0000FF"/>
+                </a:solidFill>
+                <a:effectLst/>
+                <a:latin typeface="Consolas" panose="020B0609020204030204" pitchFamily="49" charset="0"/>
+              </a:rPr>
+              <a:t>public</a:t>
+            </a:r>
+            <a:r>
+              <a:rPr lang="en-US" sz="1400" b="0" dirty="0">
+                <a:solidFill>
+                  <a:srgbClr val="000000"/>
+                </a:solidFill>
+                <a:effectLst/>
+                <a:latin typeface="Consolas" panose="020B0609020204030204" pitchFamily="49" charset="0"/>
+              </a:rPr>
+              <a:t> function </a:t>
+            </a:r>
+            <a:r>
+              <a:rPr lang="en-US" sz="1400" b="0" dirty="0" err="1">
+                <a:solidFill>
+                  <a:srgbClr val="000000"/>
+                </a:solidFill>
+                <a:effectLst/>
+                <a:latin typeface="Consolas" panose="020B0609020204030204" pitchFamily="49" charset="0"/>
+              </a:rPr>
+              <a:t>registerUser</a:t>
+            </a:r>
+            <a:r>
+              <a:rPr lang="en-US" sz="1400" b="0" dirty="0">
+                <a:solidFill>
+                  <a:srgbClr val="000000"/>
+                </a:solidFill>
+                <a:effectLst/>
+                <a:latin typeface="Consolas" panose="020B0609020204030204" pitchFamily="49" charset="0"/>
+              </a:rPr>
+              <a:t>(</a:t>
+            </a:r>
+            <a:r>
+              <a:rPr lang="en-US" sz="1400" b="0" dirty="0" err="1">
+                <a:solidFill>
+                  <a:srgbClr val="0000FF"/>
+                </a:solidFill>
+                <a:effectLst/>
+                <a:latin typeface="Consolas" panose="020B0609020204030204" pitchFamily="49" charset="0"/>
+              </a:rPr>
+              <a:t>UserModelInterface</a:t>
+            </a:r>
+            <a:r>
+              <a:rPr lang="en-US" sz="1400" b="0" dirty="0">
+                <a:solidFill>
+                  <a:srgbClr val="000000"/>
+                </a:solidFill>
+                <a:effectLst/>
+                <a:latin typeface="Consolas" panose="020B0609020204030204" pitchFamily="49" charset="0"/>
+              </a:rPr>
+              <a:t> user): void {</a:t>
+            </a:r>
+          </a:p>
+          <a:p>
+            <a:pPr marL="0" indent="0">
+              <a:buNone/>
+            </a:pPr>
+            <a:r>
+              <a:rPr lang="en-US" sz="1400" b="0" dirty="0">
+                <a:solidFill>
+                  <a:srgbClr val="000000"/>
+                </a:solidFill>
+                <a:effectLst/>
+                <a:latin typeface="Consolas" panose="020B0609020204030204" pitchFamily="49" charset="0"/>
+              </a:rPr>
+              <a:t>        </a:t>
+            </a:r>
+            <a:r>
+              <a:rPr lang="en-US" sz="1400" b="0" dirty="0">
+                <a:solidFill>
+                  <a:srgbClr val="0000FF"/>
+                </a:solidFill>
+                <a:effectLst/>
+                <a:latin typeface="Consolas" panose="020B0609020204030204" pitchFamily="49" charset="0"/>
+              </a:rPr>
+              <a:t>this</a:t>
+            </a:r>
+            <a:r>
+              <a:rPr lang="en-US" sz="1400" b="0" dirty="0">
+                <a:solidFill>
+                  <a:srgbClr val="000000"/>
+                </a:solidFill>
+                <a:effectLst/>
+                <a:latin typeface="Consolas" panose="020B0609020204030204" pitchFamily="49" charset="0"/>
+              </a:rPr>
+              <a:t>.logger.log(</a:t>
+            </a:r>
+            <a:r>
+              <a:rPr lang="en-US" sz="1400" b="0" dirty="0">
+                <a:solidFill>
+                  <a:srgbClr val="A31515"/>
+                </a:solidFill>
+                <a:effectLst/>
+                <a:latin typeface="Consolas" panose="020B0609020204030204" pitchFamily="49" charset="0"/>
+              </a:rPr>
+              <a:t>"Notifying the user: {user.name()}"</a:t>
+            </a:r>
+            <a:r>
+              <a:rPr lang="en-US" sz="1400" b="0" dirty="0">
+                <a:solidFill>
+                  <a:srgbClr val="000000"/>
+                </a:solidFill>
+                <a:effectLst/>
+                <a:latin typeface="Consolas" panose="020B0609020204030204" pitchFamily="49" charset="0"/>
+              </a:rPr>
+              <a:t>);</a:t>
+            </a:r>
+          </a:p>
+          <a:p>
+            <a:pPr marL="0" indent="0">
+              <a:buNone/>
+            </a:pPr>
+            <a:r>
+              <a:rPr lang="en-US" sz="1400" b="0" dirty="0">
+                <a:solidFill>
+                  <a:srgbClr val="000000"/>
+                </a:solidFill>
+                <a:effectLst/>
+                <a:latin typeface="Consolas" panose="020B0609020204030204" pitchFamily="49" charset="0"/>
+              </a:rPr>
+              <a:t>        </a:t>
+            </a:r>
+            <a:r>
+              <a:rPr lang="en-US" sz="1400" b="0" dirty="0">
+                <a:solidFill>
+                  <a:srgbClr val="008000"/>
+                </a:solidFill>
+                <a:effectLst/>
+                <a:latin typeface="Consolas" panose="020B0609020204030204" pitchFamily="49" charset="0"/>
+              </a:rPr>
+              <a:t>// ...</a:t>
+            </a:r>
+            <a:endParaRPr lang="en-US" sz="1400" b="0" dirty="0">
+              <a:solidFill>
+                <a:srgbClr val="000000"/>
+              </a:solidFill>
+              <a:effectLst/>
+              <a:latin typeface="Consolas" panose="020B0609020204030204" pitchFamily="49" charset="0"/>
+            </a:endParaRPr>
+          </a:p>
+          <a:p>
+            <a:pPr marL="0" indent="0">
+              <a:buNone/>
+            </a:pPr>
+            <a:r>
+              <a:rPr lang="en-US" sz="1400" b="0" dirty="0">
+                <a:solidFill>
+                  <a:srgbClr val="000000"/>
+                </a:solidFill>
+                <a:effectLst/>
+                <a:latin typeface="Consolas" panose="020B0609020204030204" pitchFamily="49" charset="0"/>
+              </a:rPr>
+              <a:t>    }</a:t>
+            </a:r>
+          </a:p>
+          <a:p>
+            <a:pPr marL="0" indent="0">
+              <a:buNone/>
+            </a:pPr>
+            <a:r>
+              <a:rPr lang="en-US" sz="1400" b="0" dirty="0">
+                <a:solidFill>
+                  <a:srgbClr val="000000"/>
+                </a:solidFill>
+                <a:effectLst/>
+                <a:latin typeface="Consolas" panose="020B0609020204030204" pitchFamily="49" charset="0"/>
+              </a:rPr>
+              <a:t>}</a:t>
             </a:r>
           </a:p>
         </p:txBody>
       </p:sp>
       <p:sp>
         <p:nvSpPr>
-          <p:cNvPr id="4" name="Slide Number Placeholder 3">
+          <p:cNvPr id="4" name="Content Placeholder 2">
             <a:extLst>
               <a:ext uri="{FF2B5EF4-FFF2-40B4-BE49-F238E27FC236}">
-                <a16:creationId xmlns:a16="http://schemas.microsoft.com/office/drawing/2014/main" id="{C5805623-B53B-C946-BF7C-65ECA2549B36}"/>
+                <a16:creationId xmlns:a16="http://schemas.microsoft.com/office/drawing/2014/main" id="{BAD905DC-9E1C-4A9F-8257-7DE9E00805D1}"/>
               </a:ext>
             </a:extLst>
           </p:cNvPr>
-          <p:cNvSpPr>
-            <a:spLocks noGrp="1"/>
+          <p:cNvSpPr txBox="1">
+            <a:spLocks/>
           </p:cNvSpPr>
-          <p:nvPr>
-            <p:ph type="sldNum" sz="quarter" idx="12"/>
-          </p:nvPr>
-        </p:nvSpPr>
-        <p:spPr/>
+          <p:nvPr/>
+        </p:nvSpPr>
+        <p:spPr>
+          <a:xfrm>
+            <a:off x="6279549" y="1324083"/>
+            <a:ext cx="5912451" cy="4351338"/>
+          </a:xfrm>
+          <a:prstGeom prst="rect">
+            <a:avLst/>
+          </a:prstGeom>
+        </p:spPr>
         <p:txBody>
           <a:bodyPr/>
-          <a:lstStyle/>
-          <a:p>
-            <a:fld id="{20F37917-FD3A-4669-9018-DA04BCDD3D75}" type="slidenum">
-              <a:rPr lang="en-US" smtClean="0"/>
-              <a:t>11</a:t>
-            </a:fld>
-            <a:endParaRPr lang="en-US"/>
+          <a:lstStyle>
+            <a:lvl1pPr marL="228600" indent="-228600" algn="l" defTabSz="914400" rtl="0" eaLnBrk="1" latinLnBrk="0" hangingPunct="1">
+              <a:lnSpc>
+                <a:spcPct val="90000"/>
+              </a:lnSpc>
+              <a:spcBef>
+                <a:spcPts val="1000"/>
+              </a:spcBef>
+              <a:buFont typeface="Arial" panose="020B0604020202020204" pitchFamily="34" charset="0"/>
+              <a:buChar char="•"/>
+              <a:defRPr sz="2800" kern="1200">
+                <a:solidFill>
+                  <a:schemeClr val="tx1"/>
+                </a:solidFill>
+                <a:latin typeface="+mn-lt"/>
+                <a:ea typeface="+mn-ea"/>
+                <a:cs typeface="+mn-cs"/>
+              </a:defRPr>
+            </a:lvl1pPr>
+            <a:lvl2pPr marL="685800" indent="-228600" algn="l" defTabSz="914400" rtl="0" eaLnBrk="1" latinLnBrk="0" hangingPunct="1">
+              <a:lnSpc>
+                <a:spcPct val="90000"/>
+              </a:lnSpc>
+              <a:spcBef>
+                <a:spcPts val="500"/>
+              </a:spcBef>
+              <a:buFont typeface="Arial" panose="020B0604020202020204" pitchFamily="34" charset="0"/>
+              <a:buChar char="•"/>
+              <a:defRPr sz="2400" kern="1200">
+                <a:solidFill>
+                  <a:schemeClr val="tx1"/>
+                </a:solidFill>
+                <a:latin typeface="+mn-lt"/>
+                <a:ea typeface="+mn-ea"/>
+                <a:cs typeface="+mn-cs"/>
+              </a:defRPr>
+            </a:lvl2pPr>
+            <a:lvl3pPr marL="1143000" indent="-228600" algn="l" defTabSz="914400" rtl="0" eaLnBrk="1" latinLnBrk="0" hangingPunct="1">
+              <a:lnSpc>
+                <a:spcPct val="90000"/>
+              </a:lnSpc>
+              <a:spcBef>
+                <a:spcPts val="500"/>
+              </a:spcBef>
+              <a:buFont typeface="Arial" panose="020B0604020202020204" pitchFamily="34" charset="0"/>
+              <a:buChar char="•"/>
+              <a:defRPr sz="2000" kern="1200">
+                <a:solidFill>
+                  <a:schemeClr val="tx1"/>
+                </a:solidFill>
+                <a:latin typeface="+mn-lt"/>
+                <a:ea typeface="+mn-ea"/>
+                <a:cs typeface="+mn-cs"/>
+              </a:defRPr>
+            </a:lvl3pPr>
+            <a:lvl4pPr marL="1600200" indent="-228600" algn="l" defTabSz="914400" rtl="0" eaLnBrk="1" latinLnBrk="0" hangingPunct="1">
+              <a:lnSpc>
+                <a:spcPct val="90000"/>
+              </a:lnSpc>
+              <a:spcBef>
+                <a:spcPts val="500"/>
+              </a:spcBef>
+              <a:buFont typeface="Arial" panose="020B0604020202020204" pitchFamily="34" charset="0"/>
+              <a:buChar char="•"/>
+              <a:defRPr sz="1800" kern="1200">
+                <a:solidFill>
+                  <a:schemeClr val="tx1"/>
+                </a:solidFill>
+                <a:latin typeface="+mn-lt"/>
+                <a:ea typeface="+mn-ea"/>
+                <a:cs typeface="+mn-cs"/>
+              </a:defRPr>
+            </a:lvl4pPr>
+            <a:lvl5pPr marL="2057400" indent="-228600" algn="l" defTabSz="914400" rtl="0" eaLnBrk="1" latinLnBrk="0" hangingPunct="1">
+              <a:lnSpc>
+                <a:spcPct val="90000"/>
+              </a:lnSpc>
+              <a:spcBef>
+                <a:spcPts val="500"/>
+              </a:spcBef>
+              <a:buFont typeface="Arial" panose="020B0604020202020204" pitchFamily="34" charset="0"/>
+              <a:buChar char="•"/>
+              <a:defRPr sz="1800" kern="1200">
+                <a:solidFill>
+                  <a:schemeClr val="tx1"/>
+                </a:solidFill>
+                <a:latin typeface="+mn-lt"/>
+                <a:ea typeface="+mn-ea"/>
+                <a:cs typeface="+mn-cs"/>
+              </a:defRPr>
+            </a:lvl5pPr>
+            <a:lvl6pPr marL="2514600" indent="-228600" algn="l" defTabSz="914400" rtl="0" eaLnBrk="1" latinLnBrk="0" hangingPunct="1">
+              <a:lnSpc>
+                <a:spcPct val="90000"/>
+              </a:lnSpc>
+              <a:spcBef>
+                <a:spcPts val="500"/>
+              </a:spcBef>
+              <a:buFont typeface="Arial" panose="020B0604020202020204" pitchFamily="34" charset="0"/>
+              <a:buChar char="•"/>
+              <a:defRPr sz="1800" kern="1200">
+                <a:solidFill>
+                  <a:schemeClr val="tx1"/>
+                </a:solidFill>
+                <a:latin typeface="+mn-lt"/>
+                <a:ea typeface="+mn-ea"/>
+                <a:cs typeface="+mn-cs"/>
+              </a:defRPr>
+            </a:lvl6pPr>
+            <a:lvl7pPr marL="2971800" indent="-228600" algn="l" defTabSz="914400" rtl="0" eaLnBrk="1" latinLnBrk="0" hangingPunct="1">
+              <a:lnSpc>
+                <a:spcPct val="90000"/>
+              </a:lnSpc>
+              <a:spcBef>
+                <a:spcPts val="500"/>
+              </a:spcBef>
+              <a:buFont typeface="Arial" panose="020B0604020202020204" pitchFamily="34" charset="0"/>
+              <a:buChar char="•"/>
+              <a:defRPr sz="1800" kern="1200">
+                <a:solidFill>
+                  <a:schemeClr val="tx1"/>
+                </a:solidFill>
+                <a:latin typeface="+mn-lt"/>
+                <a:ea typeface="+mn-ea"/>
+                <a:cs typeface="+mn-cs"/>
+              </a:defRPr>
+            </a:lvl7pPr>
+            <a:lvl8pPr marL="3429000" indent="-228600" algn="l" defTabSz="914400" rtl="0" eaLnBrk="1" latinLnBrk="0" hangingPunct="1">
+              <a:lnSpc>
+                <a:spcPct val="90000"/>
+              </a:lnSpc>
+              <a:spcBef>
+                <a:spcPts val="500"/>
+              </a:spcBef>
+              <a:buFont typeface="Arial" panose="020B0604020202020204" pitchFamily="34" charset="0"/>
+              <a:buChar char="•"/>
+              <a:defRPr sz="1800" kern="1200">
+                <a:solidFill>
+                  <a:schemeClr val="tx1"/>
+                </a:solidFill>
+                <a:latin typeface="+mn-lt"/>
+                <a:ea typeface="+mn-ea"/>
+                <a:cs typeface="+mn-cs"/>
+              </a:defRPr>
+            </a:lvl8pPr>
+            <a:lvl9pPr marL="3886200" indent="-228600" algn="l" defTabSz="914400" rtl="0" eaLnBrk="1" latinLnBrk="0" hangingPunct="1">
+              <a:lnSpc>
+                <a:spcPct val="90000"/>
+              </a:lnSpc>
+              <a:spcBef>
+                <a:spcPts val="500"/>
+              </a:spcBef>
+              <a:buFont typeface="Arial" panose="020B0604020202020204" pitchFamily="34" charset="0"/>
+              <a:buChar char="•"/>
+              <a:defRPr sz="1800" kern="1200">
+                <a:solidFill>
+                  <a:schemeClr val="tx1"/>
+                </a:solidFill>
+                <a:latin typeface="+mn-lt"/>
+                <a:ea typeface="+mn-ea"/>
+                <a:cs typeface="+mn-cs"/>
+              </a:defRPr>
+            </a:lvl9pPr>
+          </a:lstStyle>
+          <a:p>
+            <a:pPr marL="0" indent="0">
+              <a:buNone/>
+            </a:pPr>
+            <a:endParaRPr lang="en-US" sz="1400" b="0" dirty="0">
+              <a:solidFill>
+                <a:srgbClr val="000000"/>
+              </a:solidFill>
+              <a:effectLst/>
+              <a:latin typeface="Consolas" panose="020B0609020204030204" pitchFamily="49" charset="0"/>
+            </a:endParaRPr>
+          </a:p>
+          <a:p>
+            <a:pPr marL="0" indent="0">
+              <a:buNone/>
+            </a:pPr>
+            <a:r>
+              <a:rPr lang="en-US" sz="1400" b="0" dirty="0">
+                <a:solidFill>
+                  <a:srgbClr val="0000FF"/>
+                </a:solidFill>
+                <a:effectLst/>
+                <a:latin typeface="Consolas" panose="020B0609020204030204" pitchFamily="49" charset="0"/>
+              </a:rPr>
+              <a:t>final</a:t>
+            </a:r>
+            <a:r>
+              <a:rPr lang="en-US" sz="1400" b="0" dirty="0">
+                <a:solidFill>
+                  <a:srgbClr val="000000"/>
+                </a:solidFill>
+                <a:effectLst/>
+                <a:latin typeface="Consolas" panose="020B0609020204030204" pitchFamily="49" charset="0"/>
+              </a:rPr>
+              <a:t> </a:t>
+            </a:r>
+            <a:r>
+              <a:rPr lang="en-US" sz="1400" b="0" dirty="0">
+                <a:solidFill>
+                  <a:srgbClr val="0000FF"/>
+                </a:solidFill>
+                <a:effectLst/>
+                <a:latin typeface="Consolas" panose="020B0609020204030204" pitchFamily="49" charset="0"/>
+              </a:rPr>
+              <a:t>class</a:t>
+            </a:r>
+            <a:r>
+              <a:rPr lang="en-US" sz="1400" b="0" dirty="0">
+                <a:solidFill>
+                  <a:srgbClr val="000000"/>
+                </a:solidFill>
+                <a:effectLst/>
+                <a:latin typeface="Consolas" panose="020B0609020204030204" pitchFamily="49" charset="0"/>
+              </a:rPr>
+              <a:t> </a:t>
+            </a:r>
+            <a:r>
+              <a:rPr lang="en-US" sz="1400" b="0" dirty="0" err="1">
+                <a:solidFill>
+                  <a:srgbClr val="000000"/>
+                </a:solidFill>
+                <a:effectLst/>
+                <a:latin typeface="Consolas" panose="020B0609020204030204" pitchFamily="49" charset="0"/>
+              </a:rPr>
+              <a:t>UserNotifierTest</a:t>
+            </a:r>
+            <a:r>
+              <a:rPr lang="en-US" sz="1400" b="0" dirty="0">
+                <a:solidFill>
+                  <a:srgbClr val="000000"/>
+                </a:solidFill>
+                <a:effectLst/>
+                <a:latin typeface="Consolas" panose="020B0609020204030204" pitchFamily="49" charset="0"/>
+              </a:rPr>
+              <a:t> </a:t>
+            </a:r>
+            <a:r>
+              <a:rPr lang="en-US" sz="1400" b="0" dirty="0">
+                <a:solidFill>
+                  <a:srgbClr val="0000FF"/>
+                </a:solidFill>
+                <a:effectLst/>
+                <a:latin typeface="Consolas" panose="020B0609020204030204" pitchFamily="49" charset="0"/>
+              </a:rPr>
+              <a:t>extends</a:t>
+            </a:r>
+            <a:r>
+              <a:rPr lang="en-US" sz="1400" b="0" dirty="0">
+                <a:solidFill>
+                  <a:srgbClr val="000000"/>
+                </a:solidFill>
+                <a:effectLst/>
+                <a:latin typeface="Consolas" panose="020B0609020204030204" pitchFamily="49" charset="0"/>
+              </a:rPr>
+              <a:t> </a:t>
+            </a:r>
+            <a:r>
+              <a:rPr lang="en-US" sz="1400" b="0" dirty="0" err="1">
+                <a:solidFill>
+                  <a:srgbClr val="000000"/>
+                </a:solidFill>
+                <a:effectLst/>
+                <a:latin typeface="Consolas" panose="020B0609020204030204" pitchFamily="49" charset="0"/>
+              </a:rPr>
+              <a:t>TestCase</a:t>
+            </a:r>
+            <a:r>
+              <a:rPr lang="en-US" sz="1400" b="0" dirty="0">
+                <a:solidFill>
+                  <a:srgbClr val="000000"/>
+                </a:solidFill>
+                <a:effectLst/>
+                <a:latin typeface="Consolas" panose="020B0609020204030204" pitchFamily="49" charset="0"/>
+              </a:rPr>
+              <a:t> {</a:t>
+            </a:r>
+          </a:p>
+          <a:p>
+            <a:pPr marL="0" indent="0">
+              <a:buNone/>
+            </a:pPr>
+            <a:r>
+              <a:rPr lang="en-US" sz="1400" b="0" dirty="0">
+                <a:solidFill>
+                  <a:srgbClr val="000000"/>
+                </a:solidFill>
+                <a:effectLst/>
+                <a:latin typeface="Consolas" panose="020B0609020204030204" pitchFamily="49" charset="0"/>
+              </a:rPr>
+              <a:t>    </a:t>
+            </a:r>
+            <a:r>
+              <a:rPr lang="en-US" sz="1400" b="0" dirty="0">
+                <a:solidFill>
+                  <a:srgbClr val="0000FF"/>
+                </a:solidFill>
+                <a:effectLst/>
+                <a:latin typeface="Consolas" panose="020B0609020204030204" pitchFamily="49" charset="0"/>
+              </a:rPr>
+              <a:t>public</a:t>
+            </a:r>
+            <a:r>
+              <a:rPr lang="en-US" sz="1400" b="0" dirty="0">
+                <a:solidFill>
+                  <a:srgbClr val="000000"/>
+                </a:solidFill>
+                <a:effectLst/>
+                <a:latin typeface="Consolas" panose="020B0609020204030204" pitchFamily="49" charset="0"/>
+              </a:rPr>
+              <a:t> function </a:t>
+            </a:r>
+            <a:r>
+              <a:rPr lang="en-US" sz="1400" b="0" dirty="0" err="1">
+                <a:solidFill>
+                  <a:srgbClr val="000000"/>
+                </a:solidFill>
+                <a:effectLst/>
+                <a:latin typeface="Consolas" panose="020B0609020204030204" pitchFamily="49" charset="0"/>
+              </a:rPr>
+              <a:t>testLogMessage</a:t>
+            </a:r>
+            <a:r>
+              <a:rPr lang="en-US" sz="1400" b="0" dirty="0">
+                <a:solidFill>
+                  <a:srgbClr val="000000"/>
+                </a:solidFill>
+                <a:effectLst/>
+                <a:latin typeface="Consolas" panose="020B0609020204030204" pitchFamily="49" charset="0"/>
+              </a:rPr>
+              <a:t>(): void {</a:t>
+            </a:r>
+          </a:p>
+          <a:p>
+            <a:pPr marL="0" indent="0">
+              <a:buNone/>
+            </a:pPr>
+            <a:r>
+              <a:rPr lang="en-US" sz="1400" b="0" dirty="0">
+                <a:solidFill>
+                  <a:srgbClr val="000000"/>
+                </a:solidFill>
+                <a:effectLst/>
+                <a:latin typeface="Consolas" panose="020B0609020204030204" pitchFamily="49" charset="0"/>
+              </a:rPr>
+              <a:t>        </a:t>
+            </a:r>
+            <a:r>
+              <a:rPr lang="en-US" sz="1400" b="0" dirty="0" err="1">
+                <a:solidFill>
+                  <a:srgbClr val="0000FF"/>
+                </a:solidFill>
+                <a:effectLst/>
+                <a:latin typeface="Consolas" panose="020B0609020204030204" pitchFamily="49" charset="0"/>
+              </a:rPr>
+              <a:t>LoggerSpy</a:t>
+            </a:r>
+            <a:r>
+              <a:rPr lang="en-US" sz="1400" b="0" dirty="0">
+                <a:solidFill>
+                  <a:srgbClr val="000000"/>
+                </a:solidFill>
+                <a:effectLst/>
+                <a:latin typeface="Consolas" panose="020B0609020204030204" pitchFamily="49" charset="0"/>
+              </a:rPr>
+              <a:t> logger = </a:t>
+            </a:r>
+            <a:r>
+              <a:rPr lang="en-US" sz="1400" b="0" dirty="0">
+                <a:solidFill>
+                  <a:srgbClr val="0000FF"/>
+                </a:solidFill>
+                <a:effectLst/>
+                <a:latin typeface="Consolas" panose="020B0609020204030204" pitchFamily="49" charset="0"/>
+              </a:rPr>
+              <a:t>new</a:t>
+            </a:r>
+            <a:r>
+              <a:rPr lang="en-US" sz="1400" b="0" dirty="0">
+                <a:solidFill>
+                  <a:srgbClr val="000000"/>
+                </a:solidFill>
+                <a:effectLst/>
+                <a:latin typeface="Consolas" panose="020B0609020204030204" pitchFamily="49" charset="0"/>
+              </a:rPr>
+              <a:t> </a:t>
+            </a:r>
+            <a:r>
+              <a:rPr lang="en-US" sz="1400" b="0" dirty="0" err="1">
+                <a:solidFill>
+                  <a:srgbClr val="000000"/>
+                </a:solidFill>
+                <a:effectLst/>
+                <a:latin typeface="Consolas" panose="020B0609020204030204" pitchFamily="49" charset="0"/>
+              </a:rPr>
+              <a:t>LoggerSpy</a:t>
+            </a:r>
+            <a:r>
+              <a:rPr lang="en-US" sz="1400" b="0" dirty="0">
+                <a:solidFill>
+                  <a:srgbClr val="000000"/>
+                </a:solidFill>
+                <a:effectLst/>
+                <a:latin typeface="Consolas" panose="020B0609020204030204" pitchFamily="49" charset="0"/>
+              </a:rPr>
+              <a:t>();</a:t>
+            </a:r>
+          </a:p>
+          <a:p>
+            <a:pPr marL="0" indent="0">
+              <a:buNone/>
+            </a:pPr>
+            <a:r>
+              <a:rPr lang="en-US" sz="1400" b="0" dirty="0">
+                <a:solidFill>
+                  <a:srgbClr val="000000"/>
+                </a:solidFill>
+                <a:effectLst/>
+                <a:latin typeface="Consolas" panose="020B0609020204030204" pitchFamily="49" charset="0"/>
+              </a:rPr>
+              <a:t>        </a:t>
+            </a:r>
+            <a:r>
+              <a:rPr lang="en-US" sz="1400" b="0" dirty="0" err="1">
+                <a:solidFill>
+                  <a:srgbClr val="0000FF"/>
+                </a:solidFill>
+                <a:effectLst/>
+                <a:latin typeface="Consolas" panose="020B0609020204030204" pitchFamily="49" charset="0"/>
+              </a:rPr>
+              <a:t>UserNotifier</a:t>
+            </a:r>
+            <a:r>
+              <a:rPr lang="en-US" sz="1400" b="0" dirty="0">
+                <a:solidFill>
+                  <a:srgbClr val="000000"/>
+                </a:solidFill>
+                <a:effectLst/>
+                <a:latin typeface="Consolas" panose="020B0609020204030204" pitchFamily="49" charset="0"/>
+              </a:rPr>
+              <a:t> notifier = </a:t>
+            </a:r>
+            <a:r>
+              <a:rPr lang="en-US" sz="1400" b="0" dirty="0">
+                <a:solidFill>
+                  <a:srgbClr val="0000FF"/>
+                </a:solidFill>
+                <a:effectLst/>
+                <a:latin typeface="Consolas" panose="020B0609020204030204" pitchFamily="49" charset="0"/>
+              </a:rPr>
+              <a:t>new</a:t>
+            </a:r>
+            <a:r>
+              <a:rPr lang="en-US" sz="1400" b="0" dirty="0">
+                <a:solidFill>
+                  <a:srgbClr val="000000"/>
+                </a:solidFill>
+                <a:effectLst/>
+                <a:latin typeface="Consolas" panose="020B0609020204030204" pitchFamily="49" charset="0"/>
+              </a:rPr>
+              <a:t> </a:t>
+            </a:r>
+            <a:r>
+              <a:rPr lang="en-US" sz="1400" b="0" dirty="0" err="1">
+                <a:solidFill>
+                  <a:srgbClr val="000000"/>
+                </a:solidFill>
+                <a:effectLst/>
+                <a:latin typeface="Consolas" panose="020B0609020204030204" pitchFamily="49" charset="0"/>
+              </a:rPr>
+              <a:t>UserNotifier</a:t>
+            </a:r>
+            <a:r>
+              <a:rPr lang="en-US" sz="1400" b="0" dirty="0">
+                <a:solidFill>
+                  <a:srgbClr val="000000"/>
+                </a:solidFill>
+                <a:effectLst/>
+                <a:latin typeface="Consolas" panose="020B0609020204030204" pitchFamily="49" charset="0"/>
+              </a:rPr>
+              <a:t>(logger);</a:t>
+            </a:r>
+          </a:p>
+          <a:p>
+            <a:pPr marL="0" indent="0">
+              <a:buNone/>
+            </a:pPr>
+            <a:r>
+              <a:rPr lang="en-US" sz="1400" b="0" dirty="0">
+                <a:solidFill>
+                  <a:srgbClr val="000000"/>
+                </a:solidFill>
+                <a:effectLst/>
+                <a:latin typeface="Consolas" panose="020B0609020204030204" pitchFamily="49" charset="0"/>
+              </a:rPr>
+              <a:t>        </a:t>
+            </a:r>
+            <a:r>
+              <a:rPr lang="en-US" sz="1400" b="0" dirty="0">
+                <a:solidFill>
+                  <a:srgbClr val="0000FF"/>
+                </a:solidFill>
+                <a:effectLst/>
+                <a:latin typeface="Consolas" panose="020B0609020204030204" pitchFamily="49" charset="0"/>
+              </a:rPr>
+              <a:t>User</a:t>
+            </a:r>
+            <a:r>
+              <a:rPr lang="en-US" sz="1400" b="0" dirty="0">
+                <a:solidFill>
+                  <a:srgbClr val="000000"/>
+                </a:solidFill>
+                <a:effectLst/>
+                <a:latin typeface="Consolas" panose="020B0609020204030204" pitchFamily="49" charset="0"/>
+              </a:rPr>
+              <a:t> </a:t>
+            </a:r>
+            <a:r>
+              <a:rPr lang="en-US" sz="1400" b="0" dirty="0" err="1">
+                <a:solidFill>
+                  <a:srgbClr val="000000"/>
+                </a:solidFill>
+                <a:effectLst/>
+                <a:latin typeface="Consolas" panose="020B0609020204030204" pitchFamily="49" charset="0"/>
+              </a:rPr>
+              <a:t>user</a:t>
+            </a:r>
+            <a:r>
+              <a:rPr lang="en-US" sz="1400" b="0" dirty="0">
+                <a:solidFill>
+                  <a:srgbClr val="000000"/>
+                </a:solidFill>
+                <a:effectLst/>
+                <a:latin typeface="Consolas" panose="020B0609020204030204" pitchFamily="49" charset="0"/>
+              </a:rPr>
+              <a:t> = </a:t>
+            </a:r>
+            <a:r>
+              <a:rPr lang="en-US" sz="1400" b="0" dirty="0">
+                <a:solidFill>
+                  <a:srgbClr val="0000FF"/>
+                </a:solidFill>
+                <a:effectLst/>
+                <a:latin typeface="Consolas" panose="020B0609020204030204" pitchFamily="49" charset="0"/>
+              </a:rPr>
+              <a:t>new</a:t>
+            </a:r>
+            <a:r>
+              <a:rPr lang="en-US" sz="1400" b="0" dirty="0">
+                <a:solidFill>
+                  <a:srgbClr val="000000"/>
+                </a:solidFill>
+                <a:effectLst/>
+                <a:latin typeface="Consolas" panose="020B0609020204030204" pitchFamily="49" charset="0"/>
+              </a:rPr>
+              <a:t> User(name = </a:t>
+            </a:r>
+            <a:r>
+              <a:rPr lang="en-US" sz="1400" b="0" dirty="0">
+                <a:solidFill>
+                  <a:srgbClr val="A31515"/>
+                </a:solidFill>
+                <a:effectLst/>
+                <a:latin typeface="Consolas" panose="020B0609020204030204" pitchFamily="49" charset="0"/>
+              </a:rPr>
+              <a:t>'Jesus'</a:t>
+            </a:r>
+            <a:r>
+              <a:rPr lang="en-US" sz="1400" b="0" dirty="0">
+                <a:solidFill>
+                  <a:srgbClr val="000000"/>
+                </a:solidFill>
+                <a:effectLst/>
+                <a:latin typeface="Consolas" panose="020B0609020204030204" pitchFamily="49" charset="0"/>
+              </a:rPr>
+              <a:t>);</a:t>
+            </a:r>
+          </a:p>
+          <a:p>
+            <a:pPr marL="0" indent="0">
+              <a:buNone/>
+            </a:pPr>
+            <a:r>
+              <a:rPr lang="en-US" sz="1400" b="0" dirty="0">
+                <a:solidFill>
+                  <a:srgbClr val="000000"/>
+                </a:solidFill>
+                <a:effectLst/>
+                <a:latin typeface="Consolas" panose="020B0609020204030204" pitchFamily="49" charset="0"/>
+              </a:rPr>
+              <a:t>        </a:t>
+            </a:r>
+            <a:r>
+              <a:rPr lang="en-US" sz="1400" b="0" dirty="0" err="1">
+                <a:solidFill>
+                  <a:srgbClr val="000000"/>
+                </a:solidFill>
+                <a:effectLst/>
+                <a:latin typeface="Consolas" panose="020B0609020204030204" pitchFamily="49" charset="0"/>
+              </a:rPr>
+              <a:t>notifier.registerUser</a:t>
+            </a:r>
+            <a:r>
+              <a:rPr lang="en-US" sz="1400" b="0" dirty="0">
+                <a:solidFill>
+                  <a:srgbClr val="000000"/>
+                </a:solidFill>
+                <a:effectLst/>
+                <a:latin typeface="Consolas" panose="020B0609020204030204" pitchFamily="49" charset="0"/>
+              </a:rPr>
+              <a:t>(user);</a:t>
+            </a:r>
+          </a:p>
+          <a:p>
+            <a:pPr marL="0" indent="0">
+              <a:buNone/>
+            </a:pPr>
+            <a:r>
+              <a:rPr lang="en-US" sz="1400" b="0" dirty="0">
+                <a:solidFill>
+                  <a:srgbClr val="000000"/>
+                </a:solidFill>
+                <a:effectLst/>
+                <a:latin typeface="Consolas" panose="020B0609020204030204" pitchFamily="49" charset="0"/>
+              </a:rPr>
+              <a:t>        </a:t>
+            </a:r>
+            <a:r>
+              <a:rPr lang="en-US" sz="1400" b="0" dirty="0" err="1">
+                <a:solidFill>
+                  <a:srgbClr val="000000"/>
+                </a:solidFill>
+                <a:effectLst/>
+                <a:latin typeface="Consolas" panose="020B0609020204030204" pitchFamily="49" charset="0"/>
+              </a:rPr>
+              <a:t>self.assertStringContainsString</a:t>
+            </a:r>
+            <a:r>
+              <a:rPr lang="en-US" sz="1400" b="0" dirty="0">
+                <a:solidFill>
+                  <a:srgbClr val="000000"/>
+                </a:solidFill>
+                <a:effectLst/>
+                <a:latin typeface="Consolas" panose="020B0609020204030204" pitchFamily="49" charset="0"/>
+              </a:rPr>
+              <a:t>(</a:t>
+            </a:r>
+          </a:p>
+          <a:p>
+            <a:pPr marL="0" indent="0">
+              <a:buNone/>
+            </a:pPr>
+            <a:r>
+              <a:rPr lang="en-US" sz="1400" b="0" dirty="0">
+                <a:solidFill>
+                  <a:srgbClr val="000000"/>
+                </a:solidFill>
+                <a:effectLst/>
+                <a:latin typeface="Consolas" panose="020B0609020204030204" pitchFamily="49" charset="0"/>
+              </a:rPr>
+              <a:t>            </a:t>
+            </a:r>
+            <a:r>
+              <a:rPr lang="en-US" sz="1400" b="0" dirty="0">
+                <a:solidFill>
+                  <a:srgbClr val="A31515"/>
+                </a:solidFill>
+                <a:effectLst/>
+                <a:latin typeface="Consolas" panose="020B0609020204030204" pitchFamily="49" charset="0"/>
+              </a:rPr>
+              <a:t>"Notifying the user: {user.name()}"</a:t>
+            </a:r>
+            <a:r>
+              <a:rPr lang="en-US" sz="1400" b="0" dirty="0">
+                <a:solidFill>
+                  <a:srgbClr val="000000"/>
+                </a:solidFill>
+                <a:effectLst/>
+                <a:latin typeface="Consolas" panose="020B0609020204030204" pitchFamily="49" charset="0"/>
+              </a:rPr>
+              <a:t>,</a:t>
+            </a:r>
+          </a:p>
+          <a:p>
+            <a:pPr marL="0" indent="0">
+              <a:buNone/>
+            </a:pPr>
+            <a:r>
+              <a:rPr lang="en-US" sz="1400" b="0" dirty="0">
+                <a:solidFill>
+                  <a:srgbClr val="000000"/>
+                </a:solidFill>
+                <a:effectLst/>
+                <a:latin typeface="Consolas" panose="020B0609020204030204" pitchFamily="49" charset="0"/>
+              </a:rPr>
+              <a:t>            first(</a:t>
+            </a:r>
+            <a:r>
+              <a:rPr lang="en-US" sz="1400" b="0" dirty="0" err="1">
+                <a:solidFill>
+                  <a:srgbClr val="000000"/>
+                </a:solidFill>
+                <a:effectLst/>
+                <a:latin typeface="Consolas" panose="020B0609020204030204" pitchFamily="49" charset="0"/>
+              </a:rPr>
+              <a:t>logger.messages</a:t>
+            </a:r>
+            <a:r>
+              <a:rPr lang="en-US" sz="1400" b="0" dirty="0">
+                <a:solidFill>
+                  <a:srgbClr val="000000"/>
+                </a:solidFill>
+                <a:effectLst/>
+                <a:latin typeface="Consolas" panose="020B0609020204030204" pitchFamily="49" charset="0"/>
+              </a:rPr>
+              <a:t>)     );    }}</a:t>
+            </a:r>
           </a:p>
         </p:txBody>
       </p:sp>
@@ -5013,7 +7497,7 @@
           <p:cNvPr id="5" name="Rectangle 4">
             <a:extLst>
               <a:ext uri="{FF2B5EF4-FFF2-40B4-BE49-F238E27FC236}">
-                <a16:creationId xmlns:a16="http://schemas.microsoft.com/office/drawing/2014/main" id="{ECCCCB64-2FF5-4C88-96CA-408D2AD03DF0}"/>
+                <a16:creationId xmlns:a16="http://schemas.microsoft.com/office/drawing/2014/main" id="{1A6EDACC-60A1-4298-BE63-F41105B4FE07}"/>
               </a:ext>
             </a:extLst>
           </p:cNvPr>
@@ -5022,8 +7506,8 @@
         </p:nvSpPr>
         <p:spPr>
           <a:xfrm>
-            <a:off x="9223923" y="3073593"/>
-            <a:ext cx="2295631" cy="1325563"/>
+            <a:off x="8911103" y="5312007"/>
+            <a:ext cx="2129876" cy="1325562"/>
           </a:xfrm>
           <a:prstGeom prst="rect">
             <a:avLst/>
@@ -5068,19 +7552,7 @@
                 </a:solidFill>
                 <a:latin typeface="Ink Free" panose="03080402000500000000" pitchFamily="66" charset="0"/>
               </a:rPr>
-              <a:t>Fake has </a:t>
-            </a:r>
-          </a:p>
-          <a:p>
-            <a:pPr algn="ctr"/>
-            <a:r>
-              <a:rPr lang="en-US" sz="2400" b="1" dirty="0">
-                <a:solidFill>
-                  <a:schemeClr val="tx1"/>
-                </a:solidFill>
-                <a:latin typeface="Ink Free" panose="03080402000500000000" pitchFamily="66" charset="0"/>
-              </a:rPr>
-              <a:t>“semi-real implementation”</a:t>
+              <a:t>Logger “remembers” messages</a:t>
             </a:r>
           </a:p>
         </p:txBody>
@@ -5088,7 +7560,7 @@
     </p:spTree>
     <p:extLst>
       <p:ext uri="{BB962C8B-B14F-4D97-AF65-F5344CB8AC3E}">
-        <p14:creationId xmlns:p14="http://schemas.microsoft.com/office/powerpoint/2010/main" val="878153319"/>
+        <p14:creationId xmlns:p14="http://schemas.microsoft.com/office/powerpoint/2010/main" val="2047497922"/>
       </p:ext>
     </p:extLst>
   </p:cSld>
@@ -5247,7 +7719,7 @@
           <p:cNvPr id="2" name="Title 1">
             <a:extLst>
               <a:ext uri="{FF2B5EF4-FFF2-40B4-BE49-F238E27FC236}">
-                <a16:creationId xmlns:a16="http://schemas.microsoft.com/office/drawing/2014/main" id="{B6CD4615-A4AC-2C4A-AECE-11E2CAE0F1AE}"/>
+                <a16:creationId xmlns:a16="http://schemas.microsoft.com/office/drawing/2014/main" id="{EED995E9-C50B-3645-B3B4-EF2E34B0F672}"/>
               </a:ext>
             </a:extLst>
           </p:cNvPr>
@@ -5265,7 +7737,7 @@
           <a:p>
             <a:r>
               <a:rPr lang="en-US" dirty="0"/>
-              <a:t>Random Input</a:t>
+              <a:t>Test Mocks</a:t>
             </a:r>
           </a:p>
         </p:txBody>
@@ -5275,7 +7747,7 @@
           <p:cNvPr id="3" name="Content Placeholder 2">
             <a:extLst>
               <a:ext uri="{FF2B5EF4-FFF2-40B4-BE49-F238E27FC236}">
-                <a16:creationId xmlns:a16="http://schemas.microsoft.com/office/drawing/2014/main" id="{11087B55-23D0-E141-9AF2-C91AC061F35E}"/>
+                <a16:creationId xmlns:a16="http://schemas.microsoft.com/office/drawing/2014/main" id="{A9444C6B-CCC8-FC4E-85A6-583BEE66E7B0}"/>
               </a:ext>
             </a:extLst>
           </p:cNvPr>
@@ -5293,68 +7765,53 @@
           <a:p>
             <a:r>
               <a:rPr lang="en-US" dirty="0"/>
-              <a:t>To replace a user, we can program a “bot”</a:t>
+              <a:t>A test mock has scripted results:</a:t>
             </a:r>
           </a:p>
           <a:p>
             <a:pPr lvl="1"/>
             <a:r>
               <a:rPr lang="en-US" dirty="0"/>
-              <a:t>Randomly use mouse, press buttons;</a:t>
+              <a:t>If such-and-such a method is called</a:t>
+            </a:r>
+          </a:p>
+          <a:p>
+            <a:pPr lvl="2"/>
+            <a:r>
+              <a:rPr lang="en-US" dirty="0"/>
+              <a:t>return some particular value.</a:t>
+            </a:r>
+          </a:p>
+          <a:p>
+            <a:r>
+              <a:rPr lang="en-US" dirty="0"/>
+              <a:t>A complex mock can have many scripts:</a:t>
             </a:r>
           </a:p>
           <a:p>
             <a:pPr lvl="1"/>
             <a:r>
               <a:rPr lang="en-US" dirty="0"/>
-              <a:t>Arbitrary text;</a:t>
+              <a:t>Multiple methods;</a:t>
             </a:r>
           </a:p>
           <a:p>
             <a:pPr lvl="1"/>
             <a:r>
               <a:rPr lang="en-US" dirty="0"/>
-              <a:t>Fast or slow.</a:t>
+              <a:t>Different results for subsequent calls.</a:t>
             </a:r>
           </a:p>
           <a:p>
             <a:r>
               <a:rPr lang="en-US" dirty="0"/>
-              <a:t>Smarter (“Fuzzing”)</a:t>
-            </a:r>
-          </a:p>
-          <a:p>
-            <a:pPr lvl="1"/>
+              <a:t>Useful mocking assumes we know how mocked object will be used.</a:t>
+            </a:r>
+          </a:p>
+          <a:p>
             <a:r>
               <a:rPr lang="en-US" dirty="0"/>
-              <a:t>Capture real actions;</a:t>
-            </a:r>
-          </a:p>
-          <a:p>
-            <a:pPr lvl="1"/>
-            <a:r>
-              <a:rPr lang="en-US" dirty="0"/>
-              <a:t>Then make targeted mutations.</a:t>
-            </a:r>
-          </a:p>
-          <a:p>
-            <a:pPr lvl="1"/>
-            <a:r>
-              <a:rPr lang="en-US" dirty="0"/>
-              <a:t>(This applies also to programs taking text input.)</a:t>
-            </a:r>
-          </a:p>
-          <a:p>
-            <a:r>
-              <a:rPr lang="en-US" dirty="0"/>
-              <a:t>Expected result can only be imprecise:</a:t>
-            </a:r>
-          </a:p>
-          <a:p>
-            <a:pPr lvl="1"/>
-            <a:r>
-              <a:rPr lang="en-US" dirty="0"/>
-              <a:t>E.g., “not crash” or “not leak secrets”.</a:t>
+              <a:t>If a “mock” has real logic, it becomes a “fake”.</a:t>
             </a:r>
           </a:p>
         </p:txBody>
@@ -5364,7 +7821,7 @@
           <p:cNvPr id="4" name="Slide Number Placeholder 3">
             <a:extLst>
               <a:ext uri="{FF2B5EF4-FFF2-40B4-BE49-F238E27FC236}">
-                <a16:creationId xmlns:a16="http://schemas.microsoft.com/office/drawing/2014/main" id="{F03D07CA-8AC9-DE49-B8D6-DC6FE8416DEF}"/>
+                <a16:creationId xmlns:a16="http://schemas.microsoft.com/office/drawing/2014/main" id="{65F708AD-E1DB-5644-8814-B1B227A25D18}"/>
               </a:ext>
             </a:extLst>
           </p:cNvPr>
@@ -5388,16 +7845,208 @@
           </a:p>
         </p:txBody>
       </p:sp>
+      <p:sp>
+        <p:nvSpPr>
+          <p:cNvPr id="5" name="Rectangle 4">
+            <a:extLst>
+              <a:ext uri="{FF2B5EF4-FFF2-40B4-BE49-F238E27FC236}">
+                <a16:creationId xmlns:a16="http://schemas.microsoft.com/office/drawing/2014/main" id="{04C2F5A4-5E0B-4497-8ADB-C757CB0915B9}"/>
+              </a:ext>
+            </a:extLst>
+          </p:cNvPr>
+          <p:cNvSpPr/>
+          <p:nvPr/>
+        </p:nvSpPr>
+        <p:spPr>
+          <a:xfrm>
+            <a:off x="9058824" y="3073593"/>
+            <a:ext cx="2743200" cy="1650807"/>
+          </a:xfrm>
+          <a:prstGeom prst="rect">
+            <a:avLst/>
+          </a:prstGeom>
+          <a:solidFill>
+            <a:schemeClr val="accent2">
+              <a:lumMod val="20000"/>
+              <a:lumOff val="80000"/>
+            </a:schemeClr>
+          </a:solidFill>
+          <a:ln>
+            <a:solidFill>
+              <a:srgbClr val="0070C0"/>
+            </a:solidFill>
+          </a:ln>
+        </p:spPr>
+        <p:style>
+          <a:lnRef idx="2">
+            <a:schemeClr val="accent1">
+              <a:shade val="50000"/>
+            </a:schemeClr>
+          </a:lnRef>
+          <a:fillRef idx="1">
+            <a:schemeClr val="accent1"/>
+          </a:fillRef>
+          <a:effectRef idx="0">
+            <a:schemeClr val="accent1"/>
+          </a:effectRef>
+          <a:fontRef idx="minor">
+            <a:schemeClr val="lt1"/>
+          </a:fontRef>
+        </p:style>
+        <p:txBody>
+          <a:bodyPr rtlCol="0" anchor="t"/>
+          <a:lstStyle/>
+          <a:p>
+            <a:pPr algn="ctr"/>
+            <a:r>
+              <a:rPr lang="en-US" sz="2400" b="1" dirty="0">
+                <a:solidFill>
+                  <a:schemeClr val="tx1"/>
+                </a:solidFill>
+                <a:latin typeface="Ink Free" panose="03080402000500000000" pitchFamily="66" charset="0"/>
+              </a:rPr>
+              <a:t>Mock has “scripted answers” and is used for “behavior verification”</a:t>
+            </a:r>
+          </a:p>
+        </p:txBody>
+      </p:sp>
     </p:spTree>
     <p:extLst>
       <p:ext uri="{BB962C8B-B14F-4D97-AF65-F5344CB8AC3E}">
-        <p14:creationId xmlns:p14="http://schemas.microsoft.com/office/powerpoint/2010/main" val="3502109738"/>
+        <p14:creationId xmlns:p14="http://schemas.microsoft.com/office/powerpoint/2010/main" val="2138658308"/>
       </p:ext>
     </p:extLst>
   </p:cSld>
   <p:clrMapOvr>
     <a:masterClrMapping/>
   </p:clrMapOvr>
+  <p:timing>
+    <p:tnLst>
+      <p:par>
+        <p:cTn id="1" dur="indefinite" restart="never" nodeType="tmRoot">
+          <p:childTnLst>
+            <p:seq concurrent="1" nextAc="seek">
+              <p:cTn id="2" dur="indefinite" nodeType="mainSeq">
+                <p:childTnLst>
+                  <p:par>
+                    <p:cTn id="3" fill="hold">
+                      <p:stCondLst>
+                        <p:cond delay="indefinite"/>
+                        <p:cond evt="onBegin" delay="0">
+                          <p:tn val="2"/>
+                        </p:cond>
+                      </p:stCondLst>
+                      <p:childTnLst>
+                        <p:par>
+                          <p:cTn id="4" fill="hold">
+                            <p:stCondLst>
+                              <p:cond delay="0"/>
+                            </p:stCondLst>
+                            <p:childTnLst>
+                              <p:par>
+                                <p:cTn id="5" presetID="2" presetClass="entr" presetSubtype="4" fill="hold" grpId="0" nodeType="afterEffect">
+                                  <p:stCondLst>
+                                    <p:cond delay="0"/>
+                                  </p:stCondLst>
+                                  <p:childTnLst>
+                                    <p:set>
+                                      <p:cBhvr>
+                                        <p:cTn id="6" dur="1" fill="hold">
+                                          <p:stCondLst>
+                                            <p:cond delay="0"/>
+                                          </p:stCondLst>
+                                        </p:cTn>
+                                        <p:tgtEl>
+                                          <p:spTgt spid="5"/>
+                                        </p:tgtEl>
+                                        <p:attrNameLst>
+                                          <p:attrName>style.visibility</p:attrName>
+                                        </p:attrNameLst>
+                                      </p:cBhvr>
+                                      <p:to>
+                                        <p:strVal val="visible"/>
+                                      </p:to>
+                                    </p:set>
+                                    <p:anim calcmode="lin" valueType="num">
+                                      <p:cBhvr additive="base">
+                                        <p:cTn id="7" dur="500" fill="hold"/>
+                                        <p:tgtEl>
+                                          <p:spTgt spid="5"/>
+                                        </p:tgtEl>
+                                        <p:attrNameLst>
+                                          <p:attrName>ppt_x</p:attrName>
+                                        </p:attrNameLst>
+                                      </p:cBhvr>
+                                      <p:tavLst>
+                                        <p:tav tm="0">
+                                          <p:val>
+                                            <p:strVal val="#ppt_x"/>
+                                          </p:val>
+                                        </p:tav>
+                                        <p:tav tm="100000">
+                                          <p:val>
+                                            <p:strVal val="#ppt_x"/>
+                                          </p:val>
+                                        </p:tav>
+                                      </p:tavLst>
+                                    </p:anim>
+                                    <p:anim calcmode="lin" valueType="num">
+                                      <p:cBhvr additive="base">
+                                        <p:cTn id="8" dur="500" fill="hold"/>
+                                        <p:tgtEl>
+                                          <p:spTgt spid="5"/>
+                                        </p:tgtEl>
+                                        <p:attrNameLst>
+                                          <p:attrName>ppt_y</p:attrName>
+                                        </p:attrNameLst>
+                                      </p:cBhvr>
+                                      <p:tavLst>
+                                        <p:tav tm="0">
+                                          <p:val>
+                                            <p:strVal val="1+#ppt_h/2"/>
+                                          </p:val>
+                                        </p:tav>
+                                        <p:tav tm="100000">
+                                          <p:val>
+                                            <p:strVal val="#ppt_y"/>
+                                          </p:val>
+                                        </p:tav>
+                                      </p:tavLst>
+                                    </p:anim>
+                                  </p:childTnLst>
+                                </p:cTn>
+                              </p:par>
+                            </p:childTnLst>
+                          </p:cTn>
+                        </p:par>
+                      </p:childTnLst>
+                    </p:cTn>
+                  </p:par>
+                </p:childTnLst>
+              </p:cTn>
+              <p:prevCondLst>
+                <p:cond evt="onPrev" delay="0">
+                  <p:tgtEl>
+                    <p:sldTgt/>
+                  </p:tgtEl>
+                </p:cond>
+              </p:prevCondLst>
+              <p:nextCondLst>
+                <p:cond evt="onNext" delay="0">
+                  <p:tgtEl>
+                    <p:sldTgt/>
+                  </p:tgtEl>
+                </p:cond>
+              </p:nextCondLst>
+            </p:seq>
+          </p:childTnLst>
+        </p:cTn>
+      </p:par>
+    </p:tnLst>
+    <p:bldLst>
+      <p:bldP spid="5" grpId="0" animBg="1"/>
+    </p:bldLst>
+  </p:timing>
 </p:sld>
 </file>
 
@@ -5423,6 +8072,3123 @@
           <p:cNvPr id="2" name="Title 1">
             <a:extLst>
               <a:ext uri="{FF2B5EF4-FFF2-40B4-BE49-F238E27FC236}">
+                <a16:creationId xmlns:a16="http://schemas.microsoft.com/office/drawing/2014/main" id="{EED995E9-C50B-3645-B3B4-EF2E34B0F672}"/>
+              </a:ext>
+            </a:extLst>
+          </p:cNvPr>
+          <p:cNvSpPr>
+            <a:spLocks noGrp="1"/>
+          </p:cNvSpPr>
+          <p:nvPr>
+            <p:ph type="title"/>
+          </p:nvPr>
+        </p:nvSpPr>
+        <p:spPr/>
+        <p:txBody>
+          <a:bodyPr>
+            <a:normAutofit/>
+          </a:bodyPr>
+          <a:lstStyle/>
+          <a:p>
+            <a:r>
+              <a:rPr lang="en-US" dirty="0" err="1"/>
+              <a:t>CoveyTownController</a:t>
+            </a:r>
+            <a:r>
+              <a:rPr lang="en-US" dirty="0"/>
+              <a:t> uses Mocks</a:t>
+            </a:r>
+          </a:p>
+        </p:txBody>
+      </p:sp>
+      <p:sp>
+        <p:nvSpPr>
+          <p:cNvPr id="4" name="Slide Number Placeholder 3">
+            <a:extLst>
+              <a:ext uri="{FF2B5EF4-FFF2-40B4-BE49-F238E27FC236}">
+                <a16:creationId xmlns:a16="http://schemas.microsoft.com/office/drawing/2014/main" id="{65F708AD-E1DB-5644-8814-B1B227A25D18}"/>
+              </a:ext>
+            </a:extLst>
+          </p:cNvPr>
+          <p:cNvSpPr>
+            <a:spLocks noGrp="1"/>
+          </p:cNvSpPr>
+          <p:nvPr>
+            <p:ph type="sldNum" sz="quarter" idx="12"/>
+          </p:nvPr>
+        </p:nvSpPr>
+        <p:spPr/>
+        <p:txBody>
+          <a:bodyPr/>
+          <a:lstStyle/>
+          <a:p>
+            <a:fld id="{20F37917-FD3A-4669-9018-DA04BCDD3D75}" type="slidenum">
+              <a:rPr lang="en-US" smtClean="0"/>
+              <a:t>13</a:t>
+            </a:fld>
+            <a:endParaRPr lang="en-US"/>
+          </a:p>
+        </p:txBody>
+      </p:sp>
+      <p:sp>
+        <p:nvSpPr>
+          <p:cNvPr id="5" name="Rectangle 4">
+            <a:extLst>
+              <a:ext uri="{FF2B5EF4-FFF2-40B4-BE49-F238E27FC236}">
+                <a16:creationId xmlns:a16="http://schemas.microsoft.com/office/drawing/2014/main" id="{04C2F5A4-5E0B-4497-8ADB-C757CB0915B9}"/>
+              </a:ext>
+            </a:extLst>
+          </p:cNvPr>
+          <p:cNvSpPr/>
+          <p:nvPr/>
+        </p:nvSpPr>
+        <p:spPr>
+          <a:xfrm>
+            <a:off x="8432132" y="3024680"/>
+            <a:ext cx="2743200" cy="1222467"/>
+          </a:xfrm>
+          <a:prstGeom prst="rect">
+            <a:avLst/>
+          </a:prstGeom>
+          <a:solidFill>
+            <a:schemeClr val="accent2">
+              <a:lumMod val="20000"/>
+              <a:lumOff val="80000"/>
+            </a:schemeClr>
+          </a:solidFill>
+          <a:ln>
+            <a:solidFill>
+              <a:srgbClr val="0070C0"/>
+            </a:solidFill>
+          </a:ln>
+        </p:spPr>
+        <p:style>
+          <a:lnRef idx="2">
+            <a:schemeClr val="accent1">
+              <a:shade val="50000"/>
+            </a:schemeClr>
+          </a:lnRef>
+          <a:fillRef idx="1">
+            <a:schemeClr val="accent1"/>
+          </a:fillRef>
+          <a:effectRef idx="0">
+            <a:schemeClr val="accent1"/>
+          </a:effectRef>
+          <a:fontRef idx="minor">
+            <a:schemeClr val="lt1"/>
+          </a:fontRef>
+        </p:style>
+        <p:txBody>
+          <a:bodyPr rtlCol="0" anchor="t"/>
+          <a:lstStyle/>
+          <a:p>
+            <a:pPr algn="ctr"/>
+            <a:r>
+              <a:rPr lang="en-US" sz="2400" b="1" dirty="0">
+                <a:solidFill>
+                  <a:schemeClr val="tx1"/>
+                </a:solidFill>
+                <a:latin typeface="Ink Free" panose="03080402000500000000" pitchFamily="66" charset="0"/>
+              </a:rPr>
+              <a:t>Our test checks if </a:t>
+            </a:r>
+            <a:r>
+              <a:rPr lang="en-US" sz="2400" b="1" dirty="0" err="1">
+                <a:solidFill>
+                  <a:schemeClr val="tx1"/>
+                </a:solidFill>
+                <a:latin typeface="Ink Free" panose="03080402000500000000" pitchFamily="66" charset="0"/>
+              </a:rPr>
+              <a:t>MockSocket</a:t>
+            </a:r>
+            <a:r>
+              <a:rPr lang="en-US" sz="2400" b="1" dirty="0">
+                <a:solidFill>
+                  <a:schemeClr val="tx1"/>
+                </a:solidFill>
+                <a:latin typeface="Ink Free" panose="03080402000500000000" pitchFamily="66" charset="0"/>
+              </a:rPr>
+              <a:t> was called to disconnect</a:t>
+            </a:r>
+          </a:p>
+        </p:txBody>
+      </p:sp>
+      <p:sp>
+        <p:nvSpPr>
+          <p:cNvPr id="7" name="Content Placeholder 6">
+            <a:extLst>
+              <a:ext uri="{FF2B5EF4-FFF2-40B4-BE49-F238E27FC236}">
+                <a16:creationId xmlns:a16="http://schemas.microsoft.com/office/drawing/2014/main" id="{14EA8CB0-B9C9-4AEC-9C4D-53B755738B06}"/>
+              </a:ext>
+            </a:extLst>
+          </p:cNvPr>
+          <p:cNvSpPr>
+            <a:spLocks noGrp="1"/>
+          </p:cNvSpPr>
+          <p:nvPr>
+            <p:ph idx="1"/>
+          </p:nvPr>
+        </p:nvSpPr>
+        <p:spPr>
+          <a:xfrm>
+            <a:off x="838200" y="1500160"/>
+            <a:ext cx="9966158" cy="4856190"/>
+          </a:xfrm>
+        </p:spPr>
+        <p:txBody>
+          <a:bodyPr>
+            <a:noAutofit/>
+          </a:bodyPr>
+          <a:lstStyle/>
+          <a:p>
+            <a:pPr marL="0" indent="0">
+              <a:buNone/>
+            </a:pPr>
+            <a:r>
+              <a:rPr lang="en-US" sz="1200" b="0" dirty="0">
+                <a:solidFill>
+                  <a:srgbClr val="000000"/>
+                </a:solidFill>
+                <a:effectLst/>
+                <a:latin typeface="Consolas" panose="020B0609020204030204" pitchFamily="49" charset="0"/>
+              </a:rPr>
+              <a:t>  describe(</a:t>
+            </a:r>
+            <a:r>
+              <a:rPr lang="en-US" sz="1200" b="0" dirty="0">
+                <a:solidFill>
+                  <a:srgbClr val="A31515"/>
+                </a:solidFill>
+                <a:effectLst/>
+                <a:latin typeface="Consolas" panose="020B0609020204030204" pitchFamily="49" charset="0"/>
+              </a:rPr>
+              <a:t>'</a:t>
+            </a:r>
+            <a:r>
+              <a:rPr lang="en-US" sz="1200" b="0" dirty="0" err="1">
+                <a:solidFill>
+                  <a:srgbClr val="A31515"/>
+                </a:solidFill>
+                <a:effectLst/>
+                <a:latin typeface="Consolas" panose="020B0609020204030204" pitchFamily="49" charset="0"/>
+              </a:rPr>
+              <a:t>townSubscriptionHandler</a:t>
+            </a:r>
+            <a:r>
+              <a:rPr lang="en-US" sz="1200" b="0" dirty="0">
+                <a:solidFill>
+                  <a:srgbClr val="A31515"/>
+                </a:solidFill>
+                <a:effectLst/>
+                <a:latin typeface="Consolas" panose="020B0609020204030204" pitchFamily="49" charset="0"/>
+              </a:rPr>
+              <a:t>'</a:t>
+            </a:r>
+            <a:r>
+              <a:rPr lang="en-US" sz="1200" b="0" dirty="0">
+                <a:solidFill>
+                  <a:srgbClr val="000000"/>
+                </a:solidFill>
+                <a:effectLst/>
+                <a:latin typeface="Consolas" panose="020B0609020204030204" pitchFamily="49" charset="0"/>
+              </a:rPr>
+              <a:t>, () </a:t>
+            </a:r>
+            <a:r>
+              <a:rPr lang="en-US" sz="1200" b="0" dirty="0">
+                <a:solidFill>
+                  <a:srgbClr val="0000FF"/>
+                </a:solidFill>
+                <a:effectLst/>
+                <a:latin typeface="Consolas" panose="020B0609020204030204" pitchFamily="49" charset="0"/>
+              </a:rPr>
+              <a:t>=&gt;</a:t>
+            </a:r>
+            <a:r>
+              <a:rPr lang="en-US" sz="1200" b="0" dirty="0">
+                <a:solidFill>
+                  <a:srgbClr val="000000"/>
+                </a:solidFill>
+                <a:effectLst/>
+                <a:latin typeface="Consolas" panose="020B0609020204030204" pitchFamily="49" charset="0"/>
+              </a:rPr>
+              <a:t> {</a:t>
+            </a:r>
+          </a:p>
+          <a:p>
+            <a:pPr marL="0" indent="0">
+              <a:buNone/>
+            </a:pPr>
+            <a:r>
+              <a:rPr lang="en-US" sz="1200" b="0" dirty="0">
+                <a:solidFill>
+                  <a:srgbClr val="000000"/>
+                </a:solidFill>
+                <a:effectLst/>
+                <a:latin typeface="Consolas" panose="020B0609020204030204" pitchFamily="49" charset="0"/>
+              </a:rPr>
+              <a:t>    </a:t>
+            </a:r>
+            <a:r>
+              <a:rPr lang="en-US" sz="1200" b="0" dirty="0">
+                <a:solidFill>
+                  <a:srgbClr val="0000FF"/>
+                </a:solidFill>
+                <a:effectLst/>
+                <a:latin typeface="Consolas" panose="020B0609020204030204" pitchFamily="49" charset="0"/>
+              </a:rPr>
+              <a:t>const</a:t>
+            </a:r>
+            <a:r>
+              <a:rPr lang="en-US" sz="1200" b="0" dirty="0">
+                <a:solidFill>
+                  <a:srgbClr val="000000"/>
+                </a:solidFill>
+                <a:effectLst/>
+                <a:latin typeface="Consolas" panose="020B0609020204030204" pitchFamily="49" charset="0"/>
+              </a:rPr>
+              <a:t> </a:t>
+            </a:r>
+            <a:r>
+              <a:rPr lang="en-US" sz="1200" b="0" dirty="0" err="1">
+                <a:solidFill>
+                  <a:srgbClr val="000000"/>
+                </a:solidFill>
+                <a:effectLst/>
+                <a:latin typeface="Consolas" panose="020B0609020204030204" pitchFamily="49" charset="0"/>
+              </a:rPr>
+              <a:t>mockSocket</a:t>
+            </a:r>
+            <a:r>
+              <a:rPr lang="en-US" sz="1200" b="0" dirty="0">
+                <a:solidFill>
+                  <a:srgbClr val="000000"/>
+                </a:solidFill>
+                <a:effectLst/>
+                <a:latin typeface="Consolas" panose="020B0609020204030204" pitchFamily="49" charset="0"/>
+              </a:rPr>
+              <a:t> = mock&lt;Socket&gt;();</a:t>
+            </a:r>
+          </a:p>
+          <a:p>
+            <a:pPr marL="0" indent="0">
+              <a:buNone/>
+            </a:pPr>
+            <a:r>
+              <a:rPr lang="en-US" sz="1200" b="0" dirty="0">
+                <a:solidFill>
+                  <a:srgbClr val="000000"/>
+                </a:solidFill>
+                <a:effectLst/>
+                <a:latin typeface="Consolas" panose="020B0609020204030204" pitchFamily="49" charset="0"/>
+              </a:rPr>
+              <a:t>    </a:t>
+            </a:r>
+            <a:r>
+              <a:rPr lang="en-US" sz="1200" b="0" dirty="0">
+                <a:solidFill>
+                  <a:srgbClr val="0000FF"/>
+                </a:solidFill>
+                <a:effectLst/>
+                <a:latin typeface="Consolas" panose="020B0609020204030204" pitchFamily="49" charset="0"/>
+              </a:rPr>
+              <a:t>let</a:t>
+            </a:r>
+            <a:r>
+              <a:rPr lang="en-US" sz="1200" b="0" dirty="0">
+                <a:solidFill>
+                  <a:srgbClr val="000000"/>
+                </a:solidFill>
+                <a:effectLst/>
+                <a:latin typeface="Consolas" panose="020B0609020204030204" pitchFamily="49" charset="0"/>
+              </a:rPr>
+              <a:t> </a:t>
+            </a:r>
+            <a:r>
+              <a:rPr lang="en-US" sz="1200" b="0" dirty="0" err="1">
+                <a:solidFill>
+                  <a:srgbClr val="000000"/>
+                </a:solidFill>
+                <a:effectLst/>
+                <a:latin typeface="Consolas" panose="020B0609020204030204" pitchFamily="49" charset="0"/>
+              </a:rPr>
+              <a:t>testingTown</a:t>
+            </a:r>
+            <a:r>
+              <a:rPr lang="en-US" sz="1200" b="0" dirty="0">
+                <a:solidFill>
+                  <a:srgbClr val="000000"/>
+                </a:solidFill>
+                <a:effectLst/>
+                <a:latin typeface="Consolas" panose="020B0609020204030204" pitchFamily="49" charset="0"/>
+              </a:rPr>
+              <a:t>: </a:t>
+            </a:r>
+            <a:r>
+              <a:rPr lang="en-US" sz="1200" b="0" dirty="0" err="1">
+                <a:solidFill>
+                  <a:srgbClr val="000000"/>
+                </a:solidFill>
+                <a:effectLst/>
+                <a:latin typeface="Consolas" panose="020B0609020204030204" pitchFamily="49" charset="0"/>
+              </a:rPr>
+              <a:t>CoveyTownController</a:t>
+            </a:r>
+            <a:r>
+              <a:rPr lang="en-US" sz="1200" b="0" dirty="0">
+                <a:solidFill>
+                  <a:srgbClr val="000000"/>
+                </a:solidFill>
+                <a:effectLst/>
+                <a:latin typeface="Consolas" panose="020B0609020204030204" pitchFamily="49" charset="0"/>
+              </a:rPr>
+              <a:t>;</a:t>
+            </a:r>
+          </a:p>
+          <a:p>
+            <a:pPr marL="0" indent="0">
+              <a:buNone/>
+            </a:pPr>
+            <a:r>
+              <a:rPr lang="en-US" sz="1200" b="0" dirty="0">
+                <a:solidFill>
+                  <a:srgbClr val="000000"/>
+                </a:solidFill>
+                <a:effectLst/>
+                <a:latin typeface="Consolas" panose="020B0609020204030204" pitchFamily="49" charset="0"/>
+              </a:rPr>
+              <a:t>    </a:t>
+            </a:r>
+            <a:r>
+              <a:rPr lang="en-US" sz="1200" b="0" dirty="0">
+                <a:solidFill>
+                  <a:srgbClr val="0000FF"/>
+                </a:solidFill>
+                <a:effectLst/>
+                <a:latin typeface="Consolas" panose="020B0609020204030204" pitchFamily="49" charset="0"/>
+              </a:rPr>
+              <a:t>let</a:t>
+            </a:r>
+            <a:r>
+              <a:rPr lang="en-US" sz="1200" b="0" dirty="0">
+                <a:solidFill>
+                  <a:srgbClr val="000000"/>
+                </a:solidFill>
+                <a:effectLst/>
+                <a:latin typeface="Consolas" panose="020B0609020204030204" pitchFamily="49" charset="0"/>
+              </a:rPr>
+              <a:t> player: Player;</a:t>
+            </a:r>
+          </a:p>
+          <a:p>
+            <a:pPr marL="0" indent="0">
+              <a:buNone/>
+            </a:pPr>
+            <a:r>
+              <a:rPr lang="en-US" sz="1200" b="0" dirty="0">
+                <a:solidFill>
+                  <a:srgbClr val="000000"/>
+                </a:solidFill>
+                <a:effectLst/>
+                <a:latin typeface="Consolas" panose="020B0609020204030204" pitchFamily="49" charset="0"/>
+              </a:rPr>
+              <a:t>    </a:t>
+            </a:r>
+            <a:r>
+              <a:rPr lang="en-US" sz="1200" b="0" dirty="0">
+                <a:solidFill>
+                  <a:srgbClr val="0000FF"/>
+                </a:solidFill>
+                <a:effectLst/>
+                <a:latin typeface="Consolas" panose="020B0609020204030204" pitchFamily="49" charset="0"/>
+              </a:rPr>
+              <a:t>let</a:t>
+            </a:r>
+            <a:r>
+              <a:rPr lang="en-US" sz="1200" b="0" dirty="0">
+                <a:solidFill>
+                  <a:srgbClr val="000000"/>
+                </a:solidFill>
+                <a:effectLst/>
+                <a:latin typeface="Consolas" panose="020B0609020204030204" pitchFamily="49" charset="0"/>
+              </a:rPr>
+              <a:t> session: </a:t>
+            </a:r>
+            <a:r>
+              <a:rPr lang="en-US" sz="1200" b="0" dirty="0" err="1">
+                <a:solidFill>
+                  <a:srgbClr val="000000"/>
+                </a:solidFill>
+                <a:effectLst/>
+                <a:latin typeface="Consolas" panose="020B0609020204030204" pitchFamily="49" charset="0"/>
+              </a:rPr>
+              <a:t>PlayerSession</a:t>
+            </a:r>
+            <a:r>
+              <a:rPr lang="en-US" sz="1200" b="0" dirty="0">
+                <a:solidFill>
+                  <a:srgbClr val="000000"/>
+                </a:solidFill>
+                <a:effectLst/>
+                <a:latin typeface="Consolas" panose="020B0609020204030204" pitchFamily="49" charset="0"/>
+              </a:rPr>
+              <a:t>;</a:t>
+            </a:r>
+          </a:p>
+          <a:p>
+            <a:pPr marL="0" indent="0">
+              <a:buNone/>
+            </a:pPr>
+            <a:r>
+              <a:rPr lang="en-US" sz="1200" b="0" dirty="0">
+                <a:solidFill>
+                  <a:srgbClr val="000000"/>
+                </a:solidFill>
+                <a:effectLst/>
+                <a:latin typeface="Consolas" panose="020B0609020204030204" pitchFamily="49" charset="0"/>
+              </a:rPr>
+              <a:t>    </a:t>
+            </a:r>
+            <a:r>
+              <a:rPr lang="en-US" sz="1200" b="0" dirty="0" err="1">
+                <a:solidFill>
+                  <a:srgbClr val="000000"/>
+                </a:solidFill>
+                <a:effectLst/>
+                <a:latin typeface="Consolas" panose="020B0609020204030204" pitchFamily="49" charset="0"/>
+              </a:rPr>
+              <a:t>beforeEach</a:t>
+            </a:r>
+            <a:r>
+              <a:rPr lang="en-US" sz="1200" b="0" dirty="0">
+                <a:solidFill>
+                  <a:srgbClr val="000000"/>
+                </a:solidFill>
+                <a:effectLst/>
+                <a:latin typeface="Consolas" panose="020B0609020204030204" pitchFamily="49" charset="0"/>
+              </a:rPr>
+              <a:t>(</a:t>
+            </a:r>
+            <a:r>
+              <a:rPr lang="en-US" sz="1200" b="0" dirty="0">
+                <a:solidFill>
+                  <a:srgbClr val="0000FF"/>
+                </a:solidFill>
+                <a:effectLst/>
+                <a:latin typeface="Consolas" panose="020B0609020204030204" pitchFamily="49" charset="0"/>
+              </a:rPr>
+              <a:t>async</a:t>
+            </a:r>
+            <a:r>
+              <a:rPr lang="en-US" sz="1200" b="0" dirty="0">
+                <a:solidFill>
+                  <a:srgbClr val="000000"/>
+                </a:solidFill>
+                <a:effectLst/>
+                <a:latin typeface="Consolas" panose="020B0609020204030204" pitchFamily="49" charset="0"/>
+              </a:rPr>
+              <a:t> () </a:t>
+            </a:r>
+            <a:r>
+              <a:rPr lang="en-US" sz="1200" b="0" dirty="0">
+                <a:solidFill>
+                  <a:srgbClr val="0000FF"/>
+                </a:solidFill>
+                <a:effectLst/>
+                <a:latin typeface="Consolas" panose="020B0609020204030204" pitchFamily="49" charset="0"/>
+              </a:rPr>
+              <a:t>=&gt;</a:t>
+            </a:r>
+            <a:r>
+              <a:rPr lang="en-US" sz="1200" b="0" dirty="0">
+                <a:solidFill>
+                  <a:srgbClr val="000000"/>
+                </a:solidFill>
+                <a:effectLst/>
+                <a:latin typeface="Consolas" panose="020B0609020204030204" pitchFamily="49" charset="0"/>
+              </a:rPr>
+              <a:t> {</a:t>
+            </a:r>
+          </a:p>
+          <a:p>
+            <a:pPr marL="0" indent="0">
+              <a:buNone/>
+            </a:pPr>
+            <a:r>
+              <a:rPr lang="en-US" sz="1200" b="0" dirty="0">
+                <a:solidFill>
+                  <a:srgbClr val="000000"/>
+                </a:solidFill>
+                <a:effectLst/>
+                <a:latin typeface="Consolas" panose="020B0609020204030204" pitchFamily="49" charset="0"/>
+              </a:rPr>
+              <a:t>      </a:t>
+            </a:r>
+            <a:r>
+              <a:rPr lang="en-US" sz="1200" b="0" dirty="0">
+                <a:solidFill>
+                  <a:srgbClr val="0000FF"/>
+                </a:solidFill>
+                <a:effectLst/>
+                <a:latin typeface="Consolas" panose="020B0609020204030204" pitchFamily="49" charset="0"/>
+              </a:rPr>
+              <a:t>const</a:t>
+            </a:r>
+            <a:r>
+              <a:rPr lang="en-US" sz="1200" b="0" dirty="0">
+                <a:solidFill>
+                  <a:srgbClr val="000000"/>
+                </a:solidFill>
+                <a:effectLst/>
+                <a:latin typeface="Consolas" panose="020B0609020204030204" pitchFamily="49" charset="0"/>
+              </a:rPr>
+              <a:t> </a:t>
+            </a:r>
+            <a:r>
+              <a:rPr lang="en-US" sz="1200" b="0" dirty="0" err="1">
+                <a:solidFill>
+                  <a:srgbClr val="000000"/>
+                </a:solidFill>
+                <a:effectLst/>
+                <a:latin typeface="Consolas" panose="020B0609020204030204" pitchFamily="49" charset="0"/>
+              </a:rPr>
+              <a:t>townName</a:t>
+            </a:r>
+            <a:r>
+              <a:rPr lang="en-US" sz="1200" b="0" dirty="0">
+                <a:solidFill>
+                  <a:srgbClr val="000000"/>
+                </a:solidFill>
+                <a:effectLst/>
+                <a:latin typeface="Consolas" panose="020B0609020204030204" pitchFamily="49" charset="0"/>
+              </a:rPr>
+              <a:t> = </a:t>
+            </a:r>
+            <a:r>
+              <a:rPr lang="en-US" sz="1200" b="0" dirty="0">
+                <a:solidFill>
+                  <a:srgbClr val="A31515"/>
+                </a:solidFill>
+                <a:effectLst/>
+                <a:latin typeface="Consolas" panose="020B0609020204030204" pitchFamily="49" charset="0"/>
+              </a:rPr>
+              <a:t>`</a:t>
+            </a:r>
+            <a:r>
+              <a:rPr lang="en-US" sz="1200" b="0" dirty="0" err="1">
+                <a:solidFill>
+                  <a:srgbClr val="A31515"/>
+                </a:solidFill>
+                <a:effectLst/>
+                <a:latin typeface="Consolas" panose="020B0609020204030204" pitchFamily="49" charset="0"/>
+              </a:rPr>
+              <a:t>connectPlayerSocket</a:t>
+            </a:r>
+            <a:r>
+              <a:rPr lang="en-US" sz="1200" b="0" dirty="0">
+                <a:solidFill>
+                  <a:srgbClr val="A31515"/>
+                </a:solidFill>
+                <a:effectLst/>
+                <a:latin typeface="Consolas" panose="020B0609020204030204" pitchFamily="49" charset="0"/>
+              </a:rPr>
+              <a:t> tests </a:t>
+            </a:r>
+            <a:r>
+              <a:rPr lang="en-US" sz="1200" b="0" dirty="0">
+                <a:solidFill>
+                  <a:srgbClr val="0000FF"/>
+                </a:solidFill>
+                <a:effectLst/>
+                <a:latin typeface="Consolas" panose="020B0609020204030204" pitchFamily="49" charset="0"/>
+              </a:rPr>
+              <a:t>${</a:t>
+            </a:r>
+            <a:r>
+              <a:rPr lang="en-US" sz="1200" b="0" dirty="0" err="1">
+                <a:solidFill>
+                  <a:srgbClr val="000000"/>
+                </a:solidFill>
+                <a:effectLst/>
+                <a:latin typeface="Consolas" panose="020B0609020204030204" pitchFamily="49" charset="0"/>
+              </a:rPr>
+              <a:t>nanoid</a:t>
+            </a:r>
+            <a:r>
+              <a:rPr lang="en-US" sz="1200" b="0" dirty="0">
+                <a:solidFill>
+                  <a:srgbClr val="000000"/>
+                </a:solidFill>
+                <a:effectLst/>
+                <a:latin typeface="Consolas" panose="020B0609020204030204" pitchFamily="49" charset="0"/>
+              </a:rPr>
+              <a:t>()</a:t>
+            </a:r>
+            <a:r>
+              <a:rPr lang="en-US" sz="1200" b="0" dirty="0">
+                <a:solidFill>
+                  <a:srgbClr val="0000FF"/>
+                </a:solidFill>
+                <a:effectLst/>
+                <a:latin typeface="Consolas" panose="020B0609020204030204" pitchFamily="49" charset="0"/>
+              </a:rPr>
+              <a:t>}</a:t>
+            </a:r>
+            <a:r>
+              <a:rPr lang="en-US" sz="1200" b="0" dirty="0">
+                <a:solidFill>
+                  <a:srgbClr val="A31515"/>
+                </a:solidFill>
+                <a:effectLst/>
+                <a:latin typeface="Consolas" panose="020B0609020204030204" pitchFamily="49" charset="0"/>
+              </a:rPr>
+              <a:t>`</a:t>
+            </a:r>
+            <a:r>
+              <a:rPr lang="en-US" sz="1200" b="0" dirty="0">
+                <a:solidFill>
+                  <a:srgbClr val="000000"/>
+                </a:solidFill>
+                <a:effectLst/>
+                <a:latin typeface="Consolas" panose="020B0609020204030204" pitchFamily="49" charset="0"/>
+              </a:rPr>
+              <a:t>;</a:t>
+            </a:r>
+          </a:p>
+          <a:p>
+            <a:pPr marL="0" indent="0">
+              <a:buNone/>
+            </a:pPr>
+            <a:r>
+              <a:rPr lang="en-US" sz="1200" b="0" dirty="0">
+                <a:solidFill>
+                  <a:srgbClr val="000000"/>
+                </a:solidFill>
+                <a:effectLst/>
+                <a:latin typeface="Consolas" panose="020B0609020204030204" pitchFamily="49" charset="0"/>
+              </a:rPr>
+              <a:t>      </a:t>
+            </a:r>
+            <a:r>
+              <a:rPr lang="en-US" sz="1200" b="0" dirty="0" err="1">
+                <a:solidFill>
+                  <a:srgbClr val="000000"/>
+                </a:solidFill>
+                <a:effectLst/>
+                <a:latin typeface="Consolas" panose="020B0609020204030204" pitchFamily="49" charset="0"/>
+              </a:rPr>
+              <a:t>testingTown</a:t>
+            </a:r>
+            <a:r>
+              <a:rPr lang="en-US" sz="1200" b="0" dirty="0">
+                <a:solidFill>
+                  <a:srgbClr val="000000"/>
+                </a:solidFill>
+                <a:effectLst/>
+                <a:latin typeface="Consolas" panose="020B0609020204030204" pitchFamily="49" charset="0"/>
+              </a:rPr>
+              <a:t> = </a:t>
+            </a:r>
+            <a:r>
+              <a:rPr lang="en-US" sz="1200" b="0" dirty="0" err="1">
+                <a:solidFill>
+                  <a:srgbClr val="000000"/>
+                </a:solidFill>
+                <a:effectLst/>
+                <a:latin typeface="Consolas" panose="020B0609020204030204" pitchFamily="49" charset="0"/>
+              </a:rPr>
+              <a:t>CoveyTownsStore.getInstance</a:t>
+            </a:r>
+            <a:r>
+              <a:rPr lang="en-US" sz="1200" b="0" dirty="0">
+                <a:solidFill>
+                  <a:srgbClr val="000000"/>
+                </a:solidFill>
+                <a:effectLst/>
+                <a:latin typeface="Consolas" panose="020B0609020204030204" pitchFamily="49" charset="0"/>
+              </a:rPr>
+              <a:t>().</a:t>
+            </a:r>
+            <a:r>
+              <a:rPr lang="en-US" sz="1200" b="0" dirty="0" err="1">
+                <a:solidFill>
+                  <a:srgbClr val="000000"/>
+                </a:solidFill>
+                <a:effectLst/>
+                <a:latin typeface="Consolas" panose="020B0609020204030204" pitchFamily="49" charset="0"/>
+              </a:rPr>
+              <a:t>createTown</a:t>
+            </a:r>
+            <a:r>
+              <a:rPr lang="en-US" sz="1200" b="0" dirty="0">
+                <a:solidFill>
+                  <a:srgbClr val="000000"/>
+                </a:solidFill>
+                <a:effectLst/>
+                <a:latin typeface="Consolas" panose="020B0609020204030204" pitchFamily="49" charset="0"/>
+              </a:rPr>
+              <a:t>(</a:t>
+            </a:r>
+            <a:r>
+              <a:rPr lang="en-US" sz="1200" b="0" dirty="0" err="1">
+                <a:solidFill>
+                  <a:srgbClr val="000000"/>
+                </a:solidFill>
+                <a:effectLst/>
+                <a:latin typeface="Consolas" panose="020B0609020204030204" pitchFamily="49" charset="0"/>
+              </a:rPr>
+              <a:t>townName</a:t>
+            </a:r>
+            <a:r>
+              <a:rPr lang="en-US" sz="1200" b="0" dirty="0">
+                <a:solidFill>
+                  <a:srgbClr val="000000"/>
+                </a:solidFill>
+                <a:effectLst/>
+                <a:latin typeface="Consolas" panose="020B0609020204030204" pitchFamily="49" charset="0"/>
+              </a:rPr>
+              <a:t>, </a:t>
+            </a:r>
+            <a:r>
+              <a:rPr lang="en-US" sz="1200" b="0" dirty="0">
+                <a:solidFill>
+                  <a:srgbClr val="0000FF"/>
+                </a:solidFill>
+                <a:effectLst/>
+                <a:latin typeface="Consolas" panose="020B0609020204030204" pitchFamily="49" charset="0"/>
+              </a:rPr>
+              <a:t>false</a:t>
+            </a:r>
+            <a:r>
+              <a:rPr lang="en-US" sz="1200" b="0" dirty="0">
+                <a:solidFill>
+                  <a:srgbClr val="000000"/>
+                </a:solidFill>
+                <a:effectLst/>
+                <a:latin typeface="Consolas" panose="020B0609020204030204" pitchFamily="49" charset="0"/>
+              </a:rPr>
+              <a:t>);</a:t>
+            </a:r>
+          </a:p>
+          <a:p>
+            <a:pPr marL="0" indent="0">
+              <a:buNone/>
+            </a:pPr>
+            <a:r>
+              <a:rPr lang="en-US" sz="1200" b="0" dirty="0">
+                <a:solidFill>
+                  <a:srgbClr val="000000"/>
+                </a:solidFill>
+                <a:effectLst/>
+                <a:latin typeface="Consolas" panose="020B0609020204030204" pitchFamily="49" charset="0"/>
+              </a:rPr>
+              <a:t>      </a:t>
+            </a:r>
+            <a:r>
+              <a:rPr lang="en-US" sz="1200" b="0" dirty="0" err="1">
+                <a:solidFill>
+                  <a:srgbClr val="000000"/>
+                </a:solidFill>
+                <a:effectLst/>
+                <a:latin typeface="Consolas" panose="020B0609020204030204" pitchFamily="49" charset="0"/>
+              </a:rPr>
+              <a:t>mockReset</a:t>
+            </a:r>
+            <a:r>
+              <a:rPr lang="en-US" sz="1200" b="0" dirty="0">
+                <a:solidFill>
+                  <a:srgbClr val="000000"/>
+                </a:solidFill>
+                <a:effectLst/>
+                <a:latin typeface="Consolas" panose="020B0609020204030204" pitchFamily="49" charset="0"/>
+              </a:rPr>
+              <a:t>(</a:t>
+            </a:r>
+            <a:r>
+              <a:rPr lang="en-US" sz="1200" b="0" dirty="0" err="1">
+                <a:solidFill>
+                  <a:srgbClr val="000000"/>
+                </a:solidFill>
+                <a:effectLst/>
+                <a:latin typeface="Consolas" panose="020B0609020204030204" pitchFamily="49" charset="0"/>
+              </a:rPr>
+              <a:t>mockSocket</a:t>
+            </a:r>
+            <a:r>
+              <a:rPr lang="en-US" sz="1200" b="0" dirty="0">
+                <a:solidFill>
+                  <a:srgbClr val="000000"/>
+                </a:solidFill>
+                <a:effectLst/>
+                <a:latin typeface="Consolas" panose="020B0609020204030204" pitchFamily="49" charset="0"/>
+              </a:rPr>
+              <a:t>);</a:t>
+            </a:r>
+          </a:p>
+          <a:p>
+            <a:pPr marL="0" indent="0">
+              <a:buNone/>
+            </a:pPr>
+            <a:r>
+              <a:rPr lang="en-US" sz="1200" b="0" dirty="0">
+                <a:solidFill>
+                  <a:srgbClr val="000000"/>
+                </a:solidFill>
+                <a:effectLst/>
+                <a:latin typeface="Consolas" panose="020B0609020204030204" pitchFamily="49" charset="0"/>
+              </a:rPr>
+              <a:t>      player = </a:t>
+            </a:r>
+            <a:r>
+              <a:rPr lang="en-US" sz="1200" b="0" dirty="0">
+                <a:solidFill>
+                  <a:srgbClr val="0000FF"/>
+                </a:solidFill>
+                <a:effectLst/>
+                <a:latin typeface="Consolas" panose="020B0609020204030204" pitchFamily="49" charset="0"/>
+              </a:rPr>
+              <a:t>new</a:t>
+            </a:r>
+            <a:r>
+              <a:rPr lang="en-US" sz="1200" b="0" dirty="0">
+                <a:solidFill>
+                  <a:srgbClr val="000000"/>
+                </a:solidFill>
+                <a:effectLst/>
+                <a:latin typeface="Consolas" panose="020B0609020204030204" pitchFamily="49" charset="0"/>
+              </a:rPr>
+              <a:t> Player(</a:t>
+            </a:r>
+            <a:r>
+              <a:rPr lang="en-US" sz="1200" b="0" dirty="0">
+                <a:solidFill>
+                  <a:srgbClr val="A31515"/>
+                </a:solidFill>
+                <a:effectLst/>
+                <a:latin typeface="Consolas" panose="020B0609020204030204" pitchFamily="49" charset="0"/>
+              </a:rPr>
+              <a:t>'test player'</a:t>
+            </a:r>
+            <a:r>
+              <a:rPr lang="en-US" sz="1200" b="0" dirty="0">
+                <a:solidFill>
+                  <a:srgbClr val="000000"/>
+                </a:solidFill>
+                <a:effectLst/>
+                <a:latin typeface="Consolas" panose="020B0609020204030204" pitchFamily="49" charset="0"/>
+              </a:rPr>
+              <a:t>);</a:t>
+            </a:r>
+          </a:p>
+          <a:p>
+            <a:pPr marL="0" indent="0">
+              <a:buNone/>
+            </a:pPr>
+            <a:r>
+              <a:rPr lang="en-US" sz="1200" b="0" dirty="0">
+                <a:solidFill>
+                  <a:srgbClr val="000000"/>
+                </a:solidFill>
+                <a:effectLst/>
+                <a:latin typeface="Consolas" panose="020B0609020204030204" pitchFamily="49" charset="0"/>
+              </a:rPr>
+              <a:t>      session = </a:t>
+            </a:r>
+            <a:r>
+              <a:rPr lang="en-US" sz="1200" b="0" dirty="0">
+                <a:solidFill>
+                  <a:srgbClr val="0000FF"/>
+                </a:solidFill>
+                <a:effectLst/>
+                <a:latin typeface="Consolas" panose="020B0609020204030204" pitchFamily="49" charset="0"/>
+              </a:rPr>
+              <a:t>await</a:t>
+            </a:r>
+            <a:r>
+              <a:rPr lang="en-US" sz="1200" b="0" dirty="0">
+                <a:solidFill>
+                  <a:srgbClr val="000000"/>
+                </a:solidFill>
+                <a:effectLst/>
+                <a:latin typeface="Consolas" panose="020B0609020204030204" pitchFamily="49" charset="0"/>
+              </a:rPr>
+              <a:t> </a:t>
+            </a:r>
+            <a:r>
+              <a:rPr lang="en-US" sz="1200" b="0" dirty="0" err="1">
+                <a:solidFill>
+                  <a:srgbClr val="000000"/>
+                </a:solidFill>
+                <a:effectLst/>
+                <a:latin typeface="Consolas" panose="020B0609020204030204" pitchFamily="49" charset="0"/>
+              </a:rPr>
+              <a:t>testingTown.addPlayer</a:t>
+            </a:r>
+            <a:r>
+              <a:rPr lang="en-US" sz="1200" b="0" dirty="0">
+                <a:solidFill>
+                  <a:srgbClr val="000000"/>
+                </a:solidFill>
+                <a:effectLst/>
+                <a:latin typeface="Consolas" panose="020B0609020204030204" pitchFamily="49" charset="0"/>
+              </a:rPr>
+              <a:t>(player);</a:t>
+            </a:r>
+          </a:p>
+          <a:p>
+            <a:pPr marL="0" indent="0">
+              <a:buNone/>
+            </a:pPr>
+            <a:r>
+              <a:rPr lang="en-US" sz="1200" b="0" dirty="0">
+                <a:solidFill>
+                  <a:srgbClr val="000000"/>
+                </a:solidFill>
+                <a:effectLst/>
+                <a:latin typeface="Consolas" panose="020B0609020204030204" pitchFamily="49" charset="0"/>
+              </a:rPr>
+              <a:t>    });</a:t>
+            </a:r>
+          </a:p>
+          <a:p>
+            <a:pPr marL="0" indent="0">
+              <a:buNone/>
+            </a:pPr>
+            <a:r>
+              <a:rPr lang="en-US" sz="1200" b="0" dirty="0">
+                <a:solidFill>
+                  <a:srgbClr val="000000"/>
+                </a:solidFill>
+                <a:effectLst/>
+                <a:latin typeface="Consolas" panose="020B0609020204030204" pitchFamily="49" charset="0"/>
+              </a:rPr>
+              <a:t>    it(</a:t>
+            </a:r>
+            <a:r>
+              <a:rPr lang="en-US" sz="1200" b="0" dirty="0">
+                <a:solidFill>
+                  <a:srgbClr val="A31515"/>
+                </a:solidFill>
+                <a:effectLst/>
+                <a:latin typeface="Consolas" panose="020B0609020204030204" pitchFamily="49" charset="0"/>
+              </a:rPr>
+              <a:t>'should reject connections with invalid town IDs by calling disconnect'</a:t>
+            </a:r>
+            <a:r>
+              <a:rPr lang="en-US" sz="1200" b="0" dirty="0">
+                <a:solidFill>
+                  <a:srgbClr val="000000"/>
+                </a:solidFill>
+                <a:effectLst/>
+                <a:latin typeface="Consolas" panose="020B0609020204030204" pitchFamily="49" charset="0"/>
+              </a:rPr>
+              <a:t>, </a:t>
+            </a:r>
+            <a:r>
+              <a:rPr lang="en-US" sz="1200" b="0" dirty="0">
+                <a:solidFill>
+                  <a:srgbClr val="0000FF"/>
+                </a:solidFill>
+                <a:effectLst/>
+                <a:latin typeface="Consolas" panose="020B0609020204030204" pitchFamily="49" charset="0"/>
+              </a:rPr>
+              <a:t>async</a:t>
+            </a:r>
+            <a:r>
+              <a:rPr lang="en-US" sz="1200" b="0" dirty="0">
+                <a:solidFill>
+                  <a:srgbClr val="000000"/>
+                </a:solidFill>
+                <a:effectLst/>
+                <a:latin typeface="Consolas" panose="020B0609020204030204" pitchFamily="49" charset="0"/>
+              </a:rPr>
+              <a:t> () </a:t>
+            </a:r>
+            <a:r>
+              <a:rPr lang="en-US" sz="1200" b="0" dirty="0">
+                <a:solidFill>
+                  <a:srgbClr val="0000FF"/>
+                </a:solidFill>
+                <a:effectLst/>
+                <a:latin typeface="Consolas" panose="020B0609020204030204" pitchFamily="49" charset="0"/>
+              </a:rPr>
+              <a:t>=&gt;</a:t>
+            </a:r>
+            <a:r>
+              <a:rPr lang="en-US" sz="1200" b="0" dirty="0">
+                <a:solidFill>
+                  <a:srgbClr val="000000"/>
+                </a:solidFill>
+                <a:effectLst/>
+                <a:latin typeface="Consolas" panose="020B0609020204030204" pitchFamily="49" charset="0"/>
+              </a:rPr>
+              <a:t> {</a:t>
+            </a:r>
+          </a:p>
+          <a:p>
+            <a:pPr marL="0" indent="0">
+              <a:buNone/>
+            </a:pPr>
+            <a:r>
+              <a:rPr lang="en-US" sz="1200" b="0" dirty="0">
+                <a:solidFill>
+                  <a:srgbClr val="000000"/>
+                </a:solidFill>
+                <a:effectLst/>
+                <a:latin typeface="Consolas" panose="020B0609020204030204" pitchFamily="49" charset="0"/>
+              </a:rPr>
+              <a:t>      </a:t>
+            </a:r>
+            <a:r>
+              <a:rPr lang="en-US" sz="1200" b="0" dirty="0" err="1">
+                <a:solidFill>
+                  <a:srgbClr val="000000"/>
+                </a:solidFill>
+                <a:effectLst/>
+                <a:latin typeface="Consolas" panose="020B0609020204030204" pitchFamily="49" charset="0"/>
+              </a:rPr>
+              <a:t>TestUtils.setSessionTokenAndTownID</a:t>
+            </a:r>
+            <a:r>
+              <a:rPr lang="en-US" sz="1200" b="0" dirty="0">
+                <a:solidFill>
+                  <a:srgbClr val="000000"/>
+                </a:solidFill>
+                <a:effectLst/>
+                <a:latin typeface="Consolas" panose="020B0609020204030204" pitchFamily="49" charset="0"/>
+              </a:rPr>
+              <a:t>(</a:t>
+            </a:r>
+            <a:r>
+              <a:rPr lang="en-US" sz="1200" b="0" dirty="0" err="1">
+                <a:solidFill>
+                  <a:srgbClr val="000000"/>
+                </a:solidFill>
+                <a:effectLst/>
+                <a:latin typeface="Consolas" panose="020B0609020204030204" pitchFamily="49" charset="0"/>
+              </a:rPr>
+              <a:t>nanoid</a:t>
+            </a:r>
+            <a:r>
+              <a:rPr lang="en-US" sz="1200" b="0" dirty="0">
+                <a:solidFill>
+                  <a:srgbClr val="000000"/>
+                </a:solidFill>
+                <a:effectLst/>
+                <a:latin typeface="Consolas" panose="020B0609020204030204" pitchFamily="49" charset="0"/>
+              </a:rPr>
+              <a:t>(), </a:t>
+            </a:r>
+            <a:r>
+              <a:rPr lang="en-US" sz="1200" b="0" dirty="0" err="1">
+                <a:solidFill>
+                  <a:srgbClr val="000000"/>
+                </a:solidFill>
+                <a:effectLst/>
+                <a:latin typeface="Consolas" panose="020B0609020204030204" pitchFamily="49" charset="0"/>
+              </a:rPr>
+              <a:t>session.sessionToken</a:t>
+            </a:r>
+            <a:r>
+              <a:rPr lang="en-US" sz="1200" b="0" dirty="0">
+                <a:solidFill>
+                  <a:srgbClr val="000000"/>
+                </a:solidFill>
+                <a:effectLst/>
+                <a:latin typeface="Consolas" panose="020B0609020204030204" pitchFamily="49" charset="0"/>
+              </a:rPr>
+              <a:t>, </a:t>
+            </a:r>
+            <a:r>
+              <a:rPr lang="en-US" sz="1200" b="0" dirty="0" err="1">
+                <a:solidFill>
+                  <a:srgbClr val="000000"/>
+                </a:solidFill>
+                <a:effectLst/>
+                <a:latin typeface="Consolas" panose="020B0609020204030204" pitchFamily="49" charset="0"/>
+              </a:rPr>
+              <a:t>mockSocket</a:t>
+            </a:r>
+            <a:r>
+              <a:rPr lang="en-US" sz="1200" b="0" dirty="0">
+                <a:solidFill>
+                  <a:srgbClr val="000000"/>
+                </a:solidFill>
+                <a:effectLst/>
+                <a:latin typeface="Consolas" panose="020B0609020204030204" pitchFamily="49" charset="0"/>
+              </a:rPr>
+              <a:t>);</a:t>
+            </a:r>
+          </a:p>
+          <a:p>
+            <a:pPr marL="0" indent="0">
+              <a:buNone/>
+            </a:pPr>
+            <a:r>
+              <a:rPr lang="en-US" sz="1200" b="0" dirty="0">
+                <a:solidFill>
+                  <a:srgbClr val="000000"/>
+                </a:solidFill>
+                <a:effectLst/>
+                <a:latin typeface="Consolas" panose="020B0609020204030204" pitchFamily="49" charset="0"/>
+              </a:rPr>
+              <a:t>      </a:t>
+            </a:r>
+            <a:r>
+              <a:rPr lang="en-US" sz="1200" b="0" dirty="0" err="1">
+                <a:solidFill>
+                  <a:srgbClr val="000000"/>
+                </a:solidFill>
+                <a:effectLst/>
+                <a:latin typeface="Consolas" panose="020B0609020204030204" pitchFamily="49" charset="0"/>
+              </a:rPr>
+              <a:t>townSubscriptionHandler</a:t>
+            </a:r>
+            <a:r>
+              <a:rPr lang="en-US" sz="1200" b="0" dirty="0">
+                <a:solidFill>
+                  <a:srgbClr val="000000"/>
+                </a:solidFill>
+                <a:effectLst/>
+                <a:latin typeface="Consolas" panose="020B0609020204030204" pitchFamily="49" charset="0"/>
+              </a:rPr>
+              <a:t>(</a:t>
+            </a:r>
+            <a:r>
+              <a:rPr lang="en-US" sz="1200" b="0" dirty="0" err="1">
+                <a:solidFill>
+                  <a:srgbClr val="000000"/>
+                </a:solidFill>
+                <a:effectLst/>
+                <a:latin typeface="Consolas" panose="020B0609020204030204" pitchFamily="49" charset="0"/>
+              </a:rPr>
+              <a:t>mockSocket</a:t>
+            </a:r>
+            <a:r>
+              <a:rPr lang="en-US" sz="1200" b="0" dirty="0">
+                <a:solidFill>
+                  <a:srgbClr val="000000"/>
+                </a:solidFill>
+                <a:effectLst/>
+                <a:latin typeface="Consolas" panose="020B0609020204030204" pitchFamily="49" charset="0"/>
+              </a:rPr>
+              <a:t>);</a:t>
+            </a:r>
+          </a:p>
+          <a:p>
+            <a:pPr marL="0" indent="0">
+              <a:buNone/>
+            </a:pPr>
+            <a:r>
+              <a:rPr lang="en-US" sz="1200" b="0" dirty="0">
+                <a:solidFill>
+                  <a:srgbClr val="000000"/>
+                </a:solidFill>
+                <a:effectLst/>
+                <a:latin typeface="Consolas" panose="020B0609020204030204" pitchFamily="49" charset="0"/>
+              </a:rPr>
+              <a:t>      expect(</a:t>
+            </a:r>
+            <a:r>
+              <a:rPr lang="en-US" sz="1200" b="0" dirty="0" err="1">
+                <a:solidFill>
+                  <a:srgbClr val="000000"/>
+                </a:solidFill>
+                <a:effectLst/>
+                <a:latin typeface="Consolas" panose="020B0609020204030204" pitchFamily="49" charset="0"/>
+              </a:rPr>
+              <a:t>mockSocket.disconnect</a:t>
+            </a:r>
+            <a:r>
+              <a:rPr lang="en-US" sz="1200" b="0" dirty="0">
+                <a:solidFill>
+                  <a:srgbClr val="000000"/>
+                </a:solidFill>
+                <a:effectLst/>
+                <a:latin typeface="Consolas" panose="020B0609020204030204" pitchFamily="49" charset="0"/>
+              </a:rPr>
+              <a:t>).</a:t>
+            </a:r>
+            <a:r>
+              <a:rPr lang="en-US" sz="1200" b="0" dirty="0" err="1">
+                <a:solidFill>
+                  <a:srgbClr val="000000"/>
+                </a:solidFill>
+                <a:effectLst/>
+                <a:latin typeface="Consolas" panose="020B0609020204030204" pitchFamily="49" charset="0"/>
+              </a:rPr>
+              <a:t>toBeCalledWith</a:t>
+            </a:r>
+            <a:r>
+              <a:rPr lang="en-US" sz="1200" b="0" dirty="0">
+                <a:solidFill>
+                  <a:srgbClr val="000000"/>
+                </a:solidFill>
+                <a:effectLst/>
+                <a:latin typeface="Consolas" panose="020B0609020204030204" pitchFamily="49" charset="0"/>
+              </a:rPr>
+              <a:t>(</a:t>
+            </a:r>
+            <a:r>
+              <a:rPr lang="en-US" sz="1200" b="0" dirty="0">
+                <a:solidFill>
+                  <a:srgbClr val="0000FF"/>
+                </a:solidFill>
+                <a:effectLst/>
+                <a:latin typeface="Consolas" panose="020B0609020204030204" pitchFamily="49" charset="0"/>
+              </a:rPr>
+              <a:t>true</a:t>
+            </a:r>
+            <a:r>
+              <a:rPr lang="en-US" sz="1200" b="0" dirty="0">
+                <a:solidFill>
+                  <a:srgbClr val="000000"/>
+                </a:solidFill>
+                <a:effectLst/>
+                <a:latin typeface="Consolas" panose="020B0609020204030204" pitchFamily="49" charset="0"/>
+              </a:rPr>
+              <a:t>);</a:t>
+            </a:r>
+          </a:p>
+          <a:p>
+            <a:pPr marL="0" indent="0">
+              <a:buNone/>
+            </a:pPr>
+            <a:r>
+              <a:rPr lang="en-US" sz="1200" b="0" dirty="0">
+                <a:solidFill>
+                  <a:srgbClr val="000000"/>
+                </a:solidFill>
+                <a:effectLst/>
+                <a:latin typeface="Consolas" panose="020B0609020204030204" pitchFamily="49" charset="0"/>
+              </a:rPr>
+              <a:t>    });</a:t>
+            </a:r>
+          </a:p>
+          <a:p>
+            <a:pPr marL="0" indent="0">
+              <a:buNone/>
+            </a:pPr>
+            <a:r>
+              <a:rPr lang="en-US" sz="1200" dirty="0">
+                <a:solidFill>
+                  <a:srgbClr val="000000"/>
+                </a:solidFill>
+                <a:latin typeface="Consolas" panose="020B0609020204030204" pitchFamily="49" charset="0"/>
+              </a:rPr>
+              <a:t>......</a:t>
+            </a:r>
+            <a:endParaRPr lang="en-US" sz="1200" b="0" dirty="0">
+              <a:solidFill>
+                <a:srgbClr val="000000"/>
+              </a:solidFill>
+              <a:effectLst/>
+              <a:latin typeface="Consolas" panose="020B0609020204030204" pitchFamily="49" charset="0"/>
+            </a:endParaRPr>
+          </a:p>
+        </p:txBody>
+      </p:sp>
+    </p:spTree>
+    <p:extLst>
+      <p:ext uri="{BB962C8B-B14F-4D97-AF65-F5344CB8AC3E}">
+        <p14:creationId xmlns:p14="http://schemas.microsoft.com/office/powerpoint/2010/main" val="1548766826"/>
+      </p:ext>
+    </p:extLst>
+  </p:cSld>
+  <p:clrMapOvr>
+    <a:masterClrMapping/>
+  </p:clrMapOvr>
+  <p:timing>
+    <p:tnLst>
+      <p:par>
+        <p:cTn id="1" dur="indefinite" restart="never" nodeType="tmRoot">
+          <p:childTnLst>
+            <p:seq concurrent="1" nextAc="seek">
+              <p:cTn id="2" dur="indefinite" nodeType="mainSeq">
+                <p:childTnLst>
+                  <p:par>
+                    <p:cTn id="3" fill="hold">
+                      <p:stCondLst>
+                        <p:cond delay="indefinite"/>
+                        <p:cond evt="onBegin" delay="0">
+                          <p:tn val="2"/>
+                        </p:cond>
+                      </p:stCondLst>
+                      <p:childTnLst>
+                        <p:par>
+                          <p:cTn id="4" fill="hold">
+                            <p:stCondLst>
+                              <p:cond delay="0"/>
+                            </p:stCondLst>
+                            <p:childTnLst>
+                              <p:par>
+                                <p:cTn id="5" presetID="2" presetClass="entr" presetSubtype="4" fill="hold" grpId="0" nodeType="afterEffect">
+                                  <p:stCondLst>
+                                    <p:cond delay="0"/>
+                                  </p:stCondLst>
+                                  <p:childTnLst>
+                                    <p:set>
+                                      <p:cBhvr>
+                                        <p:cTn id="6" dur="1" fill="hold">
+                                          <p:stCondLst>
+                                            <p:cond delay="0"/>
+                                          </p:stCondLst>
+                                        </p:cTn>
+                                        <p:tgtEl>
+                                          <p:spTgt spid="5"/>
+                                        </p:tgtEl>
+                                        <p:attrNameLst>
+                                          <p:attrName>style.visibility</p:attrName>
+                                        </p:attrNameLst>
+                                      </p:cBhvr>
+                                      <p:to>
+                                        <p:strVal val="visible"/>
+                                      </p:to>
+                                    </p:set>
+                                    <p:anim calcmode="lin" valueType="num">
+                                      <p:cBhvr additive="base">
+                                        <p:cTn id="7" dur="500" fill="hold"/>
+                                        <p:tgtEl>
+                                          <p:spTgt spid="5"/>
+                                        </p:tgtEl>
+                                        <p:attrNameLst>
+                                          <p:attrName>ppt_x</p:attrName>
+                                        </p:attrNameLst>
+                                      </p:cBhvr>
+                                      <p:tavLst>
+                                        <p:tav tm="0">
+                                          <p:val>
+                                            <p:strVal val="#ppt_x"/>
+                                          </p:val>
+                                        </p:tav>
+                                        <p:tav tm="100000">
+                                          <p:val>
+                                            <p:strVal val="#ppt_x"/>
+                                          </p:val>
+                                        </p:tav>
+                                      </p:tavLst>
+                                    </p:anim>
+                                    <p:anim calcmode="lin" valueType="num">
+                                      <p:cBhvr additive="base">
+                                        <p:cTn id="8" dur="500" fill="hold"/>
+                                        <p:tgtEl>
+                                          <p:spTgt spid="5"/>
+                                        </p:tgtEl>
+                                        <p:attrNameLst>
+                                          <p:attrName>ppt_y</p:attrName>
+                                        </p:attrNameLst>
+                                      </p:cBhvr>
+                                      <p:tavLst>
+                                        <p:tav tm="0">
+                                          <p:val>
+                                            <p:strVal val="1+#ppt_h/2"/>
+                                          </p:val>
+                                        </p:tav>
+                                        <p:tav tm="100000">
+                                          <p:val>
+                                            <p:strVal val="#ppt_y"/>
+                                          </p:val>
+                                        </p:tav>
+                                      </p:tavLst>
+                                    </p:anim>
+                                  </p:childTnLst>
+                                </p:cTn>
+                              </p:par>
+                            </p:childTnLst>
+                          </p:cTn>
+                        </p:par>
+                      </p:childTnLst>
+                    </p:cTn>
+                  </p:par>
+                </p:childTnLst>
+              </p:cTn>
+              <p:prevCondLst>
+                <p:cond evt="onPrev" delay="0">
+                  <p:tgtEl>
+                    <p:sldTgt/>
+                  </p:tgtEl>
+                </p:cond>
+              </p:prevCondLst>
+              <p:nextCondLst>
+                <p:cond evt="onNext" delay="0">
+                  <p:tgtEl>
+                    <p:sldTgt/>
+                  </p:tgtEl>
+                </p:cond>
+              </p:nextCondLst>
+            </p:seq>
+          </p:childTnLst>
+        </p:cTn>
+      </p:par>
+    </p:tnLst>
+    <p:bldLst>
+      <p:bldP spid="5" grpId="0" animBg="1"/>
+    </p:bldLst>
+  </p:timing>
+</p:sld>
+</file>
+
+<file path=ppt/slides/slide14.xml><?xml version="1.0" encoding="utf-8"?>
+<p:sld xmlns:a="http://schemas.openxmlformats.org/drawingml/2006/main" xmlns:r="http://schemas.openxmlformats.org/officeDocument/2006/relationships" xmlns:p="http://schemas.openxmlformats.org/presentationml/2006/main">
+  <p:cSld>
+    <p:spTree>
+      <p:nvGrpSpPr>
+        <p:cNvPr id="1" name=""/>
+        <p:cNvGrpSpPr/>
+        <p:nvPr/>
+      </p:nvGrpSpPr>
+      <p:grpSpPr>
+        <a:xfrm>
+          <a:off x="0" y="0"/>
+          <a:ext cx="0" cy="0"/>
+          <a:chOff x="0" y="0"/>
+          <a:chExt cx="0" cy="0"/>
+        </a:xfrm>
+      </p:grpSpPr>
+      <p:sp>
+        <p:nvSpPr>
+          <p:cNvPr id="2" name="Title 1">
+            <a:extLst>
+              <a:ext uri="{FF2B5EF4-FFF2-40B4-BE49-F238E27FC236}">
+                <a16:creationId xmlns:a16="http://schemas.microsoft.com/office/drawing/2014/main" id="{4C77E768-7027-9A41-B88B-CB0667D14490}"/>
+              </a:ext>
+            </a:extLst>
+          </p:cNvPr>
+          <p:cNvSpPr>
+            <a:spLocks noGrp="1"/>
+          </p:cNvSpPr>
+          <p:nvPr>
+            <p:ph type="title"/>
+          </p:nvPr>
+        </p:nvSpPr>
+        <p:spPr/>
+        <p:txBody>
+          <a:bodyPr/>
+          <a:lstStyle/>
+          <a:p>
+            <a:r>
+              <a:rPr lang="en-US" dirty="0"/>
+              <a:t>Test Fakes</a:t>
+            </a:r>
+          </a:p>
+        </p:txBody>
+      </p:sp>
+      <p:sp>
+        <p:nvSpPr>
+          <p:cNvPr id="3" name="Content Placeholder 2">
+            <a:extLst>
+              <a:ext uri="{FF2B5EF4-FFF2-40B4-BE49-F238E27FC236}">
+                <a16:creationId xmlns:a16="http://schemas.microsoft.com/office/drawing/2014/main" id="{DFA7644B-7956-A147-9BA0-8AF6266FDE78}"/>
+              </a:ext>
+            </a:extLst>
+          </p:cNvPr>
+          <p:cNvSpPr>
+            <a:spLocks noGrp="1"/>
+          </p:cNvSpPr>
+          <p:nvPr>
+            <p:ph idx="1"/>
+          </p:nvPr>
+        </p:nvSpPr>
+        <p:spPr/>
+        <p:txBody>
+          <a:bodyPr/>
+          <a:lstStyle/>
+          <a:p>
+            <a:r>
+              <a:rPr lang="en-US" dirty="0"/>
+              <a:t>A </a:t>
+            </a:r>
+            <a:r>
+              <a:rPr lang="en-US" i="1" dirty="0"/>
+              <a:t>fake</a:t>
+            </a:r>
+            <a:r>
+              <a:rPr lang="en-US" dirty="0"/>
+              <a:t> has an implementation of the object being replaced</a:t>
+            </a:r>
+          </a:p>
+          <a:p>
+            <a:pPr lvl="1"/>
+            <a:r>
+              <a:rPr lang="en-US" dirty="0"/>
+              <a:t>A </a:t>
+            </a:r>
+            <a:r>
+              <a:rPr lang="en-US" i="1" dirty="0"/>
+              <a:t>low-fidelity </a:t>
+            </a:r>
+            <a:r>
+              <a:rPr lang="en-US" dirty="0"/>
+              <a:t>fake implements things partially</a:t>
+            </a:r>
+          </a:p>
+          <a:p>
+            <a:pPr lvl="2"/>
+            <a:r>
+              <a:rPr lang="en-US" dirty="0"/>
+              <a:t>Enough to work for the test.</a:t>
+            </a:r>
+          </a:p>
+          <a:p>
+            <a:pPr lvl="1"/>
+            <a:r>
+              <a:rPr lang="en-US" dirty="0"/>
+              <a:t>A </a:t>
+            </a:r>
+            <a:r>
+              <a:rPr lang="en-US" i="1" dirty="0"/>
+              <a:t>high-fidelity</a:t>
+            </a:r>
+            <a:r>
+              <a:rPr lang="en-US" dirty="0"/>
+              <a:t> fake implements most aspects:</a:t>
+            </a:r>
+          </a:p>
+          <a:p>
+            <a:pPr lvl="2"/>
+            <a:r>
+              <a:rPr lang="en-US" dirty="0"/>
+              <a:t>Usually all functional aspects;</a:t>
+            </a:r>
+          </a:p>
+          <a:p>
+            <a:pPr lvl="2"/>
+            <a:r>
+              <a:rPr lang="en-US" dirty="0"/>
+              <a:t>Usually not as efficiently or as scalable.</a:t>
+            </a:r>
+          </a:p>
+          <a:p>
+            <a:r>
+              <a:rPr lang="en-US" dirty="0"/>
+              <a:t>The purpose of the fake is to avoid processes/network/cost:</a:t>
+            </a:r>
+          </a:p>
+          <a:p>
+            <a:pPr lvl="1"/>
+            <a:r>
+              <a:rPr lang="en-US" dirty="0"/>
+              <a:t>So the test can be cheap and deterministic.</a:t>
+            </a:r>
+          </a:p>
+        </p:txBody>
+      </p:sp>
+      <p:sp>
+        <p:nvSpPr>
+          <p:cNvPr id="4" name="Slide Number Placeholder 3">
+            <a:extLst>
+              <a:ext uri="{FF2B5EF4-FFF2-40B4-BE49-F238E27FC236}">
+                <a16:creationId xmlns:a16="http://schemas.microsoft.com/office/drawing/2014/main" id="{C5805623-B53B-C946-BF7C-65ECA2549B36}"/>
+              </a:ext>
+            </a:extLst>
+          </p:cNvPr>
+          <p:cNvSpPr>
+            <a:spLocks noGrp="1"/>
+          </p:cNvSpPr>
+          <p:nvPr>
+            <p:ph type="sldNum" sz="quarter" idx="12"/>
+          </p:nvPr>
+        </p:nvSpPr>
+        <p:spPr/>
+        <p:txBody>
+          <a:bodyPr/>
+          <a:lstStyle/>
+          <a:p>
+            <a:fld id="{20F37917-FD3A-4669-9018-DA04BCDD3D75}" type="slidenum">
+              <a:rPr lang="en-US" smtClean="0"/>
+              <a:t>14</a:t>
+            </a:fld>
+            <a:endParaRPr lang="en-US"/>
+          </a:p>
+        </p:txBody>
+      </p:sp>
+      <p:sp>
+        <p:nvSpPr>
+          <p:cNvPr id="5" name="Rectangle 4">
+            <a:extLst>
+              <a:ext uri="{FF2B5EF4-FFF2-40B4-BE49-F238E27FC236}">
+                <a16:creationId xmlns:a16="http://schemas.microsoft.com/office/drawing/2014/main" id="{ECCCCB64-2FF5-4C88-96CA-408D2AD03DF0}"/>
+              </a:ext>
+            </a:extLst>
+          </p:cNvPr>
+          <p:cNvSpPr/>
+          <p:nvPr/>
+        </p:nvSpPr>
+        <p:spPr>
+          <a:xfrm>
+            <a:off x="9223923" y="3073593"/>
+            <a:ext cx="2295631" cy="1325563"/>
+          </a:xfrm>
+          <a:prstGeom prst="rect">
+            <a:avLst/>
+          </a:prstGeom>
+          <a:solidFill>
+            <a:schemeClr val="accent2">
+              <a:lumMod val="20000"/>
+              <a:lumOff val="80000"/>
+            </a:schemeClr>
+          </a:solidFill>
+          <a:ln>
+            <a:solidFill>
+              <a:srgbClr val="0070C0"/>
+            </a:solidFill>
+          </a:ln>
+        </p:spPr>
+        <p:style>
+          <a:lnRef idx="2">
+            <a:schemeClr val="accent1">
+              <a:shade val="50000"/>
+            </a:schemeClr>
+          </a:lnRef>
+          <a:fillRef idx="1">
+            <a:schemeClr val="accent1"/>
+          </a:fillRef>
+          <a:effectRef idx="0">
+            <a:schemeClr val="accent1"/>
+          </a:effectRef>
+          <a:fontRef idx="minor">
+            <a:schemeClr val="lt1"/>
+          </a:fontRef>
+        </p:style>
+        <p:txBody>
+          <a:bodyPr rtlCol="0" anchor="t"/>
+          <a:lstStyle/>
+          <a:p>
+            <a:pPr algn="ctr"/>
+            <a:r>
+              <a:rPr lang="en-US" sz="2400" b="1" dirty="0">
+                <a:solidFill>
+                  <a:schemeClr val="tx1"/>
+                </a:solidFill>
+                <a:latin typeface="Ink Free" panose="03080402000500000000" pitchFamily="66" charset="0"/>
+              </a:rPr>
+              <a:t>Fake has </a:t>
+            </a:r>
+          </a:p>
+          <a:p>
+            <a:pPr algn="ctr"/>
+            <a:r>
+              <a:rPr lang="en-US" sz="2400" b="1" dirty="0">
+                <a:solidFill>
+                  <a:schemeClr val="tx1"/>
+                </a:solidFill>
+                <a:latin typeface="Ink Free" panose="03080402000500000000" pitchFamily="66" charset="0"/>
+              </a:rPr>
+              <a:t>“semi-real implementation”</a:t>
+            </a:r>
+          </a:p>
+        </p:txBody>
+      </p:sp>
+    </p:spTree>
+    <p:extLst>
+      <p:ext uri="{BB962C8B-B14F-4D97-AF65-F5344CB8AC3E}">
+        <p14:creationId xmlns:p14="http://schemas.microsoft.com/office/powerpoint/2010/main" val="878153319"/>
+      </p:ext>
+    </p:extLst>
+  </p:cSld>
+  <p:clrMapOvr>
+    <a:masterClrMapping/>
+  </p:clrMapOvr>
+  <p:timing>
+    <p:tnLst>
+      <p:par>
+        <p:cTn id="1" dur="indefinite" restart="never" nodeType="tmRoot">
+          <p:childTnLst>
+            <p:seq concurrent="1" nextAc="seek">
+              <p:cTn id="2" dur="indefinite" nodeType="mainSeq">
+                <p:childTnLst>
+                  <p:par>
+                    <p:cTn id="3" fill="hold">
+                      <p:stCondLst>
+                        <p:cond delay="indefinite"/>
+                        <p:cond evt="onBegin" delay="0">
+                          <p:tn val="2"/>
+                        </p:cond>
+                      </p:stCondLst>
+                      <p:childTnLst>
+                        <p:par>
+                          <p:cTn id="4" fill="hold">
+                            <p:stCondLst>
+                              <p:cond delay="0"/>
+                            </p:stCondLst>
+                            <p:childTnLst>
+                              <p:par>
+                                <p:cTn id="5" presetID="2" presetClass="entr" presetSubtype="4" fill="hold" grpId="0" nodeType="afterEffect">
+                                  <p:stCondLst>
+                                    <p:cond delay="0"/>
+                                  </p:stCondLst>
+                                  <p:childTnLst>
+                                    <p:set>
+                                      <p:cBhvr>
+                                        <p:cTn id="6" dur="1" fill="hold">
+                                          <p:stCondLst>
+                                            <p:cond delay="0"/>
+                                          </p:stCondLst>
+                                        </p:cTn>
+                                        <p:tgtEl>
+                                          <p:spTgt spid="5"/>
+                                        </p:tgtEl>
+                                        <p:attrNameLst>
+                                          <p:attrName>style.visibility</p:attrName>
+                                        </p:attrNameLst>
+                                      </p:cBhvr>
+                                      <p:to>
+                                        <p:strVal val="visible"/>
+                                      </p:to>
+                                    </p:set>
+                                    <p:anim calcmode="lin" valueType="num">
+                                      <p:cBhvr additive="base">
+                                        <p:cTn id="7" dur="500" fill="hold"/>
+                                        <p:tgtEl>
+                                          <p:spTgt spid="5"/>
+                                        </p:tgtEl>
+                                        <p:attrNameLst>
+                                          <p:attrName>ppt_x</p:attrName>
+                                        </p:attrNameLst>
+                                      </p:cBhvr>
+                                      <p:tavLst>
+                                        <p:tav tm="0">
+                                          <p:val>
+                                            <p:strVal val="#ppt_x"/>
+                                          </p:val>
+                                        </p:tav>
+                                        <p:tav tm="100000">
+                                          <p:val>
+                                            <p:strVal val="#ppt_x"/>
+                                          </p:val>
+                                        </p:tav>
+                                      </p:tavLst>
+                                    </p:anim>
+                                    <p:anim calcmode="lin" valueType="num">
+                                      <p:cBhvr additive="base">
+                                        <p:cTn id="8" dur="500" fill="hold"/>
+                                        <p:tgtEl>
+                                          <p:spTgt spid="5"/>
+                                        </p:tgtEl>
+                                        <p:attrNameLst>
+                                          <p:attrName>ppt_y</p:attrName>
+                                        </p:attrNameLst>
+                                      </p:cBhvr>
+                                      <p:tavLst>
+                                        <p:tav tm="0">
+                                          <p:val>
+                                            <p:strVal val="1+#ppt_h/2"/>
+                                          </p:val>
+                                        </p:tav>
+                                        <p:tav tm="100000">
+                                          <p:val>
+                                            <p:strVal val="#ppt_y"/>
+                                          </p:val>
+                                        </p:tav>
+                                      </p:tavLst>
+                                    </p:anim>
+                                  </p:childTnLst>
+                                </p:cTn>
+                              </p:par>
+                            </p:childTnLst>
+                          </p:cTn>
+                        </p:par>
+                      </p:childTnLst>
+                    </p:cTn>
+                  </p:par>
+                </p:childTnLst>
+              </p:cTn>
+              <p:prevCondLst>
+                <p:cond evt="onPrev" delay="0">
+                  <p:tgtEl>
+                    <p:sldTgt/>
+                  </p:tgtEl>
+                </p:cond>
+              </p:prevCondLst>
+              <p:nextCondLst>
+                <p:cond evt="onNext" delay="0">
+                  <p:tgtEl>
+                    <p:sldTgt/>
+                  </p:tgtEl>
+                </p:cond>
+              </p:nextCondLst>
+            </p:seq>
+          </p:childTnLst>
+        </p:cTn>
+      </p:par>
+    </p:tnLst>
+    <p:bldLst>
+      <p:bldP spid="5" grpId="0" animBg="1"/>
+    </p:bldLst>
+  </p:timing>
+</p:sld>
+</file>
+
+<file path=ppt/slides/slide15.xml><?xml version="1.0" encoding="utf-8"?>
+<p:sld xmlns:a="http://schemas.openxmlformats.org/drawingml/2006/main" xmlns:r="http://schemas.openxmlformats.org/officeDocument/2006/relationships" xmlns:p="http://schemas.openxmlformats.org/presentationml/2006/main">
+  <p:cSld>
+    <p:spTree>
+      <p:nvGrpSpPr>
+        <p:cNvPr id="1" name=""/>
+        <p:cNvGrpSpPr/>
+        <p:nvPr/>
+      </p:nvGrpSpPr>
+      <p:grpSpPr>
+        <a:xfrm>
+          <a:off x="0" y="0"/>
+          <a:ext cx="0" cy="0"/>
+          <a:chOff x="0" y="0"/>
+          <a:chExt cx="0" cy="0"/>
+        </a:xfrm>
+      </p:grpSpPr>
+      <p:sp>
+        <p:nvSpPr>
+          <p:cNvPr id="2" name="Title 1">
+            <a:extLst>
+              <a:ext uri="{FF2B5EF4-FFF2-40B4-BE49-F238E27FC236}">
+                <a16:creationId xmlns:a16="http://schemas.microsoft.com/office/drawing/2014/main" id="{84254271-F8B1-5348-B575-F509EBC46126}"/>
+              </a:ext>
+            </a:extLst>
+          </p:cNvPr>
+          <p:cNvSpPr>
+            <a:spLocks noGrp="1"/>
+          </p:cNvSpPr>
+          <p:nvPr>
+            <p:ph type="title"/>
+          </p:nvPr>
+        </p:nvSpPr>
+        <p:spPr/>
+        <p:txBody>
+          <a:bodyPr/>
+          <a:lstStyle/>
+          <a:p>
+            <a:r>
+              <a:rPr lang="en-US" dirty="0"/>
+              <a:t>Test Fake Example</a:t>
+            </a:r>
+          </a:p>
+        </p:txBody>
+      </p:sp>
+      <p:sp>
+        <p:nvSpPr>
+          <p:cNvPr id="21" name="Content Placeholder 2">
+            <a:extLst>
+              <a:ext uri="{FF2B5EF4-FFF2-40B4-BE49-F238E27FC236}">
+                <a16:creationId xmlns:a16="http://schemas.microsoft.com/office/drawing/2014/main" id="{D21E59DF-D18B-4DAB-835B-2533777E8527}"/>
+              </a:ext>
+            </a:extLst>
+          </p:cNvPr>
+          <p:cNvSpPr txBox="1">
+            <a:spLocks/>
+          </p:cNvSpPr>
+          <p:nvPr/>
+        </p:nvSpPr>
+        <p:spPr>
+          <a:xfrm>
+            <a:off x="838200" y="1464065"/>
+            <a:ext cx="9412705" cy="4351338"/>
+          </a:xfrm>
+          <a:prstGeom prst="rect">
+            <a:avLst/>
+          </a:prstGeom>
+        </p:spPr>
+        <p:txBody>
+          <a:bodyPr/>
+          <a:lstStyle>
+            <a:lvl1pPr marL="228600" indent="-228600" algn="l" defTabSz="914400" rtl="0" eaLnBrk="1" latinLnBrk="0" hangingPunct="1">
+              <a:lnSpc>
+                <a:spcPct val="90000"/>
+              </a:lnSpc>
+              <a:spcBef>
+                <a:spcPts val="1000"/>
+              </a:spcBef>
+              <a:buFont typeface="Arial" panose="020B0604020202020204" pitchFamily="34" charset="0"/>
+              <a:buChar char="•"/>
+              <a:defRPr sz="2800" kern="1200">
+                <a:solidFill>
+                  <a:schemeClr val="tx1"/>
+                </a:solidFill>
+                <a:latin typeface="+mn-lt"/>
+                <a:ea typeface="+mn-ea"/>
+                <a:cs typeface="+mn-cs"/>
+              </a:defRPr>
+            </a:lvl1pPr>
+            <a:lvl2pPr marL="685800" indent="-228600" algn="l" defTabSz="914400" rtl="0" eaLnBrk="1" latinLnBrk="0" hangingPunct="1">
+              <a:lnSpc>
+                <a:spcPct val="90000"/>
+              </a:lnSpc>
+              <a:spcBef>
+                <a:spcPts val="500"/>
+              </a:spcBef>
+              <a:buFont typeface="Arial" panose="020B0604020202020204" pitchFamily="34" charset="0"/>
+              <a:buChar char="•"/>
+              <a:defRPr sz="2400" kern="1200">
+                <a:solidFill>
+                  <a:schemeClr val="tx1"/>
+                </a:solidFill>
+                <a:latin typeface="+mn-lt"/>
+                <a:ea typeface="+mn-ea"/>
+                <a:cs typeface="+mn-cs"/>
+              </a:defRPr>
+            </a:lvl2pPr>
+            <a:lvl3pPr marL="1143000" indent="-228600" algn="l" defTabSz="914400" rtl="0" eaLnBrk="1" latinLnBrk="0" hangingPunct="1">
+              <a:lnSpc>
+                <a:spcPct val="90000"/>
+              </a:lnSpc>
+              <a:spcBef>
+                <a:spcPts val="500"/>
+              </a:spcBef>
+              <a:buFont typeface="Arial" panose="020B0604020202020204" pitchFamily="34" charset="0"/>
+              <a:buChar char="•"/>
+              <a:defRPr sz="2000" kern="1200">
+                <a:solidFill>
+                  <a:schemeClr val="tx1"/>
+                </a:solidFill>
+                <a:latin typeface="+mn-lt"/>
+                <a:ea typeface="+mn-ea"/>
+                <a:cs typeface="+mn-cs"/>
+              </a:defRPr>
+            </a:lvl3pPr>
+            <a:lvl4pPr marL="1600200" indent="-228600" algn="l" defTabSz="914400" rtl="0" eaLnBrk="1" latinLnBrk="0" hangingPunct="1">
+              <a:lnSpc>
+                <a:spcPct val="90000"/>
+              </a:lnSpc>
+              <a:spcBef>
+                <a:spcPts val="500"/>
+              </a:spcBef>
+              <a:buFont typeface="Arial" panose="020B0604020202020204" pitchFamily="34" charset="0"/>
+              <a:buChar char="•"/>
+              <a:defRPr sz="1800" kern="1200">
+                <a:solidFill>
+                  <a:schemeClr val="tx1"/>
+                </a:solidFill>
+                <a:latin typeface="+mn-lt"/>
+                <a:ea typeface="+mn-ea"/>
+                <a:cs typeface="+mn-cs"/>
+              </a:defRPr>
+            </a:lvl4pPr>
+            <a:lvl5pPr marL="2057400" indent="-228600" algn="l" defTabSz="914400" rtl="0" eaLnBrk="1" latinLnBrk="0" hangingPunct="1">
+              <a:lnSpc>
+                <a:spcPct val="90000"/>
+              </a:lnSpc>
+              <a:spcBef>
+                <a:spcPts val="500"/>
+              </a:spcBef>
+              <a:buFont typeface="Arial" panose="020B0604020202020204" pitchFamily="34" charset="0"/>
+              <a:buChar char="•"/>
+              <a:defRPr sz="1800" kern="1200">
+                <a:solidFill>
+                  <a:schemeClr val="tx1"/>
+                </a:solidFill>
+                <a:latin typeface="+mn-lt"/>
+                <a:ea typeface="+mn-ea"/>
+                <a:cs typeface="+mn-cs"/>
+              </a:defRPr>
+            </a:lvl5pPr>
+            <a:lvl6pPr marL="2514600" indent="-228600" algn="l" defTabSz="914400" rtl="0" eaLnBrk="1" latinLnBrk="0" hangingPunct="1">
+              <a:lnSpc>
+                <a:spcPct val="90000"/>
+              </a:lnSpc>
+              <a:spcBef>
+                <a:spcPts val="500"/>
+              </a:spcBef>
+              <a:buFont typeface="Arial" panose="020B0604020202020204" pitchFamily="34" charset="0"/>
+              <a:buChar char="•"/>
+              <a:defRPr sz="1800" kern="1200">
+                <a:solidFill>
+                  <a:schemeClr val="tx1"/>
+                </a:solidFill>
+                <a:latin typeface="+mn-lt"/>
+                <a:ea typeface="+mn-ea"/>
+                <a:cs typeface="+mn-cs"/>
+              </a:defRPr>
+            </a:lvl6pPr>
+            <a:lvl7pPr marL="2971800" indent="-228600" algn="l" defTabSz="914400" rtl="0" eaLnBrk="1" latinLnBrk="0" hangingPunct="1">
+              <a:lnSpc>
+                <a:spcPct val="90000"/>
+              </a:lnSpc>
+              <a:spcBef>
+                <a:spcPts val="500"/>
+              </a:spcBef>
+              <a:buFont typeface="Arial" panose="020B0604020202020204" pitchFamily="34" charset="0"/>
+              <a:buChar char="•"/>
+              <a:defRPr sz="1800" kern="1200">
+                <a:solidFill>
+                  <a:schemeClr val="tx1"/>
+                </a:solidFill>
+                <a:latin typeface="+mn-lt"/>
+                <a:ea typeface="+mn-ea"/>
+                <a:cs typeface="+mn-cs"/>
+              </a:defRPr>
+            </a:lvl7pPr>
+            <a:lvl8pPr marL="3429000" indent="-228600" algn="l" defTabSz="914400" rtl="0" eaLnBrk="1" latinLnBrk="0" hangingPunct="1">
+              <a:lnSpc>
+                <a:spcPct val="90000"/>
+              </a:lnSpc>
+              <a:spcBef>
+                <a:spcPts val="500"/>
+              </a:spcBef>
+              <a:buFont typeface="Arial" panose="020B0604020202020204" pitchFamily="34" charset="0"/>
+              <a:buChar char="•"/>
+              <a:defRPr sz="1800" kern="1200">
+                <a:solidFill>
+                  <a:schemeClr val="tx1"/>
+                </a:solidFill>
+                <a:latin typeface="+mn-lt"/>
+                <a:ea typeface="+mn-ea"/>
+                <a:cs typeface="+mn-cs"/>
+              </a:defRPr>
+            </a:lvl8pPr>
+            <a:lvl9pPr marL="3886200" indent="-228600" algn="l" defTabSz="914400" rtl="0" eaLnBrk="1" latinLnBrk="0" hangingPunct="1">
+              <a:lnSpc>
+                <a:spcPct val="90000"/>
+              </a:lnSpc>
+              <a:spcBef>
+                <a:spcPts val="500"/>
+              </a:spcBef>
+              <a:buFont typeface="Arial" panose="020B0604020202020204" pitchFamily="34" charset="0"/>
+              <a:buChar char="•"/>
+              <a:defRPr sz="1800" kern="1200">
+                <a:solidFill>
+                  <a:schemeClr val="tx1"/>
+                </a:solidFill>
+                <a:latin typeface="+mn-lt"/>
+                <a:ea typeface="+mn-ea"/>
+                <a:cs typeface="+mn-cs"/>
+              </a:defRPr>
+            </a:lvl9pPr>
+          </a:lstStyle>
+          <a:p>
+            <a:pPr marL="0" indent="0">
+              <a:buNone/>
+            </a:pPr>
+            <a:r>
+              <a:rPr lang="en-US" sz="1800" b="0">
+                <a:solidFill>
+                  <a:srgbClr val="0000FF"/>
+                </a:solidFill>
+                <a:effectLst/>
+                <a:latin typeface="Consolas" panose="020B0609020204030204" pitchFamily="49" charset="0"/>
+              </a:rPr>
+              <a:t>interface</a:t>
+            </a:r>
+            <a:r>
+              <a:rPr lang="en-US" sz="1800" b="0">
+                <a:solidFill>
+                  <a:srgbClr val="000000"/>
+                </a:solidFill>
+                <a:effectLst/>
+                <a:latin typeface="Consolas" panose="020B0609020204030204" pitchFamily="49" charset="0"/>
+              </a:rPr>
+              <a:t> UserRepository</a:t>
+            </a:r>
+            <a:r>
+              <a:rPr lang="en-US" sz="1800">
+                <a:solidFill>
+                  <a:srgbClr val="000000"/>
+                </a:solidFill>
+                <a:latin typeface="Consolas" panose="020B0609020204030204" pitchFamily="49" charset="0"/>
+              </a:rPr>
+              <a:t> </a:t>
+            </a:r>
+            <a:r>
+              <a:rPr lang="en-US" sz="1800" b="0">
+                <a:solidFill>
+                  <a:srgbClr val="000000"/>
+                </a:solidFill>
+                <a:effectLst/>
+                <a:latin typeface="Consolas" panose="020B0609020204030204" pitchFamily="49" charset="0"/>
+              </a:rPr>
+              <a:t>{</a:t>
+            </a:r>
+          </a:p>
+          <a:p>
+            <a:pPr marL="0" indent="0">
+              <a:buNone/>
+            </a:pPr>
+            <a:r>
+              <a:rPr lang="en-US" sz="1800" b="0">
+                <a:solidFill>
+                  <a:srgbClr val="000000"/>
+                </a:solidFill>
+                <a:effectLst/>
+                <a:latin typeface="Consolas" panose="020B0609020204030204" pitchFamily="49" charset="0"/>
+              </a:rPr>
+              <a:t>    </a:t>
+            </a:r>
+            <a:r>
+              <a:rPr lang="en-US" sz="1800" b="0">
+                <a:solidFill>
+                  <a:srgbClr val="0000FF"/>
+                </a:solidFill>
+                <a:effectLst/>
+                <a:latin typeface="Consolas" panose="020B0609020204030204" pitchFamily="49" charset="0"/>
+              </a:rPr>
+              <a:t>public</a:t>
+            </a:r>
+            <a:r>
+              <a:rPr lang="en-US" sz="1800" b="0">
+                <a:solidFill>
+                  <a:srgbClr val="000000"/>
+                </a:solidFill>
+                <a:effectLst/>
+                <a:latin typeface="Consolas" panose="020B0609020204030204" pitchFamily="49" charset="0"/>
+              </a:rPr>
+              <a:t> function getUserById(</a:t>
+            </a:r>
+            <a:r>
+              <a:rPr lang="en-US" sz="1800" b="0">
+                <a:solidFill>
+                  <a:srgbClr val="0000FF"/>
+                </a:solidFill>
+                <a:effectLst/>
+                <a:latin typeface="Consolas" panose="020B0609020204030204" pitchFamily="49" charset="0"/>
+              </a:rPr>
+              <a:t>String</a:t>
+            </a:r>
+            <a:r>
+              <a:rPr lang="en-US" sz="1800" b="0">
+                <a:solidFill>
+                  <a:srgbClr val="000000"/>
+                </a:solidFill>
+                <a:effectLst/>
+                <a:latin typeface="Consolas" panose="020B0609020204030204" pitchFamily="49" charset="0"/>
+              </a:rPr>
+              <a:t> uuid): User;</a:t>
+            </a:r>
+          </a:p>
+          <a:p>
+            <a:pPr marL="0" indent="0">
+              <a:buNone/>
+            </a:pPr>
+            <a:r>
+              <a:rPr lang="en-US" sz="1800" b="0">
+                <a:solidFill>
+                  <a:srgbClr val="000000"/>
+                </a:solidFill>
+                <a:effectLst/>
+                <a:latin typeface="Consolas" panose="020B0609020204030204" pitchFamily="49" charset="0"/>
+              </a:rPr>
+              <a:t>}</a:t>
+            </a:r>
+          </a:p>
+          <a:p>
+            <a:pPr marL="0" indent="0">
+              <a:buNone/>
+            </a:pPr>
+            <a:r>
+              <a:rPr lang="en-US" sz="1800" b="0">
+                <a:solidFill>
+                  <a:srgbClr val="0000FF"/>
+                </a:solidFill>
+                <a:effectLst/>
+                <a:latin typeface="Consolas" panose="020B0609020204030204" pitchFamily="49" charset="0"/>
+              </a:rPr>
+              <a:t>final</a:t>
+            </a:r>
+            <a:r>
+              <a:rPr lang="en-US" sz="1800" b="0">
+                <a:solidFill>
+                  <a:srgbClr val="000000"/>
+                </a:solidFill>
+                <a:effectLst/>
+                <a:latin typeface="Consolas" panose="020B0609020204030204" pitchFamily="49" charset="0"/>
+              </a:rPr>
+              <a:t> </a:t>
+            </a:r>
+            <a:r>
+              <a:rPr lang="en-US" sz="1800" b="0">
+                <a:solidFill>
+                  <a:srgbClr val="0000FF"/>
+                </a:solidFill>
+                <a:effectLst/>
+                <a:latin typeface="Consolas" panose="020B0609020204030204" pitchFamily="49" charset="0"/>
+              </a:rPr>
+              <a:t>class</a:t>
+            </a:r>
+            <a:r>
+              <a:rPr lang="en-US" sz="1800" b="0">
+                <a:solidFill>
+                  <a:srgbClr val="000000"/>
+                </a:solidFill>
+                <a:effectLst/>
+                <a:latin typeface="Consolas" panose="020B0609020204030204" pitchFamily="49" charset="0"/>
+              </a:rPr>
+              <a:t> UserRepositoryFake </a:t>
+            </a:r>
+            <a:r>
+              <a:rPr lang="en-US" sz="1800" b="0">
+                <a:solidFill>
+                  <a:srgbClr val="0000FF"/>
+                </a:solidFill>
+                <a:effectLst/>
+                <a:latin typeface="Consolas" panose="020B0609020204030204" pitchFamily="49" charset="0"/>
+              </a:rPr>
+              <a:t>implements</a:t>
+            </a:r>
+            <a:r>
+              <a:rPr lang="en-US" sz="1800" b="0">
+                <a:solidFill>
+                  <a:srgbClr val="000000"/>
+                </a:solidFill>
+                <a:effectLst/>
+                <a:latin typeface="Consolas" panose="020B0609020204030204" pitchFamily="49" charset="0"/>
+              </a:rPr>
+              <a:t> UserRepository</a:t>
+            </a:r>
+            <a:r>
+              <a:rPr lang="en-US" sz="1800">
+                <a:solidFill>
+                  <a:srgbClr val="000000"/>
+                </a:solidFill>
+                <a:latin typeface="Consolas" panose="020B0609020204030204" pitchFamily="49" charset="0"/>
+              </a:rPr>
+              <a:t> </a:t>
+            </a:r>
+            <a:r>
+              <a:rPr lang="en-US" sz="1800" b="0">
+                <a:solidFill>
+                  <a:srgbClr val="000000"/>
+                </a:solidFill>
+                <a:effectLst/>
+                <a:latin typeface="Consolas" panose="020B0609020204030204" pitchFamily="49" charset="0"/>
+              </a:rPr>
+              <a:t>{</a:t>
+            </a:r>
+          </a:p>
+          <a:p>
+            <a:pPr marL="0" indent="0">
+              <a:buNone/>
+            </a:pPr>
+            <a:r>
+              <a:rPr lang="en-US" sz="1800" b="0">
+                <a:solidFill>
+                  <a:srgbClr val="000000"/>
+                </a:solidFill>
+                <a:effectLst/>
+                <a:latin typeface="Consolas" panose="020B0609020204030204" pitchFamily="49" charset="0"/>
+              </a:rPr>
+              <a:t>    </a:t>
+            </a:r>
+            <a:r>
+              <a:rPr lang="en-US" sz="1800" b="0">
+                <a:solidFill>
+                  <a:srgbClr val="0000FF"/>
+                </a:solidFill>
+                <a:effectLst/>
+                <a:latin typeface="Consolas" panose="020B0609020204030204" pitchFamily="49" charset="0"/>
+              </a:rPr>
+              <a:t>public</a:t>
+            </a:r>
+            <a:r>
+              <a:rPr lang="en-US" sz="1800" b="0">
+                <a:solidFill>
+                  <a:srgbClr val="000000"/>
+                </a:solidFill>
+                <a:effectLst/>
+                <a:latin typeface="Consolas" panose="020B0609020204030204" pitchFamily="49" charset="0"/>
+              </a:rPr>
+              <a:t> function getUserById(</a:t>
+            </a:r>
+            <a:r>
+              <a:rPr lang="en-US" sz="1800" b="0">
+                <a:solidFill>
+                  <a:srgbClr val="0000FF"/>
+                </a:solidFill>
+                <a:effectLst/>
+                <a:latin typeface="Consolas" panose="020B0609020204030204" pitchFamily="49" charset="0"/>
+              </a:rPr>
+              <a:t>String</a:t>
+            </a:r>
+            <a:r>
+              <a:rPr lang="en-US" sz="1800" b="0">
+                <a:solidFill>
+                  <a:srgbClr val="000000"/>
+                </a:solidFill>
+                <a:effectLst/>
+                <a:latin typeface="Consolas" panose="020B0609020204030204" pitchFamily="49" charset="0"/>
+              </a:rPr>
+              <a:t> uuid): UserModel</a:t>
+            </a:r>
+            <a:r>
+              <a:rPr lang="en-US" sz="1800">
+                <a:solidFill>
+                  <a:srgbClr val="000000"/>
+                </a:solidFill>
+                <a:latin typeface="Consolas" panose="020B0609020204030204" pitchFamily="49" charset="0"/>
+              </a:rPr>
+              <a:t> </a:t>
+            </a:r>
+            <a:r>
+              <a:rPr lang="en-US" sz="1800" b="0">
+                <a:solidFill>
+                  <a:srgbClr val="000000"/>
+                </a:solidFill>
+                <a:effectLst/>
+                <a:latin typeface="Consolas" panose="020B0609020204030204" pitchFamily="49" charset="0"/>
+              </a:rPr>
+              <a:t>{</a:t>
+            </a:r>
+          </a:p>
+          <a:p>
+            <a:pPr marL="0" indent="0">
+              <a:buNone/>
+            </a:pPr>
+            <a:r>
+              <a:rPr lang="en-US" sz="1800" b="0">
+                <a:solidFill>
+                  <a:srgbClr val="000000"/>
+                </a:solidFill>
+                <a:effectLst/>
+                <a:latin typeface="Consolas" panose="020B0609020204030204" pitchFamily="49" charset="0"/>
+              </a:rPr>
+              <a:t>        </a:t>
+            </a:r>
+            <a:r>
+              <a:rPr lang="en-US" sz="1800" b="0">
+                <a:solidFill>
+                  <a:srgbClr val="0000FF"/>
+                </a:solidFill>
+                <a:effectLst/>
+                <a:latin typeface="Consolas" panose="020B0609020204030204" pitchFamily="49" charset="0"/>
+              </a:rPr>
+              <a:t>return</a:t>
+            </a:r>
+            <a:r>
+              <a:rPr lang="en-US" sz="1800" b="0">
+                <a:solidFill>
+                  <a:srgbClr val="000000"/>
+                </a:solidFill>
+                <a:effectLst/>
+                <a:latin typeface="Consolas" panose="020B0609020204030204" pitchFamily="49" charset="0"/>
+              </a:rPr>
+              <a:t> </a:t>
+            </a:r>
+            <a:r>
+              <a:rPr lang="en-US" sz="1800" b="0">
+                <a:solidFill>
+                  <a:srgbClr val="0000FF"/>
+                </a:solidFill>
+                <a:effectLst/>
+                <a:latin typeface="Consolas" panose="020B0609020204030204" pitchFamily="49" charset="0"/>
+              </a:rPr>
+              <a:t>new</a:t>
+            </a:r>
+            <a:r>
+              <a:rPr lang="en-US" sz="1800" b="0">
+                <a:solidFill>
+                  <a:srgbClr val="000000"/>
+                </a:solidFill>
+                <a:effectLst/>
+                <a:latin typeface="Consolas" panose="020B0609020204030204" pitchFamily="49" charset="0"/>
+              </a:rPr>
+              <a:t> User(uuid, </a:t>
+            </a:r>
+            <a:r>
+              <a:rPr lang="en-US" sz="1800" b="0">
+                <a:solidFill>
+                  <a:srgbClr val="A31515"/>
+                </a:solidFill>
+                <a:effectLst/>
+                <a:latin typeface="Consolas" panose="020B0609020204030204" pitchFamily="49" charset="0"/>
+              </a:rPr>
+              <a:t>'Jesus'</a:t>
+            </a:r>
+            <a:r>
+              <a:rPr lang="en-US" sz="1800" b="0">
+                <a:solidFill>
+                  <a:srgbClr val="000000"/>
+                </a:solidFill>
+                <a:effectLst/>
+                <a:latin typeface="Consolas" panose="020B0609020204030204" pitchFamily="49" charset="0"/>
+              </a:rPr>
+              <a:t>, </a:t>
+            </a:r>
+            <a:r>
+              <a:rPr lang="en-US" sz="1800" b="0">
+                <a:solidFill>
+                  <a:srgbClr val="A31515"/>
+                </a:solidFill>
+                <a:effectLst/>
+                <a:latin typeface="Consolas" panose="020B0609020204030204" pitchFamily="49" charset="0"/>
+              </a:rPr>
+              <a:t>"['ADMIN_ROLE']"</a:t>
+            </a:r>
+            <a:r>
+              <a:rPr lang="en-US" sz="1800" b="0">
+                <a:solidFill>
+                  <a:srgbClr val="000000"/>
+                </a:solidFill>
+                <a:effectLst/>
+                <a:latin typeface="Consolas" panose="020B0609020204030204" pitchFamily="49" charset="0"/>
+              </a:rPr>
+              <a:t>);</a:t>
+            </a:r>
+          </a:p>
+          <a:p>
+            <a:pPr marL="0" indent="0">
+              <a:buNone/>
+            </a:pPr>
+            <a:r>
+              <a:rPr lang="en-US" sz="1800" b="0">
+                <a:solidFill>
+                  <a:srgbClr val="000000"/>
+                </a:solidFill>
+                <a:effectLst/>
+                <a:latin typeface="Consolas" panose="020B0609020204030204" pitchFamily="49" charset="0"/>
+              </a:rPr>
+              <a:t>    }</a:t>
+            </a:r>
+          </a:p>
+          <a:p>
+            <a:pPr marL="0" indent="0">
+              <a:buNone/>
+            </a:pPr>
+            <a:r>
+              <a:rPr lang="en-US" sz="1800" b="0">
+                <a:solidFill>
+                  <a:srgbClr val="000000"/>
+                </a:solidFill>
+                <a:effectLst/>
+                <a:latin typeface="Consolas" panose="020B0609020204030204" pitchFamily="49" charset="0"/>
+              </a:rPr>
+              <a:t>}</a:t>
+            </a:r>
+            <a:endParaRPr lang="en-US" sz="1800" b="0" dirty="0">
+              <a:solidFill>
+                <a:srgbClr val="000000"/>
+              </a:solidFill>
+              <a:effectLst/>
+              <a:latin typeface="Consolas" panose="020B0609020204030204" pitchFamily="49" charset="0"/>
+            </a:endParaRPr>
+          </a:p>
+        </p:txBody>
+      </p:sp>
+      <p:sp>
+        <p:nvSpPr>
+          <p:cNvPr id="5" name="Rectangle 4">
+            <a:extLst>
+              <a:ext uri="{FF2B5EF4-FFF2-40B4-BE49-F238E27FC236}">
+                <a16:creationId xmlns:a16="http://schemas.microsoft.com/office/drawing/2014/main" id="{0AAE5C42-C14D-4309-952C-39D5CC3862C8}"/>
+              </a:ext>
+            </a:extLst>
+          </p:cNvPr>
+          <p:cNvSpPr/>
+          <p:nvPr/>
+        </p:nvSpPr>
+        <p:spPr>
+          <a:xfrm>
+            <a:off x="9223923" y="3073594"/>
+            <a:ext cx="2295631" cy="1630754"/>
+          </a:xfrm>
+          <a:prstGeom prst="rect">
+            <a:avLst/>
+          </a:prstGeom>
+          <a:solidFill>
+            <a:schemeClr val="accent2">
+              <a:lumMod val="20000"/>
+              <a:lumOff val="80000"/>
+            </a:schemeClr>
+          </a:solidFill>
+          <a:ln>
+            <a:solidFill>
+              <a:srgbClr val="0070C0"/>
+            </a:solidFill>
+          </a:ln>
+        </p:spPr>
+        <p:style>
+          <a:lnRef idx="2">
+            <a:schemeClr val="accent1">
+              <a:shade val="50000"/>
+            </a:schemeClr>
+          </a:lnRef>
+          <a:fillRef idx="1">
+            <a:schemeClr val="accent1"/>
+          </a:fillRef>
+          <a:effectRef idx="0">
+            <a:schemeClr val="accent1"/>
+          </a:effectRef>
+          <a:fontRef idx="minor">
+            <a:schemeClr val="lt1"/>
+          </a:fontRef>
+        </p:style>
+        <p:txBody>
+          <a:bodyPr rtlCol="0" anchor="t"/>
+          <a:lstStyle/>
+          <a:p>
+            <a:pPr algn="ctr"/>
+            <a:r>
+              <a:rPr lang="en-US" sz="2400" b="1" dirty="0">
+                <a:solidFill>
+                  <a:schemeClr val="tx1"/>
+                </a:solidFill>
+                <a:latin typeface="Ink Free" panose="03080402000500000000" pitchFamily="66" charset="0"/>
+              </a:rPr>
+              <a:t>Fake is </a:t>
+            </a:r>
+          </a:p>
+          <a:p>
+            <a:pPr algn="ctr"/>
+            <a:r>
+              <a:rPr lang="en-US" sz="2400" b="1" dirty="0">
+                <a:solidFill>
+                  <a:schemeClr val="tx1"/>
+                </a:solidFill>
+                <a:latin typeface="Ink Free" panose="03080402000500000000" pitchFamily="66" charset="0"/>
+              </a:rPr>
+              <a:t>a semi-real version of </a:t>
+            </a:r>
+            <a:r>
+              <a:rPr lang="en-US" sz="2400" b="1" dirty="0" err="1">
+                <a:solidFill>
+                  <a:schemeClr val="tx1"/>
+                </a:solidFill>
+                <a:latin typeface="Ink Free" panose="03080402000500000000" pitchFamily="66" charset="0"/>
+              </a:rPr>
+              <a:t>UserRepository</a:t>
+            </a:r>
+            <a:endParaRPr lang="en-US" sz="2400" b="1" dirty="0">
+              <a:solidFill>
+                <a:schemeClr val="tx1"/>
+              </a:solidFill>
+              <a:latin typeface="Ink Free" panose="03080402000500000000" pitchFamily="66" charset="0"/>
+            </a:endParaRPr>
+          </a:p>
+        </p:txBody>
+      </p:sp>
+      <p:sp>
+        <p:nvSpPr>
+          <p:cNvPr id="8" name="Content Placeholder 2">
+            <a:extLst>
+              <a:ext uri="{FF2B5EF4-FFF2-40B4-BE49-F238E27FC236}">
+                <a16:creationId xmlns:a16="http://schemas.microsoft.com/office/drawing/2014/main" id="{4D518DD9-0B72-4C31-9260-50C9EDF6B39E}"/>
+              </a:ext>
+            </a:extLst>
+          </p:cNvPr>
+          <p:cNvSpPr txBox="1">
+            <a:spLocks/>
+          </p:cNvSpPr>
+          <p:nvPr/>
+        </p:nvSpPr>
+        <p:spPr>
+          <a:xfrm>
+            <a:off x="1427747" y="5368159"/>
+            <a:ext cx="7887346" cy="894487"/>
+          </a:xfrm>
+          <a:prstGeom prst="rect">
+            <a:avLst/>
+          </a:prstGeom>
+        </p:spPr>
+        <p:txBody>
+          <a:bodyPr/>
+          <a:lstStyle>
+            <a:lvl1pPr marL="228600" indent="-228600" algn="l" defTabSz="914400" rtl="0" eaLnBrk="1" latinLnBrk="0" hangingPunct="1">
+              <a:lnSpc>
+                <a:spcPct val="90000"/>
+              </a:lnSpc>
+              <a:spcBef>
+                <a:spcPts val="1000"/>
+              </a:spcBef>
+              <a:buFont typeface="Arial" panose="020B0604020202020204" pitchFamily="34" charset="0"/>
+              <a:buChar char="•"/>
+              <a:defRPr sz="2800" kern="1200">
+                <a:solidFill>
+                  <a:schemeClr val="tx1"/>
+                </a:solidFill>
+                <a:latin typeface="+mn-lt"/>
+                <a:ea typeface="+mn-ea"/>
+                <a:cs typeface="+mn-cs"/>
+              </a:defRPr>
+            </a:lvl1pPr>
+            <a:lvl2pPr marL="685800" indent="-228600" algn="l" defTabSz="914400" rtl="0" eaLnBrk="1" latinLnBrk="0" hangingPunct="1">
+              <a:lnSpc>
+                <a:spcPct val="90000"/>
+              </a:lnSpc>
+              <a:spcBef>
+                <a:spcPts val="500"/>
+              </a:spcBef>
+              <a:buFont typeface="Arial" panose="020B0604020202020204" pitchFamily="34" charset="0"/>
+              <a:buChar char="•"/>
+              <a:defRPr sz="2400" kern="1200">
+                <a:solidFill>
+                  <a:schemeClr val="tx1"/>
+                </a:solidFill>
+                <a:latin typeface="+mn-lt"/>
+                <a:ea typeface="+mn-ea"/>
+                <a:cs typeface="+mn-cs"/>
+              </a:defRPr>
+            </a:lvl2pPr>
+            <a:lvl3pPr marL="1143000" indent="-228600" algn="l" defTabSz="914400" rtl="0" eaLnBrk="1" latinLnBrk="0" hangingPunct="1">
+              <a:lnSpc>
+                <a:spcPct val="90000"/>
+              </a:lnSpc>
+              <a:spcBef>
+                <a:spcPts val="500"/>
+              </a:spcBef>
+              <a:buFont typeface="Arial" panose="020B0604020202020204" pitchFamily="34" charset="0"/>
+              <a:buChar char="•"/>
+              <a:defRPr sz="2000" kern="1200">
+                <a:solidFill>
+                  <a:schemeClr val="tx1"/>
+                </a:solidFill>
+                <a:latin typeface="+mn-lt"/>
+                <a:ea typeface="+mn-ea"/>
+                <a:cs typeface="+mn-cs"/>
+              </a:defRPr>
+            </a:lvl3pPr>
+            <a:lvl4pPr marL="1600200" indent="-228600" algn="l" defTabSz="914400" rtl="0" eaLnBrk="1" latinLnBrk="0" hangingPunct="1">
+              <a:lnSpc>
+                <a:spcPct val="90000"/>
+              </a:lnSpc>
+              <a:spcBef>
+                <a:spcPts val="500"/>
+              </a:spcBef>
+              <a:buFont typeface="Arial" panose="020B0604020202020204" pitchFamily="34" charset="0"/>
+              <a:buChar char="•"/>
+              <a:defRPr sz="1800" kern="1200">
+                <a:solidFill>
+                  <a:schemeClr val="tx1"/>
+                </a:solidFill>
+                <a:latin typeface="+mn-lt"/>
+                <a:ea typeface="+mn-ea"/>
+                <a:cs typeface="+mn-cs"/>
+              </a:defRPr>
+            </a:lvl4pPr>
+            <a:lvl5pPr marL="2057400" indent="-228600" algn="l" defTabSz="914400" rtl="0" eaLnBrk="1" latinLnBrk="0" hangingPunct="1">
+              <a:lnSpc>
+                <a:spcPct val="90000"/>
+              </a:lnSpc>
+              <a:spcBef>
+                <a:spcPts val="500"/>
+              </a:spcBef>
+              <a:buFont typeface="Arial" panose="020B0604020202020204" pitchFamily="34" charset="0"/>
+              <a:buChar char="•"/>
+              <a:defRPr sz="1800" kern="1200">
+                <a:solidFill>
+                  <a:schemeClr val="tx1"/>
+                </a:solidFill>
+                <a:latin typeface="+mn-lt"/>
+                <a:ea typeface="+mn-ea"/>
+                <a:cs typeface="+mn-cs"/>
+              </a:defRPr>
+            </a:lvl5pPr>
+            <a:lvl6pPr marL="2514600" indent="-228600" algn="l" defTabSz="914400" rtl="0" eaLnBrk="1" latinLnBrk="0" hangingPunct="1">
+              <a:lnSpc>
+                <a:spcPct val="90000"/>
+              </a:lnSpc>
+              <a:spcBef>
+                <a:spcPts val="500"/>
+              </a:spcBef>
+              <a:buFont typeface="Arial" panose="020B0604020202020204" pitchFamily="34" charset="0"/>
+              <a:buChar char="•"/>
+              <a:defRPr sz="1800" kern="1200">
+                <a:solidFill>
+                  <a:schemeClr val="tx1"/>
+                </a:solidFill>
+                <a:latin typeface="+mn-lt"/>
+                <a:ea typeface="+mn-ea"/>
+                <a:cs typeface="+mn-cs"/>
+              </a:defRPr>
+            </a:lvl6pPr>
+            <a:lvl7pPr marL="2971800" indent="-228600" algn="l" defTabSz="914400" rtl="0" eaLnBrk="1" latinLnBrk="0" hangingPunct="1">
+              <a:lnSpc>
+                <a:spcPct val="90000"/>
+              </a:lnSpc>
+              <a:spcBef>
+                <a:spcPts val="500"/>
+              </a:spcBef>
+              <a:buFont typeface="Arial" panose="020B0604020202020204" pitchFamily="34" charset="0"/>
+              <a:buChar char="•"/>
+              <a:defRPr sz="1800" kern="1200">
+                <a:solidFill>
+                  <a:schemeClr val="tx1"/>
+                </a:solidFill>
+                <a:latin typeface="+mn-lt"/>
+                <a:ea typeface="+mn-ea"/>
+                <a:cs typeface="+mn-cs"/>
+              </a:defRPr>
+            </a:lvl7pPr>
+            <a:lvl8pPr marL="3429000" indent="-228600" algn="l" defTabSz="914400" rtl="0" eaLnBrk="1" latinLnBrk="0" hangingPunct="1">
+              <a:lnSpc>
+                <a:spcPct val="90000"/>
+              </a:lnSpc>
+              <a:spcBef>
+                <a:spcPts val="500"/>
+              </a:spcBef>
+              <a:buFont typeface="Arial" panose="020B0604020202020204" pitchFamily="34" charset="0"/>
+              <a:buChar char="•"/>
+              <a:defRPr sz="1800" kern="1200">
+                <a:solidFill>
+                  <a:schemeClr val="tx1"/>
+                </a:solidFill>
+                <a:latin typeface="+mn-lt"/>
+                <a:ea typeface="+mn-ea"/>
+                <a:cs typeface="+mn-cs"/>
+              </a:defRPr>
+            </a:lvl8pPr>
+            <a:lvl9pPr marL="3886200" indent="-228600" algn="l" defTabSz="914400" rtl="0" eaLnBrk="1" latinLnBrk="0" hangingPunct="1">
+              <a:lnSpc>
+                <a:spcPct val="90000"/>
+              </a:lnSpc>
+              <a:spcBef>
+                <a:spcPts val="500"/>
+              </a:spcBef>
+              <a:buFont typeface="Arial" panose="020B0604020202020204" pitchFamily="34" charset="0"/>
+              <a:buChar char="•"/>
+              <a:defRPr sz="1800" kern="1200">
+                <a:solidFill>
+                  <a:schemeClr val="tx1"/>
+                </a:solidFill>
+                <a:latin typeface="+mn-lt"/>
+                <a:ea typeface="+mn-ea"/>
+                <a:cs typeface="+mn-cs"/>
+              </a:defRPr>
+            </a:lvl9pPr>
+          </a:lstStyle>
+          <a:p>
+            <a:pPr marL="0" indent="0">
+              <a:buNone/>
+            </a:pPr>
+            <a:r>
+              <a:rPr lang="en-US" i="1" dirty="0"/>
+              <a:t>A fake can behave like a dummy, stub, spy or mock.</a:t>
+            </a:r>
+          </a:p>
+        </p:txBody>
+      </p:sp>
+    </p:spTree>
+    <p:extLst>
+      <p:ext uri="{BB962C8B-B14F-4D97-AF65-F5344CB8AC3E}">
+        <p14:creationId xmlns:p14="http://schemas.microsoft.com/office/powerpoint/2010/main" val="3648329111"/>
+      </p:ext>
+    </p:extLst>
+  </p:cSld>
+  <p:clrMapOvr>
+    <a:masterClrMapping/>
+  </p:clrMapOvr>
+  <p:timing>
+    <p:tnLst>
+      <p:par>
+        <p:cTn id="1" dur="indefinite" restart="never" nodeType="tmRoot">
+          <p:childTnLst>
+            <p:seq concurrent="1" nextAc="seek">
+              <p:cTn id="2" dur="indefinite" nodeType="mainSeq">
+                <p:childTnLst>
+                  <p:par>
+                    <p:cTn id="3" fill="hold">
+                      <p:stCondLst>
+                        <p:cond delay="indefinite"/>
+                        <p:cond evt="onBegin" delay="0">
+                          <p:tn val="2"/>
+                        </p:cond>
+                      </p:stCondLst>
+                      <p:childTnLst>
+                        <p:par>
+                          <p:cTn id="4" fill="hold">
+                            <p:stCondLst>
+                              <p:cond delay="0"/>
+                            </p:stCondLst>
+                            <p:childTnLst>
+                              <p:par>
+                                <p:cTn id="5" presetID="2" presetClass="entr" presetSubtype="4" fill="hold" grpId="0" nodeType="afterEffect">
+                                  <p:stCondLst>
+                                    <p:cond delay="0"/>
+                                  </p:stCondLst>
+                                  <p:childTnLst>
+                                    <p:set>
+                                      <p:cBhvr>
+                                        <p:cTn id="6" dur="1" fill="hold">
+                                          <p:stCondLst>
+                                            <p:cond delay="0"/>
+                                          </p:stCondLst>
+                                        </p:cTn>
+                                        <p:tgtEl>
+                                          <p:spTgt spid="5"/>
+                                        </p:tgtEl>
+                                        <p:attrNameLst>
+                                          <p:attrName>style.visibility</p:attrName>
+                                        </p:attrNameLst>
+                                      </p:cBhvr>
+                                      <p:to>
+                                        <p:strVal val="visible"/>
+                                      </p:to>
+                                    </p:set>
+                                    <p:anim calcmode="lin" valueType="num">
+                                      <p:cBhvr additive="base">
+                                        <p:cTn id="7" dur="500" fill="hold"/>
+                                        <p:tgtEl>
+                                          <p:spTgt spid="5"/>
+                                        </p:tgtEl>
+                                        <p:attrNameLst>
+                                          <p:attrName>ppt_x</p:attrName>
+                                        </p:attrNameLst>
+                                      </p:cBhvr>
+                                      <p:tavLst>
+                                        <p:tav tm="0">
+                                          <p:val>
+                                            <p:strVal val="#ppt_x"/>
+                                          </p:val>
+                                        </p:tav>
+                                        <p:tav tm="100000">
+                                          <p:val>
+                                            <p:strVal val="#ppt_x"/>
+                                          </p:val>
+                                        </p:tav>
+                                      </p:tavLst>
+                                    </p:anim>
+                                    <p:anim calcmode="lin" valueType="num">
+                                      <p:cBhvr additive="base">
+                                        <p:cTn id="8" dur="500" fill="hold"/>
+                                        <p:tgtEl>
+                                          <p:spTgt spid="5"/>
+                                        </p:tgtEl>
+                                        <p:attrNameLst>
+                                          <p:attrName>ppt_y</p:attrName>
+                                        </p:attrNameLst>
+                                      </p:cBhvr>
+                                      <p:tavLst>
+                                        <p:tav tm="0">
+                                          <p:val>
+                                            <p:strVal val="1+#ppt_h/2"/>
+                                          </p:val>
+                                        </p:tav>
+                                        <p:tav tm="100000">
+                                          <p:val>
+                                            <p:strVal val="#ppt_y"/>
+                                          </p:val>
+                                        </p:tav>
+                                      </p:tavLst>
+                                    </p:anim>
+                                  </p:childTnLst>
+                                </p:cTn>
+                              </p:par>
+                            </p:childTnLst>
+                          </p:cTn>
+                        </p:par>
+                      </p:childTnLst>
+                    </p:cTn>
+                  </p:par>
+                </p:childTnLst>
+              </p:cTn>
+              <p:prevCondLst>
+                <p:cond evt="onPrev" delay="0">
+                  <p:tgtEl>
+                    <p:sldTgt/>
+                  </p:tgtEl>
+                </p:cond>
+              </p:prevCondLst>
+              <p:nextCondLst>
+                <p:cond evt="onNext" delay="0">
+                  <p:tgtEl>
+                    <p:sldTgt/>
+                  </p:tgtEl>
+                </p:cond>
+              </p:nextCondLst>
+            </p:seq>
+          </p:childTnLst>
+        </p:cTn>
+      </p:par>
+    </p:tnLst>
+    <p:bldLst>
+      <p:bldP spid="5" grpId="0" animBg="1"/>
+    </p:bldLst>
+  </p:timing>
+</p:sld>
+</file>
+
+<file path=ppt/slides/slide16.xml><?xml version="1.0" encoding="utf-8"?>
+<p:sld xmlns:a="http://schemas.openxmlformats.org/drawingml/2006/main" xmlns:r="http://schemas.openxmlformats.org/officeDocument/2006/relationships" xmlns:p="http://schemas.openxmlformats.org/presentationml/2006/main">
+  <p:cSld>
+    <p:spTree>
+      <p:nvGrpSpPr>
+        <p:cNvPr id="1" name=""/>
+        <p:cNvGrpSpPr/>
+        <p:nvPr/>
+      </p:nvGrpSpPr>
+      <p:grpSpPr>
+        <a:xfrm>
+          <a:off x="0" y="0"/>
+          <a:ext cx="0" cy="0"/>
+          <a:chOff x="0" y="0"/>
+          <a:chExt cx="0" cy="0"/>
+        </a:xfrm>
+      </p:grpSpPr>
+      <p:sp>
+        <p:nvSpPr>
+          <p:cNvPr id="2" name="Title 1">
+            <a:extLst>
+              <a:ext uri="{FF2B5EF4-FFF2-40B4-BE49-F238E27FC236}">
+                <a16:creationId xmlns:a16="http://schemas.microsoft.com/office/drawing/2014/main" id="{B6CD4615-A4AC-2C4A-AECE-11E2CAE0F1AE}"/>
+              </a:ext>
+            </a:extLst>
+          </p:cNvPr>
+          <p:cNvSpPr>
+            <a:spLocks noGrp="1"/>
+          </p:cNvSpPr>
+          <p:nvPr>
+            <p:ph type="title"/>
+          </p:nvPr>
+        </p:nvSpPr>
+        <p:spPr/>
+        <p:txBody>
+          <a:bodyPr/>
+          <a:lstStyle/>
+          <a:p>
+            <a:r>
+              <a:rPr lang="en-US" dirty="0"/>
+              <a:t>Random Input</a:t>
+            </a:r>
+          </a:p>
+        </p:txBody>
+      </p:sp>
+      <p:sp>
+        <p:nvSpPr>
+          <p:cNvPr id="3" name="Content Placeholder 2">
+            <a:extLst>
+              <a:ext uri="{FF2B5EF4-FFF2-40B4-BE49-F238E27FC236}">
+                <a16:creationId xmlns:a16="http://schemas.microsoft.com/office/drawing/2014/main" id="{11087B55-23D0-E141-9AF2-C91AC061F35E}"/>
+              </a:ext>
+            </a:extLst>
+          </p:cNvPr>
+          <p:cNvSpPr>
+            <a:spLocks noGrp="1"/>
+          </p:cNvSpPr>
+          <p:nvPr>
+            <p:ph idx="1"/>
+          </p:nvPr>
+        </p:nvSpPr>
+        <p:spPr/>
+        <p:txBody>
+          <a:bodyPr/>
+          <a:lstStyle/>
+          <a:p>
+            <a:r>
+              <a:rPr lang="en-US" dirty="0"/>
+              <a:t>To replace a user, we can program a “bot”</a:t>
+            </a:r>
+          </a:p>
+          <a:p>
+            <a:pPr lvl="1"/>
+            <a:r>
+              <a:rPr lang="en-US" dirty="0"/>
+              <a:t>Randomly use mouse, press buttons;</a:t>
+            </a:r>
+          </a:p>
+          <a:p>
+            <a:pPr lvl="1"/>
+            <a:r>
+              <a:rPr lang="en-US" dirty="0"/>
+              <a:t>Arbitrary text;</a:t>
+            </a:r>
+          </a:p>
+          <a:p>
+            <a:pPr lvl="1"/>
+            <a:r>
+              <a:rPr lang="en-US" dirty="0"/>
+              <a:t>Fast or slow.</a:t>
+            </a:r>
+          </a:p>
+          <a:p>
+            <a:r>
+              <a:rPr lang="en-US" dirty="0"/>
+              <a:t>Smarter (“Fuzzing”)</a:t>
+            </a:r>
+          </a:p>
+          <a:p>
+            <a:pPr lvl="1"/>
+            <a:r>
+              <a:rPr lang="en-US" dirty="0"/>
+              <a:t>Capture real actions;</a:t>
+            </a:r>
+          </a:p>
+          <a:p>
+            <a:pPr lvl="1"/>
+            <a:r>
+              <a:rPr lang="en-US" dirty="0"/>
+              <a:t>Then make targeted mutations.</a:t>
+            </a:r>
+          </a:p>
+          <a:p>
+            <a:pPr lvl="1"/>
+            <a:r>
+              <a:rPr lang="en-US" dirty="0"/>
+              <a:t>(This applies also to programs taking text input.)</a:t>
+            </a:r>
+          </a:p>
+          <a:p>
+            <a:r>
+              <a:rPr lang="en-US" dirty="0"/>
+              <a:t>Expected result can only be imprecise:</a:t>
+            </a:r>
+          </a:p>
+          <a:p>
+            <a:pPr lvl="1"/>
+            <a:r>
+              <a:rPr lang="en-US" dirty="0"/>
+              <a:t>E.g., “not crash” or “not leak secrets”.</a:t>
+            </a:r>
+          </a:p>
+        </p:txBody>
+      </p:sp>
+      <p:sp>
+        <p:nvSpPr>
+          <p:cNvPr id="4" name="Slide Number Placeholder 3">
+            <a:extLst>
+              <a:ext uri="{FF2B5EF4-FFF2-40B4-BE49-F238E27FC236}">
+                <a16:creationId xmlns:a16="http://schemas.microsoft.com/office/drawing/2014/main" id="{F03D07CA-8AC9-DE49-B8D6-DC6FE8416DEF}"/>
+              </a:ext>
+            </a:extLst>
+          </p:cNvPr>
+          <p:cNvSpPr>
+            <a:spLocks noGrp="1"/>
+          </p:cNvSpPr>
+          <p:nvPr>
+            <p:ph type="sldNum" sz="quarter" idx="12"/>
+          </p:nvPr>
+        </p:nvSpPr>
+        <p:spPr/>
+        <p:txBody>
+          <a:bodyPr/>
+          <a:lstStyle/>
+          <a:p>
+            <a:fld id="{20F37917-FD3A-4669-9018-DA04BCDD3D75}" type="slidenum">
+              <a:rPr lang="en-US" smtClean="0"/>
+              <a:t>16</a:t>
+            </a:fld>
+            <a:endParaRPr lang="en-US"/>
+          </a:p>
+        </p:txBody>
+      </p:sp>
+    </p:spTree>
+    <p:extLst>
+      <p:ext uri="{BB962C8B-B14F-4D97-AF65-F5344CB8AC3E}">
+        <p14:creationId xmlns:p14="http://schemas.microsoft.com/office/powerpoint/2010/main" val="3502109738"/>
+      </p:ext>
+    </p:extLst>
+  </p:cSld>
+  <p:clrMapOvr>
+    <a:masterClrMapping/>
+  </p:clrMapOvr>
+</p:sld>
+</file>
+
+<file path=ppt/slides/slide17.xml><?xml version="1.0" encoding="utf-8"?>
+<p:sld xmlns:a="http://schemas.openxmlformats.org/drawingml/2006/main" xmlns:r="http://schemas.openxmlformats.org/officeDocument/2006/relationships" xmlns:p="http://schemas.openxmlformats.org/presentationml/2006/main">
+  <p:cSld>
+    <p:spTree>
+      <p:nvGrpSpPr>
+        <p:cNvPr id="1" name=""/>
+        <p:cNvGrpSpPr/>
+        <p:nvPr/>
+      </p:nvGrpSpPr>
+      <p:grpSpPr>
+        <a:xfrm>
+          <a:off x="0" y="0"/>
+          <a:ext cx="0" cy="0"/>
+          <a:chOff x="0" y="0"/>
+          <a:chExt cx="0" cy="0"/>
+        </a:xfrm>
+      </p:grpSpPr>
+      <p:sp>
+        <p:nvSpPr>
+          <p:cNvPr id="2" name="Title 1">
+            <a:extLst>
+              <a:ext uri="{FF2B5EF4-FFF2-40B4-BE49-F238E27FC236}">
                 <a16:creationId xmlns:a16="http://schemas.microsoft.com/office/drawing/2014/main" id="{DC9974E2-A314-AA45-88E1-AF35428C7C74}"/>
               </a:ext>
             </a:extLst>
@@ -5469,7 +11235,7 @@
           <a:p>
             <a:fld id="{20F37917-FD3A-4669-9018-DA04BCDD3D75}" type="slidenum">
               <a:rPr lang="en-US" smtClean="0"/>
-              <a:t>13</a:t>
+              <a:t>17</a:t>
             </a:fld>
             <a:endParaRPr lang="en-US"/>
           </a:p>
@@ -6076,7 +11842,7 @@
 </p:sld>
 </file>
 
-<file path=ppt/slides/slide14.xml><?xml version="1.0" encoding="utf-8"?>
+<file path=ppt/slides/slide18.xml><?xml version="1.0" encoding="utf-8"?>
 <p:sld xmlns:a="http://schemas.openxmlformats.org/drawingml/2006/main" xmlns:r="http://schemas.openxmlformats.org/officeDocument/2006/relationships" xmlns:p="http://schemas.openxmlformats.org/presentationml/2006/main">
   <p:cSld>
     <p:spTree>
@@ -6220,7 +11986,7 @@
           <a:p>
             <a:fld id="{20F37917-FD3A-4669-9018-DA04BCDD3D75}" type="slidenum">
               <a:rPr lang="en-US" smtClean="0"/>
-              <a:t>14</a:t>
+              <a:t>18</a:t>
             </a:fld>
             <a:endParaRPr lang="en-US"/>
           </a:p>
@@ -6239,7 +12005,7 @@
 </p:sld>
 </file>
 
-<file path=ppt/slides/slide15.xml><?xml version="1.0" encoding="utf-8"?>
+<file path=ppt/slides/slide19.xml><?xml version="1.0" encoding="utf-8"?>
 <p:sld xmlns:a="http://schemas.openxmlformats.org/drawingml/2006/main" xmlns:r="http://schemas.openxmlformats.org/officeDocument/2006/relationships" xmlns:p="http://schemas.openxmlformats.org/presentationml/2006/main">
   <p:cSld>
     <p:spTree>
@@ -6314,6 +12080,13 @@
             <a:pPr lvl="1" fontAlgn="base"/>
             <a:r>
               <a:rPr lang="en-US" dirty="0"/>
+              <a:t>Describe limitations of automated testing;</a:t>
+            </a:r>
+          </a:p>
+          <a:p>
+            <a:pPr lvl="1" fontAlgn="base"/>
+            <a:r>
+              <a:rPr lang="en-US" dirty="0"/>
               <a:t>Be familiar with test “doubles” such as “stubs, mocks, spies, fakes”</a:t>
             </a:r>
           </a:p>
@@ -6322,13 +12095,6 @@
             <a:r>
               <a:rPr lang="en-US" dirty="0"/>
               <a:t>Contrast “mocks” and “spies” in testing;</a:t>
-            </a:r>
-          </a:p>
-          <a:p>
-            <a:pPr lvl="1" fontAlgn="base"/>
-            <a:r>
-              <a:rPr lang="en-US" dirty="0"/>
-              <a:t>Describe limitations of automated testing;</a:t>
             </a:r>
           </a:p>
           <a:p>
@@ -6364,7 +12130,7 @@
             <a:fld id="{86CB4B4D-7CA3-9044-876B-883B54F8677D}" type="slidenum">
               <a:rPr lang="en-US" smtClean="0"/>
               <a:pPr/>
-              <a:t>15</a:t>
+              <a:t>19</a:t>
             </a:fld>
             <a:endParaRPr lang="en-US"/>
           </a:p>
@@ -6587,7 +12353,9 @@
           </a:xfrm>
         </p:spPr>
         <p:txBody>
-          <a:bodyPr/>
+          <a:bodyPr>
+            <a:normAutofit/>
+          </a:bodyPr>
           <a:lstStyle/>
           <a:p>
             <a:r>
@@ -6598,6 +12366,17 @@
           <a:p>
             <a:pPr lvl="1" fontAlgn="base"/>
             <a:r>
+              <a:rPr lang="en-US" dirty="0">
+                <a:highlight>
+                  <a:srgbClr val="FFFF00"/>
+                </a:highlight>
+              </a:rPr>
+              <a:t>Describe the limitations of automated testing;</a:t>
+            </a:r>
+          </a:p>
+          <a:p>
+            <a:pPr lvl="1" fontAlgn="base"/>
+            <a:r>
               <a:rPr lang="en-US" dirty="0"/>
               <a:t>Be familiar with test “doubles” such as “stubs, mocks, spies, fakes”</a:t>
             </a:r>
@@ -6612,14 +12391,11 @@
           <a:p>
             <a:pPr lvl="1" fontAlgn="base"/>
             <a:r>
-              <a:rPr lang="en-US" dirty="0"/>
-              <a:t>Describe the limitations of automated testing;</a:t>
-            </a:r>
-          </a:p>
-          <a:p>
-            <a:pPr lvl="1" fontAlgn="base"/>
-            <a:r>
-              <a:rPr lang="en-US" dirty="0"/>
+              <a:rPr lang="en-US" dirty="0">
+                <a:highlight>
+                  <a:srgbClr val="FFFF00"/>
+                </a:highlight>
+              </a:rPr>
               <a:t>Give some useful examples of nondeterministic testing.</a:t>
             </a:r>
           </a:p>
@@ -6639,11 +12415,18 @@
                   <a:srgbClr val="FF0000"/>
                 </a:solidFill>
               </a:rPr>
-              <a:t>For Further Reading </a:t>
+              <a:t>For Further Reading</a:t>
             </a:r>
             <a:r>
               <a:rPr lang="en-US" dirty="0"/>
-              <a:t>– Check out Martin Fowler’s article, </a:t>
+              <a:t> </a:t>
+            </a:r>
+          </a:p>
+          <a:p>
+            <a:pPr lvl="2" fontAlgn="base"/>
+            <a:r>
+              <a:rPr lang="en-US" dirty="0"/>
+              <a:t>Check out Martin Fowler’s article, </a:t>
             </a:r>
             <a:br>
               <a:rPr lang="en-US" dirty="0"/>
@@ -6662,6 +12445,26 @@
               <a:rPr lang="en-US" dirty="0"/>
               <a:t> </a:t>
             </a:r>
+          </a:p>
+          <a:p>
+            <a:pPr lvl="2" fontAlgn="base"/>
+            <a:r>
+              <a:rPr lang="en-US" dirty="0"/>
+              <a:t>“</a:t>
+            </a:r>
+            <a:r>
+              <a:rPr lang="en-US" dirty="0" err="1"/>
+              <a:t>xUnit</a:t>
+            </a:r>
+            <a:r>
+              <a:rPr lang="en-US" dirty="0"/>
+              <a:t> Test Patterns: Refactoring Test Code” by Gerard </a:t>
+            </a:r>
+            <a:r>
+              <a:rPr lang="en-US" dirty="0" err="1"/>
+              <a:t>Meszaros</a:t>
+            </a:r>
+            <a:endParaRPr lang="en-US" dirty="0"/>
           </a:p>
           <a:p>
             <a:endParaRPr lang="en-US" dirty="0"/>
@@ -7109,7 +12912,7 @@
             <p:nvPr/>
           </p:nvPicPr>
           <p:blipFill>
-            <a:blip r:embed="rId2"/>
+            <a:blip r:embed="rId3"/>
             <a:srcRect l="31923" t="66222" r="13717" b="14309"/>
             <a:stretch>
               <a:fillRect/>
@@ -7709,7 +13512,7 @@
             </a:r>
             <a:r>
               <a:rPr lang="en-US" dirty="0">
-                <a:hlinkClick r:id="rId2"/>
+                <a:hlinkClick r:id="rId3"/>
               </a:rPr>
               <a:t>Chapter 14 </a:t>
             </a:r>
@@ -7876,8 +13679,8 @@
         </p:nvSpPr>
         <p:spPr>
           <a:xfrm>
-            <a:off x="10100616" y="5478851"/>
-            <a:ext cx="1251596" cy="710812"/>
+            <a:off x="10100616" y="5478850"/>
+            <a:ext cx="1251596" cy="877499"/>
           </a:xfrm>
           <a:prstGeom prst="rect">
             <a:avLst/>
@@ -9789,7 +15592,19 @@
             <a:pPr lvl="1"/>
             <a:r>
               <a:rPr lang="en-US" dirty="0"/>
-              <a:t>Default result values.</a:t>
+              <a:t>Default result values (i.e., </a:t>
+            </a:r>
+            <a:r>
+              <a:rPr lang="en-US" dirty="0">
+                <a:solidFill>
+                  <a:srgbClr val="FF0000"/>
+                </a:solidFill>
+              </a:rPr>
+              <a:t>canned answers</a:t>
+            </a:r>
+            <a:r>
+              <a:rPr lang="en-US" dirty="0"/>
+              <a:t>).</a:t>
             </a:r>
           </a:p>
           <a:p>
@@ -9809,7 +15624,7 @@
             <a:pPr lvl="1"/>
             <a:r>
               <a:rPr lang="en-US" dirty="0"/>
-              <a:t>If the client expects something from the object, the test will likely fail.</a:t>
+              <a:t>If the client expects something specific from the object, the test will likely fail.</a:t>
             </a:r>
           </a:p>
           <a:p>
@@ -9904,7 +15719,7 @@
           <p:cNvPr id="2" name="Title 1">
             <a:extLst>
               <a:ext uri="{FF2B5EF4-FFF2-40B4-BE49-F238E27FC236}">
-                <a16:creationId xmlns:a16="http://schemas.microsoft.com/office/drawing/2014/main" id="{96000464-AB28-4140-830A-1D73177468BE}"/>
+                <a16:creationId xmlns:a16="http://schemas.microsoft.com/office/drawing/2014/main" id="{84254271-F8B1-5348-B575-F509EBC46126}"/>
               </a:ext>
             </a:extLst>
           </p:cNvPr>
@@ -9922,155 +15737,1322 @@
           <a:p>
             <a:r>
               <a:rPr lang="en-US" dirty="0"/>
-              <a:t>Test Spies</a:t>
+              <a:t>Test Stub Example</a:t>
             </a:r>
           </a:p>
         </p:txBody>
       </p:sp>
       <p:sp>
         <p:nvSpPr>
-          <p:cNvPr id="3" name="Content Placeholder 2">
+          <p:cNvPr id="21" name="Content Placeholder 2">
             <a:extLst>
               <a:ext uri="{FF2B5EF4-FFF2-40B4-BE49-F238E27FC236}">
-                <a16:creationId xmlns:a16="http://schemas.microsoft.com/office/drawing/2014/main" id="{C0DEEF84-14BB-A447-8A37-EADB61CB5EED}"/>
+                <a16:creationId xmlns:a16="http://schemas.microsoft.com/office/drawing/2014/main" id="{D21E59DF-D18B-4DAB-835B-2533777E8527}"/>
               </a:ext>
             </a:extLst>
           </p:cNvPr>
-          <p:cNvSpPr>
-            <a:spLocks noGrp="1"/>
+          <p:cNvSpPr txBox="1">
+            <a:spLocks/>
           </p:cNvSpPr>
-          <p:nvPr>
-            <p:ph idx="1"/>
-          </p:nvPr>
-        </p:nvSpPr>
-        <p:spPr/>
+          <p:nvPr/>
+        </p:nvSpPr>
+        <p:spPr>
+          <a:xfrm>
+            <a:off x="838199" y="1500160"/>
+            <a:ext cx="11133221" cy="4351338"/>
+          </a:xfrm>
+          <a:prstGeom prst="rect">
+            <a:avLst/>
+          </a:prstGeom>
+        </p:spPr>
         <p:txBody>
-          <a:bodyPr>
-            <a:normAutofit/>
-          </a:bodyPr>
-          <a:lstStyle/>
-          <a:p>
-            <a:r>
-              <a:rPr lang="en-US" dirty="0"/>
-              <a:t>A test spy </a:t>
-            </a:r>
-            <a:r>
-              <a:rPr lang="en-US" dirty="0">
-                <a:solidFill>
-                  <a:srgbClr val="FF0000"/>
-                </a:solidFill>
-              </a:rPr>
-              <a:t>remembers</a:t>
-            </a:r>
-            <a:r>
-              <a:rPr lang="en-US" dirty="0"/>
-              <a:t> how the object was called</a:t>
-            </a:r>
-          </a:p>
-          <a:p>
-            <a:pPr lvl="1"/>
-            <a:r>
-              <a:rPr lang="en-US" dirty="0"/>
-              <a:t>Then the test harness can check what happened;</a:t>
-            </a:r>
-          </a:p>
-          <a:p>
-            <a:pPr lvl="1"/>
-            <a:r>
-              <a:rPr lang="en-US" dirty="0"/>
-              <a:t>For example: a particular method should be called</a:t>
-            </a:r>
-          </a:p>
-          <a:p>
-            <a:pPr marL="1371600" lvl="2" indent="-457200">
-              <a:buFont typeface="+mj-lt"/>
-              <a:buAutoNum type="arabicPeriod"/>
+          <a:bodyPr/>
+          <a:lstStyle>
+            <a:lvl1pPr marL="228600" indent="-228600" algn="l" defTabSz="914400" rtl="0" eaLnBrk="1" latinLnBrk="0" hangingPunct="1">
+              <a:lnSpc>
+                <a:spcPct val="90000"/>
+              </a:lnSpc>
+              <a:spcBef>
+                <a:spcPts val="1000"/>
+              </a:spcBef>
+              <a:buFont typeface="Arial" panose="020B0604020202020204" pitchFamily="34" charset="0"/>
+              <a:buChar char="•"/>
+              <a:defRPr sz="2800" kern="1200">
+                <a:solidFill>
+                  <a:schemeClr val="tx1"/>
+                </a:solidFill>
+                <a:latin typeface="+mn-lt"/>
+                <a:ea typeface="+mn-ea"/>
+                <a:cs typeface="+mn-cs"/>
+              </a:defRPr>
+            </a:lvl1pPr>
+            <a:lvl2pPr marL="685800" indent="-228600" algn="l" defTabSz="914400" rtl="0" eaLnBrk="1" latinLnBrk="0" hangingPunct="1">
+              <a:lnSpc>
+                <a:spcPct val="90000"/>
+              </a:lnSpc>
+              <a:spcBef>
+                <a:spcPts val="500"/>
+              </a:spcBef>
+              <a:buFont typeface="Arial" panose="020B0604020202020204" pitchFamily="34" charset="0"/>
+              <a:buChar char="•"/>
+              <a:defRPr sz="2400" kern="1200">
+                <a:solidFill>
+                  <a:schemeClr val="tx1"/>
+                </a:solidFill>
+                <a:latin typeface="+mn-lt"/>
+                <a:ea typeface="+mn-ea"/>
+                <a:cs typeface="+mn-cs"/>
+              </a:defRPr>
+            </a:lvl2pPr>
+            <a:lvl3pPr marL="1143000" indent="-228600" algn="l" defTabSz="914400" rtl="0" eaLnBrk="1" latinLnBrk="0" hangingPunct="1">
+              <a:lnSpc>
+                <a:spcPct val="90000"/>
+              </a:lnSpc>
+              <a:spcBef>
+                <a:spcPts val="500"/>
+              </a:spcBef>
+              <a:buFont typeface="Arial" panose="020B0604020202020204" pitchFamily="34" charset="0"/>
+              <a:buChar char="•"/>
+              <a:defRPr sz="2000" kern="1200">
+                <a:solidFill>
+                  <a:schemeClr val="tx1"/>
+                </a:solidFill>
+                <a:latin typeface="+mn-lt"/>
+                <a:ea typeface="+mn-ea"/>
+                <a:cs typeface="+mn-cs"/>
+              </a:defRPr>
+            </a:lvl3pPr>
+            <a:lvl4pPr marL="1600200" indent="-228600" algn="l" defTabSz="914400" rtl="0" eaLnBrk="1" latinLnBrk="0" hangingPunct="1">
+              <a:lnSpc>
+                <a:spcPct val="90000"/>
+              </a:lnSpc>
+              <a:spcBef>
+                <a:spcPts val="500"/>
+              </a:spcBef>
+              <a:buFont typeface="Arial" panose="020B0604020202020204" pitchFamily="34" charset="0"/>
+              <a:buChar char="•"/>
+              <a:defRPr sz="1800" kern="1200">
+                <a:solidFill>
+                  <a:schemeClr val="tx1"/>
+                </a:solidFill>
+                <a:latin typeface="+mn-lt"/>
+                <a:ea typeface="+mn-ea"/>
+                <a:cs typeface="+mn-cs"/>
+              </a:defRPr>
+            </a:lvl4pPr>
+            <a:lvl5pPr marL="2057400" indent="-228600" algn="l" defTabSz="914400" rtl="0" eaLnBrk="1" latinLnBrk="0" hangingPunct="1">
+              <a:lnSpc>
+                <a:spcPct val="90000"/>
+              </a:lnSpc>
+              <a:spcBef>
+                <a:spcPts val="500"/>
+              </a:spcBef>
+              <a:buFont typeface="Arial" panose="020B0604020202020204" pitchFamily="34" charset="0"/>
+              <a:buChar char="•"/>
+              <a:defRPr sz="1800" kern="1200">
+                <a:solidFill>
+                  <a:schemeClr val="tx1"/>
+                </a:solidFill>
+                <a:latin typeface="+mn-lt"/>
+                <a:ea typeface="+mn-ea"/>
+                <a:cs typeface="+mn-cs"/>
+              </a:defRPr>
+            </a:lvl5pPr>
+            <a:lvl6pPr marL="2514600" indent="-228600" algn="l" defTabSz="914400" rtl="0" eaLnBrk="1" latinLnBrk="0" hangingPunct="1">
+              <a:lnSpc>
+                <a:spcPct val="90000"/>
+              </a:lnSpc>
+              <a:spcBef>
+                <a:spcPts val="500"/>
+              </a:spcBef>
+              <a:buFont typeface="Arial" panose="020B0604020202020204" pitchFamily="34" charset="0"/>
+              <a:buChar char="•"/>
+              <a:defRPr sz="1800" kern="1200">
+                <a:solidFill>
+                  <a:schemeClr val="tx1"/>
+                </a:solidFill>
+                <a:latin typeface="+mn-lt"/>
+                <a:ea typeface="+mn-ea"/>
+                <a:cs typeface="+mn-cs"/>
+              </a:defRPr>
+            </a:lvl6pPr>
+            <a:lvl7pPr marL="2971800" indent="-228600" algn="l" defTabSz="914400" rtl="0" eaLnBrk="1" latinLnBrk="0" hangingPunct="1">
+              <a:lnSpc>
+                <a:spcPct val="90000"/>
+              </a:lnSpc>
+              <a:spcBef>
+                <a:spcPts val="500"/>
+              </a:spcBef>
+              <a:buFont typeface="Arial" panose="020B0604020202020204" pitchFamily="34" charset="0"/>
+              <a:buChar char="•"/>
+              <a:defRPr sz="1800" kern="1200">
+                <a:solidFill>
+                  <a:schemeClr val="tx1"/>
+                </a:solidFill>
+                <a:latin typeface="+mn-lt"/>
+                <a:ea typeface="+mn-ea"/>
+                <a:cs typeface="+mn-cs"/>
+              </a:defRPr>
+            </a:lvl7pPr>
+            <a:lvl8pPr marL="3429000" indent="-228600" algn="l" defTabSz="914400" rtl="0" eaLnBrk="1" latinLnBrk="0" hangingPunct="1">
+              <a:lnSpc>
+                <a:spcPct val="90000"/>
+              </a:lnSpc>
+              <a:spcBef>
+                <a:spcPts val="500"/>
+              </a:spcBef>
+              <a:buFont typeface="Arial" panose="020B0604020202020204" pitchFamily="34" charset="0"/>
+              <a:buChar char="•"/>
+              <a:defRPr sz="1800" kern="1200">
+                <a:solidFill>
+                  <a:schemeClr val="tx1"/>
+                </a:solidFill>
+                <a:latin typeface="+mn-lt"/>
+                <a:ea typeface="+mn-ea"/>
+                <a:cs typeface="+mn-cs"/>
+              </a:defRPr>
+            </a:lvl8pPr>
+            <a:lvl9pPr marL="3886200" indent="-228600" algn="l" defTabSz="914400" rtl="0" eaLnBrk="1" latinLnBrk="0" hangingPunct="1">
+              <a:lnSpc>
+                <a:spcPct val="90000"/>
+              </a:lnSpc>
+              <a:spcBef>
+                <a:spcPts val="500"/>
+              </a:spcBef>
+              <a:buFont typeface="Arial" panose="020B0604020202020204" pitchFamily="34" charset="0"/>
+              <a:buChar char="•"/>
+              <a:defRPr sz="1800" kern="1200">
+                <a:solidFill>
+                  <a:schemeClr val="tx1"/>
+                </a:solidFill>
+                <a:latin typeface="+mn-lt"/>
+                <a:ea typeface="+mn-ea"/>
+                <a:cs typeface="+mn-cs"/>
+              </a:defRPr>
+            </a:lvl9pPr>
+          </a:lstStyle>
+          <a:p>
+            <a:pPr marL="0" indent="0">
+              <a:spcBef>
+                <a:spcPts val="600"/>
+              </a:spcBef>
+              <a:buNone/>
             </a:pPr>
             <a:r>
-              <a:rPr lang="en-US" dirty="0"/>
-              <a:t>First with parameters “foo” and 42;</a:t>
-            </a:r>
-          </a:p>
-          <a:p>
-            <a:pPr marL="1371600" lvl="2" indent="-457200">
-              <a:buFont typeface="+mj-lt"/>
-              <a:buAutoNum type="arabicPeriod"/>
+              <a:rPr lang="en-US" sz="1200" b="0" dirty="0">
+                <a:solidFill>
+                  <a:srgbClr val="0000FF"/>
+                </a:solidFill>
+                <a:effectLst/>
+                <a:latin typeface="Consolas" panose="020B0609020204030204" pitchFamily="49" charset="0"/>
+              </a:rPr>
+              <a:t>final</a:t>
+            </a:r>
+            <a:r>
+              <a:rPr lang="en-US" sz="1200" b="0" dirty="0">
+                <a:solidFill>
+                  <a:srgbClr val="000000"/>
+                </a:solidFill>
+                <a:effectLst/>
+                <a:latin typeface="Consolas" panose="020B0609020204030204" pitchFamily="49" charset="0"/>
+              </a:rPr>
+              <a:t> </a:t>
+            </a:r>
+            <a:r>
+              <a:rPr lang="en-US" sz="1200" b="0" dirty="0">
+                <a:solidFill>
+                  <a:srgbClr val="0000FF"/>
+                </a:solidFill>
+                <a:effectLst/>
+                <a:latin typeface="Consolas" panose="020B0609020204030204" pitchFamily="49" charset="0"/>
+              </a:rPr>
+              <a:t>class</a:t>
+            </a:r>
+            <a:r>
+              <a:rPr lang="en-US" sz="1200" b="0" dirty="0">
+                <a:solidFill>
+                  <a:srgbClr val="000000"/>
+                </a:solidFill>
+                <a:effectLst/>
+                <a:latin typeface="Consolas" panose="020B0609020204030204" pitchFamily="49" charset="0"/>
+              </a:rPr>
+              <a:t> Service {</a:t>
+            </a:r>
+          </a:p>
+          <a:p>
+            <a:pPr marL="0" indent="0">
+              <a:spcBef>
+                <a:spcPts val="600"/>
+              </a:spcBef>
+              <a:buNone/>
             </a:pPr>
             <a:r>
-              <a:rPr lang="en-US" dirty="0"/>
-              <a:t>Then with parameters “quux” and -88.</a:t>
-            </a:r>
-          </a:p>
-          <a:p>
-            <a:r>
-              <a:rPr lang="en-US" dirty="0"/>
-              <a:t>A spy can be useful on the “real” object:</a:t>
-            </a:r>
-          </a:p>
-          <a:p>
-            <a:pPr lvl="1"/>
-            <a:r>
-              <a:rPr lang="en-US" dirty="0"/>
-              <a:t>What was sent on the network?</a:t>
-            </a:r>
-          </a:p>
-          <a:p>
-            <a:pPr lvl="1"/>
-            <a:r>
-              <a:rPr lang="en-US" dirty="0"/>
-              <a:t>How many times a problem was logged?</a:t>
-            </a:r>
-          </a:p>
-          <a:p>
-            <a:pPr lvl="1"/>
-            <a:r>
-              <a:rPr lang="en-US" dirty="0"/>
-              <a:t>What was inserted in the database?</a:t>
-            </a:r>
-          </a:p>
-          <a:p>
-            <a:r>
-              <a:rPr lang="en-US" dirty="0"/>
-              <a:t>But most often used with a “mock.”</a:t>
+              <a:rPr lang="en-US" sz="1200" b="0" dirty="0">
+                <a:solidFill>
+                  <a:srgbClr val="000000"/>
+                </a:solidFill>
+                <a:effectLst/>
+                <a:latin typeface="Consolas" panose="020B0609020204030204" pitchFamily="49" charset="0"/>
+              </a:rPr>
+              <a:t>    </a:t>
+            </a:r>
+            <a:r>
+              <a:rPr lang="en-US" sz="1200" b="0" dirty="0">
+                <a:solidFill>
+                  <a:srgbClr val="0000FF"/>
+                </a:solidFill>
+                <a:effectLst/>
+                <a:latin typeface="Consolas" panose="020B0609020204030204" pitchFamily="49" charset="0"/>
+              </a:rPr>
+              <a:t>public</a:t>
+            </a:r>
+            <a:r>
+              <a:rPr lang="en-US" sz="1200" b="0" dirty="0">
+                <a:solidFill>
+                  <a:srgbClr val="000000"/>
+                </a:solidFill>
+                <a:effectLst/>
+                <a:latin typeface="Consolas" panose="020B0609020204030204" pitchFamily="49" charset="0"/>
+              </a:rPr>
+              <a:t> function </a:t>
+            </a:r>
+            <a:r>
+              <a:rPr lang="en-US" sz="1200" b="0" dirty="0" err="1">
+                <a:solidFill>
+                  <a:srgbClr val="000000"/>
+                </a:solidFill>
+                <a:effectLst/>
+                <a:latin typeface="Consolas" panose="020B0609020204030204" pitchFamily="49" charset="0"/>
+              </a:rPr>
+              <a:t>doSomething</a:t>
+            </a:r>
+            <a:r>
+              <a:rPr lang="en-US" sz="1200" b="0" dirty="0">
+                <a:solidFill>
+                  <a:srgbClr val="000000"/>
+                </a:solidFill>
+                <a:effectLst/>
+                <a:latin typeface="Consolas" panose="020B0609020204030204" pitchFamily="49" charset="0"/>
+              </a:rPr>
+              <a:t>(</a:t>
+            </a:r>
+            <a:r>
+              <a:rPr lang="en-US" sz="1200" b="0" dirty="0" err="1">
+                <a:solidFill>
+                  <a:srgbClr val="0000FF"/>
+                </a:solidFill>
+                <a:effectLst/>
+                <a:latin typeface="Consolas" panose="020B0609020204030204" pitchFamily="49" charset="0"/>
+              </a:rPr>
+              <a:t>UserModelInterface</a:t>
+            </a:r>
+            <a:r>
+              <a:rPr lang="en-US" sz="1200" b="0" dirty="0">
+                <a:solidFill>
+                  <a:srgbClr val="000000"/>
+                </a:solidFill>
+                <a:effectLst/>
+                <a:latin typeface="Consolas" panose="020B0609020204030204" pitchFamily="49" charset="0"/>
+              </a:rPr>
+              <a:t> user): Int {</a:t>
+            </a:r>
+          </a:p>
+          <a:p>
+            <a:pPr marL="0" indent="0">
+              <a:spcBef>
+                <a:spcPts val="600"/>
+              </a:spcBef>
+              <a:buNone/>
+            </a:pPr>
+            <a:r>
+              <a:rPr lang="en-US" sz="1200" b="0" dirty="0">
+                <a:solidFill>
+                  <a:srgbClr val="000000"/>
+                </a:solidFill>
+                <a:effectLst/>
+                <a:latin typeface="Consolas" panose="020B0609020204030204" pitchFamily="49" charset="0"/>
+              </a:rPr>
+              <a:t>        </a:t>
+            </a:r>
+            <a:r>
+              <a:rPr lang="en-US" sz="1200" b="0" dirty="0">
+                <a:solidFill>
+                  <a:srgbClr val="008000"/>
+                </a:solidFill>
+                <a:effectLst/>
+                <a:latin typeface="Consolas" panose="020B0609020204030204" pitchFamily="49" charset="0"/>
+              </a:rPr>
+              <a:t>/* Do things */</a:t>
+            </a:r>
+            <a:r>
+              <a:rPr lang="en-US" sz="1200" b="0" dirty="0">
+                <a:solidFill>
+                  <a:srgbClr val="000000"/>
+                </a:solidFill>
+                <a:effectLst/>
+                <a:latin typeface="Consolas" panose="020B0609020204030204" pitchFamily="49" charset="0"/>
+              </a:rPr>
+              <a:t>        </a:t>
+            </a:r>
+          </a:p>
+          <a:p>
+            <a:pPr marL="0" indent="0">
+              <a:spcBef>
+                <a:spcPts val="600"/>
+              </a:spcBef>
+              <a:buNone/>
+            </a:pPr>
+            <a:r>
+              <a:rPr lang="en-US" sz="1200" b="0" dirty="0">
+                <a:solidFill>
+                  <a:srgbClr val="000000"/>
+                </a:solidFill>
+                <a:effectLst/>
+                <a:latin typeface="Consolas" panose="020B0609020204030204" pitchFamily="49" charset="0"/>
+              </a:rPr>
+              <a:t>        </a:t>
+            </a:r>
+            <a:r>
+              <a:rPr lang="en-US" sz="1200" b="0" dirty="0">
+                <a:solidFill>
+                  <a:srgbClr val="0000FF"/>
+                </a:solidFill>
+                <a:effectLst/>
+                <a:latin typeface="Consolas" panose="020B0609020204030204" pitchFamily="49" charset="0"/>
+              </a:rPr>
+              <a:t>return</a:t>
+            </a:r>
+            <a:r>
+              <a:rPr lang="en-US" sz="1200" b="0" dirty="0">
+                <a:solidFill>
+                  <a:srgbClr val="000000"/>
+                </a:solidFill>
+                <a:effectLst/>
+                <a:latin typeface="Consolas" panose="020B0609020204030204" pitchFamily="49" charset="0"/>
+              </a:rPr>
+              <a:t> </a:t>
+            </a:r>
+            <a:r>
+              <a:rPr lang="en-US" sz="1200" b="0" dirty="0" err="1">
+                <a:solidFill>
+                  <a:srgbClr val="000000"/>
+                </a:solidFill>
+                <a:effectLst/>
+                <a:latin typeface="Consolas" panose="020B0609020204030204" pitchFamily="49" charset="0"/>
+              </a:rPr>
+              <a:t>user.uuid</a:t>
+            </a:r>
+            <a:r>
+              <a:rPr lang="en-US" sz="1200" b="0" dirty="0">
+                <a:solidFill>
+                  <a:srgbClr val="000000"/>
+                </a:solidFill>
+                <a:effectLst/>
+                <a:latin typeface="Consolas" panose="020B0609020204030204" pitchFamily="49" charset="0"/>
+              </a:rPr>
+              <a:t>;</a:t>
+            </a:r>
+          </a:p>
+          <a:p>
+            <a:pPr marL="0" indent="0">
+              <a:spcBef>
+                <a:spcPts val="600"/>
+              </a:spcBef>
+              <a:buNone/>
+            </a:pPr>
+            <a:r>
+              <a:rPr lang="en-US" sz="1200" b="0" dirty="0">
+                <a:solidFill>
+                  <a:srgbClr val="000000"/>
+                </a:solidFill>
+                <a:effectLst/>
+                <a:latin typeface="Consolas" panose="020B0609020204030204" pitchFamily="49" charset="0"/>
+              </a:rPr>
+              <a:t>    }</a:t>
+            </a:r>
+          </a:p>
+          <a:p>
+            <a:pPr marL="0" indent="0">
+              <a:spcBef>
+                <a:spcPts val="600"/>
+              </a:spcBef>
+              <a:buNone/>
+            </a:pPr>
+            <a:r>
+              <a:rPr lang="en-US" sz="1200" b="0" dirty="0">
+                <a:solidFill>
+                  <a:srgbClr val="000000"/>
+                </a:solidFill>
+                <a:effectLst/>
+                <a:latin typeface="Consolas" panose="020B0609020204030204" pitchFamily="49" charset="0"/>
+              </a:rPr>
+              <a:t>}</a:t>
+            </a:r>
+          </a:p>
+          <a:p>
+            <a:pPr marL="0" indent="0">
+              <a:spcBef>
+                <a:spcPts val="600"/>
+              </a:spcBef>
+              <a:buNone/>
+            </a:pPr>
+            <a:r>
+              <a:rPr lang="en-US" sz="1200" b="0" dirty="0">
+                <a:solidFill>
+                  <a:srgbClr val="0000FF"/>
+                </a:solidFill>
+                <a:effectLst/>
+                <a:latin typeface="Consolas" panose="020B0609020204030204" pitchFamily="49" charset="0"/>
+              </a:rPr>
+              <a:t>final</a:t>
+            </a:r>
+            <a:r>
+              <a:rPr lang="en-US" sz="1200" b="0" dirty="0">
+                <a:solidFill>
+                  <a:srgbClr val="000000"/>
+                </a:solidFill>
+                <a:effectLst/>
+                <a:latin typeface="Consolas" panose="020B0609020204030204" pitchFamily="49" charset="0"/>
+              </a:rPr>
+              <a:t> </a:t>
+            </a:r>
+            <a:r>
+              <a:rPr lang="en-US" sz="1200" b="0" dirty="0">
+                <a:solidFill>
+                  <a:srgbClr val="0000FF"/>
+                </a:solidFill>
+                <a:effectLst/>
+                <a:latin typeface="Consolas" panose="020B0609020204030204" pitchFamily="49" charset="0"/>
+              </a:rPr>
+              <a:t>class</a:t>
+            </a:r>
+            <a:r>
+              <a:rPr lang="en-US" sz="1200" b="0" dirty="0">
+                <a:solidFill>
+                  <a:srgbClr val="000000"/>
+                </a:solidFill>
+                <a:effectLst/>
+                <a:latin typeface="Consolas" panose="020B0609020204030204" pitchFamily="49" charset="0"/>
+              </a:rPr>
+              <a:t> </a:t>
+            </a:r>
+            <a:r>
+              <a:rPr lang="en-US" sz="1200" b="0" dirty="0" err="1">
+                <a:solidFill>
+                  <a:srgbClr val="000000"/>
+                </a:solidFill>
+                <a:effectLst/>
+                <a:latin typeface="Consolas" panose="020B0609020204030204" pitchFamily="49" charset="0"/>
+              </a:rPr>
+              <a:t>ServiceTest</a:t>
+            </a:r>
+            <a:r>
+              <a:rPr lang="en-US" sz="1200" b="0" dirty="0">
+                <a:solidFill>
+                  <a:srgbClr val="000000"/>
+                </a:solidFill>
+                <a:effectLst/>
+                <a:latin typeface="Consolas" panose="020B0609020204030204" pitchFamily="49" charset="0"/>
+              </a:rPr>
+              <a:t> </a:t>
+            </a:r>
+            <a:r>
+              <a:rPr lang="en-US" sz="1200" b="0" dirty="0">
+                <a:solidFill>
+                  <a:srgbClr val="0000FF"/>
+                </a:solidFill>
+                <a:effectLst/>
+                <a:latin typeface="Consolas" panose="020B0609020204030204" pitchFamily="49" charset="0"/>
+              </a:rPr>
+              <a:t>extends</a:t>
+            </a:r>
+            <a:r>
+              <a:rPr lang="en-US" sz="1200" b="0" dirty="0">
+                <a:solidFill>
+                  <a:srgbClr val="000000"/>
+                </a:solidFill>
+                <a:effectLst/>
+                <a:latin typeface="Consolas" panose="020B0609020204030204" pitchFamily="49" charset="0"/>
+              </a:rPr>
+              <a:t> </a:t>
+            </a:r>
+            <a:r>
+              <a:rPr lang="en-US" sz="1200" b="0" dirty="0" err="1">
+                <a:solidFill>
+                  <a:srgbClr val="000000"/>
+                </a:solidFill>
+                <a:effectLst/>
+                <a:latin typeface="Consolas" panose="020B0609020204030204" pitchFamily="49" charset="0"/>
+              </a:rPr>
+              <a:t>TestCase</a:t>
+            </a:r>
+            <a:r>
+              <a:rPr lang="en-US" sz="1200" b="0" dirty="0">
+                <a:solidFill>
+                  <a:srgbClr val="000000"/>
+                </a:solidFill>
+                <a:effectLst/>
+                <a:latin typeface="Consolas" panose="020B0609020204030204" pitchFamily="49" charset="0"/>
+              </a:rPr>
+              <a:t> {</a:t>
+            </a:r>
+          </a:p>
+          <a:p>
+            <a:pPr marL="0" indent="0">
+              <a:spcBef>
+                <a:spcPts val="600"/>
+              </a:spcBef>
+              <a:buNone/>
+            </a:pPr>
+            <a:r>
+              <a:rPr lang="en-US" sz="1200" b="0" dirty="0">
+                <a:solidFill>
+                  <a:srgbClr val="000000"/>
+                </a:solidFill>
+                <a:effectLst/>
+                <a:latin typeface="Consolas" panose="020B0609020204030204" pitchFamily="49" charset="0"/>
+              </a:rPr>
+              <a:t>    </a:t>
+            </a:r>
+            <a:r>
+              <a:rPr lang="en-US" sz="1200" b="0" dirty="0">
+                <a:solidFill>
+                  <a:srgbClr val="0000FF"/>
+                </a:solidFill>
+                <a:effectLst/>
+                <a:latin typeface="Consolas" panose="020B0609020204030204" pitchFamily="49" charset="0"/>
+              </a:rPr>
+              <a:t>public</a:t>
+            </a:r>
+            <a:r>
+              <a:rPr lang="en-US" sz="1200" b="0" dirty="0">
+                <a:solidFill>
+                  <a:srgbClr val="000000"/>
+                </a:solidFill>
+                <a:effectLst/>
+                <a:latin typeface="Consolas" panose="020B0609020204030204" pitchFamily="49" charset="0"/>
+              </a:rPr>
+              <a:t> function </a:t>
+            </a:r>
+            <a:r>
+              <a:rPr lang="en-US" sz="1200" b="0" dirty="0" err="1">
+                <a:solidFill>
+                  <a:srgbClr val="000000"/>
+                </a:solidFill>
+                <a:effectLst/>
+                <a:latin typeface="Consolas" panose="020B0609020204030204" pitchFamily="49" charset="0"/>
+              </a:rPr>
+              <a:t>testDoSomething</a:t>
+            </a:r>
+            <a:r>
+              <a:rPr lang="en-US" sz="1200" b="0" dirty="0">
+                <a:solidFill>
+                  <a:srgbClr val="000000"/>
+                </a:solidFill>
+                <a:effectLst/>
+                <a:latin typeface="Consolas" panose="020B0609020204030204" pitchFamily="49" charset="0"/>
+              </a:rPr>
+              <a:t>(): void {</a:t>
+            </a:r>
+          </a:p>
+          <a:p>
+            <a:pPr marL="0" indent="0">
+              <a:spcBef>
+                <a:spcPts val="600"/>
+              </a:spcBef>
+              <a:buNone/>
+            </a:pPr>
+            <a:r>
+              <a:rPr lang="en-US" sz="1200" b="0" dirty="0">
+                <a:solidFill>
+                  <a:srgbClr val="000000"/>
+                </a:solidFill>
+                <a:effectLst/>
+                <a:latin typeface="Consolas" panose="020B0609020204030204" pitchFamily="49" charset="0"/>
+              </a:rPr>
+              <a:t>        </a:t>
+            </a:r>
+            <a:r>
+              <a:rPr lang="en-US" sz="1200" b="0" dirty="0">
+                <a:solidFill>
+                  <a:srgbClr val="008000"/>
+                </a:solidFill>
+                <a:effectLst/>
+                <a:latin typeface="Consolas" panose="020B0609020204030204" pitchFamily="49" charset="0"/>
+              </a:rPr>
+              <a:t>// The service needs a implementation `</a:t>
+            </a:r>
+            <a:r>
+              <a:rPr lang="en-US" sz="1200" b="0" dirty="0" err="1">
+                <a:solidFill>
+                  <a:srgbClr val="008000"/>
+                </a:solidFill>
+                <a:effectLst/>
+                <a:latin typeface="Consolas" panose="020B0609020204030204" pitchFamily="49" charset="0"/>
+              </a:rPr>
+              <a:t>UserModelInterface</a:t>
+            </a:r>
+            <a:r>
+              <a:rPr lang="en-US" sz="1200" b="0" dirty="0">
+                <a:solidFill>
+                  <a:srgbClr val="008000"/>
+                </a:solidFill>
+                <a:effectLst/>
+                <a:latin typeface="Consolas" panose="020B0609020204030204" pitchFamily="49" charset="0"/>
+              </a:rPr>
+              <a:t>`.</a:t>
+            </a:r>
+            <a:endParaRPr lang="en-US" sz="1200" b="0" dirty="0">
+              <a:solidFill>
+                <a:srgbClr val="000000"/>
+              </a:solidFill>
+              <a:effectLst/>
+              <a:latin typeface="Consolas" panose="020B0609020204030204" pitchFamily="49" charset="0"/>
+            </a:endParaRPr>
+          </a:p>
+          <a:p>
+            <a:pPr marL="0" indent="0">
+              <a:spcBef>
+                <a:spcPts val="600"/>
+              </a:spcBef>
+              <a:buNone/>
+            </a:pPr>
+            <a:r>
+              <a:rPr lang="en-US" sz="1200" b="0" dirty="0">
+                <a:solidFill>
+                  <a:srgbClr val="000000"/>
+                </a:solidFill>
+                <a:effectLst/>
+                <a:latin typeface="Consolas" panose="020B0609020204030204" pitchFamily="49" charset="0"/>
+              </a:rPr>
+              <a:t>        </a:t>
+            </a:r>
+            <a:r>
+              <a:rPr lang="en-US" sz="1200" b="0" dirty="0">
+                <a:solidFill>
+                  <a:srgbClr val="0000FF"/>
+                </a:solidFill>
+                <a:effectLst/>
+                <a:latin typeface="Consolas" panose="020B0609020204030204" pitchFamily="49" charset="0"/>
+              </a:rPr>
+              <a:t>String</a:t>
+            </a:r>
+            <a:r>
+              <a:rPr lang="en-US" sz="1200" b="0" dirty="0">
+                <a:solidFill>
+                  <a:srgbClr val="000000"/>
+                </a:solidFill>
+                <a:effectLst/>
+                <a:latin typeface="Consolas" panose="020B0609020204030204" pitchFamily="49" charset="0"/>
+              </a:rPr>
+              <a:t> </a:t>
+            </a:r>
+            <a:r>
+              <a:rPr lang="en-US" sz="1200" b="0" dirty="0" err="1">
+                <a:solidFill>
+                  <a:srgbClr val="000000"/>
+                </a:solidFill>
+                <a:effectLst/>
+                <a:latin typeface="Consolas" panose="020B0609020204030204" pitchFamily="49" charset="0"/>
+              </a:rPr>
+              <a:t>uuid</a:t>
+            </a:r>
+            <a:r>
+              <a:rPr lang="en-US" sz="1200" b="0" dirty="0">
+                <a:solidFill>
+                  <a:srgbClr val="000000"/>
+                </a:solidFill>
+                <a:effectLst/>
+                <a:latin typeface="Consolas" panose="020B0609020204030204" pitchFamily="49" charset="0"/>
+              </a:rPr>
+              <a:t> = (</a:t>
+            </a:r>
+            <a:r>
+              <a:rPr lang="en-US" sz="1200" b="0" dirty="0">
+                <a:solidFill>
+                  <a:srgbClr val="0000FF"/>
+                </a:solidFill>
+                <a:effectLst/>
+                <a:latin typeface="Consolas" panose="020B0609020204030204" pitchFamily="49" charset="0"/>
+              </a:rPr>
+              <a:t>new</a:t>
+            </a:r>
+            <a:r>
+              <a:rPr lang="en-US" sz="1200" b="0" dirty="0">
+                <a:solidFill>
+                  <a:srgbClr val="000000"/>
+                </a:solidFill>
+                <a:effectLst/>
+                <a:latin typeface="Consolas" panose="020B0609020204030204" pitchFamily="49" charset="0"/>
+              </a:rPr>
+              <a:t> Service()).</a:t>
+            </a:r>
+            <a:r>
+              <a:rPr lang="en-US" sz="1200" b="0" dirty="0" err="1">
+                <a:solidFill>
+                  <a:srgbClr val="000000"/>
+                </a:solidFill>
+                <a:effectLst/>
+                <a:latin typeface="Consolas" panose="020B0609020204030204" pitchFamily="49" charset="0"/>
+              </a:rPr>
+              <a:t>doSomething</a:t>
+            </a:r>
+            <a:r>
+              <a:rPr lang="en-US" sz="1200" b="0" dirty="0">
+                <a:solidFill>
+                  <a:srgbClr val="000000"/>
+                </a:solidFill>
+                <a:effectLst/>
+                <a:latin typeface="Consolas" panose="020B0609020204030204" pitchFamily="49" charset="0"/>
+              </a:rPr>
+              <a:t>(</a:t>
+            </a:r>
+            <a:r>
+              <a:rPr lang="en-US" sz="1200" b="0" dirty="0">
+                <a:solidFill>
+                  <a:srgbClr val="0000FF"/>
+                </a:solidFill>
+                <a:effectLst/>
+                <a:latin typeface="Consolas" panose="020B0609020204030204" pitchFamily="49" charset="0"/>
+              </a:rPr>
+              <a:t>new</a:t>
+            </a:r>
+            <a:r>
+              <a:rPr lang="en-US" sz="1200" b="0" dirty="0">
+                <a:solidFill>
+                  <a:srgbClr val="000000"/>
+                </a:solidFill>
+                <a:effectLst/>
+                <a:latin typeface="Consolas" panose="020B0609020204030204" pitchFamily="49" charset="0"/>
+              </a:rPr>
+              <a:t> </a:t>
+            </a:r>
+            <a:r>
+              <a:rPr lang="en-US" sz="1200" b="0" dirty="0" err="1">
+                <a:solidFill>
+                  <a:srgbClr val="000000"/>
+                </a:solidFill>
+                <a:effectLst/>
+                <a:latin typeface="Consolas" panose="020B0609020204030204" pitchFamily="49" charset="0"/>
+              </a:rPr>
+              <a:t>UserStub</a:t>
+            </a:r>
+            <a:r>
+              <a:rPr lang="en-US" sz="1200" b="0" dirty="0">
+                <a:solidFill>
+                  <a:srgbClr val="000000"/>
+                </a:solidFill>
+                <a:effectLst/>
+                <a:latin typeface="Consolas" panose="020B0609020204030204" pitchFamily="49" charset="0"/>
+              </a:rPr>
+              <a:t>());        </a:t>
+            </a:r>
+          </a:p>
+          <a:p>
+            <a:pPr marL="0" indent="0">
+              <a:spcBef>
+                <a:spcPts val="600"/>
+              </a:spcBef>
+              <a:buNone/>
+            </a:pPr>
+            <a:r>
+              <a:rPr lang="en-US" sz="1200" dirty="0">
+                <a:solidFill>
+                  <a:srgbClr val="000000"/>
+                </a:solidFill>
+                <a:latin typeface="Consolas" panose="020B0609020204030204" pitchFamily="49" charset="0"/>
+              </a:rPr>
+              <a:t>        </a:t>
+            </a:r>
+            <a:r>
+              <a:rPr lang="en-US" sz="1200" b="0" dirty="0" err="1">
+                <a:solidFill>
+                  <a:srgbClr val="000000"/>
+                </a:solidFill>
+                <a:effectLst/>
+                <a:latin typeface="Consolas" panose="020B0609020204030204" pitchFamily="49" charset="0"/>
+              </a:rPr>
+              <a:t>self.assertStringContainsString</a:t>
+            </a:r>
+            <a:r>
+              <a:rPr lang="en-US" sz="1200" b="0" dirty="0">
+                <a:solidFill>
+                  <a:srgbClr val="000000"/>
+                </a:solidFill>
+                <a:effectLst/>
+                <a:latin typeface="Consolas" panose="020B0609020204030204" pitchFamily="49" charset="0"/>
+              </a:rPr>
+              <a:t>(</a:t>
+            </a:r>
+            <a:r>
+              <a:rPr lang="en-US" sz="1200" b="0" dirty="0">
+                <a:solidFill>
+                  <a:srgbClr val="A31515"/>
+                </a:solidFill>
+                <a:effectLst/>
+                <a:latin typeface="Consolas" panose="020B0609020204030204" pitchFamily="49" charset="0"/>
+              </a:rPr>
+              <a:t>'0000-000-000-00001'</a:t>
+            </a:r>
+            <a:r>
+              <a:rPr lang="en-US" sz="1200" b="0" dirty="0">
+                <a:solidFill>
+                  <a:srgbClr val="000000"/>
+                </a:solidFill>
+                <a:effectLst/>
+                <a:latin typeface="Consolas" panose="020B0609020204030204" pitchFamily="49" charset="0"/>
+              </a:rPr>
+              <a:t>, </a:t>
+            </a:r>
+            <a:r>
+              <a:rPr lang="en-US" sz="1200" b="0" dirty="0" err="1">
+                <a:solidFill>
+                  <a:srgbClr val="000000"/>
+                </a:solidFill>
+                <a:effectLst/>
+                <a:latin typeface="Consolas" panose="020B0609020204030204" pitchFamily="49" charset="0"/>
+              </a:rPr>
+              <a:t>uuid</a:t>
+            </a:r>
+            <a:r>
+              <a:rPr lang="en-US" sz="1200" b="0" dirty="0">
+                <a:solidFill>
+                  <a:srgbClr val="000000"/>
+                </a:solidFill>
+                <a:effectLst/>
+                <a:latin typeface="Consolas" panose="020B0609020204030204" pitchFamily="49" charset="0"/>
+              </a:rPr>
+              <a:t>);</a:t>
+            </a:r>
+          </a:p>
+          <a:p>
+            <a:pPr marL="0" indent="0">
+              <a:spcBef>
+                <a:spcPts val="600"/>
+              </a:spcBef>
+              <a:buNone/>
+            </a:pPr>
+            <a:r>
+              <a:rPr lang="en-US" sz="1200" b="0" dirty="0">
+                <a:solidFill>
+                  <a:srgbClr val="000000"/>
+                </a:solidFill>
+                <a:effectLst/>
+                <a:latin typeface="Consolas" panose="020B0609020204030204" pitchFamily="49" charset="0"/>
+              </a:rPr>
+              <a:t>    }</a:t>
+            </a:r>
+          </a:p>
+          <a:p>
+            <a:pPr marL="0" indent="0">
+              <a:spcBef>
+                <a:spcPts val="600"/>
+              </a:spcBef>
+              <a:buNone/>
+            </a:pPr>
+            <a:r>
+              <a:rPr lang="en-US" sz="1200" b="0" dirty="0">
+                <a:solidFill>
+                  <a:srgbClr val="000000"/>
+                </a:solidFill>
+                <a:effectLst/>
+                <a:latin typeface="Consolas" panose="020B0609020204030204" pitchFamily="49" charset="0"/>
+              </a:rPr>
+              <a:t>}</a:t>
+            </a:r>
+          </a:p>
+          <a:p>
+            <a:pPr marL="0" indent="0">
+              <a:spcBef>
+                <a:spcPts val="600"/>
+              </a:spcBef>
+              <a:buNone/>
+            </a:pPr>
+            <a:r>
+              <a:rPr lang="en-US" sz="1200" b="0" dirty="0">
+                <a:solidFill>
+                  <a:srgbClr val="0000FF"/>
+                </a:solidFill>
+                <a:effectLst/>
+                <a:latin typeface="Consolas" panose="020B0609020204030204" pitchFamily="49" charset="0"/>
+              </a:rPr>
+              <a:t>interface</a:t>
+            </a:r>
+            <a:r>
+              <a:rPr lang="en-US" sz="1200" b="0" dirty="0">
+                <a:solidFill>
+                  <a:srgbClr val="000000"/>
+                </a:solidFill>
+                <a:effectLst/>
+                <a:latin typeface="Consolas" panose="020B0609020204030204" pitchFamily="49" charset="0"/>
+              </a:rPr>
+              <a:t> </a:t>
+            </a:r>
+            <a:r>
+              <a:rPr lang="en-US" sz="1200" b="0" dirty="0" err="1">
+                <a:solidFill>
+                  <a:srgbClr val="000000"/>
+                </a:solidFill>
+                <a:effectLst/>
+                <a:latin typeface="Consolas" panose="020B0609020204030204" pitchFamily="49" charset="0"/>
+              </a:rPr>
+              <a:t>UserModelInterface</a:t>
+            </a:r>
+            <a:r>
+              <a:rPr lang="en-US" sz="1200" b="0" dirty="0">
+                <a:solidFill>
+                  <a:srgbClr val="000000"/>
+                </a:solidFill>
+                <a:effectLst/>
+                <a:latin typeface="Consolas" panose="020B0609020204030204" pitchFamily="49" charset="0"/>
+              </a:rPr>
+              <a:t> {</a:t>
+            </a:r>
+          </a:p>
+          <a:p>
+            <a:pPr marL="0" indent="0">
+              <a:spcBef>
+                <a:spcPts val="600"/>
+              </a:spcBef>
+              <a:buNone/>
+            </a:pPr>
+            <a:r>
+              <a:rPr lang="en-US" sz="1200" b="0" dirty="0">
+                <a:solidFill>
+                  <a:srgbClr val="000000"/>
+                </a:solidFill>
+                <a:effectLst/>
+                <a:latin typeface="Consolas" panose="020B0609020204030204" pitchFamily="49" charset="0"/>
+              </a:rPr>
+              <a:t>    </a:t>
+            </a:r>
+            <a:r>
+              <a:rPr lang="en-US" sz="1200" b="0" dirty="0">
+                <a:solidFill>
+                  <a:srgbClr val="0000FF"/>
+                </a:solidFill>
+                <a:effectLst/>
+                <a:latin typeface="Consolas" panose="020B0609020204030204" pitchFamily="49" charset="0"/>
+              </a:rPr>
+              <a:t>public</a:t>
+            </a:r>
+            <a:r>
+              <a:rPr lang="en-US" sz="1200" b="0" dirty="0">
+                <a:solidFill>
+                  <a:srgbClr val="000000"/>
+                </a:solidFill>
+                <a:effectLst/>
+                <a:latin typeface="Consolas" panose="020B0609020204030204" pitchFamily="49" charset="0"/>
+              </a:rPr>
+              <a:t> function </a:t>
+            </a:r>
+            <a:r>
+              <a:rPr lang="en-US" sz="1200" b="0" dirty="0" err="1">
+                <a:solidFill>
+                  <a:srgbClr val="000000"/>
+                </a:solidFill>
+                <a:effectLst/>
+                <a:latin typeface="Consolas" panose="020B0609020204030204" pitchFamily="49" charset="0"/>
+              </a:rPr>
+              <a:t>getUuid</a:t>
+            </a:r>
+            <a:r>
+              <a:rPr lang="en-US" sz="1200" b="0" dirty="0">
+                <a:solidFill>
+                  <a:srgbClr val="000000"/>
+                </a:solidFill>
+                <a:effectLst/>
+                <a:latin typeface="Consolas" panose="020B0609020204030204" pitchFamily="49" charset="0"/>
+              </a:rPr>
+              <a:t>(): String;</a:t>
+            </a:r>
+          </a:p>
+          <a:p>
+            <a:pPr marL="0" indent="0">
+              <a:spcBef>
+                <a:spcPts val="600"/>
+              </a:spcBef>
+              <a:buNone/>
+            </a:pPr>
+            <a:r>
+              <a:rPr lang="en-US" sz="1200" b="0" dirty="0">
+                <a:solidFill>
+                  <a:srgbClr val="000000"/>
+                </a:solidFill>
+                <a:effectLst/>
+                <a:latin typeface="Consolas" panose="020B0609020204030204" pitchFamily="49" charset="0"/>
+              </a:rPr>
+              <a:t>}</a:t>
+            </a:r>
+          </a:p>
+          <a:p>
+            <a:pPr marL="0" indent="0">
+              <a:spcBef>
+                <a:spcPts val="600"/>
+              </a:spcBef>
+              <a:buNone/>
+            </a:pPr>
+            <a:r>
+              <a:rPr lang="en-US" sz="1200" b="0" dirty="0">
+                <a:solidFill>
+                  <a:srgbClr val="0000FF"/>
+                </a:solidFill>
+                <a:effectLst/>
+                <a:latin typeface="Consolas" panose="020B0609020204030204" pitchFamily="49" charset="0"/>
+              </a:rPr>
+              <a:t>final</a:t>
+            </a:r>
+            <a:r>
+              <a:rPr lang="en-US" sz="1200" b="0" dirty="0">
+                <a:solidFill>
+                  <a:srgbClr val="000000"/>
+                </a:solidFill>
+                <a:effectLst/>
+                <a:latin typeface="Consolas" panose="020B0609020204030204" pitchFamily="49" charset="0"/>
+              </a:rPr>
+              <a:t> </a:t>
+            </a:r>
+            <a:r>
+              <a:rPr lang="en-US" sz="1200" b="0" dirty="0">
+                <a:solidFill>
+                  <a:srgbClr val="0000FF"/>
+                </a:solidFill>
+                <a:effectLst/>
+                <a:latin typeface="Consolas" panose="020B0609020204030204" pitchFamily="49" charset="0"/>
+              </a:rPr>
+              <a:t>class</a:t>
+            </a:r>
+            <a:r>
+              <a:rPr lang="en-US" sz="1200" b="0" dirty="0">
+                <a:solidFill>
+                  <a:srgbClr val="000000"/>
+                </a:solidFill>
+                <a:effectLst/>
+                <a:latin typeface="Consolas" panose="020B0609020204030204" pitchFamily="49" charset="0"/>
+              </a:rPr>
+              <a:t> </a:t>
+            </a:r>
+            <a:r>
+              <a:rPr lang="en-US" sz="1200" b="0" dirty="0" err="1">
+                <a:solidFill>
+                  <a:srgbClr val="000000"/>
+                </a:solidFill>
+                <a:effectLst/>
+                <a:latin typeface="Consolas" panose="020B0609020204030204" pitchFamily="49" charset="0"/>
+              </a:rPr>
+              <a:t>UserStub</a:t>
+            </a:r>
+            <a:r>
+              <a:rPr lang="en-US" sz="1200" b="0" dirty="0">
+                <a:solidFill>
+                  <a:srgbClr val="000000"/>
+                </a:solidFill>
+                <a:effectLst/>
+                <a:latin typeface="Consolas" panose="020B0609020204030204" pitchFamily="49" charset="0"/>
+              </a:rPr>
+              <a:t> </a:t>
+            </a:r>
+            <a:r>
+              <a:rPr lang="en-US" sz="1200" b="0" dirty="0">
+                <a:solidFill>
+                  <a:srgbClr val="0000FF"/>
+                </a:solidFill>
+                <a:effectLst/>
+                <a:latin typeface="Consolas" panose="020B0609020204030204" pitchFamily="49" charset="0"/>
+              </a:rPr>
+              <a:t>implements</a:t>
+            </a:r>
+            <a:r>
+              <a:rPr lang="en-US" sz="1200" b="0" dirty="0">
+                <a:solidFill>
+                  <a:srgbClr val="000000"/>
+                </a:solidFill>
+                <a:effectLst/>
+                <a:latin typeface="Consolas" panose="020B0609020204030204" pitchFamily="49" charset="0"/>
+              </a:rPr>
+              <a:t> </a:t>
+            </a:r>
+            <a:r>
+              <a:rPr lang="en-US" sz="1200" b="0" dirty="0" err="1">
+                <a:solidFill>
+                  <a:srgbClr val="000000"/>
+                </a:solidFill>
+                <a:effectLst/>
+                <a:latin typeface="Consolas" panose="020B0609020204030204" pitchFamily="49" charset="0"/>
+              </a:rPr>
+              <a:t>UserModelInterface</a:t>
+            </a:r>
+            <a:r>
+              <a:rPr lang="en-US" sz="1200" b="0" dirty="0">
+                <a:solidFill>
+                  <a:srgbClr val="000000"/>
+                </a:solidFill>
+                <a:effectLst/>
+                <a:latin typeface="Consolas" panose="020B0609020204030204" pitchFamily="49" charset="0"/>
+              </a:rPr>
+              <a:t> {</a:t>
+            </a:r>
+          </a:p>
+          <a:p>
+            <a:pPr marL="0" indent="0">
+              <a:spcBef>
+                <a:spcPts val="600"/>
+              </a:spcBef>
+              <a:buNone/>
+            </a:pPr>
+            <a:r>
+              <a:rPr lang="en-US" sz="1200" b="0" dirty="0">
+                <a:solidFill>
+                  <a:srgbClr val="000000"/>
+                </a:solidFill>
+                <a:effectLst/>
+                <a:latin typeface="Consolas" panose="020B0609020204030204" pitchFamily="49" charset="0"/>
+              </a:rPr>
+              <a:t>    </a:t>
+            </a:r>
+            <a:r>
+              <a:rPr lang="en-US" sz="1200" b="0" dirty="0">
+                <a:solidFill>
+                  <a:srgbClr val="0000FF"/>
+                </a:solidFill>
+                <a:effectLst/>
+                <a:latin typeface="Consolas" panose="020B0609020204030204" pitchFamily="49" charset="0"/>
+              </a:rPr>
+              <a:t>public</a:t>
+            </a:r>
+            <a:r>
+              <a:rPr lang="en-US" sz="1200" b="0" dirty="0">
+                <a:solidFill>
+                  <a:srgbClr val="000000"/>
+                </a:solidFill>
+                <a:effectLst/>
+                <a:latin typeface="Consolas" panose="020B0609020204030204" pitchFamily="49" charset="0"/>
+              </a:rPr>
+              <a:t> function </a:t>
+            </a:r>
+            <a:r>
+              <a:rPr lang="en-US" sz="1200" b="0" dirty="0" err="1">
+                <a:solidFill>
+                  <a:srgbClr val="000000"/>
+                </a:solidFill>
+                <a:effectLst/>
+                <a:latin typeface="Consolas" panose="020B0609020204030204" pitchFamily="49" charset="0"/>
+              </a:rPr>
+              <a:t>getUuid</a:t>
+            </a:r>
+            <a:r>
+              <a:rPr lang="en-US" sz="1200" b="0" dirty="0">
+                <a:solidFill>
+                  <a:srgbClr val="000000"/>
+                </a:solidFill>
+                <a:effectLst/>
+                <a:latin typeface="Consolas" panose="020B0609020204030204" pitchFamily="49" charset="0"/>
+              </a:rPr>
+              <a:t>(): String {</a:t>
+            </a:r>
+          </a:p>
+          <a:p>
+            <a:pPr marL="0" indent="0">
+              <a:spcBef>
+                <a:spcPts val="600"/>
+              </a:spcBef>
+              <a:buNone/>
+            </a:pPr>
+            <a:r>
+              <a:rPr lang="en-US" sz="1200" b="0" dirty="0">
+                <a:solidFill>
+                  <a:srgbClr val="000000"/>
+                </a:solidFill>
+                <a:effectLst/>
+                <a:latin typeface="Consolas" panose="020B0609020204030204" pitchFamily="49" charset="0"/>
+              </a:rPr>
+              <a:t>        </a:t>
+            </a:r>
+            <a:r>
+              <a:rPr lang="en-US" sz="1200" b="0" dirty="0">
+                <a:solidFill>
+                  <a:srgbClr val="0000FF"/>
+                </a:solidFill>
+                <a:effectLst/>
+                <a:latin typeface="Consolas" panose="020B0609020204030204" pitchFamily="49" charset="0"/>
+              </a:rPr>
+              <a:t>return</a:t>
+            </a:r>
+            <a:r>
+              <a:rPr lang="en-US" sz="1200" b="0" dirty="0">
+                <a:solidFill>
+                  <a:srgbClr val="000000"/>
+                </a:solidFill>
+                <a:effectLst/>
+                <a:latin typeface="Consolas" panose="020B0609020204030204" pitchFamily="49" charset="0"/>
+              </a:rPr>
+              <a:t> </a:t>
+            </a:r>
+            <a:r>
+              <a:rPr lang="en-US" sz="1200" b="0" dirty="0">
+                <a:solidFill>
+                  <a:srgbClr val="A31515"/>
+                </a:solidFill>
+                <a:effectLst/>
+                <a:latin typeface="Consolas" panose="020B0609020204030204" pitchFamily="49" charset="0"/>
+              </a:rPr>
+              <a:t>'0000-000-000-00001'</a:t>
+            </a:r>
+            <a:r>
+              <a:rPr lang="en-US" sz="1200" b="0" dirty="0">
+                <a:solidFill>
+                  <a:srgbClr val="000000"/>
+                </a:solidFill>
+                <a:effectLst/>
+                <a:latin typeface="Consolas" panose="020B0609020204030204" pitchFamily="49" charset="0"/>
+              </a:rPr>
+              <a:t>;</a:t>
+            </a:r>
+          </a:p>
+          <a:p>
+            <a:pPr marL="0" indent="0">
+              <a:spcBef>
+                <a:spcPts val="600"/>
+              </a:spcBef>
+              <a:buNone/>
+            </a:pPr>
+            <a:r>
+              <a:rPr lang="en-US" sz="1200" b="0" dirty="0">
+                <a:solidFill>
+                  <a:srgbClr val="000000"/>
+                </a:solidFill>
+                <a:effectLst/>
+                <a:latin typeface="Consolas" panose="020B0609020204030204" pitchFamily="49" charset="0"/>
+              </a:rPr>
+              <a:t>    }</a:t>
+            </a:r>
+          </a:p>
+          <a:p>
+            <a:pPr marL="0" indent="0">
+              <a:spcBef>
+                <a:spcPts val="600"/>
+              </a:spcBef>
+              <a:buNone/>
+            </a:pPr>
+            <a:r>
+              <a:rPr lang="en-US" sz="1200" b="0" dirty="0">
+                <a:solidFill>
+                  <a:srgbClr val="000000"/>
+                </a:solidFill>
+                <a:effectLst/>
+                <a:latin typeface="Consolas" panose="020B0609020204030204" pitchFamily="49" charset="0"/>
+              </a:rPr>
+              <a:t>}</a:t>
             </a:r>
           </a:p>
         </p:txBody>
       </p:sp>
       <p:sp>
         <p:nvSpPr>
-          <p:cNvPr id="4" name="Slide Number Placeholder 3">
+          <p:cNvPr id="4" name="Rectangle 3">
             <a:extLst>
               <a:ext uri="{FF2B5EF4-FFF2-40B4-BE49-F238E27FC236}">
-                <a16:creationId xmlns:a16="http://schemas.microsoft.com/office/drawing/2014/main" id="{46DF8449-65EA-A842-AAEF-7C83D463A6A7}"/>
-              </a:ext>
-            </a:extLst>
-          </p:cNvPr>
-          <p:cNvSpPr>
-            <a:spLocks noGrp="1"/>
-          </p:cNvSpPr>
-          <p:nvPr>
-            <p:ph type="sldNum" sz="quarter" idx="12"/>
-          </p:nvPr>
-        </p:nvSpPr>
-        <p:spPr/>
-        <p:txBody>
-          <a:bodyPr/>
-          <a:lstStyle/>
-          <a:p>
-            <a:fld id="{20F37917-FD3A-4669-9018-DA04BCDD3D75}" type="slidenum">
-              <a:rPr lang="en-US" smtClean="0"/>
-              <a:t>9</a:t>
-            </a:fld>
-            <a:endParaRPr lang="en-US"/>
-          </a:p>
-        </p:txBody>
-      </p:sp>
-      <p:sp>
-        <p:nvSpPr>
-          <p:cNvPr id="5" name="Rectangle 4">
-            <a:extLst>
-              <a:ext uri="{FF2B5EF4-FFF2-40B4-BE49-F238E27FC236}">
-                <a16:creationId xmlns:a16="http://schemas.microsoft.com/office/drawing/2014/main" id="{40A70448-0377-43FF-B9A5-BEC04C1A837D}"/>
+                <a16:creationId xmlns:a16="http://schemas.microsoft.com/office/drawing/2014/main" id="{B32F69D5-CD56-41D1-9B41-46DBCDEF89C8}"/>
               </a:ext>
             </a:extLst>
           </p:cNvPr>
@@ -10079,7 +17061,7 @@
         </p:nvSpPr>
         <p:spPr>
           <a:xfrm>
-            <a:off x="9223924" y="3073594"/>
+            <a:off x="8141082" y="4984688"/>
             <a:ext cx="2129876" cy="866810"/>
           </a:xfrm>
           <a:prstGeom prst="rect">
@@ -10119,13 +17101,22 @@
           <a:p>
             <a:pPr algn="ctr"/>
             <a:r>
+              <a:rPr lang="en-US" sz="2400" b="1" dirty="0" err="1">
+                <a:solidFill>
+                  <a:schemeClr val="tx1"/>
+                </a:solidFill>
+                <a:latin typeface="Ink Free" panose="03080402000500000000" pitchFamily="66" charset="0"/>
+              </a:rPr>
+              <a:t>getUuid</a:t>
+            </a:r>
+            <a:r>
               <a:rPr lang="en-US" sz="2400" b="1" dirty="0">
                 <a:solidFill>
                   <a:schemeClr val="tx1"/>
                 </a:solidFill>
                 <a:latin typeface="Ink Free" panose="03080402000500000000" pitchFamily="66" charset="0"/>
               </a:rPr>
-              <a:t>Spy “remembers”</a:t>
+              <a:t>() is a stub</a:t>
             </a:r>
           </a:p>
         </p:txBody>
@@ -10133,7 +17124,7 @@
     </p:spTree>
     <p:extLst>
       <p:ext uri="{BB962C8B-B14F-4D97-AF65-F5344CB8AC3E}">
-        <p14:creationId xmlns:p14="http://schemas.microsoft.com/office/powerpoint/2010/main" val="789637820"/>
+        <p14:creationId xmlns:p14="http://schemas.microsoft.com/office/powerpoint/2010/main" val="2026084553"/>
       </p:ext>
     </p:extLst>
   </p:cSld>
@@ -10177,7 +17168,7 @@
                                           </p:stCondLst>
                                         </p:cTn>
                                         <p:tgtEl>
-                                          <p:spTgt spid="5"/>
+                                          <p:spTgt spid="4"/>
                                         </p:tgtEl>
                                         <p:attrNameLst>
                                           <p:attrName>style.visibility</p:attrName>
@@ -10191,7 +17182,7 @@
                                       <p:cBhvr additive="base">
                                         <p:cTn id="7" dur="500" fill="hold"/>
                                         <p:tgtEl>
-                                          <p:spTgt spid="5"/>
+                                          <p:spTgt spid="4"/>
                                         </p:tgtEl>
                                         <p:attrNameLst>
                                           <p:attrName>ppt_x</p:attrName>
@@ -10214,7 +17205,7 @@
                                       <p:cBhvr additive="base">
                                         <p:cTn id="8" dur="500" fill="hold"/>
                                         <p:tgtEl>
-                                          <p:spTgt spid="5"/>
+                                          <p:spTgt spid="4"/>
                                         </p:tgtEl>
                                         <p:attrNameLst>
                                           <p:attrName>ppt_y</p:attrName>
@@ -10264,7 +17255,7 @@
       </p:par>
     </p:tnLst>
     <p:bldLst>
-      <p:bldP spid="5" grpId="0" animBg="1"/>
+      <p:bldP spid="4" grpId="0" animBg="1"/>
     </p:bldLst>
   </p:timing>
 </p:sld>

--- a/Slides/Lesson 5.3 Testing Systems.pptx
+++ b/Slides/Lesson 5.3 Testing Systems.pptx
@@ -5,7 +5,7 @@
     <p:sldMasterId id="2147483648" r:id="rId1"/>
   </p:sldMasterIdLst>
   <p:notesMasterIdLst>
-    <p:notesMasterId r:id="rId20"/>
+    <p:notesMasterId r:id="rId22"/>
   </p:notesMasterIdLst>
   <p:sldIdLst>
     <p:sldId id="256" r:id="rId2"/>
@@ -21,51 +21,53 @@
     <p:sldId id="399" r:id="rId12"/>
     <p:sldId id="409" r:id="rId13"/>
     <p:sldId id="400" r:id="rId14"/>
-    <p:sldId id="406" r:id="rId15"/>
-    <p:sldId id="401" r:id="rId16"/>
-    <p:sldId id="402" r:id="rId17"/>
-    <p:sldId id="377" r:id="rId18"/>
-    <p:sldId id="376" r:id="rId19"/>
+    <p:sldId id="416" r:id="rId15"/>
+    <p:sldId id="417" r:id="rId16"/>
+    <p:sldId id="418" r:id="rId17"/>
+    <p:sldId id="401" r:id="rId18"/>
+    <p:sldId id="402" r:id="rId19"/>
+    <p:sldId id="377" r:id="rId20"/>
+    <p:sldId id="376" r:id="rId21"/>
   </p:sldIdLst>
   <p:sldSz cx="12192000" cy="6858000"/>
   <p:notesSz cx="6858000" cy="9144000"/>
   <p:embeddedFontLst>
     <p:embeddedFont>
       <p:font typeface="Calibri" panose="020F0502020204030204" pitchFamily="34" charset="0"/>
-      <p:regular r:id="rId21"/>
-      <p:bold r:id="rId22"/>
-      <p:italic r:id="rId23"/>
-      <p:boldItalic r:id="rId24"/>
+      <p:regular r:id="rId23"/>
+      <p:bold r:id="rId24"/>
+      <p:italic r:id="rId25"/>
+      <p:boldItalic r:id="rId26"/>
     </p:embeddedFont>
     <p:embeddedFont>
       <p:font typeface="Calibri Light" panose="020F0302020204030204" pitchFamily="34" charset="0"/>
-      <p:regular r:id="rId25"/>
-      <p:italic r:id="rId26"/>
+      <p:regular r:id="rId27"/>
+      <p:italic r:id="rId28"/>
     </p:embeddedFont>
     <p:embeddedFont>
       <p:font typeface="Consolas" panose="020B0609020204030204" pitchFamily="49" charset="0"/>
-      <p:regular r:id="rId27"/>
-      <p:bold r:id="rId28"/>
-      <p:italic r:id="rId29"/>
-      <p:boldItalic r:id="rId30"/>
+      <p:regular r:id="rId29"/>
+      <p:bold r:id="rId30"/>
+      <p:italic r:id="rId31"/>
+      <p:boldItalic r:id="rId32"/>
     </p:embeddedFont>
     <p:embeddedFont>
       <p:font typeface="Helvetica" panose="020B0604020202020204" pitchFamily="34" charset="0"/>
-      <p:regular r:id="rId31"/>
-      <p:bold r:id="rId32"/>
-      <p:italic r:id="rId33"/>
-      <p:boldItalic r:id="rId34"/>
+      <p:regular r:id="rId33"/>
+      <p:bold r:id="rId34"/>
+      <p:italic r:id="rId35"/>
+      <p:boldItalic r:id="rId36"/>
     </p:embeddedFont>
     <p:embeddedFont>
       <p:font typeface="Ink Free" panose="03080402000500000000" pitchFamily="66" charset="0"/>
-      <p:regular r:id="rId35"/>
+      <p:regular r:id="rId37"/>
     </p:embeddedFont>
     <p:embeddedFont>
       <p:font typeface="Verdana" panose="020B0604030504040204" pitchFamily="34" charset="0"/>
-      <p:regular r:id="rId36"/>
-      <p:bold r:id="rId37"/>
-      <p:italic r:id="rId38"/>
-      <p:boldItalic r:id="rId39"/>
+      <p:regular r:id="rId38"/>
+      <p:bold r:id="rId39"/>
+      <p:italic r:id="rId40"/>
+      <p:boldItalic r:id="rId41"/>
     </p:embeddedFont>
   </p:embeddedFontLst>
   <p:defaultTextStyle>
@@ -648,41 +650,77 @@
           <a:bodyPr/>
           <a:lstStyle/>
           <a:p>
-            <a:r>
-              <a:rPr lang="en-US" b="1" dirty="0">
-                <a:latin typeface="+mn-lt"/>
-              </a:rPr>
-              <a:t>Fake</a:t>
-            </a:r>
-            <a:r>
+            <a:pPr>
+              <a:buFont typeface="Arial" panose="020B0604020202020204" pitchFamily="34" charset="0"/>
+              <a:buNone/>
+            </a:pPr>
+            <a:r>
+              <a:rPr lang="en-US" dirty="0"/>
+              <a:t>There are three main types of module and function mocking in Jest:</a:t>
+            </a:r>
+            <a:br>
+              <a:rPr lang="en-US" dirty="0"/>
+            </a:br>
+            <a:r>
+              <a:rPr lang="en-US" dirty="0" err="1"/>
+              <a:t>jest.fn</a:t>
+            </a:r>
+            <a:r>
+              <a:rPr lang="en-US" dirty="0"/>
+              <a:t>: Mock a function</a:t>
+            </a:r>
+          </a:p>
+          <a:p>
+            <a:pPr>
+              <a:buFont typeface="Arial" panose="020B0604020202020204" pitchFamily="34" charset="0"/>
+              <a:buNone/>
+            </a:pPr>
+            <a:r>
+              <a:rPr lang="en-US" dirty="0" err="1"/>
+              <a:t>jest.mock</a:t>
+            </a:r>
+            <a:r>
+              <a:rPr lang="en-US" dirty="0"/>
+              <a:t>: Mock a module</a:t>
+            </a:r>
+          </a:p>
+          <a:p>
+            <a:pPr>
+              <a:buFont typeface="Arial" panose="020B0604020202020204" pitchFamily="34" charset="0"/>
+              <a:buNone/>
+            </a:pPr>
+            <a:r>
+              <a:rPr lang="en-US" dirty="0" err="1"/>
+              <a:t>jest.spyOn</a:t>
+            </a:r>
+            <a:r>
+              <a:rPr lang="en-US" dirty="0"/>
+              <a:t>: Spy or mock a function</a:t>
+            </a:r>
+            <a:br>
               <a:rPr lang="en-US" dirty="0">
                 <a:latin typeface="+mn-lt"/>
               </a:rPr>
-              <a:t> objects actually have working implementations, but usually take some shortcut which makes them not suitable for production (an in memory database is a good example).</a:t>
-            </a:r>
-          </a:p>
-          <a:p>
-            <a:r>
-              <a:rPr lang="en-US" dirty="0"/>
-              <a:t>A fake is a simpler implementation of real objects.</a:t>
-            </a:r>
-          </a:p>
-          <a:p>
-            <a:r>
-              <a:rPr lang="en-US" dirty="0"/>
-              <a:t>Fakes are used when we want to test an infrastructural class, in other words, fakes are for the classes which are beyond our application limit (repositories or queues, for example).</a:t>
-            </a:r>
-          </a:p>
-          <a:p>
-            <a:r>
-              <a:rPr lang="en-US" dirty="0"/>
-              <a:t>Transcript Service was a Fake which probably would not scale but worked.</a:t>
-            </a:r>
-          </a:p>
-          <a:p>
-            <a:endParaRPr lang="en-US" dirty="0">
-              <a:latin typeface="+mn-lt"/>
-            </a:endParaRPr>
+            </a:br>
+            <a:r>
+              <a:rPr lang="en-US" dirty="0">
+                <a:latin typeface="+mn-lt"/>
+              </a:rPr>
+              <a:t>Here is a nice review:</a:t>
+            </a:r>
+          </a:p>
+          <a:p>
+            <a:pPr>
+              <a:buFont typeface="Arial" panose="020B0604020202020204" pitchFamily="34" charset="0"/>
+              <a:buNone/>
+            </a:pPr>
+            <a:r>
+              <a:rPr lang="en-US" dirty="0">
+                <a:latin typeface="+mn-lt"/>
+              </a:rPr>
+              <a:t>https://medium.com/@rickhanlonii/understanding-jest-mocks-f0046c68e53c </a:t>
+            </a:r>
+            <a:endParaRPr lang="en-US" dirty="0"/>
           </a:p>
         </p:txBody>
       </p:sp>
@@ -703,7 +741,419 @@
           <a:p>
             <a:fld id="{07937F07-1250-4CCE-B198-1B2887014F41}" type="slidenum">
               <a:rPr lang="en-US" smtClean="0"/>
+              <a:t>14</a:t>
+            </a:fld>
+            <a:endParaRPr lang="en-US"/>
+          </a:p>
+        </p:txBody>
+      </p:sp>
+    </p:spTree>
+    <p:extLst>
+      <p:ext uri="{BB962C8B-B14F-4D97-AF65-F5344CB8AC3E}">
+        <p14:creationId xmlns:p14="http://schemas.microsoft.com/office/powerpoint/2010/main" val="1932729978"/>
+      </p:ext>
+    </p:extLst>
+  </p:cSld>
+  <p:clrMapOvr>
+    <a:masterClrMapping/>
+  </p:clrMapOvr>
+</p:notes>
+</file>
+
+<file path=ppt/notesSlides/notesSlide11.xml><?xml version="1.0" encoding="utf-8"?>
+<p:notes xmlns:a="http://schemas.openxmlformats.org/drawingml/2006/main" xmlns:r="http://schemas.openxmlformats.org/officeDocument/2006/relationships" xmlns:p="http://schemas.openxmlformats.org/presentationml/2006/main">
+  <p:cSld>
+    <p:spTree>
+      <p:nvGrpSpPr>
+        <p:cNvPr id="1" name=""/>
+        <p:cNvGrpSpPr/>
+        <p:nvPr/>
+      </p:nvGrpSpPr>
+      <p:grpSpPr>
+        <a:xfrm>
+          <a:off x="0" y="0"/>
+          <a:ext cx="0" cy="0"/>
+          <a:chOff x="0" y="0"/>
+          <a:chExt cx="0" cy="0"/>
+        </a:xfrm>
+      </p:grpSpPr>
+      <p:sp>
+        <p:nvSpPr>
+          <p:cNvPr id="2" name="Slide Image Placeholder 1"/>
+          <p:cNvSpPr>
+            <a:spLocks noGrp="1" noRot="1" noChangeAspect="1"/>
+          </p:cNvSpPr>
+          <p:nvPr>
+            <p:ph type="sldImg"/>
+          </p:nvPr>
+        </p:nvSpPr>
+        <p:spPr/>
+      </p:sp>
+      <p:sp>
+        <p:nvSpPr>
+          <p:cNvPr id="3" name="Notes Placeholder 2"/>
+          <p:cNvSpPr>
+            <a:spLocks noGrp="1"/>
+          </p:cNvSpPr>
+          <p:nvPr>
+            <p:ph type="body" idx="1"/>
+          </p:nvPr>
+        </p:nvSpPr>
+        <p:spPr/>
+        <p:txBody>
+          <a:bodyPr/>
+          <a:lstStyle/>
+          <a:p>
+            <a:r>
+              <a:rPr lang="en-US" b="0" i="0" dirty="0">
+                <a:solidFill>
+                  <a:srgbClr val="1D1C1D"/>
+                </a:solidFill>
+                <a:effectLst/>
+                <a:latin typeface="Slack-Lato"/>
+              </a:rPr>
+              <a:t>This test will spy on the </a:t>
+            </a:r>
+            <a:r>
+              <a:rPr lang="en-US" dirty="0" err="1"/>
+              <a:t>getInstance</a:t>
+            </a:r>
+            <a:r>
+              <a:rPr lang="en-US" b="0" i="0" dirty="0">
+                <a:solidFill>
+                  <a:srgbClr val="1D1C1D"/>
+                </a:solidFill>
+                <a:effectLst/>
+                <a:latin typeface="Slack-Lato"/>
+              </a:rPr>
+              <a:t> method of </a:t>
+            </a:r>
+            <a:r>
+              <a:rPr lang="en-US" dirty="0" err="1"/>
+              <a:t>CoveyTownsStore</a:t>
+            </a:r>
+            <a:r>
+              <a:rPr lang="en-US" b="0" i="0" dirty="0">
+                <a:solidFill>
+                  <a:srgbClr val="1D1C1D"/>
+                </a:solidFill>
+                <a:effectLst/>
+                <a:latin typeface="Slack-Lato"/>
+              </a:rPr>
+              <a:t>, always returning a mock instance. Then, whenever </a:t>
+            </a:r>
+            <a:r>
+              <a:rPr lang="en-US" dirty="0" err="1"/>
+              <a:t>getControllerForTown</a:t>
+            </a:r>
+            <a:r>
+              <a:rPr lang="en-US" b="0" i="0" dirty="0">
+                <a:solidFill>
+                  <a:srgbClr val="1D1C1D"/>
+                </a:solidFill>
+                <a:effectLst/>
+                <a:latin typeface="Slack-Lato"/>
+              </a:rPr>
+              <a:t> is called, it will always return a mock </a:t>
+            </a:r>
+            <a:r>
+              <a:rPr lang="en-US" dirty="0" err="1"/>
+              <a:t>CoveyTownController</a:t>
+            </a:r>
+            <a:r>
+              <a:rPr lang="en-US" b="0" i="0" dirty="0">
+                <a:solidFill>
+                  <a:srgbClr val="1D1C1D"/>
+                </a:solidFill>
+                <a:effectLst/>
+                <a:latin typeface="Slack-Lato"/>
+              </a:rPr>
+              <a:t>. </a:t>
+            </a:r>
+            <a:endParaRPr lang="en-US" dirty="0">
+              <a:latin typeface="+mn-lt"/>
+            </a:endParaRPr>
+          </a:p>
+        </p:txBody>
+      </p:sp>
+      <p:sp>
+        <p:nvSpPr>
+          <p:cNvPr id="4" name="Slide Number Placeholder 3"/>
+          <p:cNvSpPr>
+            <a:spLocks noGrp="1"/>
+          </p:cNvSpPr>
+          <p:nvPr>
+            <p:ph type="sldNum" sz="quarter" idx="5"/>
+          </p:nvPr>
+        </p:nvSpPr>
+        <p:spPr/>
+        <p:txBody>
+          <a:bodyPr/>
+          <a:lstStyle/>
+          <a:p>
+            <a:fld id="{07937F07-1250-4CCE-B198-1B2887014F41}" type="slidenum">
+              <a:rPr lang="en-US" smtClean="0"/>
               <a:t>15</a:t>
+            </a:fld>
+            <a:endParaRPr lang="en-US"/>
+          </a:p>
+        </p:txBody>
+      </p:sp>
+    </p:spTree>
+    <p:extLst>
+      <p:ext uri="{BB962C8B-B14F-4D97-AF65-F5344CB8AC3E}">
+        <p14:creationId xmlns:p14="http://schemas.microsoft.com/office/powerpoint/2010/main" val="616533052"/>
+      </p:ext>
+    </p:extLst>
+  </p:cSld>
+  <p:clrMapOvr>
+    <a:masterClrMapping/>
+  </p:clrMapOvr>
+</p:notes>
+</file>
+
+<file path=ppt/notesSlides/notesSlide12.xml><?xml version="1.0" encoding="utf-8"?>
+<p:notes xmlns:a="http://schemas.openxmlformats.org/drawingml/2006/main" xmlns:r="http://schemas.openxmlformats.org/officeDocument/2006/relationships" xmlns:p="http://schemas.openxmlformats.org/presentationml/2006/main">
+  <p:cSld>
+    <p:spTree>
+      <p:nvGrpSpPr>
+        <p:cNvPr id="1" name=""/>
+        <p:cNvGrpSpPr/>
+        <p:nvPr/>
+      </p:nvGrpSpPr>
+      <p:grpSpPr>
+        <a:xfrm>
+          <a:off x="0" y="0"/>
+          <a:ext cx="0" cy="0"/>
+          <a:chOff x="0" y="0"/>
+          <a:chExt cx="0" cy="0"/>
+        </a:xfrm>
+      </p:grpSpPr>
+      <p:sp>
+        <p:nvSpPr>
+          <p:cNvPr id="2" name="Slide Image Placeholder 1"/>
+          <p:cNvSpPr>
+            <a:spLocks noGrp="1" noRot="1" noChangeAspect="1"/>
+          </p:cNvSpPr>
+          <p:nvPr>
+            <p:ph type="sldImg"/>
+          </p:nvPr>
+        </p:nvSpPr>
+        <p:spPr/>
+      </p:sp>
+      <p:sp>
+        <p:nvSpPr>
+          <p:cNvPr id="3" name="Notes Placeholder 2"/>
+          <p:cNvSpPr>
+            <a:spLocks noGrp="1"/>
+          </p:cNvSpPr>
+          <p:nvPr>
+            <p:ph type="body" idx="1"/>
+          </p:nvPr>
+        </p:nvSpPr>
+        <p:spPr/>
+        <p:txBody>
+          <a:bodyPr/>
+          <a:lstStyle/>
+          <a:p>
+            <a:r>
+              <a:rPr lang="en-US" b="0" i="0" dirty="0">
+                <a:solidFill>
+                  <a:srgbClr val="1D1C1D"/>
+                </a:solidFill>
+                <a:effectLst/>
+                <a:latin typeface="Slack-Lato"/>
+              </a:rPr>
+              <a:t>The test checks to see that </a:t>
+            </a:r>
+            <a:r>
+              <a:rPr lang="en-US" dirty="0" err="1"/>
+              <a:t>conversationAreaCreateHandler</a:t>
+            </a:r>
+            <a:r>
+              <a:rPr lang="en-US" b="0" i="0" dirty="0">
+                <a:solidFill>
+                  <a:srgbClr val="1D1C1D"/>
+                </a:solidFill>
+                <a:effectLst/>
+                <a:latin typeface="Slack-Lato"/>
+              </a:rPr>
+              <a:t> does NOT call </a:t>
+            </a:r>
+            <a:r>
+              <a:rPr lang="en-US" dirty="0" err="1"/>
+              <a:t>addConversationArea</a:t>
+            </a:r>
+            <a:r>
+              <a:rPr lang="en-US" b="0" i="0" dirty="0">
+                <a:solidFill>
+                  <a:srgbClr val="1D1C1D"/>
+                </a:solidFill>
+                <a:effectLst/>
+                <a:latin typeface="Slack-Lato"/>
+              </a:rPr>
+              <a:t> if the session token is invalid, which it simulates by mocking a return value of </a:t>
+            </a:r>
+            <a:r>
+              <a:rPr lang="en-US" dirty="0"/>
+              <a:t>undefined</a:t>
+            </a:r>
+            <a:r>
+              <a:rPr lang="en-US" b="0" i="0" dirty="0">
+                <a:solidFill>
+                  <a:srgbClr val="1D1C1D"/>
+                </a:solidFill>
+                <a:effectLst/>
+                <a:latin typeface="Slack-Lato"/>
+              </a:rPr>
+              <a:t> for </a:t>
+            </a:r>
+            <a:r>
+              <a:rPr lang="en-US" dirty="0" err="1"/>
+              <a:t>getSessionByToken</a:t>
+            </a:r>
+            <a:endParaRPr lang="en-US" dirty="0">
+              <a:latin typeface="+mn-lt"/>
+            </a:endParaRPr>
+          </a:p>
+        </p:txBody>
+      </p:sp>
+      <p:sp>
+        <p:nvSpPr>
+          <p:cNvPr id="4" name="Slide Number Placeholder 3"/>
+          <p:cNvSpPr>
+            <a:spLocks noGrp="1"/>
+          </p:cNvSpPr>
+          <p:nvPr>
+            <p:ph type="sldNum" sz="quarter" idx="5"/>
+          </p:nvPr>
+        </p:nvSpPr>
+        <p:spPr/>
+        <p:txBody>
+          <a:bodyPr/>
+          <a:lstStyle/>
+          <a:p>
+            <a:fld id="{07937F07-1250-4CCE-B198-1B2887014F41}" type="slidenum">
+              <a:rPr lang="en-US" smtClean="0"/>
+              <a:t>16</a:t>
+            </a:fld>
+            <a:endParaRPr lang="en-US"/>
+          </a:p>
+        </p:txBody>
+      </p:sp>
+    </p:spTree>
+    <p:extLst>
+      <p:ext uri="{BB962C8B-B14F-4D97-AF65-F5344CB8AC3E}">
+        <p14:creationId xmlns:p14="http://schemas.microsoft.com/office/powerpoint/2010/main" val="1028540379"/>
+      </p:ext>
+    </p:extLst>
+  </p:cSld>
+  <p:clrMapOvr>
+    <a:masterClrMapping/>
+  </p:clrMapOvr>
+</p:notes>
+</file>
+
+<file path=ppt/notesSlides/notesSlide13.xml><?xml version="1.0" encoding="utf-8"?>
+<p:notes xmlns:a="http://schemas.openxmlformats.org/drawingml/2006/main" xmlns:r="http://schemas.openxmlformats.org/officeDocument/2006/relationships" xmlns:p="http://schemas.openxmlformats.org/presentationml/2006/main">
+  <p:cSld>
+    <p:spTree>
+      <p:nvGrpSpPr>
+        <p:cNvPr id="1" name=""/>
+        <p:cNvGrpSpPr/>
+        <p:nvPr/>
+      </p:nvGrpSpPr>
+      <p:grpSpPr>
+        <a:xfrm>
+          <a:off x="0" y="0"/>
+          <a:ext cx="0" cy="0"/>
+          <a:chOff x="0" y="0"/>
+          <a:chExt cx="0" cy="0"/>
+        </a:xfrm>
+      </p:grpSpPr>
+      <p:sp>
+        <p:nvSpPr>
+          <p:cNvPr id="2" name="Slide Image Placeholder 1"/>
+          <p:cNvSpPr>
+            <a:spLocks noGrp="1" noRot="1" noChangeAspect="1"/>
+          </p:cNvSpPr>
+          <p:nvPr>
+            <p:ph type="sldImg"/>
+          </p:nvPr>
+        </p:nvSpPr>
+        <p:spPr/>
+      </p:sp>
+      <p:sp>
+        <p:nvSpPr>
+          <p:cNvPr id="3" name="Notes Placeholder 2"/>
+          <p:cNvSpPr>
+            <a:spLocks noGrp="1"/>
+          </p:cNvSpPr>
+          <p:nvPr>
+            <p:ph type="body" idx="1"/>
+          </p:nvPr>
+        </p:nvSpPr>
+        <p:spPr/>
+        <p:txBody>
+          <a:bodyPr/>
+          <a:lstStyle/>
+          <a:p>
+            <a:r>
+              <a:rPr lang="en-US" b="1" dirty="0">
+                <a:latin typeface="+mn-lt"/>
+              </a:rPr>
+              <a:t>Fake</a:t>
+            </a:r>
+            <a:r>
+              <a:rPr lang="en-US" dirty="0">
+                <a:latin typeface="+mn-lt"/>
+              </a:rPr>
+              <a:t> objects actually have working implementations, but usually take some shortcut which makes them not suitable for production (an in memory database is a good example).</a:t>
+            </a:r>
+          </a:p>
+          <a:p>
+            <a:r>
+              <a:rPr lang="en-US" dirty="0"/>
+              <a:t>A fake is a simpler implementation of real objects.</a:t>
+            </a:r>
+          </a:p>
+          <a:p>
+            <a:r>
+              <a:rPr lang="en-US" dirty="0"/>
+              <a:t>Fakes are used when we want to test an infrastructural class, in other words, fakes are for the classes which are beyond our application limit (repositories or queues, for example).</a:t>
+            </a:r>
+          </a:p>
+          <a:p>
+            <a:r>
+              <a:rPr lang="en-US" dirty="0"/>
+              <a:t>Transcript Service was a Fake which probably would not scale but worked.</a:t>
+            </a:r>
+          </a:p>
+          <a:p>
+            <a:endParaRPr lang="en-US" dirty="0">
+              <a:latin typeface="+mn-lt"/>
+            </a:endParaRPr>
+          </a:p>
+        </p:txBody>
+      </p:sp>
+      <p:sp>
+        <p:nvSpPr>
+          <p:cNvPr id="4" name="Slide Number Placeholder 3"/>
+          <p:cNvSpPr>
+            <a:spLocks noGrp="1"/>
+          </p:cNvSpPr>
+          <p:nvPr>
+            <p:ph type="sldNum" sz="quarter" idx="5"/>
+          </p:nvPr>
+        </p:nvSpPr>
+        <p:spPr/>
+        <p:txBody>
+          <a:bodyPr/>
+          <a:lstStyle/>
+          <a:p>
+            <a:fld id="{07937F07-1250-4CCE-B198-1B2887014F41}" type="slidenum">
+              <a:rPr lang="en-US" smtClean="0"/>
+              <a:t>17</a:t>
             </a:fld>
             <a:endParaRPr lang="en-US"/>
           </a:p>
@@ -957,6 +1407,14 @@
               <a:t>If you are working on a system which sends an email to customer after an operation, how will you test it? Instead of sending a real email every time you test, you can use doubles (i.e., a mock mail service)</a:t>
             </a:r>
           </a:p>
+          <a:p>
+            <a:r>
+              <a:rPr lang="en-US" dirty="0">
+                <a:latin typeface="+mn-lt"/>
+              </a:rPr>
+              <a:t>One way to say this is: you need test doubles when you code (or function) has side effects.</a:t>
+            </a:r>
+          </a:p>
         </p:txBody>
       </p:sp>
       <p:sp>
@@ -1048,7 +1506,7 @@
             </a:br>
             <a:r>
               <a:rPr lang="en-US" dirty="0"/>
-              <a:t>We can create a stub object with fake values to assert the service works as expected.</a:t>
+              <a:t>We can create a stub object with fake values to assert the service works as expected. This is Java code, something you may have seen in OOD.</a:t>
             </a:r>
           </a:p>
         </p:txBody>
@@ -1134,16 +1592,72 @@
           <a:lstStyle/>
           <a:p>
             <a:r>
-              <a:rPr lang="en-US" b="1" dirty="0">
-                <a:latin typeface="+mn-lt"/>
-              </a:rPr>
-              <a:t>Spies</a:t>
-            </a:r>
-            <a:r>
-              <a:rPr lang="en-US" dirty="0">
-                <a:latin typeface="+mn-lt"/>
-              </a:rPr>
-              <a:t> are stubs that also record some information based on how they were called. One form of this might be an email service that records how many messages it was sent. This is an example of spy being used with a real email service</a:t>
+              <a:rPr lang="en-US" dirty="0"/>
+              <a:t>Use Stubs to:</a:t>
+            </a:r>
+          </a:p>
+          <a:p>
+            <a:pPr>
+              <a:buFont typeface="Arial" panose="020B0604020202020204" pitchFamily="34" charset="0"/>
+              <a:buChar char="•"/>
+            </a:pPr>
+            <a:r>
+              <a:rPr lang="en-US" dirty="0"/>
+              <a:t>provide a predetermined response from a collaborator</a:t>
+            </a:r>
+          </a:p>
+          <a:p>
+            <a:pPr>
+              <a:buFont typeface="Arial" panose="020B0604020202020204" pitchFamily="34" charset="0"/>
+              <a:buChar char="•"/>
+            </a:pPr>
+            <a:r>
+              <a:rPr lang="en-US" dirty="0"/>
+              <a:t>take a predetermined action from a collaborator, like throwing an exception</a:t>
+            </a:r>
+          </a:p>
+          <a:p>
+            <a:r>
+              <a:rPr lang="en-US" dirty="0"/>
+              <a:t>Use Mocks to:</a:t>
+            </a:r>
+          </a:p>
+          <a:p>
+            <a:pPr>
+              <a:buFont typeface="Arial" panose="020B0604020202020204" pitchFamily="34" charset="0"/>
+              <a:buChar char="•"/>
+            </a:pPr>
+            <a:r>
+              <a:rPr lang="en-US" dirty="0"/>
+              <a:t>verify the contract between the code under test and a collaborator</a:t>
+            </a:r>
+          </a:p>
+          <a:p>
+            <a:pPr>
+              <a:buFont typeface="Arial" panose="020B0604020202020204" pitchFamily="34" charset="0"/>
+              <a:buChar char="•"/>
+            </a:pPr>
+            <a:r>
+              <a:rPr lang="en-US" dirty="0"/>
+              <a:t>verify the </a:t>
+            </a:r>
+            <a:r>
+              <a:rPr lang="en-US" dirty="0" err="1"/>
+              <a:t>the</a:t>
+            </a:r>
+            <a:r>
+              <a:rPr lang="en-US" dirty="0"/>
+              <a:t> collaborator's method is called the correct number of times</a:t>
+            </a:r>
+          </a:p>
+          <a:p>
+            <a:pPr>
+              <a:buFont typeface="Arial" panose="020B0604020202020204" pitchFamily="34" charset="0"/>
+              <a:buChar char="•"/>
+            </a:pPr>
+            <a:r>
+              <a:rPr lang="en-US" dirty="0"/>
+              <a:t>verify the collaborator's method is called with the correct parameters</a:t>
             </a:r>
           </a:p>
         </p:txBody>
@@ -1165,7 +1679,7 @@
           <a:p>
             <a:fld id="{07937F07-1250-4CCE-B198-1B2887014F41}" type="slidenum">
               <a:rPr lang="en-US" smtClean="0"/>
-              <a:t>11</a:t>
+              <a:t>10</a:t>
             </a:fld>
             <a:endParaRPr lang="en-US"/>
           </a:p>
@@ -1174,7 +1688,7 @@
     </p:spTree>
     <p:extLst>
       <p:ext uri="{BB962C8B-B14F-4D97-AF65-F5344CB8AC3E}">
-        <p14:creationId xmlns:p14="http://schemas.microsoft.com/office/powerpoint/2010/main" val="2550589936"/>
+        <p14:creationId xmlns:p14="http://schemas.microsoft.com/office/powerpoint/2010/main" val="2045764863"/>
       </p:ext>
     </p:extLst>
   </p:cSld>
@@ -1229,30 +1743,16 @@
           <a:lstStyle/>
           <a:p>
             <a:r>
-              <a:rPr lang="en-US" dirty="0"/>
-              <a:t>A test spy is an object capable of capturing indirect output and providing indirect input as needed. The indirect output is something we cannot directly observe.</a:t>
-            </a:r>
-            <a:br>
-              <a:rPr lang="en-US" dirty="0"/>
-            </a:br>
-            <a:r>
-              <a:rPr lang="en-US" dirty="0"/>
-              <a:t>In the snippet, we can know exactly how many times the </a:t>
-            </a:r>
-            <a:r>
-              <a:rPr lang="en-US" i="1" dirty="0"/>
-              <a:t>log()</a:t>
-            </a:r>
-            <a:r>
-              <a:rPr lang="en-US" dirty="0"/>
-              <a:t> method has been called, as well as the content of the messages.</a:t>
-            </a:r>
-            <a:br>
-              <a:rPr lang="en-US" dirty="0"/>
-            </a:br>
-            <a:r>
-              <a:rPr lang="en-US" dirty="0"/>
-              <a:t>The point of this spy is to have much more knowledge of the internal object state in exchange for deeper coupling, which could be problematic in the future because it makes our tests more fragile.</a:t>
+              <a:rPr lang="en-US" b="1" dirty="0">
+                <a:latin typeface="+mn-lt"/>
+              </a:rPr>
+              <a:t>Spies</a:t>
+            </a:r>
+            <a:r>
+              <a:rPr lang="en-US" dirty="0">
+                <a:latin typeface="+mn-lt"/>
+              </a:rPr>
+              <a:t> are stubs that also record some information based on how they were called. One form of this might be an email service that records how many messages it was sent. This is an example of spy being used with a real email service</a:t>
             </a:r>
           </a:p>
         </p:txBody>
@@ -1274,7 +1774,7 @@
           <a:p>
             <a:fld id="{07937F07-1250-4CCE-B198-1B2887014F41}" type="slidenum">
               <a:rPr lang="en-US" smtClean="0"/>
-              <a:t>12</a:t>
+              <a:t>11</a:t>
             </a:fld>
             <a:endParaRPr lang="en-US"/>
           </a:p>
@@ -1283,7 +1783,7 @@
     </p:spTree>
     <p:extLst>
       <p:ext uri="{BB962C8B-B14F-4D97-AF65-F5344CB8AC3E}">
-        <p14:creationId xmlns:p14="http://schemas.microsoft.com/office/powerpoint/2010/main" val="251261324"/>
+        <p14:creationId xmlns:p14="http://schemas.microsoft.com/office/powerpoint/2010/main" val="2550589936"/>
       </p:ext>
     </p:extLst>
   </p:cSld>
@@ -1338,16 +1838,30 @@
           <a:lstStyle/>
           <a:p>
             <a:r>
-              <a:rPr lang="en-US" b="1" dirty="0">
-                <a:latin typeface="+mn-lt"/>
-              </a:rPr>
-              <a:t>Mocks</a:t>
-            </a:r>
-            <a:r>
-              <a:rPr lang="en-US" dirty="0">
-                <a:latin typeface="+mn-lt"/>
-              </a:rPr>
-              <a:t> are objects pre-programmed with expectations which form a specification of the calls they are expected to receive. </a:t>
+              <a:rPr lang="en-US" dirty="0"/>
+              <a:t>A test spy is an object capable of capturing indirect output and providing indirect input as needed. The indirect output is something we cannot directly observe.</a:t>
+            </a:r>
+            <a:br>
+              <a:rPr lang="en-US" dirty="0"/>
+            </a:br>
+            <a:r>
+              <a:rPr lang="en-US" dirty="0"/>
+              <a:t>In the snippet, we can know exactly how many times the </a:t>
+            </a:r>
+            <a:r>
+              <a:rPr lang="en-US" i="1" dirty="0"/>
+              <a:t>log()</a:t>
+            </a:r>
+            <a:r>
+              <a:rPr lang="en-US" dirty="0"/>
+              <a:t> method has been called, as well as the content of the messages.</a:t>
+            </a:r>
+            <a:br>
+              <a:rPr lang="en-US" dirty="0"/>
+            </a:br>
+            <a:r>
+              <a:rPr lang="en-US" dirty="0"/>
+              <a:t>The point of this spy is to have much more knowledge of the internal object state in exchange for deeper coupling, which could be problematic in the future because it makes our tests more fragile.</a:t>
             </a:r>
           </a:p>
         </p:txBody>
@@ -1369,7 +1883,7 @@
           <a:p>
             <a:fld id="{07937F07-1250-4CCE-B198-1B2887014F41}" type="slidenum">
               <a:rPr lang="en-US" smtClean="0"/>
-              <a:t>13</a:t>
+              <a:t>12</a:t>
             </a:fld>
             <a:endParaRPr lang="en-US"/>
           </a:p>
@@ -1378,7 +1892,7 @@
     </p:spTree>
     <p:extLst>
       <p:ext uri="{BB962C8B-B14F-4D97-AF65-F5344CB8AC3E}">
-        <p14:creationId xmlns:p14="http://schemas.microsoft.com/office/powerpoint/2010/main" val="3035997716"/>
+        <p14:creationId xmlns:p14="http://schemas.microsoft.com/office/powerpoint/2010/main" val="251261324"/>
       </p:ext>
     </p:extLst>
   </p:cSld>
@@ -1432,6 +1946,58 @@
           <a:bodyPr/>
           <a:lstStyle/>
           <a:p>
+            <a:r>
+              <a:rPr lang="en-US" b="1" dirty="0">
+                <a:latin typeface="+mn-lt"/>
+              </a:rPr>
+              <a:t>Mocks</a:t>
+            </a:r>
+            <a:r>
+              <a:rPr lang="en-US" dirty="0">
+                <a:latin typeface="+mn-lt"/>
+              </a:rPr>
+              <a:t> are objects pre-programmed with expectations which form a specification of the calls they are expected to receive. </a:t>
+            </a:r>
+            <a:r>
+              <a:rPr lang="en-US" dirty="0"/>
+              <a:t>It is used to record and verify the interaction between classes/components. A mock is known as the most powerful and flexible version of the test doubles. </a:t>
+            </a:r>
+          </a:p>
+          <a:p>
+            <a:r>
+              <a:rPr lang="en-US" dirty="0"/>
+              <a:t>The mock objects are generally used for </a:t>
+            </a:r>
+            <a:r>
+              <a:rPr lang="en-US" b="1" dirty="0"/>
+              <a:t>behavior verification</a:t>
+            </a:r>
+            <a:r>
+              <a:rPr lang="en-US" dirty="0"/>
+              <a:t>. The term behavior means to check the correct methods and paths that are applied to the objects.</a:t>
+            </a:r>
+          </a:p>
+          <a:p>
+            <a:r>
+              <a:rPr lang="en-US" dirty="0"/>
+              <a:t>Mocks are mostly created by using a library or a mocking framework like Mockito, </a:t>
+            </a:r>
+            <a:r>
+              <a:rPr lang="en-US" dirty="0" err="1"/>
+              <a:t>JMock</a:t>
+            </a:r>
+            <a:r>
+              <a:rPr lang="en-US" dirty="0"/>
+              <a:t>, and </a:t>
+            </a:r>
+            <a:r>
+              <a:rPr lang="en-US" dirty="0" err="1"/>
+              <a:t>EasyMock</a:t>
+            </a:r>
+            <a:r>
+              <a:rPr lang="en-US" dirty="0"/>
+              <a:t>. It is used for testing a large suite of tests where stubs are not sufficient. </a:t>
+            </a:r>
             <a:endParaRPr lang="en-US" dirty="0">
               <a:latin typeface="+mn-lt"/>
             </a:endParaRPr>
@@ -1455,7 +2021,7 @@
           <a:p>
             <a:fld id="{07937F07-1250-4CCE-B198-1B2887014F41}" type="slidenum">
               <a:rPr lang="en-US" smtClean="0"/>
-              <a:t>14</a:t>
+              <a:t>13</a:t>
             </a:fld>
             <a:endParaRPr lang="en-US"/>
           </a:p>
@@ -1464,7 +2030,7 @@
     </p:spTree>
     <p:extLst>
       <p:ext uri="{BB962C8B-B14F-4D97-AF65-F5344CB8AC3E}">
-        <p14:creationId xmlns:p14="http://schemas.microsoft.com/office/powerpoint/2010/main" val="3873608806"/>
+        <p14:creationId xmlns:p14="http://schemas.microsoft.com/office/powerpoint/2010/main" val="3035997716"/>
       </p:ext>
     </p:extLst>
   </p:cSld>
@@ -5536,7 +6102,7 @@
             </a:pPr>
             <a:r>
               <a:rPr lang="en-US" sz="2800" dirty="0"/>
-              <a:t>Program the responses of the stub depending on different situations.</a:t>
+              <a:t>Program the responses of the stub for different situations.</a:t>
             </a:r>
           </a:p>
         </p:txBody>
@@ -8208,12 +8774,8 @@
           <a:lstStyle/>
           <a:p>
             <a:r>
-              <a:rPr lang="en-US" dirty="0" err="1"/>
-              <a:t>CoveyTownController</a:t>
-            </a:r>
-            <a:r>
               <a:rPr lang="en-US" dirty="0"/>
-              <a:t> uses Mocks</a:t>
+              <a:t>Jest supports Mocks</a:t>
             </a:r>
           </a:p>
         </p:txBody>
@@ -8261,8 +8823,8 @@
         </p:nvSpPr>
         <p:spPr>
           <a:xfrm>
-            <a:off x="8432132" y="3024680"/>
-            <a:ext cx="2743200" cy="1222467"/>
+            <a:off x="8799903" y="1906649"/>
+            <a:ext cx="2743200" cy="922933"/>
           </a:xfrm>
           <a:prstGeom prst="rect">
             <a:avLst/>
@@ -8307,25 +8869,7 @@
                 </a:solidFill>
                 <a:latin typeface="Ink Free" panose="03080402000500000000" pitchFamily="66" charset="0"/>
               </a:rPr>
-              <a:t>Our test checks if </a:t>
-            </a:r>
-            <a:r>
-              <a:rPr lang="en-US" sz="2400" b="1" dirty="0" err="1">
-                <a:solidFill>
-                  <a:schemeClr val="tx1"/>
-                </a:solidFill>
-                <a:latin typeface="Ink Free" panose="03080402000500000000" pitchFamily="66" charset="0"/>
-              </a:rPr>
-              <a:t>MockSocket</a:t>
-            </a:r>
-            <a:r>
-              <a:rPr lang="en-US" sz="2400" b="1" dirty="0">
-                <a:solidFill>
-                  <a:schemeClr val="tx1"/>
-                </a:solidFill>
-                <a:latin typeface="Ink Free" panose="03080402000500000000" pitchFamily="66" charset="0"/>
-              </a:rPr>
-              <a:t> was called to disconnect</a:t>
+              <a:t>You will see more of these in HW3</a:t>
             </a:r>
           </a:p>
         </p:txBody>
@@ -8348,8 +8892,8 @@
         </p:nvSpPr>
         <p:spPr>
           <a:xfrm>
-            <a:off x="838200" y="1500160"/>
-            <a:ext cx="9966158" cy="4856190"/>
+            <a:off x="1169556" y="2014037"/>
+            <a:ext cx="9383331" cy="637559"/>
           </a:xfrm>
         </p:spPr>
         <p:txBody>
@@ -8359,325 +8903,111 @@
           <a:lstStyle/>
           <a:p>
             <a:pPr marL="0" indent="0">
+              <a:spcBef>
+                <a:spcPts val="600"/>
+              </a:spcBef>
               <a:buNone/>
             </a:pPr>
             <a:r>
-              <a:rPr lang="en-US" sz="1200" b="0" dirty="0">
-                <a:solidFill>
-                  <a:srgbClr val="000000"/>
-                </a:solidFill>
-                <a:effectLst/>
-                <a:latin typeface="Consolas" panose="020B0609020204030204" pitchFamily="49" charset="0"/>
-              </a:rPr>
-              <a:t>  describe(</a:t>
-            </a:r>
-            <a:r>
-              <a:rPr lang="en-US" sz="1200" b="0" dirty="0">
-                <a:solidFill>
-                  <a:srgbClr val="A31515"/>
-                </a:solidFill>
-                <a:effectLst/>
-                <a:latin typeface="Consolas" panose="020B0609020204030204" pitchFamily="49" charset="0"/>
-              </a:rPr>
-              <a:t>'</a:t>
-            </a:r>
-            <a:r>
-              <a:rPr lang="en-US" sz="1200" b="0" dirty="0" err="1">
-                <a:solidFill>
-                  <a:srgbClr val="A31515"/>
-                </a:solidFill>
-                <a:effectLst/>
-                <a:latin typeface="Consolas" panose="020B0609020204030204" pitchFamily="49" charset="0"/>
-              </a:rPr>
-              <a:t>townSubscriptionHandler</a:t>
-            </a:r>
-            <a:r>
-              <a:rPr lang="en-US" sz="1200" b="0" dirty="0">
-                <a:solidFill>
-                  <a:srgbClr val="A31515"/>
-                </a:solidFill>
-                <a:effectLst/>
-                <a:latin typeface="Consolas" panose="020B0609020204030204" pitchFamily="49" charset="0"/>
-              </a:rPr>
-              <a:t>'</a:t>
-            </a:r>
-            <a:r>
-              <a:rPr lang="en-US" sz="1200" b="0" dirty="0">
-                <a:solidFill>
-                  <a:srgbClr val="000000"/>
-                </a:solidFill>
-                <a:effectLst/>
-                <a:latin typeface="Consolas" panose="020B0609020204030204" pitchFamily="49" charset="0"/>
-              </a:rPr>
-              <a:t>, () </a:t>
-            </a:r>
-            <a:r>
-              <a:rPr lang="en-US" sz="1200" b="0" dirty="0">
+              <a:rPr lang="en-US" sz="1400" b="0" dirty="0">
                 <a:solidFill>
                   <a:srgbClr val="0000FF"/>
                 </a:solidFill>
                 <a:effectLst/>
                 <a:latin typeface="Consolas" panose="020B0609020204030204" pitchFamily="49" charset="0"/>
               </a:rPr>
-              <a:t>=&gt;</a:t>
-            </a:r>
-            <a:r>
-              <a:rPr lang="en-US" sz="1200" b="0" dirty="0">
-                <a:solidFill>
-                  <a:srgbClr val="000000"/>
-                </a:solidFill>
-                <a:effectLst/>
-                <a:latin typeface="Consolas" panose="020B0609020204030204" pitchFamily="49" charset="0"/>
-              </a:rPr>
-              <a:t> {</a:t>
+              <a:t>const</a:t>
+            </a:r>
+            <a:r>
+              <a:rPr lang="en-US" sz="1400" b="0" dirty="0">
+                <a:solidFill>
+                  <a:srgbClr val="000000"/>
+                </a:solidFill>
+                <a:effectLst/>
+                <a:latin typeface="Consolas" panose="020B0609020204030204" pitchFamily="49" charset="0"/>
+              </a:rPr>
+              <a:t> </a:t>
+            </a:r>
+            <a:r>
+              <a:rPr lang="en-US" sz="1400" b="0" dirty="0" err="1">
+                <a:solidFill>
+                  <a:srgbClr val="000000"/>
+                </a:solidFill>
+                <a:effectLst/>
+                <a:latin typeface="Consolas" panose="020B0609020204030204" pitchFamily="49" charset="0"/>
+              </a:rPr>
+              <a:t>mockTwilioVideo</a:t>
+            </a:r>
+            <a:r>
+              <a:rPr lang="en-US" sz="1400" b="0" dirty="0">
+                <a:solidFill>
+                  <a:srgbClr val="000000"/>
+                </a:solidFill>
+                <a:effectLst/>
+                <a:latin typeface="Consolas" panose="020B0609020204030204" pitchFamily="49" charset="0"/>
+              </a:rPr>
+              <a:t> = </a:t>
+            </a:r>
+            <a:r>
+              <a:rPr lang="en-US" sz="1400" b="0" dirty="0" err="1">
+                <a:solidFill>
+                  <a:srgbClr val="000000"/>
+                </a:solidFill>
+                <a:effectLst/>
+                <a:latin typeface="Consolas" panose="020B0609020204030204" pitchFamily="49" charset="0"/>
+              </a:rPr>
+              <a:t>mockDeep</a:t>
+            </a:r>
+            <a:r>
+              <a:rPr lang="en-US" sz="1400" b="0" dirty="0">
+                <a:solidFill>
+                  <a:srgbClr val="000000"/>
+                </a:solidFill>
+                <a:effectLst/>
+                <a:latin typeface="Consolas" panose="020B0609020204030204" pitchFamily="49" charset="0"/>
+              </a:rPr>
+              <a:t>&lt;</a:t>
+            </a:r>
+            <a:r>
+              <a:rPr lang="en-US" sz="1400" b="0" dirty="0" err="1">
+                <a:solidFill>
+                  <a:srgbClr val="000000"/>
+                </a:solidFill>
+                <a:effectLst/>
+                <a:latin typeface="Consolas" panose="020B0609020204030204" pitchFamily="49" charset="0"/>
+              </a:rPr>
+              <a:t>TwilioVideo</a:t>
+            </a:r>
+            <a:r>
+              <a:rPr lang="en-US" sz="1400" b="0" dirty="0">
+                <a:solidFill>
+                  <a:srgbClr val="000000"/>
+                </a:solidFill>
+                <a:effectLst/>
+                <a:latin typeface="Consolas" panose="020B0609020204030204" pitchFamily="49" charset="0"/>
+              </a:rPr>
+              <a:t>&gt;();</a:t>
             </a:r>
           </a:p>
           <a:p>
             <a:pPr marL="0" indent="0">
+              <a:spcBef>
+                <a:spcPts val="600"/>
+              </a:spcBef>
               <a:buNone/>
             </a:pPr>
             <a:r>
-              <a:rPr lang="en-US" sz="1200" b="0" dirty="0">
-                <a:solidFill>
-                  <a:srgbClr val="000000"/>
-                </a:solidFill>
-                <a:effectLst/>
-                <a:latin typeface="Consolas" panose="020B0609020204030204" pitchFamily="49" charset="0"/>
-              </a:rPr>
-              <a:t>    </a:t>
-            </a:r>
-            <a:r>
-              <a:rPr lang="en-US" sz="1200" b="0" dirty="0">
-                <a:solidFill>
-                  <a:srgbClr val="0000FF"/>
-                </a:solidFill>
-                <a:effectLst/>
-                <a:latin typeface="Consolas" panose="020B0609020204030204" pitchFamily="49" charset="0"/>
-              </a:rPr>
-              <a:t>const</a:t>
-            </a:r>
-            <a:r>
-              <a:rPr lang="en-US" sz="1200" b="0" dirty="0">
-                <a:solidFill>
-                  <a:srgbClr val="000000"/>
-                </a:solidFill>
-                <a:effectLst/>
-                <a:latin typeface="Consolas" panose="020B0609020204030204" pitchFamily="49" charset="0"/>
-              </a:rPr>
-              <a:t> </a:t>
-            </a:r>
-            <a:r>
-              <a:rPr lang="en-US" sz="1200" b="0" dirty="0" err="1">
-                <a:solidFill>
-                  <a:srgbClr val="000000"/>
-                </a:solidFill>
-                <a:effectLst/>
-                <a:latin typeface="Consolas" panose="020B0609020204030204" pitchFamily="49" charset="0"/>
-              </a:rPr>
-              <a:t>mockSocket</a:t>
-            </a:r>
-            <a:r>
-              <a:rPr lang="en-US" sz="1200" b="0" dirty="0">
-                <a:solidFill>
-                  <a:srgbClr val="000000"/>
-                </a:solidFill>
-                <a:effectLst/>
-                <a:latin typeface="Consolas" panose="020B0609020204030204" pitchFamily="49" charset="0"/>
-              </a:rPr>
-              <a:t> = mock&lt;Socket&gt;();</a:t>
-            </a:r>
-          </a:p>
-          <a:p>
-            <a:pPr marL="0" indent="0">
-              <a:buNone/>
-            </a:pPr>
-            <a:r>
-              <a:rPr lang="en-US" sz="1200" b="0" dirty="0">
-                <a:solidFill>
-                  <a:srgbClr val="000000"/>
-                </a:solidFill>
-                <a:effectLst/>
-                <a:latin typeface="Consolas" panose="020B0609020204030204" pitchFamily="49" charset="0"/>
-              </a:rPr>
-              <a:t>    </a:t>
-            </a:r>
-            <a:r>
-              <a:rPr lang="en-US" sz="1200" b="0" dirty="0">
-                <a:solidFill>
-                  <a:srgbClr val="0000FF"/>
-                </a:solidFill>
-                <a:effectLst/>
-                <a:latin typeface="Consolas" panose="020B0609020204030204" pitchFamily="49" charset="0"/>
-              </a:rPr>
-              <a:t>let</a:t>
-            </a:r>
-            <a:r>
-              <a:rPr lang="en-US" sz="1200" b="0" dirty="0">
-                <a:solidFill>
-                  <a:srgbClr val="000000"/>
-                </a:solidFill>
-                <a:effectLst/>
-                <a:latin typeface="Consolas" panose="020B0609020204030204" pitchFamily="49" charset="0"/>
-              </a:rPr>
-              <a:t> </a:t>
-            </a:r>
-            <a:r>
-              <a:rPr lang="en-US" sz="1200" b="0" dirty="0" err="1">
-                <a:solidFill>
-                  <a:srgbClr val="000000"/>
-                </a:solidFill>
-                <a:effectLst/>
-                <a:latin typeface="Consolas" panose="020B0609020204030204" pitchFamily="49" charset="0"/>
-              </a:rPr>
-              <a:t>testingTown</a:t>
-            </a:r>
-            <a:r>
-              <a:rPr lang="en-US" sz="1200" b="0" dirty="0">
-                <a:solidFill>
-                  <a:srgbClr val="000000"/>
-                </a:solidFill>
-                <a:effectLst/>
-                <a:latin typeface="Consolas" panose="020B0609020204030204" pitchFamily="49" charset="0"/>
-              </a:rPr>
-              <a:t>: </a:t>
-            </a:r>
-            <a:r>
-              <a:rPr lang="en-US" sz="1200" b="0" dirty="0" err="1">
-                <a:solidFill>
-                  <a:srgbClr val="000000"/>
-                </a:solidFill>
-                <a:effectLst/>
-                <a:latin typeface="Consolas" panose="020B0609020204030204" pitchFamily="49" charset="0"/>
-              </a:rPr>
-              <a:t>CoveyTownController</a:t>
-            </a:r>
-            <a:r>
-              <a:rPr lang="en-US" sz="1200" b="0" dirty="0">
-                <a:solidFill>
-                  <a:srgbClr val="000000"/>
-                </a:solidFill>
-                <a:effectLst/>
-                <a:latin typeface="Consolas" panose="020B0609020204030204" pitchFamily="49" charset="0"/>
-              </a:rPr>
-              <a:t>;</a:t>
-            </a:r>
-          </a:p>
-          <a:p>
-            <a:pPr marL="0" indent="0">
-              <a:buNone/>
-            </a:pPr>
-            <a:r>
-              <a:rPr lang="en-US" sz="1200" b="0" dirty="0">
-                <a:solidFill>
-                  <a:srgbClr val="000000"/>
-                </a:solidFill>
-                <a:effectLst/>
-                <a:latin typeface="Consolas" panose="020B0609020204030204" pitchFamily="49" charset="0"/>
-              </a:rPr>
-              <a:t>    </a:t>
-            </a:r>
-            <a:r>
-              <a:rPr lang="en-US" sz="1200" b="0" dirty="0">
-                <a:solidFill>
-                  <a:srgbClr val="0000FF"/>
-                </a:solidFill>
-                <a:effectLst/>
-                <a:latin typeface="Consolas" panose="020B0609020204030204" pitchFamily="49" charset="0"/>
-              </a:rPr>
-              <a:t>let</a:t>
-            </a:r>
-            <a:r>
-              <a:rPr lang="en-US" sz="1200" b="0" dirty="0">
-                <a:solidFill>
-                  <a:srgbClr val="000000"/>
-                </a:solidFill>
-                <a:effectLst/>
-                <a:latin typeface="Consolas" panose="020B0609020204030204" pitchFamily="49" charset="0"/>
-              </a:rPr>
-              <a:t> player: Player;</a:t>
-            </a:r>
-          </a:p>
-          <a:p>
-            <a:pPr marL="0" indent="0">
-              <a:buNone/>
-            </a:pPr>
-            <a:r>
-              <a:rPr lang="en-US" sz="1200" b="0" dirty="0">
-                <a:solidFill>
-                  <a:srgbClr val="000000"/>
-                </a:solidFill>
-                <a:effectLst/>
-                <a:latin typeface="Consolas" panose="020B0609020204030204" pitchFamily="49" charset="0"/>
-              </a:rPr>
-              <a:t>    </a:t>
-            </a:r>
-            <a:r>
-              <a:rPr lang="en-US" sz="1200" b="0" dirty="0">
-                <a:solidFill>
-                  <a:srgbClr val="0000FF"/>
-                </a:solidFill>
-                <a:effectLst/>
-                <a:latin typeface="Consolas" panose="020B0609020204030204" pitchFamily="49" charset="0"/>
-              </a:rPr>
-              <a:t>let</a:t>
-            </a:r>
-            <a:r>
-              <a:rPr lang="en-US" sz="1200" b="0" dirty="0">
-                <a:solidFill>
-                  <a:srgbClr val="000000"/>
-                </a:solidFill>
-                <a:effectLst/>
-                <a:latin typeface="Consolas" panose="020B0609020204030204" pitchFamily="49" charset="0"/>
-              </a:rPr>
-              <a:t> session: </a:t>
-            </a:r>
-            <a:r>
-              <a:rPr lang="en-US" sz="1200" b="0" dirty="0" err="1">
-                <a:solidFill>
-                  <a:srgbClr val="000000"/>
-                </a:solidFill>
-                <a:effectLst/>
-                <a:latin typeface="Consolas" panose="020B0609020204030204" pitchFamily="49" charset="0"/>
-              </a:rPr>
-              <a:t>PlayerSession</a:t>
-            </a:r>
-            <a:r>
-              <a:rPr lang="en-US" sz="1200" b="0" dirty="0">
-                <a:solidFill>
-                  <a:srgbClr val="000000"/>
-                </a:solidFill>
-                <a:effectLst/>
-                <a:latin typeface="Consolas" panose="020B0609020204030204" pitchFamily="49" charset="0"/>
-              </a:rPr>
-              <a:t>;</a:t>
-            </a:r>
-          </a:p>
-          <a:p>
-            <a:pPr marL="0" indent="0">
-              <a:buNone/>
-            </a:pPr>
-            <a:r>
-              <a:rPr lang="en-US" sz="1200" b="0" dirty="0">
-                <a:solidFill>
-                  <a:srgbClr val="000000"/>
-                </a:solidFill>
-                <a:effectLst/>
-                <a:latin typeface="Consolas" panose="020B0609020204030204" pitchFamily="49" charset="0"/>
-              </a:rPr>
-              <a:t>    </a:t>
-            </a:r>
-            <a:r>
-              <a:rPr lang="en-US" sz="1200" b="0" dirty="0" err="1">
-                <a:solidFill>
-                  <a:srgbClr val="000000"/>
-                </a:solidFill>
-                <a:effectLst/>
-                <a:latin typeface="Consolas" panose="020B0609020204030204" pitchFamily="49" charset="0"/>
-              </a:rPr>
-              <a:t>beforeEach</a:t>
-            </a:r>
-            <a:r>
-              <a:rPr lang="en-US" sz="1200" b="0" dirty="0">
+              <a:rPr lang="en-US" sz="1400" b="0" dirty="0" err="1">
+                <a:solidFill>
+                  <a:srgbClr val="000000"/>
+                </a:solidFill>
+                <a:effectLst/>
+                <a:latin typeface="Consolas" panose="020B0609020204030204" pitchFamily="49" charset="0"/>
+              </a:rPr>
+              <a:t>jest.spyOn</a:t>
+            </a:r>
+            <a:r>
+              <a:rPr lang="en-US" sz="1400" b="0" dirty="0">
                 <a:solidFill>
                   <a:srgbClr val="000000"/>
                 </a:solidFill>
@@ -8687,257 +9017,77 @@
               <a:t>(</a:t>
             </a:r>
             <a:r>
-              <a:rPr lang="en-US" sz="1200" b="0" dirty="0">
-                <a:solidFill>
-                  <a:srgbClr val="0000FF"/>
-                </a:solidFill>
-                <a:effectLst/>
-                <a:latin typeface="Consolas" panose="020B0609020204030204" pitchFamily="49" charset="0"/>
-              </a:rPr>
-              <a:t>async</a:t>
-            </a:r>
-            <a:r>
-              <a:rPr lang="en-US" sz="1200" b="0" dirty="0">
-                <a:solidFill>
-                  <a:srgbClr val="000000"/>
-                </a:solidFill>
-                <a:effectLst/>
-                <a:latin typeface="Consolas" panose="020B0609020204030204" pitchFamily="49" charset="0"/>
-              </a:rPr>
-              <a:t> () </a:t>
-            </a:r>
-            <a:r>
-              <a:rPr lang="en-US" sz="1200" b="0" dirty="0">
-                <a:solidFill>
-                  <a:srgbClr val="0000FF"/>
-                </a:solidFill>
-                <a:effectLst/>
-                <a:latin typeface="Consolas" panose="020B0609020204030204" pitchFamily="49" charset="0"/>
-              </a:rPr>
-              <a:t>=&gt;</a:t>
-            </a:r>
-            <a:r>
-              <a:rPr lang="en-US" sz="1200" b="0" dirty="0">
-                <a:solidFill>
-                  <a:srgbClr val="000000"/>
-                </a:solidFill>
-                <a:effectLst/>
-                <a:latin typeface="Consolas" panose="020B0609020204030204" pitchFamily="49" charset="0"/>
-              </a:rPr>
-              <a:t> {</a:t>
-            </a:r>
-          </a:p>
-          <a:p>
-            <a:pPr marL="0" indent="0">
-              <a:buNone/>
-            </a:pPr>
-            <a:r>
-              <a:rPr lang="en-US" sz="1200" b="0" dirty="0">
-                <a:solidFill>
-                  <a:srgbClr val="000000"/>
-                </a:solidFill>
-                <a:effectLst/>
-                <a:latin typeface="Consolas" panose="020B0609020204030204" pitchFamily="49" charset="0"/>
-              </a:rPr>
-              <a:t>      </a:t>
-            </a:r>
-            <a:r>
-              <a:rPr lang="en-US" sz="1200" b="0" dirty="0">
-                <a:solidFill>
-                  <a:srgbClr val="0000FF"/>
-                </a:solidFill>
-                <a:effectLst/>
-                <a:latin typeface="Consolas" panose="020B0609020204030204" pitchFamily="49" charset="0"/>
-              </a:rPr>
-              <a:t>const</a:t>
-            </a:r>
-            <a:r>
-              <a:rPr lang="en-US" sz="1200" b="0" dirty="0">
-                <a:solidFill>
-                  <a:srgbClr val="000000"/>
-                </a:solidFill>
-                <a:effectLst/>
-                <a:latin typeface="Consolas" panose="020B0609020204030204" pitchFamily="49" charset="0"/>
-              </a:rPr>
-              <a:t> </a:t>
-            </a:r>
-            <a:r>
-              <a:rPr lang="en-US" sz="1200" b="0" dirty="0" err="1">
-                <a:solidFill>
-                  <a:srgbClr val="000000"/>
-                </a:solidFill>
-                <a:effectLst/>
-                <a:latin typeface="Consolas" panose="020B0609020204030204" pitchFamily="49" charset="0"/>
-              </a:rPr>
-              <a:t>townName</a:t>
-            </a:r>
-            <a:r>
-              <a:rPr lang="en-US" sz="1200" b="0" dirty="0">
-                <a:solidFill>
-                  <a:srgbClr val="000000"/>
-                </a:solidFill>
-                <a:effectLst/>
-                <a:latin typeface="Consolas" panose="020B0609020204030204" pitchFamily="49" charset="0"/>
-              </a:rPr>
-              <a:t> = </a:t>
-            </a:r>
-            <a:r>
-              <a:rPr lang="en-US" sz="1200" b="0" dirty="0">
+              <a:rPr lang="en-US" sz="1400" b="0" dirty="0" err="1">
+                <a:solidFill>
+                  <a:srgbClr val="000000"/>
+                </a:solidFill>
+                <a:effectLst/>
+                <a:latin typeface="Consolas" panose="020B0609020204030204" pitchFamily="49" charset="0"/>
+              </a:rPr>
+              <a:t>TwilioVideo</a:t>
+            </a:r>
+            <a:r>
+              <a:rPr lang="en-US" sz="1400" b="0" dirty="0">
+                <a:solidFill>
+                  <a:srgbClr val="000000"/>
+                </a:solidFill>
+                <a:effectLst/>
+                <a:latin typeface="Consolas" panose="020B0609020204030204" pitchFamily="49" charset="0"/>
+              </a:rPr>
+              <a:t>, </a:t>
+            </a:r>
+            <a:r>
+              <a:rPr lang="en-US" sz="1400" b="0" dirty="0">
                 <a:solidFill>
                   <a:srgbClr val="A31515"/>
                 </a:solidFill>
                 <a:effectLst/>
                 <a:latin typeface="Consolas" panose="020B0609020204030204" pitchFamily="49" charset="0"/>
               </a:rPr>
-              <a:t>`</a:t>
-            </a:r>
-            <a:r>
-              <a:rPr lang="en-US" sz="1200" b="0" dirty="0" err="1">
+              <a:t>'</a:t>
+            </a:r>
+            <a:r>
+              <a:rPr lang="en-US" sz="1400" b="0" dirty="0" err="1">
                 <a:solidFill>
                   <a:srgbClr val="A31515"/>
                 </a:solidFill>
                 <a:effectLst/>
                 <a:latin typeface="Consolas" panose="020B0609020204030204" pitchFamily="49" charset="0"/>
               </a:rPr>
-              <a:t>connectPlayerSocket</a:t>
-            </a:r>
-            <a:r>
-              <a:rPr lang="en-US" sz="1200" b="0" dirty="0">
+              <a:t>getInstance</a:t>
+            </a:r>
+            <a:r>
+              <a:rPr lang="en-US" sz="1400" b="0" dirty="0">
                 <a:solidFill>
                   <a:srgbClr val="A31515"/>
                 </a:solidFill>
                 <a:effectLst/>
                 <a:latin typeface="Consolas" panose="020B0609020204030204" pitchFamily="49" charset="0"/>
               </a:rPr>
-              <a:t> tests </a:t>
-            </a:r>
-            <a:r>
-              <a:rPr lang="en-US" sz="1200" b="0" dirty="0">
-                <a:solidFill>
-                  <a:srgbClr val="0000FF"/>
-                </a:solidFill>
-                <a:effectLst/>
-                <a:latin typeface="Consolas" panose="020B0609020204030204" pitchFamily="49" charset="0"/>
-              </a:rPr>
-              <a:t>${</a:t>
-            </a:r>
-            <a:r>
-              <a:rPr lang="en-US" sz="1200" b="0" dirty="0" err="1">
-                <a:solidFill>
-                  <a:srgbClr val="000000"/>
-                </a:solidFill>
-                <a:effectLst/>
-                <a:latin typeface="Consolas" panose="020B0609020204030204" pitchFamily="49" charset="0"/>
-              </a:rPr>
-              <a:t>nanoid</a:t>
-            </a:r>
-            <a:r>
-              <a:rPr lang="en-US" sz="1200" b="0" dirty="0">
-                <a:solidFill>
-                  <a:srgbClr val="000000"/>
-                </a:solidFill>
-                <a:effectLst/>
-                <a:latin typeface="Consolas" panose="020B0609020204030204" pitchFamily="49" charset="0"/>
-              </a:rPr>
-              <a:t>()</a:t>
-            </a:r>
-            <a:r>
-              <a:rPr lang="en-US" sz="1200" b="0" dirty="0">
-                <a:solidFill>
-                  <a:srgbClr val="0000FF"/>
-                </a:solidFill>
-                <a:effectLst/>
-                <a:latin typeface="Consolas" panose="020B0609020204030204" pitchFamily="49" charset="0"/>
-              </a:rPr>
-              <a:t>}</a:t>
-            </a:r>
-            <a:r>
-              <a:rPr lang="en-US" sz="1200" b="0" dirty="0">
-                <a:solidFill>
-                  <a:srgbClr val="A31515"/>
-                </a:solidFill>
-                <a:effectLst/>
-                <a:latin typeface="Consolas" panose="020B0609020204030204" pitchFamily="49" charset="0"/>
-              </a:rPr>
-              <a:t>`</a:t>
-            </a:r>
-            <a:r>
-              <a:rPr lang="en-US" sz="1200" b="0" dirty="0">
-                <a:solidFill>
-                  <a:srgbClr val="000000"/>
-                </a:solidFill>
-                <a:effectLst/>
-                <a:latin typeface="Consolas" panose="020B0609020204030204" pitchFamily="49" charset="0"/>
-              </a:rPr>
-              <a:t>;</a:t>
-            </a:r>
-          </a:p>
-          <a:p>
-            <a:pPr marL="0" indent="0">
-              <a:buNone/>
-            </a:pPr>
-            <a:r>
-              <a:rPr lang="en-US" sz="1200" b="0" dirty="0">
-                <a:solidFill>
-                  <a:srgbClr val="000000"/>
-                </a:solidFill>
-                <a:effectLst/>
-                <a:latin typeface="Consolas" panose="020B0609020204030204" pitchFamily="49" charset="0"/>
-              </a:rPr>
-              <a:t>      </a:t>
-            </a:r>
-            <a:r>
-              <a:rPr lang="en-US" sz="1200" b="0" dirty="0" err="1">
-                <a:solidFill>
-                  <a:srgbClr val="000000"/>
-                </a:solidFill>
-                <a:effectLst/>
-                <a:latin typeface="Consolas" panose="020B0609020204030204" pitchFamily="49" charset="0"/>
-              </a:rPr>
-              <a:t>testingTown</a:t>
-            </a:r>
-            <a:r>
-              <a:rPr lang="en-US" sz="1200" b="0" dirty="0">
-                <a:solidFill>
-                  <a:srgbClr val="000000"/>
-                </a:solidFill>
-                <a:effectLst/>
-                <a:latin typeface="Consolas" panose="020B0609020204030204" pitchFamily="49" charset="0"/>
-              </a:rPr>
-              <a:t> = </a:t>
-            </a:r>
-            <a:r>
-              <a:rPr lang="en-US" sz="1200" b="0" dirty="0" err="1">
-                <a:solidFill>
-                  <a:srgbClr val="000000"/>
-                </a:solidFill>
-                <a:effectLst/>
-                <a:latin typeface="Consolas" panose="020B0609020204030204" pitchFamily="49" charset="0"/>
-              </a:rPr>
-              <a:t>CoveyTownsStore.getInstance</a:t>
-            </a:r>
-            <a:r>
-              <a:rPr lang="en-US" sz="1200" b="0" dirty="0">
-                <a:solidFill>
-                  <a:srgbClr val="000000"/>
-                </a:solidFill>
-                <a:effectLst/>
-                <a:latin typeface="Consolas" panose="020B0609020204030204" pitchFamily="49" charset="0"/>
-              </a:rPr>
-              <a:t>().</a:t>
-            </a:r>
-            <a:r>
-              <a:rPr lang="en-US" sz="1200" b="0" dirty="0" err="1">
-                <a:solidFill>
-                  <a:srgbClr val="000000"/>
-                </a:solidFill>
-                <a:effectLst/>
-                <a:latin typeface="Consolas" panose="020B0609020204030204" pitchFamily="49" charset="0"/>
-              </a:rPr>
-              <a:t>createTown</a:t>
-            </a:r>
-            <a:r>
-              <a:rPr lang="en-US" sz="1200" b="0" dirty="0">
+              <a:t>'</a:t>
+            </a:r>
+            <a:r>
+              <a:rPr lang="en-US" sz="1400" b="0" dirty="0">
+                <a:solidFill>
+                  <a:srgbClr val="000000"/>
+                </a:solidFill>
+                <a:effectLst/>
+                <a:latin typeface="Consolas" panose="020B0609020204030204" pitchFamily="49" charset="0"/>
+              </a:rPr>
+              <a:t>).</a:t>
+            </a:r>
+            <a:r>
+              <a:rPr lang="en-US" sz="1400" b="0" dirty="0" err="1">
+                <a:solidFill>
+                  <a:srgbClr val="000000"/>
+                </a:solidFill>
+                <a:effectLst/>
+                <a:latin typeface="Consolas" panose="020B0609020204030204" pitchFamily="49" charset="0"/>
+              </a:rPr>
+              <a:t>mockReturnValue</a:t>
+            </a:r>
+            <a:r>
+              <a:rPr lang="en-US" sz="1400" b="0" dirty="0">
                 <a:solidFill>
                   <a:srgbClr val="000000"/>
                 </a:solidFill>
@@ -8947,37 +9097,17 @@
               <a:t>(</a:t>
             </a:r>
             <a:r>
-              <a:rPr lang="en-US" sz="1200" b="0" dirty="0" err="1">
-                <a:solidFill>
-                  <a:srgbClr val="000000"/>
-                </a:solidFill>
-                <a:effectLst/>
-                <a:latin typeface="Consolas" panose="020B0609020204030204" pitchFamily="49" charset="0"/>
-              </a:rPr>
-              <a:t>townName</a:t>
-            </a:r>
-            <a:r>
-              <a:rPr lang="en-US" sz="1200" b="0" dirty="0">
-                <a:solidFill>
-                  <a:srgbClr val="000000"/>
-                </a:solidFill>
-                <a:effectLst/>
-                <a:latin typeface="Consolas" panose="020B0609020204030204" pitchFamily="49" charset="0"/>
-              </a:rPr>
-              <a:t>, </a:t>
-            </a:r>
-            <a:r>
-              <a:rPr lang="en-US" sz="1200" b="0" dirty="0">
-                <a:solidFill>
-                  <a:srgbClr val="0000FF"/>
-                </a:solidFill>
-                <a:effectLst/>
-                <a:latin typeface="Consolas" panose="020B0609020204030204" pitchFamily="49" charset="0"/>
-              </a:rPr>
-              <a:t>false</a:t>
-            </a:r>
-            <a:r>
-              <a:rPr lang="en-US" sz="1200" b="0" dirty="0">
+              <a:rPr lang="en-US" sz="1400" b="0" dirty="0" err="1">
+                <a:solidFill>
+                  <a:srgbClr val="000000"/>
+                </a:solidFill>
+                <a:effectLst/>
+                <a:latin typeface="Consolas" panose="020B0609020204030204" pitchFamily="49" charset="0"/>
+              </a:rPr>
+              <a:t>mockTwilioVideo</a:t>
+            </a:r>
+            <a:r>
+              <a:rPr lang="en-US" sz="1400" b="0" dirty="0">
                 <a:solidFill>
                   <a:srgbClr val="000000"/>
                 </a:solidFill>
@@ -8986,516 +9116,7 @@
               </a:rPr>
               <a:t>);</a:t>
             </a:r>
-          </a:p>
-          <a:p>
-            <a:pPr marL="0" indent="0">
-              <a:buNone/>
-            </a:pPr>
-            <a:r>
-              <a:rPr lang="en-US" sz="1200" b="0" dirty="0">
-                <a:solidFill>
-                  <a:srgbClr val="000000"/>
-                </a:solidFill>
-                <a:effectLst/>
-                <a:latin typeface="Consolas" panose="020B0609020204030204" pitchFamily="49" charset="0"/>
-              </a:rPr>
-              <a:t>      </a:t>
-            </a:r>
-            <a:r>
-              <a:rPr lang="en-US" sz="1200" b="0" dirty="0" err="1">
-                <a:solidFill>
-                  <a:srgbClr val="000000"/>
-                </a:solidFill>
-                <a:effectLst/>
-                <a:latin typeface="Consolas" panose="020B0609020204030204" pitchFamily="49" charset="0"/>
-              </a:rPr>
-              <a:t>mockReset</a:t>
-            </a:r>
-            <a:r>
-              <a:rPr lang="en-US" sz="1200" b="0" dirty="0">
-                <a:solidFill>
-                  <a:srgbClr val="000000"/>
-                </a:solidFill>
-                <a:effectLst/>
-                <a:latin typeface="Consolas" panose="020B0609020204030204" pitchFamily="49" charset="0"/>
-              </a:rPr>
-              <a:t>(</a:t>
-            </a:r>
-            <a:r>
-              <a:rPr lang="en-US" sz="1200" b="0" dirty="0" err="1">
-                <a:solidFill>
-                  <a:srgbClr val="000000"/>
-                </a:solidFill>
-                <a:effectLst/>
-                <a:latin typeface="Consolas" panose="020B0609020204030204" pitchFamily="49" charset="0"/>
-              </a:rPr>
-              <a:t>mockSocket</a:t>
-            </a:r>
-            <a:r>
-              <a:rPr lang="en-US" sz="1200" b="0" dirty="0">
-                <a:solidFill>
-                  <a:srgbClr val="000000"/>
-                </a:solidFill>
-                <a:effectLst/>
-                <a:latin typeface="Consolas" panose="020B0609020204030204" pitchFamily="49" charset="0"/>
-              </a:rPr>
-              <a:t>);</a:t>
-            </a:r>
-          </a:p>
-          <a:p>
-            <a:pPr marL="0" indent="0">
-              <a:buNone/>
-            </a:pPr>
-            <a:r>
-              <a:rPr lang="en-US" sz="1200" b="0" dirty="0">
-                <a:solidFill>
-                  <a:srgbClr val="000000"/>
-                </a:solidFill>
-                <a:effectLst/>
-                <a:latin typeface="Consolas" panose="020B0609020204030204" pitchFamily="49" charset="0"/>
-              </a:rPr>
-              <a:t>      player = </a:t>
-            </a:r>
-            <a:r>
-              <a:rPr lang="en-US" sz="1200" b="0" dirty="0">
-                <a:solidFill>
-                  <a:srgbClr val="0000FF"/>
-                </a:solidFill>
-                <a:effectLst/>
-                <a:latin typeface="Consolas" panose="020B0609020204030204" pitchFamily="49" charset="0"/>
-              </a:rPr>
-              <a:t>new</a:t>
-            </a:r>
-            <a:r>
-              <a:rPr lang="en-US" sz="1200" b="0" dirty="0">
-                <a:solidFill>
-                  <a:srgbClr val="000000"/>
-                </a:solidFill>
-                <a:effectLst/>
-                <a:latin typeface="Consolas" panose="020B0609020204030204" pitchFamily="49" charset="0"/>
-              </a:rPr>
-              <a:t> Player(</a:t>
-            </a:r>
-            <a:r>
-              <a:rPr lang="en-US" sz="1200" b="0" dirty="0">
-                <a:solidFill>
-                  <a:srgbClr val="A31515"/>
-                </a:solidFill>
-                <a:effectLst/>
-                <a:latin typeface="Consolas" panose="020B0609020204030204" pitchFamily="49" charset="0"/>
-              </a:rPr>
-              <a:t>'test player'</a:t>
-            </a:r>
-            <a:r>
-              <a:rPr lang="en-US" sz="1200" b="0" dirty="0">
-                <a:solidFill>
-                  <a:srgbClr val="000000"/>
-                </a:solidFill>
-                <a:effectLst/>
-                <a:latin typeface="Consolas" panose="020B0609020204030204" pitchFamily="49" charset="0"/>
-              </a:rPr>
-              <a:t>);</a:t>
-            </a:r>
-          </a:p>
-          <a:p>
-            <a:pPr marL="0" indent="0">
-              <a:buNone/>
-            </a:pPr>
-            <a:r>
-              <a:rPr lang="en-US" sz="1200" b="0" dirty="0">
-                <a:solidFill>
-                  <a:srgbClr val="000000"/>
-                </a:solidFill>
-                <a:effectLst/>
-                <a:latin typeface="Consolas" panose="020B0609020204030204" pitchFamily="49" charset="0"/>
-              </a:rPr>
-              <a:t>      session = </a:t>
-            </a:r>
-            <a:r>
-              <a:rPr lang="en-US" sz="1200" b="0" dirty="0">
-                <a:solidFill>
-                  <a:srgbClr val="0000FF"/>
-                </a:solidFill>
-                <a:effectLst/>
-                <a:latin typeface="Consolas" panose="020B0609020204030204" pitchFamily="49" charset="0"/>
-              </a:rPr>
-              <a:t>await</a:t>
-            </a:r>
-            <a:r>
-              <a:rPr lang="en-US" sz="1200" b="0" dirty="0">
-                <a:solidFill>
-                  <a:srgbClr val="000000"/>
-                </a:solidFill>
-                <a:effectLst/>
-                <a:latin typeface="Consolas" panose="020B0609020204030204" pitchFamily="49" charset="0"/>
-              </a:rPr>
-              <a:t> </a:t>
-            </a:r>
-            <a:r>
-              <a:rPr lang="en-US" sz="1200" b="0" dirty="0" err="1">
-                <a:solidFill>
-                  <a:srgbClr val="000000"/>
-                </a:solidFill>
-                <a:effectLst/>
-                <a:latin typeface="Consolas" panose="020B0609020204030204" pitchFamily="49" charset="0"/>
-              </a:rPr>
-              <a:t>testingTown.addPlayer</a:t>
-            </a:r>
-            <a:r>
-              <a:rPr lang="en-US" sz="1200" b="0" dirty="0">
-                <a:solidFill>
-                  <a:srgbClr val="000000"/>
-                </a:solidFill>
-                <a:effectLst/>
-                <a:latin typeface="Consolas" panose="020B0609020204030204" pitchFamily="49" charset="0"/>
-              </a:rPr>
-              <a:t>(player);</a:t>
-            </a:r>
-          </a:p>
-          <a:p>
-            <a:pPr marL="0" indent="0">
-              <a:buNone/>
-            </a:pPr>
-            <a:r>
-              <a:rPr lang="en-US" sz="1200" b="0" dirty="0">
-                <a:solidFill>
-                  <a:srgbClr val="000000"/>
-                </a:solidFill>
-                <a:effectLst/>
-                <a:latin typeface="Consolas" panose="020B0609020204030204" pitchFamily="49" charset="0"/>
-              </a:rPr>
-              <a:t>    });</a:t>
-            </a:r>
-          </a:p>
-          <a:p>
-            <a:pPr marL="0" indent="0">
-              <a:buNone/>
-            </a:pPr>
-            <a:r>
-              <a:rPr lang="en-US" sz="1200" b="0" dirty="0">
-                <a:solidFill>
-                  <a:srgbClr val="000000"/>
-                </a:solidFill>
-                <a:effectLst/>
-                <a:latin typeface="Consolas" panose="020B0609020204030204" pitchFamily="49" charset="0"/>
-              </a:rPr>
-              <a:t>    it(</a:t>
-            </a:r>
-            <a:r>
-              <a:rPr lang="en-US" sz="1200" b="0" dirty="0">
-                <a:solidFill>
-                  <a:srgbClr val="A31515"/>
-                </a:solidFill>
-                <a:effectLst/>
-                <a:latin typeface="Consolas" panose="020B0609020204030204" pitchFamily="49" charset="0"/>
-              </a:rPr>
-              <a:t>'should reject connections with invalid town IDs by calling disconnect'</a:t>
-            </a:r>
-            <a:r>
-              <a:rPr lang="en-US" sz="1200" b="0" dirty="0">
-                <a:solidFill>
-                  <a:srgbClr val="000000"/>
-                </a:solidFill>
-                <a:effectLst/>
-                <a:latin typeface="Consolas" panose="020B0609020204030204" pitchFamily="49" charset="0"/>
-              </a:rPr>
-              <a:t>, </a:t>
-            </a:r>
-            <a:r>
-              <a:rPr lang="en-US" sz="1200" b="0" dirty="0">
-                <a:solidFill>
-                  <a:srgbClr val="0000FF"/>
-                </a:solidFill>
-                <a:effectLst/>
-                <a:latin typeface="Consolas" panose="020B0609020204030204" pitchFamily="49" charset="0"/>
-              </a:rPr>
-              <a:t>async</a:t>
-            </a:r>
-            <a:r>
-              <a:rPr lang="en-US" sz="1200" b="0" dirty="0">
-                <a:solidFill>
-                  <a:srgbClr val="000000"/>
-                </a:solidFill>
-                <a:effectLst/>
-                <a:latin typeface="Consolas" panose="020B0609020204030204" pitchFamily="49" charset="0"/>
-              </a:rPr>
-              <a:t> () </a:t>
-            </a:r>
-            <a:r>
-              <a:rPr lang="en-US" sz="1200" b="0" dirty="0">
-                <a:solidFill>
-                  <a:srgbClr val="0000FF"/>
-                </a:solidFill>
-                <a:effectLst/>
-                <a:latin typeface="Consolas" panose="020B0609020204030204" pitchFamily="49" charset="0"/>
-              </a:rPr>
-              <a:t>=&gt;</a:t>
-            </a:r>
-            <a:r>
-              <a:rPr lang="en-US" sz="1200" b="0" dirty="0">
-                <a:solidFill>
-                  <a:srgbClr val="000000"/>
-                </a:solidFill>
-                <a:effectLst/>
-                <a:latin typeface="Consolas" panose="020B0609020204030204" pitchFamily="49" charset="0"/>
-              </a:rPr>
-              <a:t> {</a:t>
-            </a:r>
-          </a:p>
-          <a:p>
-            <a:pPr marL="0" indent="0">
-              <a:buNone/>
-            </a:pPr>
-            <a:r>
-              <a:rPr lang="en-US" sz="1200" b="0" dirty="0">
-                <a:solidFill>
-                  <a:srgbClr val="000000"/>
-                </a:solidFill>
-                <a:effectLst/>
-                <a:latin typeface="Consolas" panose="020B0609020204030204" pitchFamily="49" charset="0"/>
-              </a:rPr>
-              <a:t>      </a:t>
-            </a:r>
-            <a:r>
-              <a:rPr lang="en-US" sz="1200" b="0" dirty="0" err="1">
-                <a:solidFill>
-                  <a:srgbClr val="000000"/>
-                </a:solidFill>
-                <a:effectLst/>
-                <a:latin typeface="Consolas" panose="020B0609020204030204" pitchFamily="49" charset="0"/>
-              </a:rPr>
-              <a:t>TestUtils.setSessionTokenAndTownID</a:t>
-            </a:r>
-            <a:r>
-              <a:rPr lang="en-US" sz="1200" b="0" dirty="0">
-                <a:solidFill>
-                  <a:srgbClr val="000000"/>
-                </a:solidFill>
-                <a:effectLst/>
-                <a:latin typeface="Consolas" panose="020B0609020204030204" pitchFamily="49" charset="0"/>
-              </a:rPr>
-              <a:t>(</a:t>
-            </a:r>
-            <a:r>
-              <a:rPr lang="en-US" sz="1200" b="0" dirty="0" err="1">
-                <a:solidFill>
-                  <a:srgbClr val="000000"/>
-                </a:solidFill>
-                <a:effectLst/>
-                <a:latin typeface="Consolas" panose="020B0609020204030204" pitchFamily="49" charset="0"/>
-              </a:rPr>
-              <a:t>nanoid</a:t>
-            </a:r>
-            <a:r>
-              <a:rPr lang="en-US" sz="1200" b="0" dirty="0">
-                <a:solidFill>
-                  <a:srgbClr val="000000"/>
-                </a:solidFill>
-                <a:effectLst/>
-                <a:latin typeface="Consolas" panose="020B0609020204030204" pitchFamily="49" charset="0"/>
-              </a:rPr>
-              <a:t>(), </a:t>
-            </a:r>
-            <a:r>
-              <a:rPr lang="en-US" sz="1200" b="0" dirty="0" err="1">
-                <a:solidFill>
-                  <a:srgbClr val="000000"/>
-                </a:solidFill>
-                <a:effectLst/>
-                <a:latin typeface="Consolas" panose="020B0609020204030204" pitchFamily="49" charset="0"/>
-              </a:rPr>
-              <a:t>session.sessionToken</a:t>
-            </a:r>
-            <a:r>
-              <a:rPr lang="en-US" sz="1200" b="0" dirty="0">
-                <a:solidFill>
-                  <a:srgbClr val="000000"/>
-                </a:solidFill>
-                <a:effectLst/>
-                <a:latin typeface="Consolas" panose="020B0609020204030204" pitchFamily="49" charset="0"/>
-              </a:rPr>
-              <a:t>, </a:t>
-            </a:r>
-            <a:r>
-              <a:rPr lang="en-US" sz="1200" b="0" dirty="0" err="1">
-                <a:solidFill>
-                  <a:srgbClr val="000000"/>
-                </a:solidFill>
-                <a:effectLst/>
-                <a:latin typeface="Consolas" panose="020B0609020204030204" pitchFamily="49" charset="0"/>
-              </a:rPr>
-              <a:t>mockSocket</a:t>
-            </a:r>
-            <a:r>
-              <a:rPr lang="en-US" sz="1200" b="0" dirty="0">
-                <a:solidFill>
-                  <a:srgbClr val="000000"/>
-                </a:solidFill>
-                <a:effectLst/>
-                <a:latin typeface="Consolas" panose="020B0609020204030204" pitchFamily="49" charset="0"/>
-              </a:rPr>
-              <a:t>);</a:t>
-            </a:r>
-          </a:p>
-          <a:p>
-            <a:pPr marL="0" indent="0">
-              <a:buNone/>
-            </a:pPr>
-            <a:r>
-              <a:rPr lang="en-US" sz="1200" b="0" dirty="0">
-                <a:solidFill>
-                  <a:srgbClr val="000000"/>
-                </a:solidFill>
-                <a:effectLst/>
-                <a:latin typeface="Consolas" panose="020B0609020204030204" pitchFamily="49" charset="0"/>
-              </a:rPr>
-              <a:t>      </a:t>
-            </a:r>
-            <a:r>
-              <a:rPr lang="en-US" sz="1200" b="0" dirty="0" err="1">
-                <a:solidFill>
-                  <a:srgbClr val="000000"/>
-                </a:solidFill>
-                <a:effectLst/>
-                <a:latin typeface="Consolas" panose="020B0609020204030204" pitchFamily="49" charset="0"/>
-              </a:rPr>
-              <a:t>townSubscriptionHandler</a:t>
-            </a:r>
-            <a:r>
-              <a:rPr lang="en-US" sz="1200" b="0" dirty="0">
-                <a:solidFill>
-                  <a:srgbClr val="000000"/>
-                </a:solidFill>
-                <a:effectLst/>
-                <a:latin typeface="Consolas" panose="020B0609020204030204" pitchFamily="49" charset="0"/>
-              </a:rPr>
-              <a:t>(</a:t>
-            </a:r>
-            <a:r>
-              <a:rPr lang="en-US" sz="1200" b="0" dirty="0" err="1">
-                <a:solidFill>
-                  <a:srgbClr val="000000"/>
-                </a:solidFill>
-                <a:effectLst/>
-                <a:latin typeface="Consolas" panose="020B0609020204030204" pitchFamily="49" charset="0"/>
-              </a:rPr>
-              <a:t>mockSocket</a:t>
-            </a:r>
-            <a:r>
-              <a:rPr lang="en-US" sz="1200" b="0" dirty="0">
-                <a:solidFill>
-                  <a:srgbClr val="000000"/>
-                </a:solidFill>
-                <a:effectLst/>
-                <a:latin typeface="Consolas" panose="020B0609020204030204" pitchFamily="49" charset="0"/>
-              </a:rPr>
-              <a:t>);</a:t>
-            </a:r>
-          </a:p>
-          <a:p>
-            <a:pPr marL="0" indent="0">
-              <a:buNone/>
-            </a:pPr>
-            <a:r>
-              <a:rPr lang="en-US" sz="1200" b="0" dirty="0">
-                <a:solidFill>
-                  <a:srgbClr val="000000"/>
-                </a:solidFill>
-                <a:effectLst/>
-                <a:latin typeface="Consolas" panose="020B0609020204030204" pitchFamily="49" charset="0"/>
-              </a:rPr>
-              <a:t>      expect(</a:t>
-            </a:r>
-            <a:r>
-              <a:rPr lang="en-US" sz="1200" b="0" dirty="0" err="1">
-                <a:solidFill>
-                  <a:srgbClr val="000000"/>
-                </a:solidFill>
-                <a:effectLst/>
-                <a:latin typeface="Consolas" panose="020B0609020204030204" pitchFamily="49" charset="0"/>
-              </a:rPr>
-              <a:t>mockSocket.disconnect</a:t>
-            </a:r>
-            <a:r>
-              <a:rPr lang="en-US" sz="1200" b="0" dirty="0">
-                <a:solidFill>
-                  <a:srgbClr val="000000"/>
-                </a:solidFill>
-                <a:effectLst/>
-                <a:latin typeface="Consolas" panose="020B0609020204030204" pitchFamily="49" charset="0"/>
-              </a:rPr>
-              <a:t>).</a:t>
-            </a:r>
-            <a:r>
-              <a:rPr lang="en-US" sz="1200" b="0" dirty="0" err="1">
-                <a:solidFill>
-                  <a:srgbClr val="000000"/>
-                </a:solidFill>
-                <a:effectLst/>
-                <a:latin typeface="Consolas" panose="020B0609020204030204" pitchFamily="49" charset="0"/>
-              </a:rPr>
-              <a:t>toBeCalledWith</a:t>
-            </a:r>
-            <a:r>
-              <a:rPr lang="en-US" sz="1200" b="0" dirty="0">
-                <a:solidFill>
-                  <a:srgbClr val="000000"/>
-                </a:solidFill>
-                <a:effectLst/>
-                <a:latin typeface="Consolas" panose="020B0609020204030204" pitchFamily="49" charset="0"/>
-              </a:rPr>
-              <a:t>(</a:t>
-            </a:r>
-            <a:r>
-              <a:rPr lang="en-US" sz="1200" b="0" dirty="0">
-                <a:solidFill>
-                  <a:srgbClr val="0000FF"/>
-                </a:solidFill>
-                <a:effectLst/>
-                <a:latin typeface="Consolas" panose="020B0609020204030204" pitchFamily="49" charset="0"/>
-              </a:rPr>
-              <a:t>true</a:t>
-            </a:r>
-            <a:r>
-              <a:rPr lang="en-US" sz="1200" b="0" dirty="0">
-                <a:solidFill>
-                  <a:srgbClr val="000000"/>
-                </a:solidFill>
-                <a:effectLst/>
-                <a:latin typeface="Consolas" panose="020B0609020204030204" pitchFamily="49" charset="0"/>
-              </a:rPr>
-              <a:t>);</a:t>
-            </a:r>
-          </a:p>
-          <a:p>
-            <a:pPr marL="0" indent="0">
-              <a:buNone/>
-            </a:pPr>
-            <a:r>
-              <a:rPr lang="en-US" sz="1200" b="0" dirty="0">
-                <a:solidFill>
-                  <a:srgbClr val="000000"/>
-                </a:solidFill>
-                <a:effectLst/>
-                <a:latin typeface="Consolas" panose="020B0609020204030204" pitchFamily="49" charset="0"/>
-              </a:rPr>
-              <a:t>    });</a:t>
-            </a:r>
-          </a:p>
-          <a:p>
-            <a:pPr marL="0" indent="0">
-              <a:buNone/>
-            </a:pPr>
-            <a:r>
-              <a:rPr lang="en-US" sz="1200" dirty="0">
-                <a:solidFill>
-                  <a:srgbClr val="000000"/>
-                </a:solidFill>
-                <a:latin typeface="Consolas" panose="020B0609020204030204" pitchFamily="49" charset="0"/>
-              </a:rPr>
-              <a:t>......</a:t>
-            </a:r>
-            <a:endParaRPr lang="en-US" sz="1200" b="0" dirty="0">
+            <a:endParaRPr lang="en-US" sz="2000" b="0" dirty="0">
               <a:solidFill>
                 <a:srgbClr val="000000"/>
               </a:solidFill>
@@ -9505,10 +9126,1379 @@
           </a:p>
         </p:txBody>
       </p:sp>
+      <p:sp>
+        <p:nvSpPr>
+          <p:cNvPr id="10" name="Content Placeholder 2">
+            <a:extLst>
+              <a:ext uri="{FF2B5EF4-FFF2-40B4-BE49-F238E27FC236}">
+                <a16:creationId xmlns:a16="http://schemas.microsoft.com/office/drawing/2014/main" id="{D9B4F4D3-34A0-4A15-9384-A98F7AF7900C}"/>
+              </a:ext>
+            </a:extLst>
+          </p:cNvPr>
+          <p:cNvSpPr txBox="1">
+            <a:spLocks/>
+          </p:cNvSpPr>
+          <p:nvPr/>
+        </p:nvSpPr>
+        <p:spPr>
+          <a:xfrm>
+            <a:off x="838200" y="1500160"/>
+            <a:ext cx="7887346" cy="637559"/>
+          </a:xfrm>
+          <a:prstGeom prst="rect">
+            <a:avLst/>
+          </a:prstGeom>
+        </p:spPr>
+        <p:txBody>
+          <a:bodyPr vert="horz" lIns="91440" tIns="45720" rIns="91440" bIns="45720" rtlCol="0">
+            <a:normAutofit/>
+          </a:bodyPr>
+          <a:lstStyle>
+            <a:lvl1pPr marL="228600" indent="-228600" algn="l" defTabSz="914400" rtl="0" eaLnBrk="1" latinLnBrk="0" hangingPunct="1">
+              <a:lnSpc>
+                <a:spcPct val="90000"/>
+              </a:lnSpc>
+              <a:spcBef>
+                <a:spcPts val="1000"/>
+              </a:spcBef>
+              <a:buFont typeface="Arial" panose="020B0604020202020204" pitchFamily="34" charset="0"/>
+              <a:buChar char="•"/>
+              <a:defRPr sz="2800" kern="1200">
+                <a:solidFill>
+                  <a:schemeClr val="tx1"/>
+                </a:solidFill>
+                <a:latin typeface="+mn-lt"/>
+                <a:ea typeface="+mn-ea"/>
+                <a:cs typeface="+mn-cs"/>
+              </a:defRPr>
+            </a:lvl1pPr>
+            <a:lvl2pPr marL="685800" indent="-228600" algn="l" defTabSz="914400" rtl="0" eaLnBrk="1" latinLnBrk="0" hangingPunct="1">
+              <a:lnSpc>
+                <a:spcPct val="90000"/>
+              </a:lnSpc>
+              <a:spcBef>
+                <a:spcPts val="500"/>
+              </a:spcBef>
+              <a:buFont typeface="Arial" panose="020B0604020202020204" pitchFamily="34" charset="0"/>
+              <a:buChar char="•"/>
+              <a:defRPr sz="2400" kern="1200">
+                <a:solidFill>
+                  <a:schemeClr val="tx1"/>
+                </a:solidFill>
+                <a:latin typeface="+mn-lt"/>
+                <a:ea typeface="+mn-ea"/>
+                <a:cs typeface="+mn-cs"/>
+              </a:defRPr>
+            </a:lvl2pPr>
+            <a:lvl3pPr marL="1143000" indent="-228600" algn="l" defTabSz="914400" rtl="0" eaLnBrk="1" latinLnBrk="0" hangingPunct="1">
+              <a:lnSpc>
+                <a:spcPct val="90000"/>
+              </a:lnSpc>
+              <a:spcBef>
+                <a:spcPts val="500"/>
+              </a:spcBef>
+              <a:buFont typeface="Arial" panose="020B0604020202020204" pitchFamily="34" charset="0"/>
+              <a:buChar char="•"/>
+              <a:defRPr sz="2000" kern="1200">
+                <a:solidFill>
+                  <a:schemeClr val="tx1"/>
+                </a:solidFill>
+                <a:latin typeface="+mn-lt"/>
+                <a:ea typeface="+mn-ea"/>
+                <a:cs typeface="+mn-cs"/>
+              </a:defRPr>
+            </a:lvl3pPr>
+            <a:lvl4pPr marL="1600200" indent="-228600" algn="l" defTabSz="914400" rtl="0" eaLnBrk="1" latinLnBrk="0" hangingPunct="1">
+              <a:lnSpc>
+                <a:spcPct val="90000"/>
+              </a:lnSpc>
+              <a:spcBef>
+                <a:spcPts val="500"/>
+              </a:spcBef>
+              <a:buFont typeface="Arial" panose="020B0604020202020204" pitchFamily="34" charset="0"/>
+              <a:buChar char="•"/>
+              <a:defRPr sz="1800" kern="1200">
+                <a:solidFill>
+                  <a:schemeClr val="tx1"/>
+                </a:solidFill>
+                <a:latin typeface="+mn-lt"/>
+                <a:ea typeface="+mn-ea"/>
+                <a:cs typeface="+mn-cs"/>
+              </a:defRPr>
+            </a:lvl4pPr>
+            <a:lvl5pPr marL="2057400" indent="-228600" algn="l" defTabSz="914400" rtl="0" eaLnBrk="1" latinLnBrk="0" hangingPunct="1">
+              <a:lnSpc>
+                <a:spcPct val="90000"/>
+              </a:lnSpc>
+              <a:spcBef>
+                <a:spcPts val="500"/>
+              </a:spcBef>
+              <a:buFont typeface="Arial" panose="020B0604020202020204" pitchFamily="34" charset="0"/>
+              <a:buChar char="•"/>
+              <a:defRPr sz="1800" kern="1200">
+                <a:solidFill>
+                  <a:schemeClr val="tx1"/>
+                </a:solidFill>
+                <a:latin typeface="+mn-lt"/>
+                <a:ea typeface="+mn-ea"/>
+                <a:cs typeface="+mn-cs"/>
+              </a:defRPr>
+            </a:lvl5pPr>
+            <a:lvl6pPr marL="2514600" indent="-228600" algn="l" defTabSz="914400" rtl="0" eaLnBrk="1" latinLnBrk="0" hangingPunct="1">
+              <a:lnSpc>
+                <a:spcPct val="90000"/>
+              </a:lnSpc>
+              <a:spcBef>
+                <a:spcPts val="500"/>
+              </a:spcBef>
+              <a:buFont typeface="Arial" panose="020B0604020202020204" pitchFamily="34" charset="0"/>
+              <a:buChar char="•"/>
+              <a:defRPr sz="1800" kern="1200">
+                <a:solidFill>
+                  <a:schemeClr val="tx1"/>
+                </a:solidFill>
+                <a:latin typeface="+mn-lt"/>
+                <a:ea typeface="+mn-ea"/>
+                <a:cs typeface="+mn-cs"/>
+              </a:defRPr>
+            </a:lvl6pPr>
+            <a:lvl7pPr marL="2971800" indent="-228600" algn="l" defTabSz="914400" rtl="0" eaLnBrk="1" latinLnBrk="0" hangingPunct="1">
+              <a:lnSpc>
+                <a:spcPct val="90000"/>
+              </a:lnSpc>
+              <a:spcBef>
+                <a:spcPts val="500"/>
+              </a:spcBef>
+              <a:buFont typeface="Arial" panose="020B0604020202020204" pitchFamily="34" charset="0"/>
+              <a:buChar char="•"/>
+              <a:defRPr sz="1800" kern="1200">
+                <a:solidFill>
+                  <a:schemeClr val="tx1"/>
+                </a:solidFill>
+                <a:latin typeface="+mn-lt"/>
+                <a:ea typeface="+mn-ea"/>
+                <a:cs typeface="+mn-cs"/>
+              </a:defRPr>
+            </a:lvl7pPr>
+            <a:lvl8pPr marL="3429000" indent="-228600" algn="l" defTabSz="914400" rtl="0" eaLnBrk="1" latinLnBrk="0" hangingPunct="1">
+              <a:lnSpc>
+                <a:spcPct val="90000"/>
+              </a:lnSpc>
+              <a:spcBef>
+                <a:spcPts val="500"/>
+              </a:spcBef>
+              <a:buFont typeface="Arial" panose="020B0604020202020204" pitchFamily="34" charset="0"/>
+              <a:buChar char="•"/>
+              <a:defRPr sz="1800" kern="1200">
+                <a:solidFill>
+                  <a:schemeClr val="tx1"/>
+                </a:solidFill>
+                <a:latin typeface="+mn-lt"/>
+                <a:ea typeface="+mn-ea"/>
+                <a:cs typeface="+mn-cs"/>
+              </a:defRPr>
+            </a:lvl8pPr>
+            <a:lvl9pPr marL="3886200" indent="-228600" algn="l" defTabSz="914400" rtl="0" eaLnBrk="1" latinLnBrk="0" hangingPunct="1">
+              <a:lnSpc>
+                <a:spcPct val="90000"/>
+              </a:lnSpc>
+              <a:spcBef>
+                <a:spcPts val="500"/>
+              </a:spcBef>
+              <a:buFont typeface="Arial" panose="020B0604020202020204" pitchFamily="34" charset="0"/>
+              <a:buChar char="•"/>
+              <a:defRPr sz="1800" kern="1200">
+                <a:solidFill>
+                  <a:schemeClr val="tx1"/>
+                </a:solidFill>
+                <a:latin typeface="+mn-lt"/>
+                <a:ea typeface="+mn-ea"/>
+                <a:cs typeface="+mn-cs"/>
+              </a:defRPr>
+            </a:lvl9pPr>
+          </a:lstStyle>
+          <a:p>
+            <a:r>
+              <a:rPr lang="en-US" dirty="0"/>
+              <a:t>Replacing </a:t>
+            </a:r>
+            <a:r>
+              <a:rPr lang="en-US" dirty="0" err="1"/>
+              <a:t>TwilioVideo</a:t>
+            </a:r>
+            <a:r>
+              <a:rPr lang="en-US" dirty="0"/>
+              <a:t> with Mock</a:t>
+            </a:r>
+          </a:p>
+        </p:txBody>
+      </p:sp>
+      <p:sp>
+        <p:nvSpPr>
+          <p:cNvPr id="11" name="Content Placeholder 2">
+            <a:extLst>
+              <a:ext uri="{FF2B5EF4-FFF2-40B4-BE49-F238E27FC236}">
+                <a16:creationId xmlns:a16="http://schemas.microsoft.com/office/drawing/2014/main" id="{ED1F0E20-8558-473A-B8D4-C48FA7B230C9}"/>
+              </a:ext>
+            </a:extLst>
+          </p:cNvPr>
+          <p:cNvSpPr txBox="1">
+            <a:spLocks/>
+          </p:cNvSpPr>
+          <p:nvPr/>
+        </p:nvSpPr>
+        <p:spPr>
+          <a:xfrm>
+            <a:off x="838200" y="2829582"/>
+            <a:ext cx="7887346" cy="637559"/>
+          </a:xfrm>
+          <a:prstGeom prst="rect">
+            <a:avLst/>
+          </a:prstGeom>
+        </p:spPr>
+        <p:txBody>
+          <a:bodyPr vert="horz" lIns="91440" tIns="45720" rIns="91440" bIns="45720" rtlCol="0">
+            <a:normAutofit/>
+          </a:bodyPr>
+          <a:lstStyle>
+            <a:lvl1pPr marL="228600" indent="-228600" algn="l" defTabSz="914400" rtl="0" eaLnBrk="1" latinLnBrk="0" hangingPunct="1">
+              <a:lnSpc>
+                <a:spcPct val="90000"/>
+              </a:lnSpc>
+              <a:spcBef>
+                <a:spcPts val="1000"/>
+              </a:spcBef>
+              <a:buFont typeface="Arial" panose="020B0604020202020204" pitchFamily="34" charset="0"/>
+              <a:buChar char="•"/>
+              <a:defRPr sz="2800" kern="1200">
+                <a:solidFill>
+                  <a:schemeClr val="tx1"/>
+                </a:solidFill>
+                <a:latin typeface="+mn-lt"/>
+                <a:ea typeface="+mn-ea"/>
+                <a:cs typeface="+mn-cs"/>
+              </a:defRPr>
+            </a:lvl1pPr>
+            <a:lvl2pPr marL="685800" indent="-228600" algn="l" defTabSz="914400" rtl="0" eaLnBrk="1" latinLnBrk="0" hangingPunct="1">
+              <a:lnSpc>
+                <a:spcPct val="90000"/>
+              </a:lnSpc>
+              <a:spcBef>
+                <a:spcPts val="500"/>
+              </a:spcBef>
+              <a:buFont typeface="Arial" panose="020B0604020202020204" pitchFamily="34" charset="0"/>
+              <a:buChar char="•"/>
+              <a:defRPr sz="2400" kern="1200">
+                <a:solidFill>
+                  <a:schemeClr val="tx1"/>
+                </a:solidFill>
+                <a:latin typeface="+mn-lt"/>
+                <a:ea typeface="+mn-ea"/>
+                <a:cs typeface="+mn-cs"/>
+              </a:defRPr>
+            </a:lvl2pPr>
+            <a:lvl3pPr marL="1143000" indent="-228600" algn="l" defTabSz="914400" rtl="0" eaLnBrk="1" latinLnBrk="0" hangingPunct="1">
+              <a:lnSpc>
+                <a:spcPct val="90000"/>
+              </a:lnSpc>
+              <a:spcBef>
+                <a:spcPts val="500"/>
+              </a:spcBef>
+              <a:buFont typeface="Arial" panose="020B0604020202020204" pitchFamily="34" charset="0"/>
+              <a:buChar char="•"/>
+              <a:defRPr sz="2000" kern="1200">
+                <a:solidFill>
+                  <a:schemeClr val="tx1"/>
+                </a:solidFill>
+                <a:latin typeface="+mn-lt"/>
+                <a:ea typeface="+mn-ea"/>
+                <a:cs typeface="+mn-cs"/>
+              </a:defRPr>
+            </a:lvl3pPr>
+            <a:lvl4pPr marL="1600200" indent="-228600" algn="l" defTabSz="914400" rtl="0" eaLnBrk="1" latinLnBrk="0" hangingPunct="1">
+              <a:lnSpc>
+                <a:spcPct val="90000"/>
+              </a:lnSpc>
+              <a:spcBef>
+                <a:spcPts val="500"/>
+              </a:spcBef>
+              <a:buFont typeface="Arial" panose="020B0604020202020204" pitchFamily="34" charset="0"/>
+              <a:buChar char="•"/>
+              <a:defRPr sz="1800" kern="1200">
+                <a:solidFill>
+                  <a:schemeClr val="tx1"/>
+                </a:solidFill>
+                <a:latin typeface="+mn-lt"/>
+                <a:ea typeface="+mn-ea"/>
+                <a:cs typeface="+mn-cs"/>
+              </a:defRPr>
+            </a:lvl4pPr>
+            <a:lvl5pPr marL="2057400" indent="-228600" algn="l" defTabSz="914400" rtl="0" eaLnBrk="1" latinLnBrk="0" hangingPunct="1">
+              <a:lnSpc>
+                <a:spcPct val="90000"/>
+              </a:lnSpc>
+              <a:spcBef>
+                <a:spcPts val="500"/>
+              </a:spcBef>
+              <a:buFont typeface="Arial" panose="020B0604020202020204" pitchFamily="34" charset="0"/>
+              <a:buChar char="•"/>
+              <a:defRPr sz="1800" kern="1200">
+                <a:solidFill>
+                  <a:schemeClr val="tx1"/>
+                </a:solidFill>
+                <a:latin typeface="+mn-lt"/>
+                <a:ea typeface="+mn-ea"/>
+                <a:cs typeface="+mn-cs"/>
+              </a:defRPr>
+            </a:lvl5pPr>
+            <a:lvl6pPr marL="2514600" indent="-228600" algn="l" defTabSz="914400" rtl="0" eaLnBrk="1" latinLnBrk="0" hangingPunct="1">
+              <a:lnSpc>
+                <a:spcPct val="90000"/>
+              </a:lnSpc>
+              <a:spcBef>
+                <a:spcPts val="500"/>
+              </a:spcBef>
+              <a:buFont typeface="Arial" panose="020B0604020202020204" pitchFamily="34" charset="0"/>
+              <a:buChar char="•"/>
+              <a:defRPr sz="1800" kern="1200">
+                <a:solidFill>
+                  <a:schemeClr val="tx1"/>
+                </a:solidFill>
+                <a:latin typeface="+mn-lt"/>
+                <a:ea typeface="+mn-ea"/>
+                <a:cs typeface="+mn-cs"/>
+              </a:defRPr>
+            </a:lvl6pPr>
+            <a:lvl7pPr marL="2971800" indent="-228600" algn="l" defTabSz="914400" rtl="0" eaLnBrk="1" latinLnBrk="0" hangingPunct="1">
+              <a:lnSpc>
+                <a:spcPct val="90000"/>
+              </a:lnSpc>
+              <a:spcBef>
+                <a:spcPts val="500"/>
+              </a:spcBef>
+              <a:buFont typeface="Arial" panose="020B0604020202020204" pitchFamily="34" charset="0"/>
+              <a:buChar char="•"/>
+              <a:defRPr sz="1800" kern="1200">
+                <a:solidFill>
+                  <a:schemeClr val="tx1"/>
+                </a:solidFill>
+                <a:latin typeface="+mn-lt"/>
+                <a:ea typeface="+mn-ea"/>
+                <a:cs typeface="+mn-cs"/>
+              </a:defRPr>
+            </a:lvl7pPr>
+            <a:lvl8pPr marL="3429000" indent="-228600" algn="l" defTabSz="914400" rtl="0" eaLnBrk="1" latinLnBrk="0" hangingPunct="1">
+              <a:lnSpc>
+                <a:spcPct val="90000"/>
+              </a:lnSpc>
+              <a:spcBef>
+                <a:spcPts val="500"/>
+              </a:spcBef>
+              <a:buFont typeface="Arial" panose="020B0604020202020204" pitchFamily="34" charset="0"/>
+              <a:buChar char="•"/>
+              <a:defRPr sz="1800" kern="1200">
+                <a:solidFill>
+                  <a:schemeClr val="tx1"/>
+                </a:solidFill>
+                <a:latin typeface="+mn-lt"/>
+                <a:ea typeface="+mn-ea"/>
+                <a:cs typeface="+mn-cs"/>
+              </a:defRPr>
+            </a:lvl8pPr>
+            <a:lvl9pPr marL="3886200" indent="-228600" algn="l" defTabSz="914400" rtl="0" eaLnBrk="1" latinLnBrk="0" hangingPunct="1">
+              <a:lnSpc>
+                <a:spcPct val="90000"/>
+              </a:lnSpc>
+              <a:spcBef>
+                <a:spcPts val="500"/>
+              </a:spcBef>
+              <a:buFont typeface="Arial" panose="020B0604020202020204" pitchFamily="34" charset="0"/>
+              <a:buChar char="•"/>
+              <a:defRPr sz="1800" kern="1200">
+                <a:solidFill>
+                  <a:schemeClr val="tx1"/>
+                </a:solidFill>
+                <a:latin typeface="+mn-lt"/>
+                <a:ea typeface="+mn-ea"/>
+                <a:cs typeface="+mn-cs"/>
+              </a:defRPr>
+            </a:lvl9pPr>
+          </a:lstStyle>
+          <a:p>
+            <a:r>
+              <a:rPr lang="en-US" dirty="0"/>
+              <a:t>Jest Tests can be written</a:t>
+            </a:r>
+          </a:p>
+        </p:txBody>
+      </p:sp>
+      <p:sp>
+        <p:nvSpPr>
+          <p:cNvPr id="14" name="Content Placeholder 6">
+            <a:extLst>
+              <a:ext uri="{FF2B5EF4-FFF2-40B4-BE49-F238E27FC236}">
+                <a16:creationId xmlns:a16="http://schemas.microsoft.com/office/drawing/2014/main" id="{F2302F38-DBC6-4BA9-851F-E68654230849}"/>
+              </a:ext>
+            </a:extLst>
+          </p:cNvPr>
+          <p:cNvSpPr txBox="1">
+            <a:spLocks/>
+          </p:cNvSpPr>
+          <p:nvPr/>
+        </p:nvSpPr>
+        <p:spPr>
+          <a:xfrm>
+            <a:off x="1169556" y="3467141"/>
+            <a:ext cx="12294973" cy="2891658"/>
+          </a:xfrm>
+          <a:prstGeom prst="rect">
+            <a:avLst/>
+          </a:prstGeom>
+        </p:spPr>
+        <p:txBody>
+          <a:bodyPr vert="horz" lIns="91440" tIns="45720" rIns="91440" bIns="45720" rtlCol="0">
+            <a:noAutofit/>
+          </a:bodyPr>
+          <a:lstStyle>
+            <a:lvl1pPr marL="228600" indent="-228600" algn="l" defTabSz="914400" rtl="0" eaLnBrk="1" latinLnBrk="0" hangingPunct="1">
+              <a:lnSpc>
+                <a:spcPct val="90000"/>
+              </a:lnSpc>
+              <a:spcBef>
+                <a:spcPts val="1000"/>
+              </a:spcBef>
+              <a:buFont typeface="Arial" panose="020B0604020202020204" pitchFamily="34" charset="0"/>
+              <a:buChar char="•"/>
+              <a:defRPr sz="2800" kern="1200">
+                <a:solidFill>
+                  <a:schemeClr val="tx1"/>
+                </a:solidFill>
+                <a:latin typeface="+mn-lt"/>
+                <a:ea typeface="+mn-ea"/>
+                <a:cs typeface="+mn-cs"/>
+              </a:defRPr>
+            </a:lvl1pPr>
+            <a:lvl2pPr marL="685800" indent="-228600" algn="l" defTabSz="914400" rtl="0" eaLnBrk="1" latinLnBrk="0" hangingPunct="1">
+              <a:lnSpc>
+                <a:spcPct val="90000"/>
+              </a:lnSpc>
+              <a:spcBef>
+                <a:spcPts val="500"/>
+              </a:spcBef>
+              <a:buFont typeface="Arial" panose="020B0604020202020204" pitchFamily="34" charset="0"/>
+              <a:buChar char="•"/>
+              <a:defRPr sz="2400" kern="1200">
+                <a:solidFill>
+                  <a:schemeClr val="tx1"/>
+                </a:solidFill>
+                <a:latin typeface="+mn-lt"/>
+                <a:ea typeface="+mn-ea"/>
+                <a:cs typeface="+mn-cs"/>
+              </a:defRPr>
+            </a:lvl2pPr>
+            <a:lvl3pPr marL="1143000" indent="-228600" algn="l" defTabSz="914400" rtl="0" eaLnBrk="1" latinLnBrk="0" hangingPunct="1">
+              <a:lnSpc>
+                <a:spcPct val="90000"/>
+              </a:lnSpc>
+              <a:spcBef>
+                <a:spcPts val="500"/>
+              </a:spcBef>
+              <a:buFont typeface="Arial" panose="020B0604020202020204" pitchFamily="34" charset="0"/>
+              <a:buChar char="•"/>
+              <a:defRPr sz="2000" kern="1200">
+                <a:solidFill>
+                  <a:schemeClr val="tx1"/>
+                </a:solidFill>
+                <a:latin typeface="+mn-lt"/>
+                <a:ea typeface="+mn-ea"/>
+                <a:cs typeface="+mn-cs"/>
+              </a:defRPr>
+            </a:lvl3pPr>
+            <a:lvl4pPr marL="1600200" indent="-228600" algn="l" defTabSz="914400" rtl="0" eaLnBrk="1" latinLnBrk="0" hangingPunct="1">
+              <a:lnSpc>
+                <a:spcPct val="90000"/>
+              </a:lnSpc>
+              <a:spcBef>
+                <a:spcPts val="500"/>
+              </a:spcBef>
+              <a:buFont typeface="Arial" panose="020B0604020202020204" pitchFamily="34" charset="0"/>
+              <a:buChar char="•"/>
+              <a:defRPr sz="1800" kern="1200">
+                <a:solidFill>
+                  <a:schemeClr val="tx1"/>
+                </a:solidFill>
+                <a:latin typeface="+mn-lt"/>
+                <a:ea typeface="+mn-ea"/>
+                <a:cs typeface="+mn-cs"/>
+              </a:defRPr>
+            </a:lvl4pPr>
+            <a:lvl5pPr marL="2057400" indent="-228600" algn="l" defTabSz="914400" rtl="0" eaLnBrk="1" latinLnBrk="0" hangingPunct="1">
+              <a:lnSpc>
+                <a:spcPct val="90000"/>
+              </a:lnSpc>
+              <a:spcBef>
+                <a:spcPts val="500"/>
+              </a:spcBef>
+              <a:buFont typeface="Arial" panose="020B0604020202020204" pitchFamily="34" charset="0"/>
+              <a:buChar char="•"/>
+              <a:defRPr sz="1800" kern="1200">
+                <a:solidFill>
+                  <a:schemeClr val="tx1"/>
+                </a:solidFill>
+                <a:latin typeface="+mn-lt"/>
+                <a:ea typeface="+mn-ea"/>
+                <a:cs typeface="+mn-cs"/>
+              </a:defRPr>
+            </a:lvl5pPr>
+            <a:lvl6pPr marL="2514600" indent="-228600" algn="l" defTabSz="914400" rtl="0" eaLnBrk="1" latinLnBrk="0" hangingPunct="1">
+              <a:lnSpc>
+                <a:spcPct val="90000"/>
+              </a:lnSpc>
+              <a:spcBef>
+                <a:spcPts val="500"/>
+              </a:spcBef>
+              <a:buFont typeface="Arial" panose="020B0604020202020204" pitchFamily="34" charset="0"/>
+              <a:buChar char="•"/>
+              <a:defRPr sz="1800" kern="1200">
+                <a:solidFill>
+                  <a:schemeClr val="tx1"/>
+                </a:solidFill>
+                <a:latin typeface="+mn-lt"/>
+                <a:ea typeface="+mn-ea"/>
+                <a:cs typeface="+mn-cs"/>
+              </a:defRPr>
+            </a:lvl6pPr>
+            <a:lvl7pPr marL="2971800" indent="-228600" algn="l" defTabSz="914400" rtl="0" eaLnBrk="1" latinLnBrk="0" hangingPunct="1">
+              <a:lnSpc>
+                <a:spcPct val="90000"/>
+              </a:lnSpc>
+              <a:spcBef>
+                <a:spcPts val="500"/>
+              </a:spcBef>
+              <a:buFont typeface="Arial" panose="020B0604020202020204" pitchFamily="34" charset="0"/>
+              <a:buChar char="•"/>
+              <a:defRPr sz="1800" kern="1200">
+                <a:solidFill>
+                  <a:schemeClr val="tx1"/>
+                </a:solidFill>
+                <a:latin typeface="+mn-lt"/>
+                <a:ea typeface="+mn-ea"/>
+                <a:cs typeface="+mn-cs"/>
+              </a:defRPr>
+            </a:lvl7pPr>
+            <a:lvl8pPr marL="3429000" indent="-228600" algn="l" defTabSz="914400" rtl="0" eaLnBrk="1" latinLnBrk="0" hangingPunct="1">
+              <a:lnSpc>
+                <a:spcPct val="90000"/>
+              </a:lnSpc>
+              <a:spcBef>
+                <a:spcPts val="500"/>
+              </a:spcBef>
+              <a:buFont typeface="Arial" panose="020B0604020202020204" pitchFamily="34" charset="0"/>
+              <a:buChar char="•"/>
+              <a:defRPr sz="1800" kern="1200">
+                <a:solidFill>
+                  <a:schemeClr val="tx1"/>
+                </a:solidFill>
+                <a:latin typeface="+mn-lt"/>
+                <a:ea typeface="+mn-ea"/>
+                <a:cs typeface="+mn-cs"/>
+              </a:defRPr>
+            </a:lvl8pPr>
+            <a:lvl9pPr marL="3886200" indent="-228600" algn="l" defTabSz="914400" rtl="0" eaLnBrk="1" latinLnBrk="0" hangingPunct="1">
+              <a:lnSpc>
+                <a:spcPct val="90000"/>
+              </a:lnSpc>
+              <a:spcBef>
+                <a:spcPts val="500"/>
+              </a:spcBef>
+              <a:buFont typeface="Arial" panose="020B0604020202020204" pitchFamily="34" charset="0"/>
+              <a:buChar char="•"/>
+              <a:defRPr sz="1800" kern="1200">
+                <a:solidFill>
+                  <a:schemeClr val="tx1"/>
+                </a:solidFill>
+                <a:latin typeface="+mn-lt"/>
+                <a:ea typeface="+mn-ea"/>
+                <a:cs typeface="+mn-cs"/>
+              </a:defRPr>
+            </a:lvl9pPr>
+          </a:lstStyle>
+          <a:p>
+            <a:pPr marL="0" indent="0">
+              <a:buNone/>
+            </a:pPr>
+            <a:r>
+              <a:rPr lang="en-US" sz="1400" b="0" dirty="0">
+                <a:solidFill>
+                  <a:srgbClr val="000000"/>
+                </a:solidFill>
+                <a:effectLst/>
+                <a:latin typeface="Consolas" panose="020B0609020204030204" pitchFamily="49" charset="0"/>
+              </a:rPr>
+              <a:t>it(</a:t>
+            </a:r>
+            <a:r>
+              <a:rPr lang="en-US" sz="1400" b="0" dirty="0">
+                <a:solidFill>
+                  <a:srgbClr val="A31515"/>
+                </a:solidFill>
+                <a:effectLst/>
+                <a:latin typeface="Consolas" panose="020B0609020204030204" pitchFamily="49" charset="0"/>
+              </a:rPr>
+              <a:t>'should use the </a:t>
+            </a:r>
+            <a:r>
+              <a:rPr lang="en-US" sz="1400" b="0" dirty="0" err="1">
+                <a:solidFill>
+                  <a:srgbClr val="A31515"/>
+                </a:solidFill>
+                <a:effectLst/>
+                <a:latin typeface="Consolas" panose="020B0609020204030204" pitchFamily="49" charset="0"/>
+              </a:rPr>
+              <a:t>coveyTownID</a:t>
+            </a:r>
+            <a:r>
+              <a:rPr lang="en-US" sz="1400" b="0" dirty="0">
+                <a:solidFill>
+                  <a:srgbClr val="A31515"/>
+                </a:solidFill>
+                <a:effectLst/>
+                <a:latin typeface="Consolas" panose="020B0609020204030204" pitchFamily="49" charset="0"/>
+              </a:rPr>
+              <a:t> and player ID properties when requesting a video token'</a:t>
+            </a:r>
+            <a:r>
+              <a:rPr lang="en-US" sz="1400" b="0" dirty="0">
+                <a:solidFill>
+                  <a:srgbClr val="000000"/>
+                </a:solidFill>
+                <a:effectLst/>
+                <a:latin typeface="Consolas" panose="020B0609020204030204" pitchFamily="49" charset="0"/>
+              </a:rPr>
+              <a:t>,</a:t>
+            </a:r>
+          </a:p>
+          <a:p>
+            <a:pPr marL="0" indent="0">
+              <a:buNone/>
+            </a:pPr>
+            <a:r>
+              <a:rPr lang="en-US" sz="1400" b="0" dirty="0">
+                <a:solidFill>
+                  <a:srgbClr val="000000"/>
+                </a:solidFill>
+                <a:effectLst/>
+                <a:latin typeface="Consolas" panose="020B0609020204030204" pitchFamily="49" charset="0"/>
+              </a:rPr>
+              <a:t>      </a:t>
+            </a:r>
+            <a:r>
+              <a:rPr lang="en-US" sz="1400" b="0" dirty="0">
+                <a:solidFill>
+                  <a:srgbClr val="0000FF"/>
+                </a:solidFill>
+                <a:effectLst/>
+                <a:latin typeface="Consolas" panose="020B0609020204030204" pitchFamily="49" charset="0"/>
+              </a:rPr>
+              <a:t>async</a:t>
+            </a:r>
+            <a:r>
+              <a:rPr lang="en-US" sz="1400" b="0" dirty="0">
+                <a:solidFill>
+                  <a:srgbClr val="000000"/>
+                </a:solidFill>
+                <a:effectLst/>
+                <a:latin typeface="Consolas" panose="020B0609020204030204" pitchFamily="49" charset="0"/>
+              </a:rPr>
+              <a:t> () </a:t>
+            </a:r>
+            <a:r>
+              <a:rPr lang="en-US" sz="1400" b="0" dirty="0">
+                <a:solidFill>
+                  <a:srgbClr val="0000FF"/>
+                </a:solidFill>
+                <a:effectLst/>
+                <a:latin typeface="Consolas" panose="020B0609020204030204" pitchFamily="49" charset="0"/>
+              </a:rPr>
+              <a:t>=&gt;</a:t>
+            </a:r>
+            <a:r>
+              <a:rPr lang="en-US" sz="1400" b="0" dirty="0">
+                <a:solidFill>
+                  <a:srgbClr val="000000"/>
+                </a:solidFill>
+                <a:effectLst/>
+                <a:latin typeface="Consolas" panose="020B0609020204030204" pitchFamily="49" charset="0"/>
+              </a:rPr>
+              <a:t> {</a:t>
+            </a:r>
+          </a:p>
+          <a:p>
+            <a:pPr marL="0" indent="0">
+              <a:buNone/>
+            </a:pPr>
+            <a:r>
+              <a:rPr lang="en-US" sz="1400" b="0" dirty="0">
+                <a:solidFill>
+                  <a:srgbClr val="000000"/>
+                </a:solidFill>
+                <a:effectLst/>
+                <a:latin typeface="Consolas" panose="020B0609020204030204" pitchFamily="49" charset="0"/>
+              </a:rPr>
+              <a:t>        </a:t>
+            </a:r>
+            <a:r>
+              <a:rPr lang="en-US" sz="1400" b="0" dirty="0">
+                <a:solidFill>
+                  <a:srgbClr val="0000FF"/>
+                </a:solidFill>
+                <a:effectLst/>
+                <a:latin typeface="Consolas" panose="020B0609020204030204" pitchFamily="49" charset="0"/>
+              </a:rPr>
+              <a:t>const</a:t>
+            </a:r>
+            <a:r>
+              <a:rPr lang="en-US" sz="1400" b="0" dirty="0">
+                <a:solidFill>
+                  <a:srgbClr val="000000"/>
+                </a:solidFill>
+                <a:effectLst/>
+                <a:latin typeface="Consolas" panose="020B0609020204030204" pitchFamily="49" charset="0"/>
+              </a:rPr>
+              <a:t> </a:t>
+            </a:r>
+            <a:r>
+              <a:rPr lang="en-US" sz="1400" b="0" dirty="0" err="1">
+                <a:solidFill>
+                  <a:srgbClr val="000000"/>
+                </a:solidFill>
+                <a:effectLst/>
+                <a:latin typeface="Consolas" panose="020B0609020204030204" pitchFamily="49" charset="0"/>
+              </a:rPr>
+              <a:t>townName</a:t>
+            </a:r>
+            <a:r>
+              <a:rPr lang="en-US" sz="1400" b="0" dirty="0">
+                <a:solidFill>
+                  <a:srgbClr val="000000"/>
+                </a:solidFill>
+                <a:effectLst/>
+                <a:latin typeface="Consolas" panose="020B0609020204030204" pitchFamily="49" charset="0"/>
+              </a:rPr>
+              <a:t> = </a:t>
+            </a:r>
+            <a:r>
+              <a:rPr lang="en-US" sz="1400" b="0" dirty="0">
+                <a:solidFill>
+                  <a:srgbClr val="A31515"/>
+                </a:solidFill>
+                <a:effectLst/>
+                <a:latin typeface="Consolas" panose="020B0609020204030204" pitchFamily="49" charset="0"/>
+              </a:rPr>
+              <a:t>`</a:t>
+            </a:r>
+            <a:r>
+              <a:rPr lang="en-US" sz="1400" b="0" dirty="0" err="1">
+                <a:solidFill>
+                  <a:srgbClr val="A31515"/>
+                </a:solidFill>
+                <a:effectLst/>
+                <a:latin typeface="Consolas" panose="020B0609020204030204" pitchFamily="49" charset="0"/>
+              </a:rPr>
+              <a:t>FriendlyNameTest</a:t>
+            </a:r>
+            <a:r>
+              <a:rPr lang="en-US" sz="1400" b="0" dirty="0">
+                <a:solidFill>
+                  <a:srgbClr val="A31515"/>
+                </a:solidFill>
+                <a:effectLst/>
+                <a:latin typeface="Consolas" panose="020B0609020204030204" pitchFamily="49" charset="0"/>
+              </a:rPr>
+              <a:t>-</a:t>
+            </a:r>
+            <a:r>
+              <a:rPr lang="en-US" sz="1400" b="0" dirty="0">
+                <a:solidFill>
+                  <a:srgbClr val="0000FF"/>
+                </a:solidFill>
+                <a:effectLst/>
+                <a:latin typeface="Consolas" panose="020B0609020204030204" pitchFamily="49" charset="0"/>
+              </a:rPr>
+              <a:t>${</a:t>
+            </a:r>
+            <a:r>
+              <a:rPr lang="en-US" sz="1400" b="0" dirty="0" err="1">
+                <a:solidFill>
+                  <a:srgbClr val="000000"/>
+                </a:solidFill>
+                <a:effectLst/>
+                <a:latin typeface="Consolas" panose="020B0609020204030204" pitchFamily="49" charset="0"/>
+              </a:rPr>
+              <a:t>nanoid</a:t>
+            </a:r>
+            <a:r>
+              <a:rPr lang="en-US" sz="1400" b="0" dirty="0">
+                <a:solidFill>
+                  <a:srgbClr val="000000"/>
+                </a:solidFill>
+                <a:effectLst/>
+                <a:latin typeface="Consolas" panose="020B0609020204030204" pitchFamily="49" charset="0"/>
+              </a:rPr>
+              <a:t>()</a:t>
+            </a:r>
+            <a:r>
+              <a:rPr lang="en-US" sz="1400" b="0" dirty="0">
+                <a:solidFill>
+                  <a:srgbClr val="0000FF"/>
+                </a:solidFill>
+                <a:effectLst/>
+                <a:latin typeface="Consolas" panose="020B0609020204030204" pitchFamily="49" charset="0"/>
+              </a:rPr>
+              <a:t>}</a:t>
+            </a:r>
+            <a:r>
+              <a:rPr lang="en-US" sz="1400" b="0" dirty="0">
+                <a:solidFill>
+                  <a:srgbClr val="A31515"/>
+                </a:solidFill>
+                <a:effectLst/>
+                <a:latin typeface="Consolas" panose="020B0609020204030204" pitchFamily="49" charset="0"/>
+              </a:rPr>
+              <a:t>`</a:t>
+            </a:r>
+            <a:r>
+              <a:rPr lang="en-US" sz="1400" b="0" dirty="0">
+                <a:solidFill>
+                  <a:srgbClr val="000000"/>
+                </a:solidFill>
+                <a:effectLst/>
+                <a:latin typeface="Consolas" panose="020B0609020204030204" pitchFamily="49" charset="0"/>
+              </a:rPr>
+              <a:t>;</a:t>
+            </a:r>
+          </a:p>
+          <a:p>
+            <a:pPr marL="0" indent="0">
+              <a:buNone/>
+            </a:pPr>
+            <a:r>
+              <a:rPr lang="en-US" sz="1400" b="0" dirty="0">
+                <a:solidFill>
+                  <a:srgbClr val="000000"/>
+                </a:solidFill>
+                <a:effectLst/>
+                <a:latin typeface="Consolas" panose="020B0609020204030204" pitchFamily="49" charset="0"/>
+              </a:rPr>
+              <a:t>        </a:t>
+            </a:r>
+            <a:r>
+              <a:rPr lang="en-US" sz="1400" b="0" dirty="0">
+                <a:solidFill>
+                  <a:srgbClr val="0000FF"/>
+                </a:solidFill>
+                <a:effectLst/>
+                <a:latin typeface="Consolas" panose="020B0609020204030204" pitchFamily="49" charset="0"/>
+              </a:rPr>
+              <a:t>const</a:t>
+            </a:r>
+            <a:r>
+              <a:rPr lang="en-US" sz="1400" b="0" dirty="0">
+                <a:solidFill>
+                  <a:srgbClr val="000000"/>
+                </a:solidFill>
+                <a:effectLst/>
+                <a:latin typeface="Consolas" panose="020B0609020204030204" pitchFamily="49" charset="0"/>
+              </a:rPr>
+              <a:t> </a:t>
+            </a:r>
+            <a:r>
+              <a:rPr lang="en-US" sz="1400" b="0" dirty="0" err="1">
+                <a:solidFill>
+                  <a:srgbClr val="000000"/>
+                </a:solidFill>
+                <a:effectLst/>
+                <a:latin typeface="Consolas" panose="020B0609020204030204" pitchFamily="49" charset="0"/>
+              </a:rPr>
+              <a:t>townController</a:t>
+            </a:r>
+            <a:r>
+              <a:rPr lang="en-US" sz="1400" b="0" dirty="0">
+                <a:solidFill>
+                  <a:srgbClr val="000000"/>
+                </a:solidFill>
+                <a:effectLst/>
+                <a:latin typeface="Consolas" panose="020B0609020204030204" pitchFamily="49" charset="0"/>
+              </a:rPr>
+              <a:t> = </a:t>
+            </a:r>
+            <a:r>
+              <a:rPr lang="en-US" sz="1400" b="0" dirty="0">
+                <a:solidFill>
+                  <a:srgbClr val="0000FF"/>
+                </a:solidFill>
+                <a:effectLst/>
+                <a:latin typeface="Consolas" panose="020B0609020204030204" pitchFamily="49" charset="0"/>
+              </a:rPr>
+              <a:t>new</a:t>
+            </a:r>
+            <a:r>
+              <a:rPr lang="en-US" sz="1400" b="0" dirty="0">
+                <a:solidFill>
+                  <a:srgbClr val="000000"/>
+                </a:solidFill>
+                <a:effectLst/>
+                <a:latin typeface="Consolas" panose="020B0609020204030204" pitchFamily="49" charset="0"/>
+              </a:rPr>
+              <a:t> </a:t>
+            </a:r>
+            <a:r>
+              <a:rPr lang="en-US" sz="1400" b="0" dirty="0" err="1">
+                <a:solidFill>
+                  <a:srgbClr val="000000"/>
+                </a:solidFill>
+                <a:effectLst/>
+                <a:latin typeface="Consolas" panose="020B0609020204030204" pitchFamily="49" charset="0"/>
+              </a:rPr>
+              <a:t>CoveyTownController</a:t>
+            </a:r>
+            <a:r>
+              <a:rPr lang="en-US" sz="1400" b="0" dirty="0">
+                <a:solidFill>
+                  <a:srgbClr val="000000"/>
+                </a:solidFill>
+                <a:effectLst/>
+                <a:latin typeface="Consolas" panose="020B0609020204030204" pitchFamily="49" charset="0"/>
+              </a:rPr>
+              <a:t>(</a:t>
+            </a:r>
+            <a:r>
+              <a:rPr lang="en-US" sz="1400" b="0" dirty="0" err="1">
+                <a:solidFill>
+                  <a:srgbClr val="000000"/>
+                </a:solidFill>
+                <a:effectLst/>
+                <a:latin typeface="Consolas" panose="020B0609020204030204" pitchFamily="49" charset="0"/>
+              </a:rPr>
+              <a:t>townName</a:t>
+            </a:r>
+            <a:r>
+              <a:rPr lang="en-US" sz="1400" b="0" dirty="0">
+                <a:solidFill>
+                  <a:srgbClr val="000000"/>
+                </a:solidFill>
+                <a:effectLst/>
+                <a:latin typeface="Consolas" panose="020B0609020204030204" pitchFamily="49" charset="0"/>
+              </a:rPr>
+              <a:t>, </a:t>
+            </a:r>
+            <a:r>
+              <a:rPr lang="en-US" sz="1400" b="0" dirty="0">
+                <a:solidFill>
+                  <a:srgbClr val="0000FF"/>
+                </a:solidFill>
+                <a:effectLst/>
+                <a:latin typeface="Consolas" panose="020B0609020204030204" pitchFamily="49" charset="0"/>
+              </a:rPr>
+              <a:t>false</a:t>
+            </a:r>
+            <a:r>
+              <a:rPr lang="en-US" sz="1400" b="0" dirty="0">
+                <a:solidFill>
+                  <a:srgbClr val="000000"/>
+                </a:solidFill>
+                <a:effectLst/>
+                <a:latin typeface="Consolas" panose="020B0609020204030204" pitchFamily="49" charset="0"/>
+              </a:rPr>
+              <a:t>);</a:t>
+            </a:r>
+          </a:p>
+          <a:p>
+            <a:pPr marL="0" indent="0">
+              <a:buNone/>
+            </a:pPr>
+            <a:r>
+              <a:rPr lang="en-US" sz="1400" b="0" dirty="0">
+                <a:solidFill>
+                  <a:srgbClr val="000000"/>
+                </a:solidFill>
+                <a:effectLst/>
+                <a:latin typeface="Consolas" panose="020B0609020204030204" pitchFamily="49" charset="0"/>
+              </a:rPr>
+              <a:t>        </a:t>
+            </a:r>
+            <a:r>
+              <a:rPr lang="en-US" sz="1400" b="0" dirty="0">
+                <a:solidFill>
+                  <a:srgbClr val="0000FF"/>
+                </a:solidFill>
+                <a:effectLst/>
+                <a:latin typeface="Consolas" panose="020B0609020204030204" pitchFamily="49" charset="0"/>
+              </a:rPr>
+              <a:t>const</a:t>
+            </a:r>
+            <a:r>
+              <a:rPr lang="en-US" sz="1400" b="0" dirty="0">
+                <a:solidFill>
+                  <a:srgbClr val="000000"/>
+                </a:solidFill>
+                <a:effectLst/>
+                <a:latin typeface="Consolas" panose="020B0609020204030204" pitchFamily="49" charset="0"/>
+              </a:rPr>
+              <a:t> </a:t>
+            </a:r>
+            <a:r>
+              <a:rPr lang="en-US" sz="1400" b="0" dirty="0" err="1">
+                <a:solidFill>
+                  <a:srgbClr val="000000"/>
+                </a:solidFill>
+                <a:effectLst/>
+                <a:latin typeface="Consolas" panose="020B0609020204030204" pitchFamily="49" charset="0"/>
+              </a:rPr>
+              <a:t>newPlayerSession</a:t>
+            </a:r>
+            <a:r>
+              <a:rPr lang="en-US" sz="1400" b="0" dirty="0">
+                <a:solidFill>
+                  <a:srgbClr val="000000"/>
+                </a:solidFill>
+                <a:effectLst/>
+                <a:latin typeface="Consolas" panose="020B0609020204030204" pitchFamily="49" charset="0"/>
+              </a:rPr>
+              <a:t> = </a:t>
+            </a:r>
+            <a:r>
+              <a:rPr lang="en-US" sz="1400" b="0" dirty="0">
+                <a:solidFill>
+                  <a:srgbClr val="0000FF"/>
+                </a:solidFill>
+                <a:effectLst/>
+                <a:latin typeface="Consolas" panose="020B0609020204030204" pitchFamily="49" charset="0"/>
+              </a:rPr>
+              <a:t>await</a:t>
+            </a:r>
+            <a:r>
+              <a:rPr lang="en-US" sz="1400" b="0" dirty="0">
+                <a:solidFill>
+                  <a:srgbClr val="000000"/>
+                </a:solidFill>
+                <a:effectLst/>
+                <a:latin typeface="Consolas" panose="020B0609020204030204" pitchFamily="49" charset="0"/>
+              </a:rPr>
+              <a:t> </a:t>
+            </a:r>
+            <a:r>
+              <a:rPr lang="en-US" sz="1400" b="0" dirty="0" err="1">
+                <a:solidFill>
+                  <a:srgbClr val="000000"/>
+                </a:solidFill>
+                <a:effectLst/>
+                <a:latin typeface="Consolas" panose="020B0609020204030204" pitchFamily="49" charset="0"/>
+              </a:rPr>
+              <a:t>townController.addPlayer</a:t>
+            </a:r>
+            <a:r>
+              <a:rPr lang="en-US" sz="1400" b="0" dirty="0">
+                <a:solidFill>
+                  <a:srgbClr val="000000"/>
+                </a:solidFill>
+                <a:effectLst/>
+                <a:latin typeface="Consolas" panose="020B0609020204030204" pitchFamily="49" charset="0"/>
+              </a:rPr>
+              <a:t>(</a:t>
+            </a:r>
+            <a:r>
+              <a:rPr lang="en-US" sz="1400" b="0" dirty="0">
+                <a:solidFill>
+                  <a:srgbClr val="0000FF"/>
+                </a:solidFill>
+                <a:effectLst/>
+                <a:latin typeface="Consolas" panose="020B0609020204030204" pitchFamily="49" charset="0"/>
+              </a:rPr>
+              <a:t>new</a:t>
+            </a:r>
+            <a:r>
+              <a:rPr lang="en-US" sz="1400" b="0" dirty="0">
+                <a:solidFill>
+                  <a:srgbClr val="000000"/>
+                </a:solidFill>
+                <a:effectLst/>
+                <a:latin typeface="Consolas" panose="020B0609020204030204" pitchFamily="49" charset="0"/>
+              </a:rPr>
+              <a:t> Player(</a:t>
+            </a:r>
+            <a:r>
+              <a:rPr lang="en-US" sz="1400" b="0" dirty="0" err="1">
+                <a:solidFill>
+                  <a:srgbClr val="000000"/>
+                </a:solidFill>
+                <a:effectLst/>
+                <a:latin typeface="Consolas" panose="020B0609020204030204" pitchFamily="49" charset="0"/>
+              </a:rPr>
+              <a:t>nanoid</a:t>
+            </a:r>
+            <a:r>
+              <a:rPr lang="en-US" sz="1400" b="0" dirty="0">
+                <a:solidFill>
+                  <a:srgbClr val="000000"/>
+                </a:solidFill>
+                <a:effectLst/>
+                <a:latin typeface="Consolas" panose="020B0609020204030204" pitchFamily="49" charset="0"/>
+              </a:rPr>
+              <a:t>()));</a:t>
+            </a:r>
+          </a:p>
+          <a:p>
+            <a:pPr marL="0" indent="0">
+              <a:buNone/>
+            </a:pPr>
+            <a:r>
+              <a:rPr lang="en-US" sz="1400" b="0" dirty="0">
+                <a:solidFill>
+                  <a:srgbClr val="000000"/>
+                </a:solidFill>
+                <a:effectLst/>
+                <a:latin typeface="Consolas" panose="020B0609020204030204" pitchFamily="49" charset="0"/>
+              </a:rPr>
+              <a:t>        expect(</a:t>
+            </a:r>
+            <a:r>
+              <a:rPr lang="en-US" sz="1400" b="0" dirty="0" err="1">
+                <a:solidFill>
+                  <a:srgbClr val="000000"/>
+                </a:solidFill>
+                <a:effectLst/>
+                <a:latin typeface="Consolas" panose="020B0609020204030204" pitchFamily="49" charset="0"/>
+              </a:rPr>
+              <a:t>mockTwilioVideo.getTokenForTown</a:t>
+            </a:r>
+            <a:r>
+              <a:rPr lang="en-US" sz="1400" b="0" dirty="0">
+                <a:solidFill>
+                  <a:srgbClr val="000000"/>
+                </a:solidFill>
+                <a:effectLst/>
+                <a:latin typeface="Consolas" panose="020B0609020204030204" pitchFamily="49" charset="0"/>
+              </a:rPr>
+              <a:t>).</a:t>
+            </a:r>
+            <a:r>
+              <a:rPr lang="en-US" sz="1400" b="0" dirty="0" err="1">
+                <a:solidFill>
+                  <a:srgbClr val="000000"/>
+                </a:solidFill>
+                <a:effectLst/>
+                <a:latin typeface="Consolas" panose="020B0609020204030204" pitchFamily="49" charset="0"/>
+              </a:rPr>
+              <a:t>toBeCalledTimes</a:t>
+            </a:r>
+            <a:r>
+              <a:rPr lang="en-US" sz="1400" b="0" dirty="0">
+                <a:solidFill>
+                  <a:srgbClr val="000000"/>
+                </a:solidFill>
+                <a:effectLst/>
+                <a:latin typeface="Consolas" panose="020B0609020204030204" pitchFamily="49" charset="0"/>
+              </a:rPr>
+              <a:t>(</a:t>
+            </a:r>
+            <a:r>
+              <a:rPr lang="en-US" sz="1400" b="0" dirty="0">
+                <a:solidFill>
+                  <a:srgbClr val="098658"/>
+                </a:solidFill>
+                <a:effectLst/>
+                <a:latin typeface="Consolas" panose="020B0609020204030204" pitchFamily="49" charset="0"/>
+              </a:rPr>
+              <a:t>1</a:t>
+            </a:r>
+            <a:r>
+              <a:rPr lang="en-US" sz="1400" b="0" dirty="0">
+                <a:solidFill>
+                  <a:srgbClr val="000000"/>
+                </a:solidFill>
+                <a:effectLst/>
+                <a:latin typeface="Consolas" panose="020B0609020204030204" pitchFamily="49" charset="0"/>
+              </a:rPr>
+              <a:t>);</a:t>
+            </a:r>
+          </a:p>
+          <a:p>
+            <a:pPr marL="0" indent="0">
+              <a:buNone/>
+            </a:pPr>
+            <a:r>
+              <a:rPr lang="en-US" sz="1400" b="0" dirty="0">
+                <a:solidFill>
+                  <a:srgbClr val="000000"/>
+                </a:solidFill>
+                <a:effectLst/>
+                <a:latin typeface="Consolas" panose="020B0609020204030204" pitchFamily="49" charset="0"/>
+              </a:rPr>
+              <a:t>        expect(</a:t>
+            </a:r>
+            <a:r>
+              <a:rPr lang="en-US" sz="1400" b="0" dirty="0" err="1">
+                <a:solidFill>
+                  <a:srgbClr val="000000"/>
+                </a:solidFill>
+                <a:effectLst/>
+                <a:latin typeface="Consolas" panose="020B0609020204030204" pitchFamily="49" charset="0"/>
+              </a:rPr>
+              <a:t>mockTwilioVideo.getTokenForTown</a:t>
+            </a:r>
+            <a:r>
+              <a:rPr lang="en-US" sz="1400" b="0" dirty="0">
+                <a:solidFill>
+                  <a:srgbClr val="000000"/>
+                </a:solidFill>
+                <a:effectLst/>
+                <a:latin typeface="Consolas" panose="020B0609020204030204" pitchFamily="49" charset="0"/>
+              </a:rPr>
+              <a:t>).</a:t>
+            </a:r>
+            <a:r>
+              <a:rPr lang="en-US" sz="1400" b="0" dirty="0" err="1">
+                <a:solidFill>
+                  <a:srgbClr val="000000"/>
+                </a:solidFill>
+                <a:effectLst/>
+                <a:latin typeface="Consolas" panose="020B0609020204030204" pitchFamily="49" charset="0"/>
+              </a:rPr>
+              <a:t>toBeCalledWith</a:t>
+            </a:r>
+            <a:r>
+              <a:rPr lang="en-US" sz="1400" b="0" dirty="0">
+                <a:solidFill>
+                  <a:srgbClr val="000000"/>
+                </a:solidFill>
+                <a:effectLst/>
+                <a:latin typeface="Consolas" panose="020B0609020204030204" pitchFamily="49" charset="0"/>
+              </a:rPr>
+              <a:t>(</a:t>
+            </a:r>
+            <a:r>
+              <a:rPr lang="en-US" sz="1400" b="0" dirty="0" err="1">
+                <a:solidFill>
+                  <a:srgbClr val="000000"/>
+                </a:solidFill>
+                <a:effectLst/>
+                <a:latin typeface="Consolas" panose="020B0609020204030204" pitchFamily="49" charset="0"/>
+              </a:rPr>
+              <a:t>townController.coveyTownID</a:t>
+            </a:r>
+            <a:r>
+              <a:rPr lang="en-US" sz="1400" b="0" dirty="0">
+                <a:solidFill>
+                  <a:srgbClr val="000000"/>
+                </a:solidFill>
+                <a:effectLst/>
+                <a:latin typeface="Consolas" panose="020B0609020204030204" pitchFamily="49" charset="0"/>
+              </a:rPr>
+              <a:t>, newPlayerSession.player.id);</a:t>
+            </a:r>
+          </a:p>
+          <a:p>
+            <a:pPr marL="0" indent="0">
+              <a:buNone/>
+            </a:pPr>
+            <a:r>
+              <a:rPr lang="en-US" sz="1400" b="0" dirty="0">
+                <a:solidFill>
+                  <a:srgbClr val="000000"/>
+                </a:solidFill>
+                <a:effectLst/>
+                <a:latin typeface="Consolas" panose="020B0609020204030204" pitchFamily="49" charset="0"/>
+              </a:rPr>
+              <a:t>      });</a:t>
+            </a:r>
+          </a:p>
+        </p:txBody>
+      </p:sp>
+      <p:sp>
+        <p:nvSpPr>
+          <p:cNvPr id="16" name="TextBox 15">
+            <a:extLst>
+              <a:ext uri="{FF2B5EF4-FFF2-40B4-BE49-F238E27FC236}">
+                <a16:creationId xmlns:a16="http://schemas.microsoft.com/office/drawing/2014/main" id="{B037E04E-BF04-4FDE-A540-AF9ED445F492}"/>
+              </a:ext>
+            </a:extLst>
+          </p:cNvPr>
+          <p:cNvSpPr txBox="1"/>
+          <p:nvPr/>
+        </p:nvSpPr>
+        <p:spPr>
+          <a:xfrm>
+            <a:off x="6334679" y="862601"/>
+            <a:ext cx="5527807" cy="369332"/>
+          </a:xfrm>
+          <a:prstGeom prst="rect">
+            <a:avLst/>
+          </a:prstGeom>
+          <a:noFill/>
+          <a:ln w="12700" cap="flat" cmpd="sng" algn="ctr">
+            <a:solidFill>
+              <a:srgbClr val="0070C0"/>
+            </a:solidFill>
+            <a:prstDash val="solid"/>
+            <a:miter lim="800000"/>
+          </a:ln>
+          <a:effectLst/>
+        </p:spPr>
+        <p:style>
+          <a:lnRef idx="2">
+            <a:schemeClr val="accent1">
+              <a:shade val="50000"/>
+            </a:schemeClr>
+          </a:lnRef>
+          <a:fillRef idx="1">
+            <a:schemeClr val="accent1"/>
+          </a:fillRef>
+          <a:effectRef idx="0">
+            <a:schemeClr val="accent1"/>
+          </a:effectRef>
+          <a:fontRef idx="minor">
+            <a:schemeClr val="lt1"/>
+          </a:fontRef>
+        </p:style>
+        <p:txBody>
+          <a:bodyPr wrap="square">
+            <a:spAutoFit/>
+          </a:bodyPr>
+          <a:lstStyle/>
+          <a:p>
+            <a:r>
+              <a:rPr lang="en-US" dirty="0">
+                <a:solidFill>
+                  <a:schemeClr val="tx1"/>
+                </a:solidFill>
+              </a:rPr>
+              <a:t>Jest’s Mock API: </a:t>
+            </a:r>
+            <a:r>
+              <a:rPr lang="en-US" dirty="0">
+                <a:solidFill>
+                  <a:schemeClr val="tx1"/>
+                </a:solidFill>
+                <a:hlinkClick r:id="rId3"/>
+              </a:rPr>
+              <a:t>https://jestjs.io/docs/mock-function-api</a:t>
+            </a:r>
+            <a:r>
+              <a:rPr lang="en-US" dirty="0">
+                <a:solidFill>
+                  <a:schemeClr val="tx1"/>
+                </a:solidFill>
+              </a:rPr>
+              <a:t> </a:t>
+            </a:r>
+          </a:p>
+        </p:txBody>
+      </p:sp>
     </p:spTree>
     <p:extLst>
       <p:ext uri="{BB962C8B-B14F-4D97-AF65-F5344CB8AC3E}">
-        <p14:creationId xmlns:p14="http://schemas.microsoft.com/office/powerpoint/2010/main" val="1548766826"/>
+        <p14:creationId xmlns:p14="http://schemas.microsoft.com/office/powerpoint/2010/main" val="2596936184"/>
       </p:ext>
     </p:extLst>
   </p:cSld>
@@ -9667,6 +10657,2385 @@
           <p:cNvPr id="2" name="Title 1">
             <a:extLst>
               <a:ext uri="{FF2B5EF4-FFF2-40B4-BE49-F238E27FC236}">
+                <a16:creationId xmlns:a16="http://schemas.microsoft.com/office/drawing/2014/main" id="{EED995E9-C50B-3645-B3B4-EF2E34B0F672}"/>
+              </a:ext>
+            </a:extLst>
+          </p:cNvPr>
+          <p:cNvSpPr>
+            <a:spLocks noGrp="1"/>
+          </p:cNvSpPr>
+          <p:nvPr>
+            <p:ph type="title"/>
+          </p:nvPr>
+        </p:nvSpPr>
+        <p:spPr/>
+        <p:txBody>
+          <a:bodyPr>
+            <a:normAutofit/>
+          </a:bodyPr>
+          <a:lstStyle/>
+          <a:p>
+            <a:r>
+              <a:rPr lang="en-US" dirty="0"/>
+              <a:t>Here is another Example of Mock /1</a:t>
+            </a:r>
+          </a:p>
+        </p:txBody>
+      </p:sp>
+      <p:sp>
+        <p:nvSpPr>
+          <p:cNvPr id="4" name="Slide Number Placeholder 3">
+            <a:extLst>
+              <a:ext uri="{FF2B5EF4-FFF2-40B4-BE49-F238E27FC236}">
+                <a16:creationId xmlns:a16="http://schemas.microsoft.com/office/drawing/2014/main" id="{65F708AD-E1DB-5644-8814-B1B227A25D18}"/>
+              </a:ext>
+            </a:extLst>
+          </p:cNvPr>
+          <p:cNvSpPr>
+            <a:spLocks noGrp="1"/>
+          </p:cNvSpPr>
+          <p:nvPr>
+            <p:ph type="sldNum" sz="quarter" idx="12"/>
+          </p:nvPr>
+        </p:nvSpPr>
+        <p:spPr/>
+        <p:txBody>
+          <a:bodyPr/>
+          <a:lstStyle/>
+          <a:p>
+            <a:fld id="{20F37917-FD3A-4669-9018-DA04BCDD3D75}" type="slidenum">
+              <a:rPr lang="en-US" smtClean="0"/>
+              <a:t>15</a:t>
+            </a:fld>
+            <a:endParaRPr lang="en-US"/>
+          </a:p>
+        </p:txBody>
+      </p:sp>
+      <p:sp>
+        <p:nvSpPr>
+          <p:cNvPr id="7" name="Content Placeholder 6">
+            <a:extLst>
+              <a:ext uri="{FF2B5EF4-FFF2-40B4-BE49-F238E27FC236}">
+                <a16:creationId xmlns:a16="http://schemas.microsoft.com/office/drawing/2014/main" id="{14EA8CB0-B9C9-4AEC-9C4D-53B755738B06}"/>
+              </a:ext>
+            </a:extLst>
+          </p:cNvPr>
+          <p:cNvSpPr>
+            <a:spLocks noGrp="1"/>
+          </p:cNvSpPr>
+          <p:nvPr>
+            <p:ph idx="1"/>
+          </p:nvPr>
+        </p:nvSpPr>
+        <p:spPr>
+          <a:xfrm>
+            <a:off x="838200" y="1500160"/>
+            <a:ext cx="9966158" cy="4856190"/>
+          </a:xfrm>
+        </p:spPr>
+        <p:txBody>
+          <a:bodyPr>
+            <a:noAutofit/>
+          </a:bodyPr>
+          <a:lstStyle/>
+          <a:p>
+            <a:pPr marL="0" indent="0">
+              <a:buNone/>
+            </a:pPr>
+            <a:r>
+              <a:rPr lang="en-US" sz="1400" b="0" dirty="0">
+                <a:solidFill>
+                  <a:srgbClr val="000000"/>
+                </a:solidFill>
+                <a:effectLst/>
+                <a:latin typeface="Consolas" panose="020B0609020204030204" pitchFamily="49" charset="0"/>
+              </a:rPr>
+              <a:t>describe(</a:t>
+            </a:r>
+            <a:r>
+              <a:rPr lang="en-US" sz="1400" b="0" dirty="0">
+                <a:solidFill>
+                  <a:srgbClr val="A31515"/>
+                </a:solidFill>
+                <a:effectLst/>
+                <a:latin typeface="Consolas" panose="020B0609020204030204" pitchFamily="49" charset="0"/>
+              </a:rPr>
+              <a:t>'</a:t>
+            </a:r>
+            <a:r>
+              <a:rPr lang="en-US" sz="1400" b="0" dirty="0" err="1">
+                <a:solidFill>
+                  <a:srgbClr val="A31515"/>
+                </a:solidFill>
+                <a:effectLst/>
+                <a:latin typeface="Consolas" panose="020B0609020204030204" pitchFamily="49" charset="0"/>
+              </a:rPr>
+              <a:t>conversationAreaCreateHandler</a:t>
+            </a:r>
+            <a:r>
+              <a:rPr lang="en-US" sz="1400" b="0" dirty="0">
+                <a:solidFill>
+                  <a:srgbClr val="A31515"/>
+                </a:solidFill>
+                <a:effectLst/>
+                <a:latin typeface="Consolas" panose="020B0609020204030204" pitchFamily="49" charset="0"/>
+              </a:rPr>
+              <a:t>'</a:t>
+            </a:r>
+            <a:r>
+              <a:rPr lang="en-US" sz="1400" b="0" dirty="0">
+                <a:solidFill>
+                  <a:srgbClr val="000000"/>
+                </a:solidFill>
+                <a:effectLst/>
+                <a:latin typeface="Consolas" panose="020B0609020204030204" pitchFamily="49" charset="0"/>
+              </a:rPr>
+              <a:t>, () </a:t>
+            </a:r>
+            <a:r>
+              <a:rPr lang="en-US" sz="1400" b="0" dirty="0">
+                <a:solidFill>
+                  <a:srgbClr val="0000FF"/>
+                </a:solidFill>
+                <a:effectLst/>
+                <a:latin typeface="Consolas" panose="020B0609020204030204" pitchFamily="49" charset="0"/>
+              </a:rPr>
+              <a:t>=&gt;</a:t>
+            </a:r>
+            <a:r>
+              <a:rPr lang="en-US" sz="1400" b="0" dirty="0">
+                <a:solidFill>
+                  <a:srgbClr val="000000"/>
+                </a:solidFill>
+                <a:effectLst/>
+                <a:latin typeface="Consolas" panose="020B0609020204030204" pitchFamily="49" charset="0"/>
+              </a:rPr>
+              <a:t> {</a:t>
+            </a:r>
+          </a:p>
+          <a:p>
+            <a:pPr marL="0" indent="0">
+              <a:buNone/>
+            </a:pPr>
+            <a:br>
+              <a:rPr lang="en-US" sz="1400" b="0" dirty="0">
+                <a:solidFill>
+                  <a:srgbClr val="000000"/>
+                </a:solidFill>
+                <a:effectLst/>
+                <a:latin typeface="Consolas" panose="020B0609020204030204" pitchFamily="49" charset="0"/>
+              </a:rPr>
+            </a:br>
+            <a:r>
+              <a:rPr lang="en-US" sz="1400" b="0" dirty="0">
+                <a:solidFill>
+                  <a:srgbClr val="000000"/>
+                </a:solidFill>
+                <a:effectLst/>
+                <a:latin typeface="Consolas" panose="020B0609020204030204" pitchFamily="49" charset="0"/>
+              </a:rPr>
+              <a:t>    </a:t>
+            </a:r>
+            <a:r>
+              <a:rPr lang="en-US" sz="1400" b="0" dirty="0">
+                <a:solidFill>
+                  <a:srgbClr val="0000FF"/>
+                </a:solidFill>
+                <a:effectLst/>
+                <a:latin typeface="Consolas" panose="020B0609020204030204" pitchFamily="49" charset="0"/>
+              </a:rPr>
+              <a:t>const</a:t>
+            </a:r>
+            <a:r>
+              <a:rPr lang="en-US" sz="1400" b="0" dirty="0">
+                <a:solidFill>
+                  <a:srgbClr val="000000"/>
+                </a:solidFill>
+                <a:effectLst/>
+                <a:latin typeface="Consolas" panose="020B0609020204030204" pitchFamily="49" charset="0"/>
+              </a:rPr>
+              <a:t> </a:t>
+            </a:r>
+            <a:r>
+              <a:rPr lang="en-US" sz="1400" b="0" dirty="0" err="1">
+                <a:solidFill>
+                  <a:srgbClr val="000000"/>
+                </a:solidFill>
+                <a:effectLst/>
+                <a:latin typeface="Consolas" panose="020B0609020204030204" pitchFamily="49" charset="0"/>
+              </a:rPr>
+              <a:t>mockCoveyTownStore</a:t>
+            </a:r>
+            <a:r>
+              <a:rPr lang="en-US" sz="1400" b="0" dirty="0">
+                <a:solidFill>
+                  <a:srgbClr val="000000"/>
+                </a:solidFill>
+                <a:effectLst/>
+                <a:latin typeface="Consolas" panose="020B0609020204030204" pitchFamily="49" charset="0"/>
+              </a:rPr>
+              <a:t> = mock&lt;</a:t>
+            </a:r>
+            <a:r>
+              <a:rPr lang="en-US" sz="1400" b="0" dirty="0" err="1">
+                <a:solidFill>
+                  <a:srgbClr val="000000"/>
+                </a:solidFill>
+                <a:effectLst/>
+                <a:latin typeface="Consolas" panose="020B0609020204030204" pitchFamily="49" charset="0"/>
+              </a:rPr>
+              <a:t>CoveyTownsStore</a:t>
+            </a:r>
+            <a:r>
+              <a:rPr lang="en-US" sz="1400" b="0" dirty="0">
+                <a:solidFill>
+                  <a:srgbClr val="000000"/>
+                </a:solidFill>
+                <a:effectLst/>
+                <a:latin typeface="Consolas" panose="020B0609020204030204" pitchFamily="49" charset="0"/>
+              </a:rPr>
+              <a:t>&gt;();</a:t>
+            </a:r>
+          </a:p>
+          <a:p>
+            <a:pPr marL="0" indent="0">
+              <a:buNone/>
+            </a:pPr>
+            <a:r>
+              <a:rPr lang="en-US" sz="1400" b="0" dirty="0">
+                <a:solidFill>
+                  <a:srgbClr val="000000"/>
+                </a:solidFill>
+                <a:effectLst/>
+                <a:latin typeface="Consolas" panose="020B0609020204030204" pitchFamily="49" charset="0"/>
+              </a:rPr>
+              <a:t>    </a:t>
+            </a:r>
+            <a:r>
+              <a:rPr lang="en-US" sz="1400" b="0" dirty="0">
+                <a:solidFill>
+                  <a:srgbClr val="0000FF"/>
+                </a:solidFill>
+                <a:effectLst/>
+                <a:latin typeface="Consolas" panose="020B0609020204030204" pitchFamily="49" charset="0"/>
+              </a:rPr>
+              <a:t>const</a:t>
+            </a:r>
+            <a:r>
+              <a:rPr lang="en-US" sz="1400" b="0" dirty="0">
+                <a:solidFill>
+                  <a:srgbClr val="000000"/>
+                </a:solidFill>
+                <a:effectLst/>
+                <a:latin typeface="Consolas" panose="020B0609020204030204" pitchFamily="49" charset="0"/>
+              </a:rPr>
+              <a:t> </a:t>
+            </a:r>
+            <a:r>
+              <a:rPr lang="en-US" sz="1400" b="0" dirty="0" err="1">
+                <a:solidFill>
+                  <a:srgbClr val="000000"/>
+                </a:solidFill>
+                <a:effectLst/>
+                <a:latin typeface="Consolas" panose="020B0609020204030204" pitchFamily="49" charset="0"/>
+              </a:rPr>
+              <a:t>mockCoveyTownController</a:t>
+            </a:r>
+            <a:r>
+              <a:rPr lang="en-US" sz="1400" b="0" dirty="0">
+                <a:solidFill>
+                  <a:srgbClr val="000000"/>
+                </a:solidFill>
+                <a:effectLst/>
+                <a:latin typeface="Consolas" panose="020B0609020204030204" pitchFamily="49" charset="0"/>
+              </a:rPr>
+              <a:t> = mock&lt;</a:t>
+            </a:r>
+            <a:r>
+              <a:rPr lang="en-US" sz="1400" b="0" dirty="0" err="1">
+                <a:solidFill>
+                  <a:srgbClr val="000000"/>
+                </a:solidFill>
+                <a:effectLst/>
+                <a:latin typeface="Consolas" panose="020B0609020204030204" pitchFamily="49" charset="0"/>
+              </a:rPr>
+              <a:t>CoveyTownController</a:t>
+            </a:r>
+            <a:r>
+              <a:rPr lang="en-US" sz="1400" b="0" dirty="0">
+                <a:solidFill>
+                  <a:srgbClr val="000000"/>
+                </a:solidFill>
+                <a:effectLst/>
+                <a:latin typeface="Consolas" panose="020B0609020204030204" pitchFamily="49" charset="0"/>
+              </a:rPr>
+              <a:t>&gt;();</a:t>
+            </a:r>
+          </a:p>
+          <a:p>
+            <a:pPr marL="0" indent="0">
+              <a:buNone/>
+            </a:pPr>
+            <a:r>
+              <a:rPr lang="en-US" sz="1400" b="0" dirty="0">
+                <a:solidFill>
+                  <a:srgbClr val="000000"/>
+                </a:solidFill>
+                <a:effectLst/>
+                <a:latin typeface="Consolas" panose="020B0609020204030204" pitchFamily="49" charset="0"/>
+              </a:rPr>
+              <a:t>    </a:t>
+            </a:r>
+            <a:r>
+              <a:rPr lang="en-US" sz="1400" b="0" dirty="0" err="1">
+                <a:solidFill>
+                  <a:srgbClr val="000000"/>
+                </a:solidFill>
+                <a:effectLst/>
+                <a:latin typeface="Consolas" panose="020B0609020204030204" pitchFamily="49" charset="0"/>
+              </a:rPr>
+              <a:t>beforeAll</a:t>
+            </a:r>
+            <a:r>
+              <a:rPr lang="en-US" sz="1400" b="0" dirty="0">
+                <a:solidFill>
+                  <a:srgbClr val="000000"/>
+                </a:solidFill>
+                <a:effectLst/>
+                <a:latin typeface="Consolas" panose="020B0609020204030204" pitchFamily="49" charset="0"/>
+              </a:rPr>
+              <a:t>(() </a:t>
+            </a:r>
+            <a:r>
+              <a:rPr lang="en-US" sz="1400" b="0" dirty="0">
+                <a:solidFill>
+                  <a:srgbClr val="0000FF"/>
+                </a:solidFill>
+                <a:effectLst/>
+                <a:latin typeface="Consolas" panose="020B0609020204030204" pitchFamily="49" charset="0"/>
+              </a:rPr>
+              <a:t>=&gt;</a:t>
+            </a:r>
+            <a:r>
+              <a:rPr lang="en-US" sz="1400" b="0" dirty="0">
+                <a:solidFill>
+                  <a:srgbClr val="000000"/>
+                </a:solidFill>
+                <a:effectLst/>
+                <a:latin typeface="Consolas" panose="020B0609020204030204" pitchFamily="49" charset="0"/>
+              </a:rPr>
+              <a:t> {</a:t>
+            </a:r>
+          </a:p>
+          <a:p>
+            <a:pPr marL="0" indent="0">
+              <a:buNone/>
+            </a:pPr>
+            <a:r>
+              <a:rPr lang="en-US" sz="1400" b="0" dirty="0">
+                <a:solidFill>
+                  <a:srgbClr val="000000"/>
+                </a:solidFill>
+                <a:effectLst/>
+                <a:latin typeface="Consolas" panose="020B0609020204030204" pitchFamily="49" charset="0"/>
+              </a:rPr>
+              <a:t>      </a:t>
+            </a:r>
+            <a:r>
+              <a:rPr lang="en-US" sz="1400" b="0" dirty="0">
+                <a:solidFill>
+                  <a:srgbClr val="008000"/>
+                </a:solidFill>
+                <a:effectLst/>
+                <a:latin typeface="Consolas" panose="020B0609020204030204" pitchFamily="49" charset="0"/>
+              </a:rPr>
+              <a:t>// Set up a spy for </a:t>
+            </a:r>
+            <a:r>
+              <a:rPr lang="en-US" sz="1400" b="0" dirty="0" err="1">
+                <a:solidFill>
+                  <a:srgbClr val="008000"/>
+                </a:solidFill>
+                <a:effectLst/>
+                <a:latin typeface="Consolas" panose="020B0609020204030204" pitchFamily="49" charset="0"/>
+              </a:rPr>
+              <a:t>CoveyTownsStore</a:t>
+            </a:r>
+            <a:r>
+              <a:rPr lang="en-US" sz="1400" b="0" dirty="0">
+                <a:solidFill>
+                  <a:srgbClr val="008000"/>
+                </a:solidFill>
+                <a:effectLst/>
+                <a:latin typeface="Consolas" panose="020B0609020204030204" pitchFamily="49" charset="0"/>
+              </a:rPr>
+              <a:t> that will always return our </a:t>
+            </a:r>
+            <a:r>
+              <a:rPr lang="en-US" sz="1400" b="0" dirty="0" err="1">
+                <a:solidFill>
+                  <a:srgbClr val="008000"/>
+                </a:solidFill>
+                <a:effectLst/>
+                <a:latin typeface="Consolas" panose="020B0609020204030204" pitchFamily="49" charset="0"/>
+              </a:rPr>
+              <a:t>mockCoveyTownsStore</a:t>
+            </a:r>
+            <a:r>
+              <a:rPr lang="en-US" sz="1400" b="0" dirty="0">
+                <a:solidFill>
+                  <a:srgbClr val="008000"/>
+                </a:solidFill>
+                <a:effectLst/>
+                <a:latin typeface="Consolas" panose="020B0609020204030204" pitchFamily="49" charset="0"/>
+              </a:rPr>
+              <a:t> as the singleton instance</a:t>
+            </a:r>
+            <a:endParaRPr lang="en-US" sz="1400" b="0" dirty="0">
+              <a:solidFill>
+                <a:srgbClr val="000000"/>
+              </a:solidFill>
+              <a:effectLst/>
+              <a:latin typeface="Consolas" panose="020B0609020204030204" pitchFamily="49" charset="0"/>
+            </a:endParaRPr>
+          </a:p>
+          <a:p>
+            <a:pPr marL="0" indent="0">
+              <a:buNone/>
+            </a:pPr>
+            <a:r>
+              <a:rPr lang="en-US" sz="1400" b="0" dirty="0">
+                <a:solidFill>
+                  <a:srgbClr val="000000"/>
+                </a:solidFill>
+                <a:effectLst/>
+                <a:latin typeface="Consolas" panose="020B0609020204030204" pitchFamily="49" charset="0"/>
+              </a:rPr>
+              <a:t>      </a:t>
+            </a:r>
+            <a:r>
+              <a:rPr lang="en-US" sz="1400" b="0" dirty="0" err="1">
+                <a:solidFill>
+                  <a:srgbClr val="000000"/>
+                </a:solidFill>
+                <a:effectLst/>
+                <a:latin typeface="Consolas" panose="020B0609020204030204" pitchFamily="49" charset="0"/>
+              </a:rPr>
+              <a:t>jest.spyOn</a:t>
+            </a:r>
+            <a:r>
+              <a:rPr lang="en-US" sz="1400" b="0" dirty="0">
+                <a:solidFill>
+                  <a:srgbClr val="000000"/>
+                </a:solidFill>
+                <a:effectLst/>
+                <a:latin typeface="Consolas" panose="020B0609020204030204" pitchFamily="49" charset="0"/>
+              </a:rPr>
+              <a:t>(</a:t>
+            </a:r>
+            <a:r>
+              <a:rPr lang="en-US" sz="1400" b="0" dirty="0" err="1">
+                <a:solidFill>
+                  <a:srgbClr val="000000"/>
+                </a:solidFill>
+                <a:effectLst/>
+                <a:latin typeface="Consolas" panose="020B0609020204030204" pitchFamily="49" charset="0"/>
+              </a:rPr>
+              <a:t>CoveyTownsStore</a:t>
+            </a:r>
+            <a:r>
+              <a:rPr lang="en-US" sz="1400" b="0" dirty="0">
+                <a:solidFill>
+                  <a:srgbClr val="000000"/>
+                </a:solidFill>
+                <a:effectLst/>
+                <a:latin typeface="Consolas" panose="020B0609020204030204" pitchFamily="49" charset="0"/>
+              </a:rPr>
+              <a:t>, </a:t>
+            </a:r>
+            <a:r>
+              <a:rPr lang="en-US" sz="1400" b="0" dirty="0">
+                <a:solidFill>
+                  <a:srgbClr val="A31515"/>
+                </a:solidFill>
+                <a:effectLst/>
+                <a:latin typeface="Consolas" panose="020B0609020204030204" pitchFamily="49" charset="0"/>
+              </a:rPr>
+              <a:t>'</a:t>
+            </a:r>
+            <a:r>
+              <a:rPr lang="en-US" sz="1400" b="0" dirty="0" err="1">
+                <a:solidFill>
+                  <a:srgbClr val="A31515"/>
+                </a:solidFill>
+                <a:effectLst/>
+                <a:latin typeface="Consolas" panose="020B0609020204030204" pitchFamily="49" charset="0"/>
+              </a:rPr>
+              <a:t>getInstance</a:t>
+            </a:r>
+            <a:r>
+              <a:rPr lang="en-US" sz="1400" b="0" dirty="0">
+                <a:solidFill>
+                  <a:srgbClr val="A31515"/>
+                </a:solidFill>
+                <a:effectLst/>
+                <a:latin typeface="Consolas" panose="020B0609020204030204" pitchFamily="49" charset="0"/>
+              </a:rPr>
+              <a:t>'</a:t>
+            </a:r>
+            <a:r>
+              <a:rPr lang="en-US" sz="1400" b="0" dirty="0">
+                <a:solidFill>
+                  <a:srgbClr val="000000"/>
+                </a:solidFill>
+                <a:effectLst/>
+                <a:latin typeface="Consolas" panose="020B0609020204030204" pitchFamily="49" charset="0"/>
+              </a:rPr>
+              <a:t>).</a:t>
+            </a:r>
+            <a:r>
+              <a:rPr lang="en-US" sz="1400" b="0" dirty="0" err="1">
+                <a:solidFill>
+                  <a:srgbClr val="000000"/>
+                </a:solidFill>
+                <a:effectLst/>
+                <a:latin typeface="Consolas" panose="020B0609020204030204" pitchFamily="49" charset="0"/>
+              </a:rPr>
+              <a:t>mockReturnValue</a:t>
+            </a:r>
+            <a:r>
+              <a:rPr lang="en-US" sz="1400" b="0" dirty="0">
+                <a:solidFill>
+                  <a:srgbClr val="000000"/>
+                </a:solidFill>
+                <a:effectLst/>
+                <a:latin typeface="Consolas" panose="020B0609020204030204" pitchFamily="49" charset="0"/>
+              </a:rPr>
+              <a:t>(</a:t>
+            </a:r>
+            <a:r>
+              <a:rPr lang="en-US" sz="1400" b="0" dirty="0" err="1">
+                <a:solidFill>
+                  <a:srgbClr val="000000"/>
+                </a:solidFill>
+                <a:effectLst/>
+                <a:latin typeface="Consolas" panose="020B0609020204030204" pitchFamily="49" charset="0"/>
+              </a:rPr>
+              <a:t>mockCoveyTownStore</a:t>
+            </a:r>
+            <a:r>
+              <a:rPr lang="en-US" sz="1400" b="0" dirty="0">
+                <a:solidFill>
+                  <a:srgbClr val="000000"/>
+                </a:solidFill>
+                <a:effectLst/>
+                <a:latin typeface="Consolas" panose="020B0609020204030204" pitchFamily="49" charset="0"/>
+              </a:rPr>
+              <a:t>);</a:t>
+            </a:r>
+          </a:p>
+          <a:p>
+            <a:pPr marL="0" indent="0">
+              <a:buNone/>
+            </a:pPr>
+            <a:r>
+              <a:rPr lang="en-US" sz="1400" b="0" dirty="0">
+                <a:solidFill>
+                  <a:srgbClr val="000000"/>
+                </a:solidFill>
+                <a:effectLst/>
+                <a:latin typeface="Consolas" panose="020B0609020204030204" pitchFamily="49" charset="0"/>
+              </a:rPr>
+              <a:t>    });</a:t>
+            </a:r>
+          </a:p>
+          <a:p>
+            <a:pPr marL="0" indent="0">
+              <a:buNone/>
+            </a:pPr>
+            <a:r>
+              <a:rPr lang="en-US" sz="1400" b="0" dirty="0">
+                <a:solidFill>
+                  <a:srgbClr val="000000"/>
+                </a:solidFill>
+                <a:effectLst/>
+                <a:latin typeface="Consolas" panose="020B0609020204030204" pitchFamily="49" charset="0"/>
+              </a:rPr>
+              <a:t>    </a:t>
+            </a:r>
+            <a:r>
+              <a:rPr lang="en-US" sz="1400" b="0" dirty="0" err="1">
+                <a:solidFill>
+                  <a:srgbClr val="000000"/>
+                </a:solidFill>
+                <a:effectLst/>
+                <a:latin typeface="Consolas" panose="020B0609020204030204" pitchFamily="49" charset="0"/>
+              </a:rPr>
+              <a:t>beforeEach</a:t>
+            </a:r>
+            <a:r>
+              <a:rPr lang="en-US" sz="1400" b="0" dirty="0">
+                <a:solidFill>
+                  <a:srgbClr val="000000"/>
+                </a:solidFill>
+                <a:effectLst/>
+                <a:latin typeface="Consolas" panose="020B0609020204030204" pitchFamily="49" charset="0"/>
+              </a:rPr>
+              <a:t>(() </a:t>
+            </a:r>
+            <a:r>
+              <a:rPr lang="en-US" sz="1400" b="0" dirty="0">
+                <a:solidFill>
+                  <a:srgbClr val="0000FF"/>
+                </a:solidFill>
+                <a:effectLst/>
+                <a:latin typeface="Consolas" panose="020B0609020204030204" pitchFamily="49" charset="0"/>
+              </a:rPr>
+              <a:t>=&gt;</a:t>
+            </a:r>
+            <a:r>
+              <a:rPr lang="en-US" sz="1400" b="0" dirty="0">
+                <a:solidFill>
+                  <a:srgbClr val="000000"/>
+                </a:solidFill>
+                <a:effectLst/>
+                <a:latin typeface="Consolas" panose="020B0609020204030204" pitchFamily="49" charset="0"/>
+              </a:rPr>
+              <a:t> {</a:t>
+            </a:r>
+          </a:p>
+          <a:p>
+            <a:pPr marL="0" indent="0">
+              <a:buNone/>
+            </a:pPr>
+            <a:r>
+              <a:rPr lang="en-US" sz="1400" b="0" dirty="0">
+                <a:solidFill>
+                  <a:srgbClr val="000000"/>
+                </a:solidFill>
+                <a:effectLst/>
+                <a:latin typeface="Consolas" panose="020B0609020204030204" pitchFamily="49" charset="0"/>
+              </a:rPr>
+              <a:t>      </a:t>
+            </a:r>
+            <a:r>
+              <a:rPr lang="en-US" sz="1400" b="0" dirty="0">
+                <a:solidFill>
+                  <a:srgbClr val="008000"/>
+                </a:solidFill>
+                <a:effectLst/>
+                <a:latin typeface="Consolas" panose="020B0609020204030204" pitchFamily="49" charset="0"/>
+              </a:rPr>
+              <a:t>// Reset all mock calls, and ensure that </a:t>
+            </a:r>
+            <a:r>
+              <a:rPr lang="en-US" sz="1400" b="0" dirty="0" err="1">
+                <a:solidFill>
+                  <a:srgbClr val="008000"/>
+                </a:solidFill>
+                <a:effectLst/>
+                <a:latin typeface="Consolas" panose="020B0609020204030204" pitchFamily="49" charset="0"/>
+              </a:rPr>
+              <a:t>getControllerForTown</a:t>
+            </a:r>
+            <a:r>
+              <a:rPr lang="en-US" sz="1400" b="0" dirty="0">
+                <a:solidFill>
+                  <a:srgbClr val="008000"/>
+                </a:solidFill>
+                <a:effectLst/>
+                <a:latin typeface="Consolas" panose="020B0609020204030204" pitchFamily="49" charset="0"/>
+              </a:rPr>
+              <a:t> will always return the same mock controller</a:t>
+            </a:r>
+            <a:endParaRPr lang="en-US" sz="1400" b="0" dirty="0">
+              <a:solidFill>
+                <a:srgbClr val="000000"/>
+              </a:solidFill>
+              <a:effectLst/>
+              <a:latin typeface="Consolas" panose="020B0609020204030204" pitchFamily="49" charset="0"/>
+            </a:endParaRPr>
+          </a:p>
+          <a:p>
+            <a:pPr marL="0" indent="0">
+              <a:buNone/>
+            </a:pPr>
+            <a:r>
+              <a:rPr lang="en-US" sz="1400" b="0" dirty="0">
+                <a:solidFill>
+                  <a:srgbClr val="000000"/>
+                </a:solidFill>
+                <a:effectLst/>
+                <a:latin typeface="Consolas" panose="020B0609020204030204" pitchFamily="49" charset="0"/>
+              </a:rPr>
+              <a:t>      </a:t>
+            </a:r>
+            <a:r>
+              <a:rPr lang="en-US" sz="1400" b="0" dirty="0" err="1">
+                <a:solidFill>
+                  <a:srgbClr val="000000"/>
+                </a:solidFill>
+                <a:effectLst/>
+                <a:latin typeface="Consolas" panose="020B0609020204030204" pitchFamily="49" charset="0"/>
+              </a:rPr>
+              <a:t>mockReset</a:t>
+            </a:r>
+            <a:r>
+              <a:rPr lang="en-US" sz="1400" b="0" dirty="0">
+                <a:solidFill>
+                  <a:srgbClr val="000000"/>
+                </a:solidFill>
+                <a:effectLst/>
+                <a:latin typeface="Consolas" panose="020B0609020204030204" pitchFamily="49" charset="0"/>
+              </a:rPr>
+              <a:t>(</a:t>
+            </a:r>
+            <a:r>
+              <a:rPr lang="en-US" sz="1400" b="0" dirty="0" err="1">
+                <a:solidFill>
+                  <a:srgbClr val="000000"/>
+                </a:solidFill>
+                <a:effectLst/>
+                <a:latin typeface="Consolas" panose="020B0609020204030204" pitchFamily="49" charset="0"/>
+              </a:rPr>
+              <a:t>mockCoveyTownController</a:t>
+            </a:r>
+            <a:r>
+              <a:rPr lang="en-US" sz="1400" b="0" dirty="0">
+                <a:solidFill>
+                  <a:srgbClr val="000000"/>
+                </a:solidFill>
+                <a:effectLst/>
+                <a:latin typeface="Consolas" panose="020B0609020204030204" pitchFamily="49" charset="0"/>
+              </a:rPr>
+              <a:t>);</a:t>
+            </a:r>
+          </a:p>
+          <a:p>
+            <a:pPr marL="0" indent="0">
+              <a:buNone/>
+            </a:pPr>
+            <a:r>
+              <a:rPr lang="en-US" sz="1400" b="0" dirty="0">
+                <a:solidFill>
+                  <a:srgbClr val="000000"/>
+                </a:solidFill>
+                <a:effectLst/>
+                <a:latin typeface="Consolas" panose="020B0609020204030204" pitchFamily="49" charset="0"/>
+              </a:rPr>
+              <a:t>      </a:t>
+            </a:r>
+            <a:r>
+              <a:rPr lang="en-US" sz="1400" b="0" dirty="0" err="1">
+                <a:solidFill>
+                  <a:srgbClr val="000000"/>
+                </a:solidFill>
+                <a:effectLst/>
+                <a:latin typeface="Consolas" panose="020B0609020204030204" pitchFamily="49" charset="0"/>
+              </a:rPr>
+              <a:t>mockReset</a:t>
+            </a:r>
+            <a:r>
+              <a:rPr lang="en-US" sz="1400" b="0" dirty="0">
+                <a:solidFill>
+                  <a:srgbClr val="000000"/>
+                </a:solidFill>
+                <a:effectLst/>
+                <a:latin typeface="Consolas" panose="020B0609020204030204" pitchFamily="49" charset="0"/>
+              </a:rPr>
+              <a:t>(</a:t>
+            </a:r>
+            <a:r>
+              <a:rPr lang="en-US" sz="1400" b="0" dirty="0" err="1">
+                <a:solidFill>
+                  <a:srgbClr val="000000"/>
+                </a:solidFill>
+                <a:effectLst/>
+                <a:latin typeface="Consolas" panose="020B0609020204030204" pitchFamily="49" charset="0"/>
+              </a:rPr>
+              <a:t>mockCoveyTownStore</a:t>
+            </a:r>
+            <a:r>
+              <a:rPr lang="en-US" sz="1400" b="0" dirty="0">
+                <a:solidFill>
+                  <a:srgbClr val="000000"/>
+                </a:solidFill>
+                <a:effectLst/>
+                <a:latin typeface="Consolas" panose="020B0609020204030204" pitchFamily="49" charset="0"/>
+              </a:rPr>
+              <a:t>);</a:t>
+            </a:r>
+          </a:p>
+          <a:p>
+            <a:pPr marL="0" indent="0">
+              <a:buNone/>
+            </a:pPr>
+            <a:r>
+              <a:rPr lang="en-US" sz="1400" b="0" dirty="0">
+                <a:solidFill>
+                  <a:srgbClr val="000000"/>
+                </a:solidFill>
+                <a:effectLst/>
+                <a:latin typeface="Consolas" panose="020B0609020204030204" pitchFamily="49" charset="0"/>
+              </a:rPr>
+              <a:t>      </a:t>
+            </a:r>
+            <a:r>
+              <a:rPr lang="en-US" sz="1400" b="0" dirty="0" err="1">
+                <a:solidFill>
+                  <a:srgbClr val="000000"/>
+                </a:solidFill>
+                <a:effectLst/>
+                <a:latin typeface="Consolas" panose="020B0609020204030204" pitchFamily="49" charset="0"/>
+              </a:rPr>
+              <a:t>mockCoveyTownStore.getControllerForTown.mockReturnValue</a:t>
+            </a:r>
+            <a:r>
+              <a:rPr lang="en-US" sz="1400" b="0" dirty="0">
+                <a:solidFill>
+                  <a:srgbClr val="000000"/>
+                </a:solidFill>
+                <a:effectLst/>
+                <a:latin typeface="Consolas" panose="020B0609020204030204" pitchFamily="49" charset="0"/>
+              </a:rPr>
+              <a:t>(</a:t>
+            </a:r>
+            <a:r>
+              <a:rPr lang="en-US" sz="1400" b="0" dirty="0" err="1">
+                <a:solidFill>
+                  <a:srgbClr val="000000"/>
+                </a:solidFill>
+                <a:effectLst/>
+                <a:latin typeface="Consolas" panose="020B0609020204030204" pitchFamily="49" charset="0"/>
+              </a:rPr>
+              <a:t>mockCoveyTownController</a:t>
+            </a:r>
+            <a:r>
+              <a:rPr lang="en-US" sz="1400" b="0" dirty="0">
+                <a:solidFill>
+                  <a:srgbClr val="000000"/>
+                </a:solidFill>
+                <a:effectLst/>
+                <a:latin typeface="Consolas" panose="020B0609020204030204" pitchFamily="49" charset="0"/>
+              </a:rPr>
+              <a:t>);</a:t>
+            </a:r>
+          </a:p>
+          <a:p>
+            <a:pPr marL="0" indent="0">
+              <a:buNone/>
+            </a:pPr>
+            <a:r>
+              <a:rPr lang="en-US" sz="1400" b="0" dirty="0">
+                <a:solidFill>
+                  <a:srgbClr val="000000"/>
+                </a:solidFill>
+                <a:effectLst/>
+                <a:latin typeface="Consolas" panose="020B0609020204030204" pitchFamily="49" charset="0"/>
+              </a:rPr>
+              <a:t>    });</a:t>
+            </a:r>
+          </a:p>
+          <a:p>
+            <a:pPr marL="0" indent="0">
+              <a:buNone/>
+            </a:pPr>
+            <a:r>
+              <a:rPr lang="en-US" sz="1400" dirty="0">
+                <a:solidFill>
+                  <a:srgbClr val="000000"/>
+                </a:solidFill>
+                <a:latin typeface="Consolas" panose="020B0609020204030204" pitchFamily="49" charset="0"/>
+              </a:rPr>
+              <a:t>. . . . </a:t>
+            </a:r>
+            <a:endParaRPr lang="en-US" sz="1400" b="0" dirty="0">
+              <a:solidFill>
+                <a:srgbClr val="000000"/>
+              </a:solidFill>
+              <a:effectLst/>
+              <a:latin typeface="Consolas" panose="020B0609020204030204" pitchFamily="49" charset="0"/>
+            </a:endParaRPr>
+          </a:p>
+        </p:txBody>
+      </p:sp>
+      <p:sp>
+        <p:nvSpPr>
+          <p:cNvPr id="6" name="Rectangle 5">
+            <a:extLst>
+              <a:ext uri="{FF2B5EF4-FFF2-40B4-BE49-F238E27FC236}">
+                <a16:creationId xmlns:a16="http://schemas.microsoft.com/office/drawing/2014/main" id="{0FE5B1C2-118F-4C69-91E4-39B1A438D45E}"/>
+              </a:ext>
+            </a:extLst>
+          </p:cNvPr>
+          <p:cNvSpPr/>
+          <p:nvPr/>
+        </p:nvSpPr>
+        <p:spPr>
+          <a:xfrm>
+            <a:off x="9625913" y="3298523"/>
+            <a:ext cx="2090184" cy="1103122"/>
+          </a:xfrm>
+          <a:prstGeom prst="rect">
+            <a:avLst/>
+          </a:prstGeom>
+          <a:solidFill>
+            <a:schemeClr val="accent2">
+              <a:lumMod val="20000"/>
+              <a:lumOff val="80000"/>
+            </a:schemeClr>
+          </a:solidFill>
+          <a:ln>
+            <a:solidFill>
+              <a:srgbClr val="0070C0"/>
+            </a:solidFill>
+          </a:ln>
+        </p:spPr>
+        <p:style>
+          <a:lnRef idx="2">
+            <a:schemeClr val="accent1">
+              <a:shade val="50000"/>
+            </a:schemeClr>
+          </a:lnRef>
+          <a:fillRef idx="1">
+            <a:schemeClr val="accent1"/>
+          </a:fillRef>
+          <a:effectRef idx="0">
+            <a:schemeClr val="accent1"/>
+          </a:effectRef>
+          <a:fontRef idx="minor">
+            <a:schemeClr val="lt1"/>
+          </a:fontRef>
+        </p:style>
+        <p:txBody>
+          <a:bodyPr rtlCol="0" anchor="t"/>
+          <a:lstStyle/>
+          <a:p>
+            <a:pPr algn="ctr"/>
+            <a:r>
+              <a:rPr lang="en-US" sz="2400" b="1" dirty="0">
+                <a:solidFill>
+                  <a:schemeClr val="tx1"/>
+                </a:solidFill>
+                <a:latin typeface="Ink Free" panose="03080402000500000000" pitchFamily="66" charset="0"/>
+              </a:rPr>
+              <a:t>spying on </a:t>
+            </a:r>
+            <a:r>
+              <a:rPr lang="en-US" sz="2400" b="1" dirty="0" err="1">
+                <a:solidFill>
+                  <a:schemeClr val="tx1"/>
+                </a:solidFill>
+                <a:latin typeface="Ink Free" panose="03080402000500000000" pitchFamily="66" charset="0"/>
+              </a:rPr>
+              <a:t>getInstance</a:t>
+            </a:r>
+            <a:r>
+              <a:rPr lang="en-US" sz="2400" b="1" dirty="0">
+                <a:solidFill>
+                  <a:schemeClr val="tx1"/>
+                </a:solidFill>
+                <a:latin typeface="Ink Free" panose="03080402000500000000" pitchFamily="66" charset="0"/>
+              </a:rPr>
+              <a:t>() method</a:t>
+            </a:r>
+          </a:p>
+        </p:txBody>
+      </p:sp>
+    </p:spTree>
+    <p:extLst>
+      <p:ext uri="{BB962C8B-B14F-4D97-AF65-F5344CB8AC3E}">
+        <p14:creationId xmlns:p14="http://schemas.microsoft.com/office/powerpoint/2010/main" val="3247830719"/>
+      </p:ext>
+    </p:extLst>
+  </p:cSld>
+  <p:clrMapOvr>
+    <a:masterClrMapping/>
+  </p:clrMapOvr>
+  <p:timing>
+    <p:tnLst>
+      <p:par>
+        <p:cTn id="1" dur="indefinite" restart="never" nodeType="tmRoot">
+          <p:childTnLst>
+            <p:seq concurrent="1" nextAc="seek">
+              <p:cTn id="2" dur="indefinite" nodeType="mainSeq">
+                <p:childTnLst>
+                  <p:par>
+                    <p:cTn id="3" fill="hold">
+                      <p:stCondLst>
+                        <p:cond delay="indefinite"/>
+                        <p:cond evt="onBegin" delay="0">
+                          <p:tn val="2"/>
+                        </p:cond>
+                      </p:stCondLst>
+                      <p:childTnLst>
+                        <p:par>
+                          <p:cTn id="4" fill="hold">
+                            <p:stCondLst>
+                              <p:cond delay="0"/>
+                            </p:stCondLst>
+                            <p:childTnLst>
+                              <p:par>
+                                <p:cTn id="5" presetID="2" presetClass="entr" presetSubtype="4" fill="hold" grpId="0" nodeType="afterEffect">
+                                  <p:stCondLst>
+                                    <p:cond delay="0"/>
+                                  </p:stCondLst>
+                                  <p:childTnLst>
+                                    <p:set>
+                                      <p:cBhvr>
+                                        <p:cTn id="6" dur="1" fill="hold">
+                                          <p:stCondLst>
+                                            <p:cond delay="0"/>
+                                          </p:stCondLst>
+                                        </p:cTn>
+                                        <p:tgtEl>
+                                          <p:spTgt spid="6"/>
+                                        </p:tgtEl>
+                                        <p:attrNameLst>
+                                          <p:attrName>style.visibility</p:attrName>
+                                        </p:attrNameLst>
+                                      </p:cBhvr>
+                                      <p:to>
+                                        <p:strVal val="visible"/>
+                                      </p:to>
+                                    </p:set>
+                                    <p:anim calcmode="lin" valueType="num">
+                                      <p:cBhvr additive="base">
+                                        <p:cTn id="7" dur="500" fill="hold"/>
+                                        <p:tgtEl>
+                                          <p:spTgt spid="6"/>
+                                        </p:tgtEl>
+                                        <p:attrNameLst>
+                                          <p:attrName>ppt_x</p:attrName>
+                                        </p:attrNameLst>
+                                      </p:cBhvr>
+                                      <p:tavLst>
+                                        <p:tav tm="0">
+                                          <p:val>
+                                            <p:strVal val="#ppt_x"/>
+                                          </p:val>
+                                        </p:tav>
+                                        <p:tav tm="100000">
+                                          <p:val>
+                                            <p:strVal val="#ppt_x"/>
+                                          </p:val>
+                                        </p:tav>
+                                      </p:tavLst>
+                                    </p:anim>
+                                    <p:anim calcmode="lin" valueType="num">
+                                      <p:cBhvr additive="base">
+                                        <p:cTn id="8" dur="500" fill="hold"/>
+                                        <p:tgtEl>
+                                          <p:spTgt spid="6"/>
+                                        </p:tgtEl>
+                                        <p:attrNameLst>
+                                          <p:attrName>ppt_y</p:attrName>
+                                        </p:attrNameLst>
+                                      </p:cBhvr>
+                                      <p:tavLst>
+                                        <p:tav tm="0">
+                                          <p:val>
+                                            <p:strVal val="1+#ppt_h/2"/>
+                                          </p:val>
+                                        </p:tav>
+                                        <p:tav tm="100000">
+                                          <p:val>
+                                            <p:strVal val="#ppt_y"/>
+                                          </p:val>
+                                        </p:tav>
+                                      </p:tavLst>
+                                    </p:anim>
+                                  </p:childTnLst>
+                                </p:cTn>
+                              </p:par>
+                            </p:childTnLst>
+                          </p:cTn>
+                        </p:par>
+                      </p:childTnLst>
+                    </p:cTn>
+                  </p:par>
+                </p:childTnLst>
+              </p:cTn>
+              <p:prevCondLst>
+                <p:cond evt="onPrev" delay="0">
+                  <p:tgtEl>
+                    <p:sldTgt/>
+                  </p:tgtEl>
+                </p:cond>
+              </p:prevCondLst>
+              <p:nextCondLst>
+                <p:cond evt="onNext" delay="0">
+                  <p:tgtEl>
+                    <p:sldTgt/>
+                  </p:tgtEl>
+                </p:cond>
+              </p:nextCondLst>
+            </p:seq>
+          </p:childTnLst>
+        </p:cTn>
+      </p:par>
+    </p:tnLst>
+    <p:bldLst>
+      <p:bldP spid="6" grpId="0" animBg="1"/>
+    </p:bldLst>
+  </p:timing>
+</p:sld>
+</file>
+
+<file path=ppt/slides/slide16.xml><?xml version="1.0" encoding="utf-8"?>
+<p:sld xmlns:a="http://schemas.openxmlformats.org/drawingml/2006/main" xmlns:r="http://schemas.openxmlformats.org/officeDocument/2006/relationships" xmlns:p="http://schemas.openxmlformats.org/presentationml/2006/main">
+  <p:cSld>
+    <p:spTree>
+      <p:nvGrpSpPr>
+        <p:cNvPr id="1" name=""/>
+        <p:cNvGrpSpPr/>
+        <p:nvPr/>
+      </p:nvGrpSpPr>
+      <p:grpSpPr>
+        <a:xfrm>
+          <a:off x="0" y="0"/>
+          <a:ext cx="0" cy="0"/>
+          <a:chOff x="0" y="0"/>
+          <a:chExt cx="0" cy="0"/>
+        </a:xfrm>
+      </p:grpSpPr>
+      <p:sp>
+        <p:nvSpPr>
+          <p:cNvPr id="2" name="Title 1">
+            <a:extLst>
+              <a:ext uri="{FF2B5EF4-FFF2-40B4-BE49-F238E27FC236}">
+                <a16:creationId xmlns:a16="http://schemas.microsoft.com/office/drawing/2014/main" id="{EED995E9-C50B-3645-B3B4-EF2E34B0F672}"/>
+              </a:ext>
+            </a:extLst>
+          </p:cNvPr>
+          <p:cNvSpPr>
+            <a:spLocks noGrp="1"/>
+          </p:cNvSpPr>
+          <p:nvPr>
+            <p:ph type="title"/>
+          </p:nvPr>
+        </p:nvSpPr>
+        <p:spPr/>
+        <p:txBody>
+          <a:bodyPr>
+            <a:normAutofit/>
+          </a:bodyPr>
+          <a:lstStyle/>
+          <a:p>
+            <a:r>
+              <a:rPr lang="en-US" dirty="0"/>
+              <a:t>Here is another Example of Mock /2</a:t>
+            </a:r>
+          </a:p>
+        </p:txBody>
+      </p:sp>
+      <p:sp>
+        <p:nvSpPr>
+          <p:cNvPr id="4" name="Slide Number Placeholder 3">
+            <a:extLst>
+              <a:ext uri="{FF2B5EF4-FFF2-40B4-BE49-F238E27FC236}">
+                <a16:creationId xmlns:a16="http://schemas.microsoft.com/office/drawing/2014/main" id="{65F708AD-E1DB-5644-8814-B1B227A25D18}"/>
+              </a:ext>
+            </a:extLst>
+          </p:cNvPr>
+          <p:cNvSpPr>
+            <a:spLocks noGrp="1"/>
+          </p:cNvSpPr>
+          <p:nvPr>
+            <p:ph type="sldNum" sz="quarter" idx="12"/>
+          </p:nvPr>
+        </p:nvSpPr>
+        <p:spPr/>
+        <p:txBody>
+          <a:bodyPr/>
+          <a:lstStyle/>
+          <a:p>
+            <a:fld id="{20F37917-FD3A-4669-9018-DA04BCDD3D75}" type="slidenum">
+              <a:rPr lang="en-US" smtClean="0"/>
+              <a:t>16</a:t>
+            </a:fld>
+            <a:endParaRPr lang="en-US"/>
+          </a:p>
+        </p:txBody>
+      </p:sp>
+      <p:sp>
+        <p:nvSpPr>
+          <p:cNvPr id="7" name="Content Placeholder 6">
+            <a:extLst>
+              <a:ext uri="{FF2B5EF4-FFF2-40B4-BE49-F238E27FC236}">
+                <a16:creationId xmlns:a16="http://schemas.microsoft.com/office/drawing/2014/main" id="{14EA8CB0-B9C9-4AEC-9C4D-53B755738B06}"/>
+              </a:ext>
+            </a:extLst>
+          </p:cNvPr>
+          <p:cNvSpPr>
+            <a:spLocks noGrp="1"/>
+          </p:cNvSpPr>
+          <p:nvPr>
+            <p:ph idx="1"/>
+          </p:nvPr>
+        </p:nvSpPr>
+        <p:spPr>
+          <a:xfrm>
+            <a:off x="838200" y="1500160"/>
+            <a:ext cx="11353800" cy="4856190"/>
+          </a:xfrm>
+        </p:spPr>
+        <p:txBody>
+          <a:bodyPr>
+            <a:noAutofit/>
+          </a:bodyPr>
+          <a:lstStyle/>
+          <a:p>
+            <a:pPr marL="0" indent="0">
+              <a:buNone/>
+            </a:pPr>
+            <a:r>
+              <a:rPr lang="en-US" sz="1000" b="0" dirty="0">
+                <a:solidFill>
+                  <a:srgbClr val="000000"/>
+                </a:solidFill>
+                <a:effectLst/>
+                <a:latin typeface="Consolas" panose="020B0609020204030204" pitchFamily="49" charset="0"/>
+              </a:rPr>
+              <a:t>. . . . </a:t>
+            </a:r>
+          </a:p>
+          <a:p>
+            <a:pPr marL="0" indent="0">
+              <a:buNone/>
+            </a:pPr>
+            <a:r>
+              <a:rPr lang="en-US" sz="1400" b="0" dirty="0">
+                <a:solidFill>
+                  <a:srgbClr val="000000"/>
+                </a:solidFill>
+                <a:effectLst/>
+                <a:latin typeface="Consolas" panose="020B0609020204030204" pitchFamily="49" charset="0"/>
+              </a:rPr>
+              <a:t>    it(</a:t>
+            </a:r>
+            <a:r>
+              <a:rPr lang="en-US" sz="1400" b="0" dirty="0">
+                <a:solidFill>
+                  <a:srgbClr val="A31515"/>
+                </a:solidFill>
+                <a:effectLst/>
+                <a:latin typeface="Consolas" panose="020B0609020204030204" pitchFamily="49" charset="0"/>
+              </a:rPr>
+              <a:t>'Checks for a valid session token before creating a conversation area'</a:t>
+            </a:r>
+            <a:r>
+              <a:rPr lang="en-US" sz="1400" b="0" dirty="0">
+                <a:solidFill>
+                  <a:srgbClr val="000000"/>
+                </a:solidFill>
+                <a:effectLst/>
+                <a:latin typeface="Consolas" panose="020B0609020204030204" pitchFamily="49" charset="0"/>
+              </a:rPr>
+              <a:t>, ()</a:t>
+            </a:r>
+            <a:r>
+              <a:rPr lang="en-US" sz="1400" b="0" dirty="0">
+                <a:solidFill>
+                  <a:srgbClr val="0000FF"/>
+                </a:solidFill>
+                <a:effectLst/>
+                <a:latin typeface="Consolas" panose="020B0609020204030204" pitchFamily="49" charset="0"/>
+              </a:rPr>
+              <a:t>=&gt;</a:t>
+            </a:r>
+            <a:r>
+              <a:rPr lang="en-US" sz="1400" b="0" dirty="0">
+                <a:solidFill>
+                  <a:srgbClr val="000000"/>
+                </a:solidFill>
+                <a:effectLst/>
+                <a:latin typeface="Consolas" panose="020B0609020204030204" pitchFamily="49" charset="0"/>
+              </a:rPr>
+              <a:t>{</a:t>
+            </a:r>
+          </a:p>
+          <a:p>
+            <a:pPr marL="0" indent="0">
+              <a:buNone/>
+            </a:pPr>
+            <a:r>
+              <a:rPr lang="en-US" sz="1400" b="0" dirty="0">
+                <a:solidFill>
+                  <a:srgbClr val="000000"/>
+                </a:solidFill>
+                <a:effectLst/>
+                <a:latin typeface="Consolas" panose="020B0609020204030204" pitchFamily="49" charset="0"/>
+              </a:rPr>
+              <a:t>      </a:t>
+            </a:r>
+            <a:r>
+              <a:rPr lang="en-US" sz="1400" b="0" dirty="0">
+                <a:solidFill>
+                  <a:srgbClr val="0000FF"/>
+                </a:solidFill>
+                <a:effectLst/>
+                <a:latin typeface="Consolas" panose="020B0609020204030204" pitchFamily="49" charset="0"/>
+              </a:rPr>
+              <a:t>const</a:t>
+            </a:r>
+            <a:r>
+              <a:rPr lang="en-US" sz="1400" b="0" dirty="0">
+                <a:solidFill>
+                  <a:srgbClr val="000000"/>
+                </a:solidFill>
+                <a:effectLst/>
+                <a:latin typeface="Consolas" panose="020B0609020204030204" pitchFamily="49" charset="0"/>
+              </a:rPr>
+              <a:t> </a:t>
+            </a:r>
+            <a:r>
+              <a:rPr lang="en-US" sz="1400" b="0" dirty="0" err="1">
+                <a:solidFill>
+                  <a:srgbClr val="000000"/>
+                </a:solidFill>
+                <a:effectLst/>
+                <a:latin typeface="Consolas" panose="020B0609020204030204" pitchFamily="49" charset="0"/>
+              </a:rPr>
+              <a:t>coveyTownID</a:t>
+            </a:r>
+            <a:r>
+              <a:rPr lang="en-US" sz="1400" b="0" dirty="0">
+                <a:solidFill>
+                  <a:srgbClr val="000000"/>
+                </a:solidFill>
+                <a:effectLst/>
+                <a:latin typeface="Consolas" panose="020B0609020204030204" pitchFamily="49" charset="0"/>
+              </a:rPr>
+              <a:t> = </a:t>
+            </a:r>
+            <a:r>
+              <a:rPr lang="en-US" sz="1400" b="0" dirty="0" err="1">
+                <a:solidFill>
+                  <a:srgbClr val="000000"/>
+                </a:solidFill>
+                <a:effectLst/>
+                <a:latin typeface="Consolas" panose="020B0609020204030204" pitchFamily="49" charset="0"/>
+              </a:rPr>
+              <a:t>nanoid</a:t>
+            </a:r>
+            <a:r>
+              <a:rPr lang="en-US" sz="1400" b="0" dirty="0">
+                <a:solidFill>
+                  <a:srgbClr val="000000"/>
+                </a:solidFill>
+                <a:effectLst/>
+                <a:latin typeface="Consolas" panose="020B0609020204030204" pitchFamily="49" charset="0"/>
+              </a:rPr>
+              <a:t>();</a:t>
+            </a:r>
+          </a:p>
+          <a:p>
+            <a:pPr marL="0" indent="0">
+              <a:buNone/>
+            </a:pPr>
+            <a:r>
+              <a:rPr lang="en-US" sz="1400" b="0" dirty="0">
+                <a:solidFill>
+                  <a:srgbClr val="000000"/>
+                </a:solidFill>
+                <a:effectLst/>
+                <a:latin typeface="Consolas" panose="020B0609020204030204" pitchFamily="49" charset="0"/>
+              </a:rPr>
+              <a:t>      </a:t>
+            </a:r>
+            <a:r>
+              <a:rPr lang="en-US" sz="1400" b="0" dirty="0">
+                <a:solidFill>
+                  <a:srgbClr val="0000FF"/>
+                </a:solidFill>
+                <a:effectLst/>
+                <a:latin typeface="Consolas" panose="020B0609020204030204" pitchFamily="49" charset="0"/>
+              </a:rPr>
+              <a:t>const</a:t>
+            </a:r>
+            <a:r>
+              <a:rPr lang="en-US" sz="1400" b="0" dirty="0">
+                <a:solidFill>
+                  <a:srgbClr val="000000"/>
+                </a:solidFill>
+                <a:effectLst/>
+                <a:latin typeface="Consolas" panose="020B0609020204030204" pitchFamily="49" charset="0"/>
+              </a:rPr>
+              <a:t> </a:t>
+            </a:r>
+            <a:r>
+              <a:rPr lang="en-US" sz="1400" b="0" dirty="0" err="1">
+                <a:solidFill>
+                  <a:srgbClr val="000000"/>
+                </a:solidFill>
+                <a:effectLst/>
+                <a:latin typeface="Consolas" panose="020B0609020204030204" pitchFamily="49" charset="0"/>
+              </a:rPr>
+              <a:t>conversationArea</a:t>
+            </a:r>
+            <a:r>
+              <a:rPr lang="en-US" sz="1400" b="0" dirty="0">
+                <a:solidFill>
+                  <a:srgbClr val="000000"/>
+                </a:solidFill>
+                <a:effectLst/>
+                <a:latin typeface="Consolas" panose="020B0609020204030204" pitchFamily="49" charset="0"/>
+              </a:rPr>
+              <a:t> :</a:t>
+            </a:r>
+            <a:r>
+              <a:rPr lang="en-US" sz="1400" b="0" dirty="0" err="1">
+                <a:solidFill>
+                  <a:srgbClr val="000000"/>
+                </a:solidFill>
+                <a:effectLst/>
+                <a:latin typeface="Consolas" panose="020B0609020204030204" pitchFamily="49" charset="0"/>
+              </a:rPr>
+              <a:t>ServerConversationArea</a:t>
+            </a:r>
+            <a:r>
+              <a:rPr lang="en-US" sz="1400" b="0" dirty="0">
+                <a:solidFill>
+                  <a:srgbClr val="000000"/>
+                </a:solidFill>
+                <a:effectLst/>
+                <a:latin typeface="Consolas" panose="020B0609020204030204" pitchFamily="49" charset="0"/>
+              </a:rPr>
+              <a:t> = { </a:t>
+            </a:r>
+            <a:r>
+              <a:rPr lang="en-US" sz="1400" b="0" dirty="0" err="1">
+                <a:solidFill>
+                  <a:srgbClr val="000000"/>
+                </a:solidFill>
+                <a:effectLst/>
+                <a:latin typeface="Consolas" panose="020B0609020204030204" pitchFamily="49" charset="0"/>
+              </a:rPr>
+              <a:t>boundingBox</a:t>
+            </a:r>
+            <a:r>
+              <a:rPr lang="en-US" sz="1400" b="0" dirty="0">
+                <a:solidFill>
+                  <a:srgbClr val="000000"/>
+                </a:solidFill>
+                <a:effectLst/>
+                <a:latin typeface="Consolas" panose="020B0609020204030204" pitchFamily="49" charset="0"/>
+              </a:rPr>
+              <a:t>: { height: </a:t>
+            </a:r>
+            <a:r>
+              <a:rPr lang="en-US" sz="1400" b="0" dirty="0">
+                <a:solidFill>
+                  <a:srgbClr val="098658"/>
+                </a:solidFill>
+                <a:effectLst/>
+                <a:latin typeface="Consolas" panose="020B0609020204030204" pitchFamily="49" charset="0"/>
+              </a:rPr>
+              <a:t>1</a:t>
+            </a:r>
+            <a:r>
+              <a:rPr lang="en-US" sz="1400" b="0" dirty="0">
+                <a:solidFill>
+                  <a:srgbClr val="000000"/>
+                </a:solidFill>
+                <a:effectLst/>
+                <a:latin typeface="Consolas" panose="020B0609020204030204" pitchFamily="49" charset="0"/>
+              </a:rPr>
+              <a:t>, width: </a:t>
+            </a:r>
+            <a:r>
+              <a:rPr lang="en-US" sz="1400" b="0" dirty="0">
+                <a:solidFill>
+                  <a:srgbClr val="098658"/>
+                </a:solidFill>
+                <a:effectLst/>
+                <a:latin typeface="Consolas" panose="020B0609020204030204" pitchFamily="49" charset="0"/>
+              </a:rPr>
+              <a:t>1</a:t>
+            </a:r>
+            <a:r>
+              <a:rPr lang="en-US" sz="1400" b="0" dirty="0">
+                <a:solidFill>
+                  <a:srgbClr val="000000"/>
+                </a:solidFill>
+                <a:effectLst/>
+                <a:latin typeface="Consolas" panose="020B0609020204030204" pitchFamily="49" charset="0"/>
+              </a:rPr>
+              <a:t>, x:</a:t>
+            </a:r>
+            <a:r>
+              <a:rPr lang="en-US" sz="1400" b="0" dirty="0">
+                <a:solidFill>
+                  <a:srgbClr val="098658"/>
+                </a:solidFill>
+                <a:effectLst/>
+                <a:latin typeface="Consolas" panose="020B0609020204030204" pitchFamily="49" charset="0"/>
+              </a:rPr>
+              <a:t>1</a:t>
+            </a:r>
+            <a:r>
+              <a:rPr lang="en-US" sz="1400" b="0" dirty="0">
+                <a:solidFill>
+                  <a:srgbClr val="000000"/>
+                </a:solidFill>
+                <a:effectLst/>
+                <a:latin typeface="Consolas" panose="020B0609020204030204" pitchFamily="49" charset="0"/>
+              </a:rPr>
+              <a:t>, y:</a:t>
+            </a:r>
+            <a:r>
+              <a:rPr lang="en-US" sz="1400" b="0" dirty="0">
+                <a:solidFill>
+                  <a:srgbClr val="098658"/>
+                </a:solidFill>
+                <a:effectLst/>
+                <a:latin typeface="Consolas" panose="020B0609020204030204" pitchFamily="49" charset="0"/>
+              </a:rPr>
+              <a:t>1</a:t>
+            </a:r>
+            <a:r>
+              <a:rPr lang="en-US" sz="1400" b="0" dirty="0">
+                <a:solidFill>
+                  <a:srgbClr val="000000"/>
+                </a:solidFill>
+                <a:effectLst/>
+                <a:latin typeface="Consolas" panose="020B0609020204030204" pitchFamily="49" charset="0"/>
+              </a:rPr>
+              <a:t> }, label: </a:t>
+            </a:r>
+            <a:r>
+              <a:rPr lang="en-US" sz="1400" b="0" dirty="0" err="1">
+                <a:solidFill>
+                  <a:srgbClr val="000000"/>
+                </a:solidFill>
+                <a:effectLst/>
+                <a:latin typeface="Consolas" panose="020B0609020204030204" pitchFamily="49" charset="0"/>
+              </a:rPr>
+              <a:t>nanoid</a:t>
+            </a:r>
+            <a:r>
+              <a:rPr lang="en-US" sz="1400" b="0" dirty="0">
+                <a:solidFill>
+                  <a:srgbClr val="000000"/>
+                </a:solidFill>
+                <a:effectLst/>
+                <a:latin typeface="Consolas" panose="020B0609020204030204" pitchFamily="49" charset="0"/>
+              </a:rPr>
+              <a:t>(), </a:t>
+            </a:r>
+            <a:r>
+              <a:rPr lang="en-US" sz="1400" b="0" dirty="0" err="1">
+                <a:solidFill>
+                  <a:srgbClr val="000000"/>
+                </a:solidFill>
+                <a:effectLst/>
+                <a:latin typeface="Consolas" panose="020B0609020204030204" pitchFamily="49" charset="0"/>
+              </a:rPr>
+              <a:t>occupantsByID</a:t>
+            </a:r>
+            <a:r>
+              <a:rPr lang="en-US" sz="1400" b="0" dirty="0">
+                <a:solidFill>
+                  <a:srgbClr val="000000"/>
+                </a:solidFill>
+                <a:effectLst/>
+                <a:latin typeface="Consolas" panose="020B0609020204030204" pitchFamily="49" charset="0"/>
+              </a:rPr>
+              <a:t>: [], topic: </a:t>
+            </a:r>
+            <a:r>
+              <a:rPr lang="en-US" sz="1400" b="0" dirty="0" err="1">
+                <a:solidFill>
+                  <a:srgbClr val="000000"/>
+                </a:solidFill>
+                <a:effectLst/>
+                <a:latin typeface="Consolas" panose="020B0609020204030204" pitchFamily="49" charset="0"/>
+              </a:rPr>
+              <a:t>nanoid</a:t>
+            </a:r>
+            <a:r>
+              <a:rPr lang="en-US" sz="1400" b="0" dirty="0">
+                <a:solidFill>
+                  <a:srgbClr val="000000"/>
+                </a:solidFill>
+                <a:effectLst/>
+                <a:latin typeface="Consolas" panose="020B0609020204030204" pitchFamily="49" charset="0"/>
+              </a:rPr>
+              <a:t>() };</a:t>
+            </a:r>
+          </a:p>
+          <a:p>
+            <a:pPr marL="0" indent="0">
+              <a:buNone/>
+            </a:pPr>
+            <a:r>
+              <a:rPr lang="en-US" sz="1400" b="0" dirty="0">
+                <a:solidFill>
+                  <a:srgbClr val="000000"/>
+                </a:solidFill>
+                <a:effectLst/>
+                <a:latin typeface="Consolas" panose="020B0609020204030204" pitchFamily="49" charset="0"/>
+              </a:rPr>
+              <a:t>      </a:t>
+            </a:r>
+            <a:r>
+              <a:rPr lang="en-US" sz="1400" b="0" dirty="0">
+                <a:solidFill>
+                  <a:srgbClr val="0000FF"/>
+                </a:solidFill>
+                <a:effectLst/>
+                <a:latin typeface="Consolas" panose="020B0609020204030204" pitchFamily="49" charset="0"/>
+              </a:rPr>
+              <a:t>const</a:t>
+            </a:r>
+            <a:r>
+              <a:rPr lang="en-US" sz="1400" b="0" dirty="0">
+                <a:solidFill>
+                  <a:srgbClr val="000000"/>
+                </a:solidFill>
+                <a:effectLst/>
+                <a:latin typeface="Consolas" panose="020B0609020204030204" pitchFamily="49" charset="0"/>
+              </a:rPr>
+              <a:t> </a:t>
+            </a:r>
+            <a:r>
+              <a:rPr lang="en-US" sz="1400" b="0" dirty="0" err="1">
+                <a:solidFill>
+                  <a:srgbClr val="000000"/>
+                </a:solidFill>
+                <a:effectLst/>
+                <a:latin typeface="Consolas" panose="020B0609020204030204" pitchFamily="49" charset="0"/>
+              </a:rPr>
+              <a:t>invalidSessionToken</a:t>
+            </a:r>
+            <a:r>
+              <a:rPr lang="en-US" sz="1400" b="0" dirty="0">
+                <a:solidFill>
+                  <a:srgbClr val="000000"/>
+                </a:solidFill>
+                <a:effectLst/>
+                <a:latin typeface="Consolas" panose="020B0609020204030204" pitchFamily="49" charset="0"/>
+              </a:rPr>
+              <a:t> = </a:t>
+            </a:r>
+            <a:r>
+              <a:rPr lang="en-US" sz="1400" b="0" dirty="0" err="1">
+                <a:solidFill>
+                  <a:srgbClr val="000000"/>
+                </a:solidFill>
+                <a:effectLst/>
+                <a:latin typeface="Consolas" panose="020B0609020204030204" pitchFamily="49" charset="0"/>
+              </a:rPr>
+              <a:t>nanoid</a:t>
+            </a:r>
+            <a:r>
+              <a:rPr lang="en-US" sz="1400" b="0" dirty="0">
+                <a:solidFill>
+                  <a:srgbClr val="000000"/>
+                </a:solidFill>
+                <a:effectLst/>
+                <a:latin typeface="Consolas" panose="020B0609020204030204" pitchFamily="49" charset="0"/>
+              </a:rPr>
+              <a:t>();</a:t>
+            </a:r>
+          </a:p>
+          <a:p>
+            <a:pPr marL="0" indent="0">
+              <a:buNone/>
+            </a:pPr>
+            <a:r>
+              <a:rPr lang="en-US" sz="1400" b="0" dirty="0">
+                <a:solidFill>
+                  <a:srgbClr val="000000"/>
+                </a:solidFill>
+                <a:effectLst/>
+                <a:latin typeface="Consolas" panose="020B0609020204030204" pitchFamily="49" charset="0"/>
+              </a:rPr>
+              <a:t>      </a:t>
+            </a:r>
+            <a:r>
+              <a:rPr lang="en-US" sz="1400" b="0" dirty="0">
+                <a:solidFill>
+                  <a:srgbClr val="008000"/>
+                </a:solidFill>
+                <a:effectLst/>
+                <a:latin typeface="Consolas" panose="020B0609020204030204" pitchFamily="49" charset="0"/>
+              </a:rPr>
+              <a:t>// Make sure to return 'undefined' regardless of what session token is passed</a:t>
+            </a:r>
+            <a:endParaRPr lang="en-US" sz="1400" b="0" dirty="0">
+              <a:solidFill>
+                <a:srgbClr val="000000"/>
+              </a:solidFill>
+              <a:effectLst/>
+              <a:latin typeface="Consolas" panose="020B0609020204030204" pitchFamily="49" charset="0"/>
+            </a:endParaRPr>
+          </a:p>
+          <a:p>
+            <a:pPr marL="0" indent="0">
+              <a:buNone/>
+            </a:pPr>
+            <a:r>
+              <a:rPr lang="en-US" sz="1400" b="0" dirty="0">
+                <a:solidFill>
+                  <a:srgbClr val="000000"/>
+                </a:solidFill>
+                <a:effectLst/>
+                <a:latin typeface="Consolas" panose="020B0609020204030204" pitchFamily="49" charset="0"/>
+              </a:rPr>
+              <a:t>      </a:t>
+            </a:r>
+            <a:r>
+              <a:rPr lang="en-US" sz="1400" b="0" dirty="0" err="1">
+                <a:solidFill>
+                  <a:srgbClr val="000000"/>
+                </a:solidFill>
+                <a:effectLst/>
+                <a:latin typeface="Consolas" panose="020B0609020204030204" pitchFamily="49" charset="0"/>
+              </a:rPr>
+              <a:t>mockCoveyTownController.getSessionByToken.mockReturnValueOnce</a:t>
+            </a:r>
+            <a:r>
+              <a:rPr lang="en-US" sz="1400" b="0" dirty="0">
+                <a:solidFill>
+                  <a:srgbClr val="000000"/>
+                </a:solidFill>
+                <a:effectLst/>
+                <a:latin typeface="Consolas" panose="020B0609020204030204" pitchFamily="49" charset="0"/>
+              </a:rPr>
+              <a:t>(</a:t>
+            </a:r>
+            <a:r>
+              <a:rPr lang="en-US" sz="1400" b="0" dirty="0">
+                <a:solidFill>
+                  <a:srgbClr val="0000FF"/>
+                </a:solidFill>
+                <a:effectLst/>
+                <a:latin typeface="Consolas" panose="020B0609020204030204" pitchFamily="49" charset="0"/>
+              </a:rPr>
+              <a:t>undefined</a:t>
+            </a:r>
+            <a:r>
+              <a:rPr lang="en-US" sz="1400" b="0" dirty="0">
+                <a:solidFill>
+                  <a:srgbClr val="000000"/>
+                </a:solidFill>
+                <a:effectLst/>
+                <a:latin typeface="Consolas" panose="020B0609020204030204" pitchFamily="49" charset="0"/>
+              </a:rPr>
+              <a:t>);</a:t>
+            </a:r>
+          </a:p>
+          <a:p>
+            <a:pPr marL="0" indent="0">
+              <a:buNone/>
+            </a:pPr>
+            <a:r>
+              <a:rPr lang="en-US" sz="1400" b="0" dirty="0">
+                <a:solidFill>
+                  <a:srgbClr val="000000"/>
+                </a:solidFill>
+                <a:effectLst/>
+                <a:latin typeface="Consolas" panose="020B0609020204030204" pitchFamily="49" charset="0"/>
+              </a:rPr>
+              <a:t>      </a:t>
+            </a:r>
+            <a:r>
+              <a:rPr lang="en-US" sz="1400" b="0" dirty="0" err="1">
+                <a:solidFill>
+                  <a:srgbClr val="000000"/>
+                </a:solidFill>
+                <a:effectLst/>
+                <a:latin typeface="Consolas" panose="020B0609020204030204" pitchFamily="49" charset="0"/>
+              </a:rPr>
+              <a:t>requestHandlers.conversationAreaCreateHandler</a:t>
+            </a:r>
+            <a:r>
+              <a:rPr lang="en-US" sz="1400" b="0" dirty="0">
+                <a:solidFill>
+                  <a:srgbClr val="000000"/>
+                </a:solidFill>
+                <a:effectLst/>
+                <a:latin typeface="Consolas" panose="020B0609020204030204" pitchFamily="49" charset="0"/>
+              </a:rPr>
+              <a:t>({</a:t>
+            </a:r>
+          </a:p>
+          <a:p>
+            <a:pPr marL="0" indent="0">
+              <a:buNone/>
+            </a:pPr>
+            <a:r>
+              <a:rPr lang="en-US" sz="1400" b="0" dirty="0">
+                <a:solidFill>
+                  <a:srgbClr val="000000"/>
+                </a:solidFill>
+                <a:effectLst/>
+                <a:latin typeface="Consolas" panose="020B0609020204030204" pitchFamily="49" charset="0"/>
+              </a:rPr>
+              <a:t>        </a:t>
+            </a:r>
+            <a:r>
+              <a:rPr lang="en-US" sz="1400" b="0" dirty="0" err="1">
+                <a:solidFill>
+                  <a:srgbClr val="000000"/>
+                </a:solidFill>
+                <a:effectLst/>
+                <a:latin typeface="Consolas" panose="020B0609020204030204" pitchFamily="49" charset="0"/>
+              </a:rPr>
+              <a:t>conversationArea</a:t>
+            </a:r>
+            <a:r>
+              <a:rPr lang="en-US" sz="1400" b="0" dirty="0">
+                <a:solidFill>
+                  <a:srgbClr val="000000"/>
+                </a:solidFill>
+                <a:effectLst/>
+                <a:latin typeface="Consolas" panose="020B0609020204030204" pitchFamily="49" charset="0"/>
+              </a:rPr>
+              <a:t>,</a:t>
+            </a:r>
+          </a:p>
+          <a:p>
+            <a:pPr marL="0" indent="0">
+              <a:buNone/>
+            </a:pPr>
+            <a:r>
+              <a:rPr lang="en-US" sz="1400" b="0" dirty="0">
+                <a:solidFill>
+                  <a:srgbClr val="000000"/>
+                </a:solidFill>
+                <a:effectLst/>
+                <a:latin typeface="Consolas" panose="020B0609020204030204" pitchFamily="49" charset="0"/>
+              </a:rPr>
+              <a:t>        </a:t>
+            </a:r>
+            <a:r>
+              <a:rPr lang="en-US" sz="1400" b="0" dirty="0" err="1">
+                <a:solidFill>
+                  <a:srgbClr val="000000"/>
+                </a:solidFill>
+                <a:effectLst/>
+                <a:latin typeface="Consolas" panose="020B0609020204030204" pitchFamily="49" charset="0"/>
+              </a:rPr>
+              <a:t>coveyTownID</a:t>
+            </a:r>
+            <a:r>
+              <a:rPr lang="en-US" sz="1400" b="0" dirty="0">
+                <a:solidFill>
+                  <a:srgbClr val="000000"/>
+                </a:solidFill>
+                <a:effectLst/>
+                <a:latin typeface="Consolas" panose="020B0609020204030204" pitchFamily="49" charset="0"/>
+              </a:rPr>
+              <a:t>,</a:t>
+            </a:r>
+          </a:p>
+          <a:p>
+            <a:pPr marL="0" indent="0">
+              <a:buNone/>
+            </a:pPr>
+            <a:r>
+              <a:rPr lang="en-US" sz="1400" b="0" dirty="0">
+                <a:solidFill>
+                  <a:srgbClr val="000000"/>
+                </a:solidFill>
+                <a:effectLst/>
+                <a:latin typeface="Consolas" panose="020B0609020204030204" pitchFamily="49" charset="0"/>
+              </a:rPr>
+              <a:t>        </a:t>
+            </a:r>
+            <a:r>
+              <a:rPr lang="en-US" sz="1400" b="0" dirty="0" err="1">
+                <a:solidFill>
+                  <a:srgbClr val="000000"/>
+                </a:solidFill>
+                <a:effectLst/>
+                <a:latin typeface="Consolas" panose="020B0609020204030204" pitchFamily="49" charset="0"/>
+              </a:rPr>
+              <a:t>sessionToken</a:t>
+            </a:r>
+            <a:r>
+              <a:rPr lang="en-US" sz="1400" b="0" dirty="0">
+                <a:solidFill>
+                  <a:srgbClr val="000000"/>
+                </a:solidFill>
+                <a:effectLst/>
+                <a:latin typeface="Consolas" panose="020B0609020204030204" pitchFamily="49" charset="0"/>
+              </a:rPr>
+              <a:t>: </a:t>
+            </a:r>
+            <a:r>
+              <a:rPr lang="en-US" sz="1400" b="0" dirty="0" err="1">
+                <a:solidFill>
+                  <a:srgbClr val="000000"/>
+                </a:solidFill>
+                <a:effectLst/>
+                <a:latin typeface="Consolas" panose="020B0609020204030204" pitchFamily="49" charset="0"/>
+              </a:rPr>
+              <a:t>invalidSessionToken</a:t>
+            </a:r>
+            <a:r>
+              <a:rPr lang="en-US" sz="1400" b="0" dirty="0">
+                <a:solidFill>
+                  <a:srgbClr val="000000"/>
+                </a:solidFill>
+                <a:effectLst/>
+                <a:latin typeface="Consolas" panose="020B0609020204030204" pitchFamily="49" charset="0"/>
+              </a:rPr>
+              <a:t>,</a:t>
+            </a:r>
+          </a:p>
+          <a:p>
+            <a:pPr marL="0" indent="0">
+              <a:buNone/>
+            </a:pPr>
+            <a:r>
+              <a:rPr lang="en-US" sz="1400" b="0" dirty="0">
+                <a:solidFill>
+                  <a:srgbClr val="000000"/>
+                </a:solidFill>
+                <a:effectLst/>
+                <a:latin typeface="Consolas" panose="020B0609020204030204" pitchFamily="49" charset="0"/>
+              </a:rPr>
+              <a:t>      });</a:t>
+            </a:r>
+          </a:p>
+          <a:p>
+            <a:pPr marL="0" indent="0">
+              <a:buNone/>
+            </a:pPr>
+            <a:r>
+              <a:rPr lang="en-US" sz="1400" b="0" dirty="0">
+                <a:solidFill>
+                  <a:srgbClr val="000000"/>
+                </a:solidFill>
+                <a:effectLst/>
+                <a:latin typeface="Consolas" panose="020B0609020204030204" pitchFamily="49" charset="0"/>
+              </a:rPr>
+              <a:t>      expect(</a:t>
+            </a:r>
+            <a:r>
+              <a:rPr lang="en-US" sz="1400" b="0" dirty="0" err="1">
+                <a:solidFill>
+                  <a:srgbClr val="000000"/>
+                </a:solidFill>
+                <a:effectLst/>
+                <a:latin typeface="Consolas" panose="020B0609020204030204" pitchFamily="49" charset="0"/>
+              </a:rPr>
+              <a:t>mockCoveyTownController.getSessionByToken</a:t>
+            </a:r>
+            <a:r>
+              <a:rPr lang="en-US" sz="1400" b="0" dirty="0">
+                <a:solidFill>
+                  <a:srgbClr val="000000"/>
+                </a:solidFill>
+                <a:effectLst/>
+                <a:latin typeface="Consolas" panose="020B0609020204030204" pitchFamily="49" charset="0"/>
+              </a:rPr>
+              <a:t>).</a:t>
+            </a:r>
+            <a:r>
+              <a:rPr lang="en-US" sz="1400" b="0" dirty="0" err="1">
+                <a:solidFill>
+                  <a:srgbClr val="000000"/>
+                </a:solidFill>
+                <a:effectLst/>
+                <a:latin typeface="Consolas" panose="020B0609020204030204" pitchFamily="49" charset="0"/>
+              </a:rPr>
+              <a:t>toBeCalledWith</a:t>
+            </a:r>
+            <a:r>
+              <a:rPr lang="en-US" sz="1400" b="0" dirty="0">
+                <a:solidFill>
+                  <a:srgbClr val="000000"/>
+                </a:solidFill>
+                <a:effectLst/>
+                <a:latin typeface="Consolas" panose="020B0609020204030204" pitchFamily="49" charset="0"/>
+              </a:rPr>
+              <a:t>(</a:t>
+            </a:r>
+            <a:r>
+              <a:rPr lang="en-US" sz="1400" b="0" dirty="0" err="1">
+                <a:solidFill>
+                  <a:srgbClr val="000000"/>
+                </a:solidFill>
+                <a:effectLst/>
+                <a:latin typeface="Consolas" panose="020B0609020204030204" pitchFamily="49" charset="0"/>
+              </a:rPr>
+              <a:t>invalidSessionToken</a:t>
+            </a:r>
+            <a:r>
+              <a:rPr lang="en-US" sz="1400" b="0" dirty="0">
+                <a:solidFill>
+                  <a:srgbClr val="000000"/>
+                </a:solidFill>
+                <a:effectLst/>
+                <a:latin typeface="Consolas" panose="020B0609020204030204" pitchFamily="49" charset="0"/>
+              </a:rPr>
+              <a:t>);</a:t>
+            </a:r>
+          </a:p>
+          <a:p>
+            <a:pPr marL="0" indent="0">
+              <a:buNone/>
+            </a:pPr>
+            <a:r>
+              <a:rPr lang="en-US" sz="1400" b="0" dirty="0">
+                <a:solidFill>
+                  <a:srgbClr val="000000"/>
+                </a:solidFill>
+                <a:effectLst/>
+                <a:latin typeface="Consolas" panose="020B0609020204030204" pitchFamily="49" charset="0"/>
+              </a:rPr>
+              <a:t>      expect(</a:t>
+            </a:r>
+            <a:r>
+              <a:rPr lang="en-US" sz="1400" b="0" dirty="0" err="1">
+                <a:solidFill>
+                  <a:srgbClr val="000000"/>
+                </a:solidFill>
+                <a:effectLst/>
+                <a:latin typeface="Consolas" panose="020B0609020204030204" pitchFamily="49" charset="0"/>
+              </a:rPr>
+              <a:t>mockCoveyTownController.addConversationArea</a:t>
+            </a:r>
+            <a:r>
+              <a:rPr lang="en-US" sz="1400" b="0" dirty="0">
+                <a:solidFill>
+                  <a:srgbClr val="000000"/>
+                </a:solidFill>
+                <a:effectLst/>
+                <a:latin typeface="Consolas" panose="020B0609020204030204" pitchFamily="49" charset="0"/>
+              </a:rPr>
+              <a:t>).</a:t>
+            </a:r>
+            <a:r>
+              <a:rPr lang="en-US" sz="1400" b="0" dirty="0" err="1">
+                <a:solidFill>
+                  <a:srgbClr val="000000"/>
+                </a:solidFill>
+                <a:effectLst/>
+                <a:latin typeface="Consolas" panose="020B0609020204030204" pitchFamily="49" charset="0"/>
+              </a:rPr>
+              <a:t>not.toHaveBeenCalled</a:t>
+            </a:r>
+            <a:r>
+              <a:rPr lang="en-US" sz="1400" b="0" dirty="0">
+                <a:solidFill>
+                  <a:srgbClr val="000000"/>
+                </a:solidFill>
+                <a:effectLst/>
+                <a:latin typeface="Consolas" panose="020B0609020204030204" pitchFamily="49" charset="0"/>
+              </a:rPr>
+              <a:t>();   </a:t>
+            </a:r>
+          </a:p>
+          <a:p>
+            <a:pPr marL="0" indent="0">
+              <a:buNone/>
+            </a:pPr>
+            <a:r>
+              <a:rPr lang="en-US" sz="1400" dirty="0">
+                <a:solidFill>
+                  <a:srgbClr val="000000"/>
+                </a:solidFill>
+                <a:latin typeface="Consolas" panose="020B0609020204030204" pitchFamily="49" charset="0"/>
+              </a:rPr>
+              <a:t>   </a:t>
+            </a:r>
+            <a:r>
+              <a:rPr lang="en-US" sz="1400" b="0" dirty="0">
+                <a:solidFill>
+                  <a:srgbClr val="000000"/>
+                </a:solidFill>
+                <a:effectLst/>
+                <a:latin typeface="Consolas" panose="020B0609020204030204" pitchFamily="49" charset="0"/>
+              </a:rPr>
+              <a:t>});  </a:t>
+            </a:r>
+          </a:p>
+          <a:p>
+            <a:pPr marL="0" indent="0">
+              <a:buNone/>
+            </a:pPr>
+            <a:r>
+              <a:rPr lang="en-US" sz="1400" b="0" dirty="0">
+                <a:solidFill>
+                  <a:srgbClr val="000000"/>
+                </a:solidFill>
+                <a:effectLst/>
+                <a:latin typeface="Consolas" panose="020B0609020204030204" pitchFamily="49" charset="0"/>
+              </a:rPr>
+              <a:t>});</a:t>
+            </a:r>
+          </a:p>
+        </p:txBody>
+      </p:sp>
+      <p:sp>
+        <p:nvSpPr>
+          <p:cNvPr id="6" name="Rectangle 5">
+            <a:extLst>
+              <a:ext uri="{FF2B5EF4-FFF2-40B4-BE49-F238E27FC236}">
+                <a16:creationId xmlns:a16="http://schemas.microsoft.com/office/drawing/2014/main" id="{ECA3CE3C-69BA-4AC1-843E-0384EB59EAAC}"/>
+              </a:ext>
+            </a:extLst>
+          </p:cNvPr>
+          <p:cNvSpPr/>
+          <p:nvPr/>
+        </p:nvSpPr>
+        <p:spPr>
+          <a:xfrm>
+            <a:off x="5968313" y="4402999"/>
+            <a:ext cx="5634682" cy="823909"/>
+          </a:xfrm>
+          <a:prstGeom prst="rect">
+            <a:avLst/>
+          </a:prstGeom>
+          <a:solidFill>
+            <a:schemeClr val="accent2">
+              <a:lumMod val="20000"/>
+              <a:lumOff val="80000"/>
+            </a:schemeClr>
+          </a:solidFill>
+          <a:ln>
+            <a:solidFill>
+              <a:srgbClr val="0070C0"/>
+            </a:solidFill>
+          </a:ln>
+        </p:spPr>
+        <p:style>
+          <a:lnRef idx="2">
+            <a:schemeClr val="accent1">
+              <a:shade val="50000"/>
+            </a:schemeClr>
+          </a:lnRef>
+          <a:fillRef idx="1">
+            <a:schemeClr val="accent1"/>
+          </a:fillRef>
+          <a:effectRef idx="0">
+            <a:schemeClr val="accent1"/>
+          </a:effectRef>
+          <a:fontRef idx="minor">
+            <a:schemeClr val="lt1"/>
+          </a:fontRef>
+        </p:style>
+        <p:txBody>
+          <a:bodyPr rtlCol="0" anchor="t"/>
+          <a:lstStyle/>
+          <a:p>
+            <a:pPr algn="ctr"/>
+            <a:r>
+              <a:rPr lang="en-US" sz="2400" b="1" dirty="0">
+                <a:solidFill>
+                  <a:schemeClr val="tx1"/>
+                </a:solidFill>
+                <a:latin typeface="Ink Free" panose="03080402000500000000" pitchFamily="66" charset="0"/>
+              </a:rPr>
+              <a:t>If </a:t>
+            </a:r>
+            <a:r>
+              <a:rPr lang="en-US" sz="2400" b="1" dirty="0" err="1">
+                <a:solidFill>
+                  <a:schemeClr val="tx1"/>
+                </a:solidFill>
+                <a:latin typeface="Ink Free" panose="03080402000500000000" pitchFamily="66" charset="0"/>
+              </a:rPr>
+              <a:t>SessionToken</a:t>
+            </a:r>
+            <a:r>
+              <a:rPr lang="en-US" sz="2400" b="1" dirty="0">
+                <a:solidFill>
+                  <a:schemeClr val="tx1"/>
+                </a:solidFill>
+                <a:latin typeface="Ink Free" panose="03080402000500000000" pitchFamily="66" charset="0"/>
+              </a:rPr>
+              <a:t> is invalid, don’t call </a:t>
+            </a:r>
+            <a:r>
+              <a:rPr lang="en-US" sz="2400" b="1" dirty="0" err="1">
+                <a:solidFill>
+                  <a:schemeClr val="tx1"/>
+                </a:solidFill>
+                <a:latin typeface="Ink Free" panose="03080402000500000000" pitchFamily="66" charset="0"/>
+              </a:rPr>
+              <a:t>addConversationArea</a:t>
+            </a:r>
+            <a:r>
+              <a:rPr lang="en-US" sz="2400" b="1" dirty="0">
+                <a:solidFill>
+                  <a:schemeClr val="tx1"/>
+                </a:solidFill>
+                <a:latin typeface="Ink Free" panose="03080402000500000000" pitchFamily="66" charset="0"/>
+              </a:rPr>
+              <a:t>()</a:t>
+            </a:r>
+          </a:p>
+        </p:txBody>
+      </p:sp>
+    </p:spTree>
+    <p:extLst>
+      <p:ext uri="{BB962C8B-B14F-4D97-AF65-F5344CB8AC3E}">
+        <p14:creationId xmlns:p14="http://schemas.microsoft.com/office/powerpoint/2010/main" val="2339360005"/>
+      </p:ext>
+    </p:extLst>
+  </p:cSld>
+  <p:clrMapOvr>
+    <a:masterClrMapping/>
+  </p:clrMapOvr>
+  <p:timing>
+    <p:tnLst>
+      <p:par>
+        <p:cTn id="1" dur="indefinite" restart="never" nodeType="tmRoot">
+          <p:childTnLst>
+            <p:seq concurrent="1" nextAc="seek">
+              <p:cTn id="2" dur="indefinite" nodeType="mainSeq">
+                <p:childTnLst>
+                  <p:par>
+                    <p:cTn id="3" fill="hold">
+                      <p:stCondLst>
+                        <p:cond delay="indefinite"/>
+                        <p:cond evt="onBegin" delay="0">
+                          <p:tn val="2"/>
+                        </p:cond>
+                      </p:stCondLst>
+                      <p:childTnLst>
+                        <p:par>
+                          <p:cTn id="4" fill="hold">
+                            <p:stCondLst>
+                              <p:cond delay="0"/>
+                            </p:stCondLst>
+                            <p:childTnLst>
+                              <p:par>
+                                <p:cTn id="5" presetID="2" presetClass="entr" presetSubtype="4" fill="hold" grpId="0" nodeType="afterEffect">
+                                  <p:stCondLst>
+                                    <p:cond delay="0"/>
+                                  </p:stCondLst>
+                                  <p:childTnLst>
+                                    <p:set>
+                                      <p:cBhvr>
+                                        <p:cTn id="6" dur="1" fill="hold">
+                                          <p:stCondLst>
+                                            <p:cond delay="0"/>
+                                          </p:stCondLst>
+                                        </p:cTn>
+                                        <p:tgtEl>
+                                          <p:spTgt spid="6"/>
+                                        </p:tgtEl>
+                                        <p:attrNameLst>
+                                          <p:attrName>style.visibility</p:attrName>
+                                        </p:attrNameLst>
+                                      </p:cBhvr>
+                                      <p:to>
+                                        <p:strVal val="visible"/>
+                                      </p:to>
+                                    </p:set>
+                                    <p:anim calcmode="lin" valueType="num">
+                                      <p:cBhvr additive="base">
+                                        <p:cTn id="7" dur="500" fill="hold"/>
+                                        <p:tgtEl>
+                                          <p:spTgt spid="6"/>
+                                        </p:tgtEl>
+                                        <p:attrNameLst>
+                                          <p:attrName>ppt_x</p:attrName>
+                                        </p:attrNameLst>
+                                      </p:cBhvr>
+                                      <p:tavLst>
+                                        <p:tav tm="0">
+                                          <p:val>
+                                            <p:strVal val="#ppt_x"/>
+                                          </p:val>
+                                        </p:tav>
+                                        <p:tav tm="100000">
+                                          <p:val>
+                                            <p:strVal val="#ppt_x"/>
+                                          </p:val>
+                                        </p:tav>
+                                      </p:tavLst>
+                                    </p:anim>
+                                    <p:anim calcmode="lin" valueType="num">
+                                      <p:cBhvr additive="base">
+                                        <p:cTn id="8" dur="500" fill="hold"/>
+                                        <p:tgtEl>
+                                          <p:spTgt spid="6"/>
+                                        </p:tgtEl>
+                                        <p:attrNameLst>
+                                          <p:attrName>ppt_y</p:attrName>
+                                        </p:attrNameLst>
+                                      </p:cBhvr>
+                                      <p:tavLst>
+                                        <p:tav tm="0">
+                                          <p:val>
+                                            <p:strVal val="1+#ppt_h/2"/>
+                                          </p:val>
+                                        </p:tav>
+                                        <p:tav tm="100000">
+                                          <p:val>
+                                            <p:strVal val="#ppt_y"/>
+                                          </p:val>
+                                        </p:tav>
+                                      </p:tavLst>
+                                    </p:anim>
+                                  </p:childTnLst>
+                                </p:cTn>
+                              </p:par>
+                            </p:childTnLst>
+                          </p:cTn>
+                        </p:par>
+                      </p:childTnLst>
+                    </p:cTn>
+                  </p:par>
+                </p:childTnLst>
+              </p:cTn>
+              <p:prevCondLst>
+                <p:cond evt="onPrev" delay="0">
+                  <p:tgtEl>
+                    <p:sldTgt/>
+                  </p:tgtEl>
+                </p:cond>
+              </p:prevCondLst>
+              <p:nextCondLst>
+                <p:cond evt="onNext" delay="0">
+                  <p:tgtEl>
+                    <p:sldTgt/>
+                  </p:tgtEl>
+                </p:cond>
+              </p:nextCondLst>
+            </p:seq>
+          </p:childTnLst>
+        </p:cTn>
+      </p:par>
+    </p:tnLst>
+    <p:bldLst>
+      <p:bldP spid="6" grpId="0" animBg="1"/>
+    </p:bldLst>
+  </p:timing>
+</p:sld>
+</file>
+
+<file path=ppt/slides/slide17.xml><?xml version="1.0" encoding="utf-8"?>
+<p:sld xmlns:a="http://schemas.openxmlformats.org/drawingml/2006/main" xmlns:r="http://schemas.openxmlformats.org/officeDocument/2006/relationships" xmlns:p="http://schemas.openxmlformats.org/presentationml/2006/main">
+  <p:cSld>
+    <p:spTree>
+      <p:nvGrpSpPr>
+        <p:cNvPr id="1" name=""/>
+        <p:cNvGrpSpPr/>
+        <p:nvPr/>
+      </p:nvGrpSpPr>
+      <p:grpSpPr>
+        <a:xfrm>
+          <a:off x="0" y="0"/>
+          <a:ext cx="0" cy="0"/>
+          <a:chOff x="0" y="0"/>
+          <a:chExt cx="0" cy="0"/>
+        </a:xfrm>
+      </p:grpSpPr>
+      <p:sp>
+        <p:nvSpPr>
+          <p:cNvPr id="2" name="Title 1">
+            <a:extLst>
+              <a:ext uri="{FF2B5EF4-FFF2-40B4-BE49-F238E27FC236}">
                 <a16:creationId xmlns:a16="http://schemas.microsoft.com/office/drawing/2014/main" id="{4C77E768-7027-9A41-B88B-CB0667D14490}"/>
               </a:ext>
             </a:extLst>
@@ -9708,8 +13077,8 @@
         </p:nvSpPr>
         <p:spPr>
           <a:xfrm>
-            <a:off x="838200" y="1500160"/>
-            <a:ext cx="7887346" cy="4856190"/>
+            <a:off x="838199" y="1500160"/>
+            <a:ext cx="8385723" cy="4856190"/>
           </a:xfrm>
         </p:spPr>
         <p:txBody>
@@ -9801,7 +13170,19 @@
           <a:p>
             <a:r>
               <a:rPr lang="en-US" dirty="0"/>
-              <a:t>A Transcript Services you used in Activity 4.1 was a Fake</a:t>
+              <a:t>Transcript Server you used in </a:t>
+            </a:r>
+            <a:r>
+              <a:rPr lang="en-US" dirty="0">
+                <a:solidFill>
+                  <a:srgbClr val="FF0000"/>
+                </a:solidFill>
+              </a:rPr>
+              <a:t>Activity 4.1</a:t>
+            </a:r>
+            <a:r>
+              <a:rPr lang="en-US" dirty="0"/>
+              <a:t> was a Fake</a:t>
             </a:r>
           </a:p>
           <a:p>
@@ -9832,7 +13213,7 @@
           <a:p>
             <a:fld id="{20F37917-FD3A-4669-9018-DA04BCDD3D75}" type="slidenum">
               <a:rPr lang="en-US" smtClean="0"/>
-              <a:t>15</a:t>
+              <a:t>17</a:t>
             </a:fld>
             <a:endParaRPr lang="en-US"/>
           </a:p>
@@ -10055,7 +13436,7 @@
 </p:sld>
 </file>
 
-<file path=ppt/slides/slide16.xml><?xml version="1.0" encoding="utf-8"?>
+<file path=ppt/slides/slide18.xml><?xml version="1.0" encoding="utf-8"?>
 <p:sld xmlns:a="http://schemas.openxmlformats.org/drawingml/2006/main" xmlns:r="http://schemas.openxmlformats.org/officeDocument/2006/relationships" xmlns:p="http://schemas.openxmlformats.org/presentationml/2006/main">
   <p:cSld>
     <p:spTree>
@@ -10212,7 +13593,7 @@
           <a:p>
             <a:fld id="{20F37917-FD3A-4669-9018-DA04BCDD3D75}" type="slidenum">
               <a:rPr lang="en-US" smtClean="0"/>
-              <a:t>16</a:t>
+              <a:t>18</a:t>
             </a:fld>
             <a:endParaRPr lang="en-US"/>
           </a:p>
@@ -10231,7 +13612,7 @@
 </p:sld>
 </file>
 
-<file path=ppt/slides/slide17.xml><?xml version="1.0" encoding="utf-8"?>
+<file path=ppt/slides/slide19.xml><?xml version="1.0" encoding="utf-8"?>
 <p:sld xmlns:a="http://schemas.openxmlformats.org/drawingml/2006/main" xmlns:r="http://schemas.openxmlformats.org/officeDocument/2006/relationships" xmlns:p="http://schemas.openxmlformats.org/presentationml/2006/main">
   <p:cSld>
     <p:spTree>
@@ -10375,7 +13756,7 @@
           <a:p>
             <a:fld id="{20F37917-FD3A-4669-9018-DA04BCDD3D75}" type="slidenum">
               <a:rPr lang="en-US" smtClean="0"/>
-              <a:t>17</a:t>
+              <a:t>19</a:t>
             </a:fld>
             <a:endParaRPr lang="en-US"/>
           </a:p>
@@ -10385,216 +13766,6 @@
     <p:extLst>
       <p:ext uri="{BB962C8B-B14F-4D97-AF65-F5344CB8AC3E}">
         <p14:creationId xmlns:p14="http://schemas.microsoft.com/office/powerpoint/2010/main" val="3783954727"/>
-      </p:ext>
-    </p:extLst>
-  </p:cSld>
-  <p:clrMapOvr>
-    <a:masterClrMapping/>
-  </p:clrMapOvr>
-</p:sld>
-</file>
-
-<file path=ppt/slides/slide18.xml><?xml version="1.0" encoding="utf-8"?>
-<p:sld xmlns:a="http://schemas.openxmlformats.org/drawingml/2006/main" xmlns:r="http://schemas.openxmlformats.org/officeDocument/2006/relationships" xmlns:p="http://schemas.openxmlformats.org/presentationml/2006/main">
-  <p:cSld>
-    <p:spTree>
-      <p:nvGrpSpPr>
-        <p:cNvPr id="1" name=""/>
-        <p:cNvGrpSpPr/>
-        <p:nvPr/>
-      </p:nvGrpSpPr>
-      <p:grpSpPr>
-        <a:xfrm>
-          <a:off x="0" y="0"/>
-          <a:ext cx="0" cy="0"/>
-          <a:chOff x="0" y="0"/>
-          <a:chExt cx="0" cy="0"/>
-        </a:xfrm>
-      </p:grpSpPr>
-      <p:sp>
-        <p:nvSpPr>
-          <p:cNvPr id="2" name="Title 1">
-            <a:extLst>
-              <a:ext uri="{FF2B5EF4-FFF2-40B4-BE49-F238E27FC236}">
-                <a16:creationId xmlns:a16="http://schemas.microsoft.com/office/drawing/2014/main" id="{B6D33575-0593-49FD-831F-131BB6CC7E6C}"/>
-              </a:ext>
-            </a:extLst>
-          </p:cNvPr>
-          <p:cNvSpPr>
-            <a:spLocks noGrp="1"/>
-          </p:cNvSpPr>
-          <p:nvPr>
-            <p:ph type="title"/>
-          </p:nvPr>
-        </p:nvSpPr>
-        <p:spPr/>
-        <p:txBody>
-          <a:bodyPr/>
-          <a:lstStyle/>
-          <a:p>
-            <a:r>
-              <a:rPr lang="en-US" dirty="0"/>
-              <a:t>Review: Learning Objectives for this Lesson</a:t>
-            </a:r>
-          </a:p>
-        </p:txBody>
-      </p:sp>
-      <p:sp>
-        <p:nvSpPr>
-          <p:cNvPr id="3" name="Text Placeholder 2">
-            <a:extLst>
-              <a:ext uri="{FF2B5EF4-FFF2-40B4-BE49-F238E27FC236}">
-                <a16:creationId xmlns:a16="http://schemas.microsoft.com/office/drawing/2014/main" id="{5B21ECCD-9823-405F-AA9A-D0CC235AD583}"/>
-              </a:ext>
-            </a:extLst>
-          </p:cNvPr>
-          <p:cNvSpPr>
-            <a:spLocks noGrp="1"/>
-          </p:cNvSpPr>
-          <p:nvPr>
-            <p:ph idx="1"/>
-          </p:nvPr>
-        </p:nvSpPr>
-        <p:spPr>
-          <a:xfrm>
-            <a:off x="838200" y="1500160"/>
-            <a:ext cx="9677400" cy="4351338"/>
-          </a:xfrm>
-        </p:spPr>
-        <p:txBody>
-          <a:bodyPr/>
-          <a:lstStyle/>
-          <a:p>
-            <a:r>
-              <a:rPr lang="en-US" dirty="0"/>
-              <a:t>You should now be able to:</a:t>
-            </a:r>
-          </a:p>
-          <a:p>
-            <a:pPr lvl="1" fontAlgn="base"/>
-            <a:r>
-              <a:rPr lang="en-US" dirty="0"/>
-              <a:t>Explain why you might need a "test double“ in your testing</a:t>
-            </a:r>
-          </a:p>
-          <a:p>
-            <a:pPr lvl="1" fontAlgn="base"/>
-            <a:r>
-              <a:rPr lang="en-US" dirty="0"/>
-              <a:t>Explain the differences between different kinds of test “doubles” such as “stubs, mocks, spies, fakes”</a:t>
-            </a:r>
-          </a:p>
-          <a:p>
-            <a:pPr lvl="1" fontAlgn="base"/>
-            <a:endParaRPr lang="en-US" dirty="0"/>
-          </a:p>
-          <a:p>
-            <a:pPr lvl="1" fontAlgn="base"/>
-            <a:endParaRPr lang="en-US" dirty="0"/>
-          </a:p>
-          <a:p>
-            <a:pPr lvl="1" fontAlgn="base"/>
-            <a:endParaRPr lang="en-US" dirty="0"/>
-          </a:p>
-          <a:p>
-            <a:pPr lvl="1" fontAlgn="base"/>
-            <a:r>
-              <a:rPr lang="en-US" dirty="0">
-                <a:solidFill>
-                  <a:srgbClr val="FF0000"/>
-                </a:solidFill>
-              </a:rPr>
-              <a:t>For Further Reading</a:t>
-            </a:r>
-            <a:r>
-              <a:rPr lang="en-US" dirty="0"/>
-              <a:t> </a:t>
-            </a:r>
-          </a:p>
-          <a:p>
-            <a:pPr lvl="2" fontAlgn="base"/>
-            <a:r>
-              <a:rPr lang="en-US" dirty="0"/>
-              <a:t>Check out Martin Fowler’s article, </a:t>
-            </a:r>
-            <a:br>
-              <a:rPr lang="en-US" dirty="0"/>
-            </a:br>
-            <a:r>
-              <a:rPr lang="en-US" dirty="0"/>
-              <a:t>“Mocks Aren’t Stubs” </a:t>
-            </a:r>
-            <a:r>
-              <a:rPr lang="en-US" dirty="0">
-                <a:hlinkClick r:id="rId2"/>
-              </a:rPr>
-              <a:t>https://martinfowler.com/articles/mocksArentStubs.html</a:t>
-            </a:r>
-            <a:r>
-              <a:rPr lang="en-US" dirty="0"/>
-              <a:t> </a:t>
-            </a:r>
-          </a:p>
-          <a:p>
-            <a:pPr lvl="2" fontAlgn="base"/>
-            <a:r>
-              <a:rPr lang="en-US" dirty="0"/>
-              <a:t>“</a:t>
-            </a:r>
-            <a:r>
-              <a:rPr lang="en-US" dirty="0" err="1"/>
-              <a:t>xUnit</a:t>
-            </a:r>
-            <a:r>
-              <a:rPr lang="en-US" dirty="0"/>
-              <a:t> Test Patterns: Refactoring Test Code” by Gerard </a:t>
-            </a:r>
-            <a:r>
-              <a:rPr lang="en-US" dirty="0" err="1"/>
-              <a:t>Meszaros</a:t>
-            </a:r>
-            <a:endParaRPr lang="en-US" dirty="0"/>
-          </a:p>
-          <a:p>
-            <a:pPr lvl="1" fontAlgn="base"/>
-            <a:endParaRPr lang="en-US" dirty="0"/>
-          </a:p>
-        </p:txBody>
-      </p:sp>
-      <p:sp>
-        <p:nvSpPr>
-          <p:cNvPr id="5" name="Slide Number Placeholder 4">
-            <a:extLst>
-              <a:ext uri="{FF2B5EF4-FFF2-40B4-BE49-F238E27FC236}">
-                <a16:creationId xmlns:a16="http://schemas.microsoft.com/office/drawing/2014/main" id="{D3CB1048-3EB8-4281-8361-E7EB70F6FBBC}"/>
-              </a:ext>
-            </a:extLst>
-          </p:cNvPr>
-          <p:cNvSpPr>
-            <a:spLocks noGrp="1"/>
-          </p:cNvSpPr>
-          <p:nvPr>
-            <p:ph type="sldNum" sz="quarter" idx="12"/>
-          </p:nvPr>
-        </p:nvSpPr>
-        <p:spPr/>
-        <p:txBody>
-          <a:bodyPr/>
-          <a:lstStyle/>
-          <a:p>
-            <a:fld id="{86CB4B4D-7CA3-9044-876B-883B54F8677D}" type="slidenum">
-              <a:rPr lang="en-US" smtClean="0"/>
-              <a:pPr/>
-              <a:t>18</a:t>
-            </a:fld>
-            <a:endParaRPr lang="en-US"/>
-          </a:p>
-        </p:txBody>
-      </p:sp>
-    </p:spTree>
-    <p:extLst>
-      <p:ext uri="{BB962C8B-B14F-4D97-AF65-F5344CB8AC3E}">
-        <p14:creationId xmlns:p14="http://schemas.microsoft.com/office/powerpoint/2010/main" val="2643922941"/>
       </p:ext>
     </p:extLst>
   </p:cSld>
@@ -10740,6 +13911,216 @@
     <p:extLst>
       <p:ext uri="{BB962C8B-B14F-4D97-AF65-F5344CB8AC3E}">
         <p14:creationId xmlns:p14="http://schemas.microsoft.com/office/powerpoint/2010/main" val="3915051007"/>
+      </p:ext>
+    </p:extLst>
+  </p:cSld>
+  <p:clrMapOvr>
+    <a:masterClrMapping/>
+  </p:clrMapOvr>
+</p:sld>
+</file>
+
+<file path=ppt/slides/slide20.xml><?xml version="1.0" encoding="utf-8"?>
+<p:sld xmlns:a="http://schemas.openxmlformats.org/drawingml/2006/main" xmlns:r="http://schemas.openxmlformats.org/officeDocument/2006/relationships" xmlns:p="http://schemas.openxmlformats.org/presentationml/2006/main">
+  <p:cSld>
+    <p:spTree>
+      <p:nvGrpSpPr>
+        <p:cNvPr id="1" name=""/>
+        <p:cNvGrpSpPr/>
+        <p:nvPr/>
+      </p:nvGrpSpPr>
+      <p:grpSpPr>
+        <a:xfrm>
+          <a:off x="0" y="0"/>
+          <a:ext cx="0" cy="0"/>
+          <a:chOff x="0" y="0"/>
+          <a:chExt cx="0" cy="0"/>
+        </a:xfrm>
+      </p:grpSpPr>
+      <p:sp>
+        <p:nvSpPr>
+          <p:cNvPr id="2" name="Title 1">
+            <a:extLst>
+              <a:ext uri="{FF2B5EF4-FFF2-40B4-BE49-F238E27FC236}">
+                <a16:creationId xmlns:a16="http://schemas.microsoft.com/office/drawing/2014/main" id="{B6D33575-0593-49FD-831F-131BB6CC7E6C}"/>
+              </a:ext>
+            </a:extLst>
+          </p:cNvPr>
+          <p:cNvSpPr>
+            <a:spLocks noGrp="1"/>
+          </p:cNvSpPr>
+          <p:nvPr>
+            <p:ph type="title"/>
+          </p:nvPr>
+        </p:nvSpPr>
+        <p:spPr/>
+        <p:txBody>
+          <a:bodyPr/>
+          <a:lstStyle/>
+          <a:p>
+            <a:r>
+              <a:rPr lang="en-US" dirty="0"/>
+              <a:t>Review: Learning Objectives for this Lesson</a:t>
+            </a:r>
+          </a:p>
+        </p:txBody>
+      </p:sp>
+      <p:sp>
+        <p:nvSpPr>
+          <p:cNvPr id="3" name="Text Placeholder 2">
+            <a:extLst>
+              <a:ext uri="{FF2B5EF4-FFF2-40B4-BE49-F238E27FC236}">
+                <a16:creationId xmlns:a16="http://schemas.microsoft.com/office/drawing/2014/main" id="{5B21ECCD-9823-405F-AA9A-D0CC235AD583}"/>
+              </a:ext>
+            </a:extLst>
+          </p:cNvPr>
+          <p:cNvSpPr>
+            <a:spLocks noGrp="1"/>
+          </p:cNvSpPr>
+          <p:nvPr>
+            <p:ph idx="1"/>
+          </p:nvPr>
+        </p:nvSpPr>
+        <p:spPr>
+          <a:xfrm>
+            <a:off x="838200" y="1500160"/>
+            <a:ext cx="9677400" cy="4351338"/>
+          </a:xfrm>
+        </p:spPr>
+        <p:txBody>
+          <a:bodyPr/>
+          <a:lstStyle/>
+          <a:p>
+            <a:r>
+              <a:rPr lang="en-US" dirty="0"/>
+              <a:t>You should now be able to:</a:t>
+            </a:r>
+          </a:p>
+          <a:p>
+            <a:pPr lvl="1" fontAlgn="base"/>
+            <a:r>
+              <a:rPr lang="en-US" dirty="0"/>
+              <a:t>Explain why you might need a "test double“ in your testing</a:t>
+            </a:r>
+          </a:p>
+          <a:p>
+            <a:pPr lvl="1" fontAlgn="base"/>
+            <a:r>
+              <a:rPr lang="en-US" dirty="0"/>
+              <a:t>Explain the differences between different kinds of test “doubles” such as “stubs, mocks, spies, fakes”</a:t>
+            </a:r>
+          </a:p>
+          <a:p>
+            <a:pPr lvl="1" fontAlgn="base"/>
+            <a:endParaRPr lang="en-US" dirty="0"/>
+          </a:p>
+          <a:p>
+            <a:pPr lvl="1" fontAlgn="base"/>
+            <a:endParaRPr lang="en-US" dirty="0"/>
+          </a:p>
+          <a:p>
+            <a:pPr lvl="1" fontAlgn="base"/>
+            <a:endParaRPr lang="en-US" dirty="0"/>
+          </a:p>
+          <a:p>
+            <a:pPr lvl="1" fontAlgn="base"/>
+            <a:r>
+              <a:rPr lang="en-US" dirty="0">
+                <a:solidFill>
+                  <a:srgbClr val="FF0000"/>
+                </a:solidFill>
+              </a:rPr>
+              <a:t>For Further Reading</a:t>
+            </a:r>
+            <a:r>
+              <a:rPr lang="en-US" dirty="0"/>
+              <a:t> </a:t>
+            </a:r>
+          </a:p>
+          <a:p>
+            <a:pPr lvl="2" fontAlgn="base"/>
+            <a:r>
+              <a:rPr lang="en-US" dirty="0"/>
+              <a:t>Check out Martin Fowler’s article, </a:t>
+            </a:r>
+            <a:br>
+              <a:rPr lang="en-US" dirty="0"/>
+            </a:br>
+            <a:r>
+              <a:rPr lang="en-US" dirty="0"/>
+              <a:t>“Mocks Aren’t Stubs” </a:t>
+            </a:r>
+            <a:r>
+              <a:rPr lang="en-US" dirty="0">
+                <a:hlinkClick r:id="rId2"/>
+              </a:rPr>
+              <a:t>https://martinfowler.com/articles/mocksArentStubs.html</a:t>
+            </a:r>
+            <a:r>
+              <a:rPr lang="en-US" dirty="0"/>
+              <a:t> </a:t>
+            </a:r>
+          </a:p>
+          <a:p>
+            <a:pPr lvl="2" fontAlgn="base"/>
+            <a:r>
+              <a:rPr lang="en-US" dirty="0"/>
+              <a:t>“</a:t>
+            </a:r>
+            <a:r>
+              <a:rPr lang="en-US" dirty="0" err="1"/>
+              <a:t>xUnit</a:t>
+            </a:r>
+            <a:r>
+              <a:rPr lang="en-US" dirty="0"/>
+              <a:t> Test Patterns: Refactoring Test Code” by Gerard </a:t>
+            </a:r>
+            <a:r>
+              <a:rPr lang="en-US" dirty="0" err="1"/>
+              <a:t>Meszaros</a:t>
+            </a:r>
+            <a:endParaRPr lang="en-US" dirty="0"/>
+          </a:p>
+          <a:p>
+            <a:pPr lvl="1" fontAlgn="base"/>
+            <a:endParaRPr lang="en-US" dirty="0"/>
+          </a:p>
+        </p:txBody>
+      </p:sp>
+      <p:sp>
+        <p:nvSpPr>
+          <p:cNvPr id="5" name="Slide Number Placeholder 4">
+            <a:extLst>
+              <a:ext uri="{FF2B5EF4-FFF2-40B4-BE49-F238E27FC236}">
+                <a16:creationId xmlns:a16="http://schemas.microsoft.com/office/drawing/2014/main" id="{D3CB1048-3EB8-4281-8361-E7EB70F6FBBC}"/>
+              </a:ext>
+            </a:extLst>
+          </p:cNvPr>
+          <p:cNvSpPr>
+            <a:spLocks noGrp="1"/>
+          </p:cNvSpPr>
+          <p:nvPr>
+            <p:ph type="sldNum" sz="quarter" idx="12"/>
+          </p:nvPr>
+        </p:nvSpPr>
+        <p:spPr/>
+        <p:txBody>
+          <a:bodyPr/>
+          <a:lstStyle/>
+          <a:p>
+            <a:fld id="{86CB4B4D-7CA3-9044-876B-883B54F8677D}" type="slidenum">
+              <a:rPr lang="en-US" smtClean="0"/>
+              <a:pPr/>
+              <a:t>20</a:t>
+            </a:fld>
+            <a:endParaRPr lang="en-US"/>
+          </a:p>
+        </p:txBody>
+      </p:sp>
+    </p:spTree>
+    <p:extLst>
+      <p:ext uri="{BB962C8B-B14F-4D97-AF65-F5344CB8AC3E}">
+        <p14:creationId xmlns:p14="http://schemas.microsoft.com/office/powerpoint/2010/main" val="2643922941"/>
       </p:ext>
     </p:extLst>
   </p:cSld>
@@ -11478,7 +14859,7 @@
             <a:effectLst/>
             <a:extLst>
               <a:ext uri="{C572A759-6A51-4108-AA02-DFA0A04FC94B}">
-                <ma14:wrappingTextBoxFlag xmlns:ma14="http://schemas.microsoft.com/office/mac/drawingml/2011/main" xmlns:a14="http://schemas.microsoft.com/office/drawing/2010/main" xmlns:m="http://schemas.openxmlformats.org/officeDocument/2006/math" xmlns="" val="1"/>
+                <ma14:wrappingTextBoxFlag xmlns="" xmlns:m="http://schemas.openxmlformats.org/officeDocument/2006/math" xmlns:a14="http://schemas.microsoft.com/office/drawing/2010/main" xmlns:ma14="http://schemas.microsoft.com/office/mac/drawingml/2011/main" val="1"/>
               </a:ext>
             </a:extLst>
           </p:spPr>
@@ -11539,7 +14920,7 @@
             <a:effectLst/>
             <a:extLst>
               <a:ext uri="{C572A759-6A51-4108-AA02-DFA0A04FC94B}">
-                <ma14:wrappingTextBoxFlag xmlns:ma14="http://schemas.microsoft.com/office/mac/drawingml/2011/main" xmlns:a14="http://schemas.microsoft.com/office/drawing/2010/main" xmlns:m="http://schemas.openxmlformats.org/officeDocument/2006/math" xmlns="" val="1"/>
+                <ma14:wrappingTextBoxFlag xmlns="" xmlns:m="http://schemas.openxmlformats.org/officeDocument/2006/math" xmlns:a14="http://schemas.microsoft.com/office/drawing/2010/main" xmlns:ma14="http://schemas.microsoft.com/office/mac/drawingml/2011/main" val="1"/>
               </a:ext>
             </a:extLst>
           </p:spPr>
@@ -11600,7 +14981,7 @@
             <a:effectLst/>
             <a:extLst>
               <a:ext uri="{C572A759-6A51-4108-AA02-DFA0A04FC94B}">
-                <ma14:wrappingTextBoxFlag xmlns:ma14="http://schemas.microsoft.com/office/mac/drawingml/2011/main" xmlns:a14="http://schemas.microsoft.com/office/drawing/2010/main" xmlns:m="http://schemas.openxmlformats.org/officeDocument/2006/math" xmlns="" val="1"/>
+                <ma14:wrappingTextBoxFlag xmlns="" xmlns:m="http://schemas.openxmlformats.org/officeDocument/2006/math" xmlns:a14="http://schemas.microsoft.com/office/drawing/2010/main" xmlns:ma14="http://schemas.microsoft.com/office/mac/drawingml/2011/main" val="1"/>
               </a:ext>
             </a:extLst>
           </p:spPr>
@@ -15237,32 +18618,6 @@
               <a:t>If the client expects something specific from the object, the test will likely fail.</a:t>
             </a:r>
           </a:p>
-          <a:p>
-            <a:r>
-              <a:rPr lang="en-US" dirty="0"/>
-              <a:t>Need two more things:</a:t>
-            </a:r>
-          </a:p>
-          <a:p>
-            <a:pPr marL="914400" lvl="1" indent="-457200">
-              <a:buFont typeface="+mj-lt"/>
-              <a:buAutoNum type="arabicPeriod"/>
-            </a:pPr>
-            <a:r>
-              <a:rPr lang="en-US" dirty="0"/>
-              <a:t>Remember how the stub was used;</a:t>
-            </a:r>
-          </a:p>
-          <a:p>
-            <a:pPr marL="914400" lvl="1" indent="-457200">
-              <a:buFont typeface="+mj-lt"/>
-              <a:buAutoNum type="arabicPeriod"/>
-            </a:pPr>
-            <a:r>
-              <a:rPr lang="en-US" dirty="0"/>
-              <a:t>Tell the stub what to do when it is called.</a:t>
-            </a:r>
-          </a:p>
         </p:txBody>
       </p:sp>
       <p:sp>
@@ -15368,8 +18723,8 @@
         </p:nvSpPr>
         <p:spPr>
           <a:xfrm>
-            <a:off x="838199" y="1500160"/>
-            <a:ext cx="11133221" cy="4351338"/>
+            <a:off x="988541" y="1500160"/>
+            <a:ext cx="10982879" cy="4351338"/>
           </a:xfrm>
           <a:prstGeom prst="rect">
             <a:avLst/>

--- a/Slides/Lesson 5.3 Testing Systems.pptx
+++ b/Slides/Lesson 5.3 Testing Systems.pptx
@@ -566,7 +566,10 @@
           <a:bodyPr/>
           <a:lstStyle/>
           <a:p>
-            <a:endParaRPr lang="en-US" dirty="0"/>
+            <a:r>
+              <a:rPr lang="en-US" dirty="0"/>
+              <a:t>&lt;read slide&gt;</a:t>
+            </a:r>
           </a:p>
         </p:txBody>
       </p:sp>
@@ -650,77 +653,61 @@
           <a:bodyPr/>
           <a:lstStyle/>
           <a:p>
-            <a:pPr>
-              <a:buFont typeface="Arial" panose="020B0604020202020204" pitchFamily="34" charset="0"/>
-              <a:buNone/>
-            </a:pPr>
-            <a:r>
-              <a:rPr lang="en-US" dirty="0"/>
-              <a:t>There are three main types of module and function mocking in Jest:</a:t>
-            </a:r>
-            <a:br>
-              <a:rPr lang="en-US" dirty="0"/>
-            </a:br>
-            <a:r>
-              <a:rPr lang="en-US" dirty="0" err="1"/>
-              <a:t>jest.fn</a:t>
-            </a:r>
-            <a:r>
-              <a:rPr lang="en-US" dirty="0"/>
-              <a:t>: Mock a function</a:t>
-            </a:r>
-          </a:p>
-          <a:p>
-            <a:pPr>
-              <a:buFont typeface="Arial" panose="020B0604020202020204" pitchFamily="34" charset="0"/>
-              <a:buNone/>
-            </a:pPr>
-            <a:r>
-              <a:rPr lang="en-US" dirty="0" err="1"/>
-              <a:t>jest.mock</a:t>
-            </a:r>
-            <a:r>
-              <a:rPr lang="en-US" dirty="0"/>
-              <a:t>: Mock a module</a:t>
-            </a:r>
-          </a:p>
-          <a:p>
-            <a:pPr>
-              <a:buFont typeface="Arial" panose="020B0604020202020204" pitchFamily="34" charset="0"/>
-              <a:buNone/>
-            </a:pPr>
-            <a:r>
-              <a:rPr lang="en-US" dirty="0" err="1"/>
-              <a:t>jest.spyOn</a:t>
-            </a:r>
-            <a:r>
-              <a:rPr lang="en-US" dirty="0"/>
-              <a:t>: Spy or mock a function</a:t>
-            </a:r>
-            <a:br>
+            <a:r>
+              <a:rPr lang="en-US" b="1" dirty="0">
+                <a:latin typeface="+mn-lt"/>
+              </a:rPr>
+              <a:t>Mocks</a:t>
+            </a:r>
+            <a:r>
               <a:rPr lang="en-US" dirty="0">
                 <a:latin typeface="+mn-lt"/>
               </a:rPr>
-            </a:br>
-            <a:r>
-              <a:rPr lang="en-US" dirty="0">
-                <a:latin typeface="+mn-lt"/>
-              </a:rPr>
-              <a:t>Here is a nice review:</a:t>
-            </a:r>
-          </a:p>
-          <a:p>
-            <a:pPr>
-              <a:buFont typeface="Arial" panose="020B0604020202020204" pitchFamily="34" charset="0"/>
-              <a:buNone/>
-            </a:pPr>
-            <a:r>
-              <a:rPr lang="en-US" dirty="0">
-                <a:latin typeface="+mn-lt"/>
-              </a:rPr>
-              <a:t>https://medium.com/@rickhanlonii/understanding-jest-mocks-f0046c68e53c </a:t>
-            </a:r>
-            <a:endParaRPr lang="en-US" dirty="0"/>
+              <a:t> are objects pre-programmed with expectations which form a specification of the calls they are expected to receive. </a:t>
+            </a:r>
+            <a:r>
+              <a:rPr lang="en-US" dirty="0"/>
+              <a:t>It is used to record and verify the interaction between classes/components. A mock is known as the most powerful and flexible version of the test doubles. </a:t>
+            </a:r>
+          </a:p>
+          <a:p>
+            <a:r>
+              <a:rPr lang="en-US" dirty="0"/>
+              <a:t>The mock objects are generally used for </a:t>
+            </a:r>
+            <a:r>
+              <a:rPr lang="en-US" b="1" dirty="0"/>
+              <a:t>behavior verification</a:t>
+            </a:r>
+            <a:r>
+              <a:rPr lang="en-US" dirty="0"/>
+              <a:t>. The term behavior means to check the correct methods and paths that are applied to the objects.</a:t>
+            </a:r>
+          </a:p>
+          <a:p>
+            <a:r>
+              <a:rPr lang="en-US" dirty="0"/>
+              <a:t>Mocks are mostly created by using a library or a mocking framework like Mockito, </a:t>
+            </a:r>
+            <a:r>
+              <a:rPr lang="en-US" dirty="0" err="1"/>
+              <a:t>JMock</a:t>
+            </a:r>
+            <a:r>
+              <a:rPr lang="en-US" dirty="0"/>
+              <a:t>, and </a:t>
+            </a:r>
+            <a:r>
+              <a:rPr lang="en-US" dirty="0" err="1"/>
+              <a:t>EasyMock</a:t>
+            </a:r>
+            <a:r>
+              <a:rPr lang="en-US" dirty="0"/>
+              <a:t>. It is used for testing a large suite of tests where stubs are not sufficient. </a:t>
+            </a:r>
+            <a:endParaRPr lang="en-US" dirty="0">
+              <a:latin typeface="+mn-lt"/>
+            </a:endParaRPr>
           </a:p>
         </p:txBody>
       </p:sp>
@@ -741,7 +728,7 @@
           <a:p>
             <a:fld id="{07937F07-1250-4CCE-B198-1B2887014F41}" type="slidenum">
               <a:rPr lang="en-US" smtClean="0"/>
-              <a:t>14</a:t>
+              <a:t>13</a:t>
             </a:fld>
             <a:endParaRPr lang="en-US"/>
           </a:p>
@@ -750,7 +737,7 @@
     </p:spTree>
     <p:extLst>
       <p:ext uri="{BB962C8B-B14F-4D97-AF65-F5344CB8AC3E}">
-        <p14:creationId xmlns:p14="http://schemas.microsoft.com/office/powerpoint/2010/main" val="1932729978"/>
+        <p14:creationId xmlns:p14="http://schemas.microsoft.com/office/powerpoint/2010/main" val="3035997716"/>
       </p:ext>
     </p:extLst>
   </p:cSld>
@@ -804,75 +791,77 @@
           <a:bodyPr/>
           <a:lstStyle/>
           <a:p>
-            <a:r>
-              <a:rPr lang="en-US" b="0" i="0" dirty="0">
-                <a:solidFill>
-                  <a:srgbClr val="1D1C1D"/>
-                </a:solidFill>
-                <a:effectLst/>
-                <a:latin typeface="Slack-Lato"/>
-              </a:rPr>
-              <a:t>This test will spy on the </a:t>
-            </a:r>
+            <a:pPr>
+              <a:buFont typeface="Arial" panose="020B0604020202020204" pitchFamily="34" charset="0"/>
+              <a:buNone/>
+            </a:pPr>
+            <a:r>
+              <a:rPr lang="en-US" dirty="0"/>
+              <a:t>There are three main types of module and function mocking in Jest:</a:t>
+            </a:r>
+            <a:br>
+              <a:rPr lang="en-US" dirty="0"/>
+            </a:br>
             <a:r>
               <a:rPr lang="en-US" dirty="0" err="1"/>
-              <a:t>getInstance</a:t>
-            </a:r>
-            <a:r>
-              <a:rPr lang="en-US" b="0" i="0" dirty="0">
-                <a:solidFill>
-                  <a:srgbClr val="1D1C1D"/>
-                </a:solidFill>
-                <a:effectLst/>
-                <a:latin typeface="Slack-Lato"/>
-              </a:rPr>
-              <a:t> method of </a:t>
-            </a:r>
+              <a:t>jest.fn</a:t>
+            </a:r>
+            <a:r>
+              <a:rPr lang="en-US" dirty="0"/>
+              <a:t>: Mock a function</a:t>
+            </a:r>
+          </a:p>
+          <a:p>
+            <a:pPr>
+              <a:buFont typeface="Arial" panose="020B0604020202020204" pitchFamily="34" charset="0"/>
+              <a:buNone/>
+            </a:pPr>
             <a:r>
               <a:rPr lang="en-US" dirty="0" err="1"/>
-              <a:t>CoveyTownsStore</a:t>
-            </a:r>
-            <a:r>
-              <a:rPr lang="en-US" b="0" i="0" dirty="0">
-                <a:solidFill>
-                  <a:srgbClr val="1D1C1D"/>
-                </a:solidFill>
-                <a:effectLst/>
-                <a:latin typeface="Slack-Lato"/>
-              </a:rPr>
-              <a:t>, always returning a mock instance. Then, whenever </a:t>
-            </a:r>
+              <a:t>jest.mock</a:t>
+            </a:r>
+            <a:r>
+              <a:rPr lang="en-US" dirty="0"/>
+              <a:t>: Mock a module</a:t>
+            </a:r>
+          </a:p>
+          <a:p>
+            <a:pPr>
+              <a:buFont typeface="Arial" panose="020B0604020202020204" pitchFamily="34" charset="0"/>
+              <a:buNone/>
+            </a:pPr>
             <a:r>
               <a:rPr lang="en-US" dirty="0" err="1"/>
-              <a:t>getControllerForTown</a:t>
-            </a:r>
-            <a:r>
-              <a:rPr lang="en-US" b="0" i="0" dirty="0">
-                <a:solidFill>
-                  <a:srgbClr val="1D1C1D"/>
-                </a:solidFill>
-                <a:effectLst/>
-                <a:latin typeface="Slack-Lato"/>
-              </a:rPr>
-              <a:t> is called, it will always return a mock </a:t>
-            </a:r>
-            <a:r>
-              <a:rPr lang="en-US" dirty="0" err="1"/>
-              <a:t>CoveyTownController</a:t>
-            </a:r>
-            <a:r>
-              <a:rPr lang="en-US" b="0" i="0" dirty="0">
-                <a:solidFill>
-                  <a:srgbClr val="1D1C1D"/>
-                </a:solidFill>
-                <a:effectLst/>
-                <a:latin typeface="Slack-Lato"/>
-              </a:rPr>
-              <a:t>. </a:t>
-            </a:r>
-            <a:endParaRPr lang="en-US" dirty="0">
-              <a:latin typeface="+mn-lt"/>
-            </a:endParaRPr>
+              <a:t>jest.spyOn</a:t>
+            </a:r>
+            <a:r>
+              <a:rPr lang="en-US" dirty="0"/>
+              <a:t>: Spy or mock a function</a:t>
+            </a:r>
+            <a:br>
+              <a:rPr lang="en-US" dirty="0">
+                <a:latin typeface="+mn-lt"/>
+              </a:rPr>
+            </a:br>
+            <a:r>
+              <a:rPr lang="en-US" dirty="0">
+                <a:latin typeface="+mn-lt"/>
+              </a:rPr>
+              <a:t>Here is a nice review:</a:t>
+            </a:r>
+          </a:p>
+          <a:p>
+            <a:pPr>
+              <a:buFont typeface="Arial" panose="020B0604020202020204" pitchFamily="34" charset="0"/>
+              <a:buNone/>
+            </a:pPr>
+            <a:r>
+              <a:rPr lang="en-US" dirty="0">
+                <a:latin typeface="+mn-lt"/>
+              </a:rPr>
+              <a:t>https://medium.com/@rickhanlonii/understanding-jest-mocks-f0046c68e53c </a:t>
+            </a:r>
+            <a:endParaRPr lang="en-US" dirty="0"/>
           </a:p>
         </p:txBody>
       </p:sp>
@@ -893,7 +882,7 @@
           <a:p>
             <a:fld id="{07937F07-1250-4CCE-B198-1B2887014F41}" type="slidenum">
               <a:rPr lang="en-US" smtClean="0"/>
-              <a:t>15</a:t>
+              <a:t>14</a:t>
             </a:fld>
             <a:endParaRPr lang="en-US"/>
           </a:p>
@@ -902,7 +891,7 @@
     </p:spTree>
     <p:extLst>
       <p:ext uri="{BB962C8B-B14F-4D97-AF65-F5344CB8AC3E}">
-        <p14:creationId xmlns:p14="http://schemas.microsoft.com/office/powerpoint/2010/main" val="616533052"/>
+        <p14:creationId xmlns:p14="http://schemas.microsoft.com/office/powerpoint/2010/main" val="1932729978"/>
       </p:ext>
     </p:extLst>
   </p:cSld>
@@ -964,11 +953,11 @@
                 <a:effectLst/>
                 <a:latin typeface="Slack-Lato"/>
               </a:rPr>
-              <a:t>The test checks to see that </a:t>
+              <a:t>This test will spy on the </a:t>
             </a:r>
             <a:r>
               <a:rPr lang="en-US" dirty="0" err="1"/>
-              <a:t>conversationAreaCreateHandler</a:t>
+              <a:t>getInstance</a:t>
             </a:r>
             <a:r>
               <a:rPr lang="en-US" b="0" i="0" dirty="0">
@@ -978,11 +967,11 @@
                 <a:effectLst/>
                 <a:latin typeface="Slack-Lato"/>
               </a:rPr>
-              <a:t> does NOT call </a:t>
+              <a:t> method of </a:t>
             </a:r>
             <a:r>
               <a:rPr lang="en-US" dirty="0" err="1"/>
-              <a:t>addConversationArea</a:t>
+              <a:t>CoveyTownsStore</a:t>
             </a:r>
             <a:r>
               <a:rPr lang="en-US" b="0" i="0" dirty="0">
@@ -992,11 +981,11 @@
                 <a:effectLst/>
                 <a:latin typeface="Slack-Lato"/>
               </a:rPr>
-              <a:t> if the session token is invalid, which it simulates by mocking a return value of </a:t>
-            </a:r>
-            <a:r>
-              <a:rPr lang="en-US" dirty="0"/>
-              <a:t>undefined</a:t>
+              <a:t>, always returning a mock instance. Then, whenever </a:t>
+            </a:r>
+            <a:r>
+              <a:rPr lang="en-US" dirty="0" err="1"/>
+              <a:t>getControllerForTown</a:t>
             </a:r>
             <a:r>
               <a:rPr lang="en-US" b="0" i="0" dirty="0">
@@ -1006,11 +995,21 @@
                 <a:effectLst/>
                 <a:latin typeface="Slack-Lato"/>
               </a:rPr>
-              <a:t> for </a:t>
+              <a:t> is called, it will always return a mock </a:t>
             </a:r>
             <a:r>
               <a:rPr lang="en-US" dirty="0" err="1"/>
-              <a:t>getSessionByToken</a:t>
+              <a:t>CoveyTownController</a:t>
+            </a:r>
+            <a:r>
+              <a:rPr lang="en-US" b="0" i="0" dirty="0">
+                <a:solidFill>
+                  <a:srgbClr val="1D1C1D"/>
+                </a:solidFill>
+                <a:effectLst/>
+                <a:latin typeface="Slack-Lato"/>
+              </a:rPr>
+              <a:t>. </a:t>
             </a:r>
             <a:endParaRPr lang="en-US" dirty="0">
               <a:latin typeface="+mn-lt"/>
@@ -1035,7 +1034,7 @@
           <a:p>
             <a:fld id="{07937F07-1250-4CCE-B198-1B2887014F41}" type="slidenum">
               <a:rPr lang="en-US" smtClean="0"/>
-              <a:t>16</a:t>
+              <a:t>15</a:t>
             </a:fld>
             <a:endParaRPr lang="en-US"/>
           </a:p>
@@ -1044,7 +1043,7 @@
     </p:spTree>
     <p:extLst>
       <p:ext uri="{BB962C8B-B14F-4D97-AF65-F5344CB8AC3E}">
-        <p14:creationId xmlns:p14="http://schemas.microsoft.com/office/powerpoint/2010/main" val="1028540379"/>
+        <p14:creationId xmlns:p14="http://schemas.microsoft.com/office/powerpoint/2010/main" val="616533052"/>
       </p:ext>
     </p:extLst>
   </p:cSld>
@@ -1099,37 +1098,61 @@
           <a:lstStyle/>
           <a:p>
             <a:r>
-              <a:rPr lang="en-US" b="1" dirty="0">
-                <a:latin typeface="+mn-lt"/>
-              </a:rPr>
-              <a:t>Fake</a:t>
-            </a:r>
-            <a:r>
-              <a:rPr lang="en-US" dirty="0">
-                <a:latin typeface="+mn-lt"/>
-              </a:rPr>
-              <a:t> objects actually have working implementations, but usually take some shortcut which makes them not suitable for production (an in memory database is a good example).</a:t>
-            </a:r>
-          </a:p>
-          <a:p>
+              <a:rPr lang="en-US" b="0" i="0" dirty="0">
+                <a:solidFill>
+                  <a:srgbClr val="1D1C1D"/>
+                </a:solidFill>
+                <a:effectLst/>
+                <a:latin typeface="Slack-Lato"/>
+              </a:rPr>
+              <a:t>The test checks to see that </a:t>
+            </a:r>
+            <a:r>
+              <a:rPr lang="en-US" dirty="0" err="1"/>
+              <a:t>conversationAreaCreateHandler</a:t>
+            </a:r>
+            <a:r>
+              <a:rPr lang="en-US" b="0" i="0" dirty="0">
+                <a:solidFill>
+                  <a:srgbClr val="1D1C1D"/>
+                </a:solidFill>
+                <a:effectLst/>
+                <a:latin typeface="Slack-Lato"/>
+              </a:rPr>
+              <a:t> does NOT call </a:t>
+            </a:r>
+            <a:r>
+              <a:rPr lang="en-US" dirty="0" err="1"/>
+              <a:t>addConversationArea</a:t>
+            </a:r>
+            <a:r>
+              <a:rPr lang="en-US" b="0" i="0" dirty="0">
+                <a:solidFill>
+                  <a:srgbClr val="1D1C1D"/>
+                </a:solidFill>
+                <a:effectLst/>
+                <a:latin typeface="Slack-Lato"/>
+              </a:rPr>
+              <a:t> if the session token is invalid, which it simulates by mocking a return value of </a:t>
+            </a:r>
             <a:r>
               <a:rPr lang="en-US" dirty="0"/>
-              <a:t>A fake is a simpler implementation of real objects.</a:t>
-            </a:r>
-          </a:p>
-          <a:p>
-            <a:r>
-              <a:rPr lang="en-US" dirty="0"/>
-              <a:t>Fakes are used when we want to test an infrastructural class, in other words, fakes are for the classes which are beyond our application limit (repositories or queues, for example).</a:t>
-            </a:r>
-          </a:p>
-          <a:p>
-            <a:r>
-              <a:rPr lang="en-US" dirty="0"/>
-              <a:t>Transcript Service was a Fake which probably would not scale but worked.</a:t>
-            </a:r>
-          </a:p>
-          <a:p>
+              <a:t>undefined</a:t>
+            </a:r>
+            <a:r>
+              <a:rPr lang="en-US" b="0" i="0" dirty="0">
+                <a:solidFill>
+                  <a:srgbClr val="1D1C1D"/>
+                </a:solidFill>
+                <a:effectLst/>
+                <a:latin typeface="Slack-Lato"/>
+              </a:rPr>
+              <a:t> for </a:t>
+            </a:r>
+            <a:r>
+              <a:rPr lang="en-US" dirty="0" err="1"/>
+              <a:t>getSessionByToken</a:t>
+            </a:r>
             <a:endParaRPr lang="en-US" dirty="0">
               <a:latin typeface="+mn-lt"/>
             </a:endParaRPr>
@@ -1153,6 +1176,124 @@
           <a:p>
             <a:fld id="{07937F07-1250-4CCE-B198-1B2887014F41}" type="slidenum">
               <a:rPr lang="en-US" smtClean="0"/>
+              <a:t>16</a:t>
+            </a:fld>
+            <a:endParaRPr lang="en-US"/>
+          </a:p>
+        </p:txBody>
+      </p:sp>
+    </p:spTree>
+    <p:extLst>
+      <p:ext uri="{BB962C8B-B14F-4D97-AF65-F5344CB8AC3E}">
+        <p14:creationId xmlns:p14="http://schemas.microsoft.com/office/powerpoint/2010/main" val="1028540379"/>
+      </p:ext>
+    </p:extLst>
+  </p:cSld>
+  <p:clrMapOvr>
+    <a:masterClrMapping/>
+  </p:clrMapOvr>
+</p:notes>
+</file>
+
+<file path=ppt/notesSlides/notesSlide14.xml><?xml version="1.0" encoding="utf-8"?>
+<p:notes xmlns:a="http://schemas.openxmlformats.org/drawingml/2006/main" xmlns:r="http://schemas.openxmlformats.org/officeDocument/2006/relationships" xmlns:p="http://schemas.openxmlformats.org/presentationml/2006/main">
+  <p:cSld>
+    <p:spTree>
+      <p:nvGrpSpPr>
+        <p:cNvPr id="1" name=""/>
+        <p:cNvGrpSpPr/>
+        <p:nvPr/>
+      </p:nvGrpSpPr>
+      <p:grpSpPr>
+        <a:xfrm>
+          <a:off x="0" y="0"/>
+          <a:ext cx="0" cy="0"/>
+          <a:chOff x="0" y="0"/>
+          <a:chExt cx="0" cy="0"/>
+        </a:xfrm>
+      </p:grpSpPr>
+      <p:sp>
+        <p:nvSpPr>
+          <p:cNvPr id="2" name="Slide Image Placeholder 1"/>
+          <p:cNvSpPr>
+            <a:spLocks noGrp="1" noRot="1" noChangeAspect="1"/>
+          </p:cNvSpPr>
+          <p:nvPr>
+            <p:ph type="sldImg"/>
+          </p:nvPr>
+        </p:nvSpPr>
+        <p:spPr/>
+      </p:sp>
+      <p:sp>
+        <p:nvSpPr>
+          <p:cNvPr id="3" name="Notes Placeholder 2"/>
+          <p:cNvSpPr>
+            <a:spLocks noGrp="1"/>
+          </p:cNvSpPr>
+          <p:nvPr>
+            <p:ph type="body" idx="1"/>
+          </p:nvPr>
+        </p:nvSpPr>
+        <p:spPr/>
+        <p:txBody>
+          <a:bodyPr/>
+          <a:lstStyle/>
+          <a:p>
+            <a:r>
+              <a:rPr lang="en-US" b="1" dirty="0">
+                <a:latin typeface="+mn-lt"/>
+              </a:rPr>
+              <a:t>Fake</a:t>
+            </a:r>
+            <a:r>
+              <a:rPr lang="en-US" dirty="0">
+                <a:latin typeface="+mn-lt"/>
+              </a:rPr>
+              <a:t> objects actually have working implementations, but usually take some shortcut which makes them not suitable for production (an in memory database is a good example).</a:t>
+            </a:r>
+          </a:p>
+          <a:p>
+            <a:r>
+              <a:rPr lang="en-US" dirty="0"/>
+              <a:t>A fake is a simpler implementation of real objects.</a:t>
+            </a:r>
+          </a:p>
+          <a:p>
+            <a:r>
+              <a:rPr lang="en-US" dirty="0"/>
+              <a:t>Fakes are used when we want to test an infrastructural class, in other words, fakes are for the classes which are beyond our application limit (repositories or queues, for example).</a:t>
+            </a:r>
+          </a:p>
+          <a:p>
+            <a:r>
+              <a:rPr lang="en-US" dirty="0"/>
+              <a:t>Transcript Service was a Fake which probably would not scale but worked.</a:t>
+            </a:r>
+          </a:p>
+          <a:p>
+            <a:endParaRPr lang="en-US" dirty="0">
+              <a:latin typeface="+mn-lt"/>
+            </a:endParaRPr>
+          </a:p>
+        </p:txBody>
+      </p:sp>
+      <p:sp>
+        <p:nvSpPr>
+          <p:cNvPr id="4" name="Slide Number Placeholder 3"/>
+          <p:cNvSpPr>
+            <a:spLocks noGrp="1"/>
+          </p:cNvSpPr>
+          <p:nvPr>
+            <p:ph type="sldNum" sz="quarter" idx="5"/>
+          </p:nvPr>
+        </p:nvSpPr>
+        <p:spPr/>
+        <p:txBody>
+          <a:bodyPr/>
+          <a:lstStyle/>
+          <a:p>
+            <a:fld id="{07937F07-1250-4CCE-B198-1B2887014F41}" type="slidenum">
+              <a:rPr lang="en-US" smtClean="0"/>
               <a:t>17</a:t>
             </a:fld>
             <a:endParaRPr lang="en-US"/>
@@ -1163,6 +1304,264 @@
     <p:extLst>
       <p:ext uri="{BB962C8B-B14F-4D97-AF65-F5344CB8AC3E}">
         <p14:creationId xmlns:p14="http://schemas.microsoft.com/office/powerpoint/2010/main" val="980722978"/>
+      </p:ext>
+    </p:extLst>
+  </p:cSld>
+  <p:clrMapOvr>
+    <a:masterClrMapping/>
+  </p:clrMapOvr>
+</p:notes>
+</file>
+
+<file path=ppt/notesSlides/notesSlide15.xml><?xml version="1.0" encoding="utf-8"?>
+<p:notes xmlns:a="http://schemas.openxmlformats.org/drawingml/2006/main" xmlns:r="http://schemas.openxmlformats.org/officeDocument/2006/relationships" xmlns:p="http://schemas.openxmlformats.org/presentationml/2006/main">
+  <p:cSld>
+    <p:spTree>
+      <p:nvGrpSpPr>
+        <p:cNvPr id="1" name=""/>
+        <p:cNvGrpSpPr/>
+        <p:nvPr/>
+      </p:nvGrpSpPr>
+      <p:grpSpPr>
+        <a:xfrm>
+          <a:off x="0" y="0"/>
+          <a:ext cx="0" cy="0"/>
+          <a:chOff x="0" y="0"/>
+          <a:chExt cx="0" cy="0"/>
+        </a:xfrm>
+      </p:grpSpPr>
+      <p:sp>
+        <p:nvSpPr>
+          <p:cNvPr id="2" name="Slide Image Placeholder 1"/>
+          <p:cNvSpPr>
+            <a:spLocks noGrp="1" noRot="1" noChangeAspect="1"/>
+          </p:cNvSpPr>
+          <p:nvPr>
+            <p:ph type="sldImg"/>
+          </p:nvPr>
+        </p:nvSpPr>
+        <p:spPr/>
+      </p:sp>
+      <p:sp>
+        <p:nvSpPr>
+          <p:cNvPr id="3" name="Notes Placeholder 2"/>
+          <p:cNvSpPr>
+            <a:spLocks noGrp="1"/>
+          </p:cNvSpPr>
+          <p:nvPr>
+            <p:ph type="body" idx="1"/>
+          </p:nvPr>
+        </p:nvSpPr>
+        <p:spPr/>
+        <p:txBody>
+          <a:bodyPr/>
+          <a:lstStyle/>
+          <a:p>
+            <a:r>
+              <a:rPr lang="en-US" dirty="0"/>
+              <a:t>&lt;read slide&gt;</a:t>
+            </a:r>
+          </a:p>
+        </p:txBody>
+      </p:sp>
+      <p:sp>
+        <p:nvSpPr>
+          <p:cNvPr id="4" name="Slide Number Placeholder 3"/>
+          <p:cNvSpPr>
+            <a:spLocks noGrp="1"/>
+          </p:cNvSpPr>
+          <p:nvPr>
+            <p:ph type="sldNum" sz="quarter" idx="5"/>
+          </p:nvPr>
+        </p:nvSpPr>
+        <p:spPr/>
+        <p:txBody>
+          <a:bodyPr/>
+          <a:lstStyle/>
+          <a:p>
+            <a:fld id="{07937F07-1250-4CCE-B198-1B2887014F41}" type="slidenum">
+              <a:rPr lang="en-US" smtClean="0"/>
+              <a:t>18</a:t>
+            </a:fld>
+            <a:endParaRPr lang="en-US"/>
+          </a:p>
+        </p:txBody>
+      </p:sp>
+    </p:spTree>
+    <p:extLst>
+      <p:ext uri="{BB962C8B-B14F-4D97-AF65-F5344CB8AC3E}">
+        <p14:creationId xmlns:p14="http://schemas.microsoft.com/office/powerpoint/2010/main" val="35053294"/>
+      </p:ext>
+    </p:extLst>
+  </p:cSld>
+  <p:clrMapOvr>
+    <a:masterClrMapping/>
+  </p:clrMapOvr>
+</p:notes>
+</file>
+
+<file path=ppt/notesSlides/notesSlide16.xml><?xml version="1.0" encoding="utf-8"?>
+<p:notes xmlns:a="http://schemas.openxmlformats.org/drawingml/2006/main" xmlns:r="http://schemas.openxmlformats.org/officeDocument/2006/relationships" xmlns:p="http://schemas.openxmlformats.org/presentationml/2006/main">
+  <p:cSld>
+    <p:spTree>
+      <p:nvGrpSpPr>
+        <p:cNvPr id="1" name=""/>
+        <p:cNvGrpSpPr/>
+        <p:nvPr/>
+      </p:nvGrpSpPr>
+      <p:grpSpPr>
+        <a:xfrm>
+          <a:off x="0" y="0"/>
+          <a:ext cx="0" cy="0"/>
+          <a:chOff x="0" y="0"/>
+          <a:chExt cx="0" cy="0"/>
+        </a:xfrm>
+      </p:grpSpPr>
+      <p:sp>
+        <p:nvSpPr>
+          <p:cNvPr id="2" name="Slide Image Placeholder 1"/>
+          <p:cNvSpPr>
+            <a:spLocks noGrp="1" noRot="1" noChangeAspect="1"/>
+          </p:cNvSpPr>
+          <p:nvPr>
+            <p:ph type="sldImg"/>
+          </p:nvPr>
+        </p:nvSpPr>
+        <p:spPr/>
+      </p:sp>
+      <p:sp>
+        <p:nvSpPr>
+          <p:cNvPr id="3" name="Notes Placeholder 2"/>
+          <p:cNvSpPr>
+            <a:spLocks noGrp="1"/>
+          </p:cNvSpPr>
+          <p:nvPr>
+            <p:ph type="body" idx="1"/>
+          </p:nvPr>
+        </p:nvSpPr>
+        <p:spPr/>
+        <p:txBody>
+          <a:bodyPr/>
+          <a:lstStyle/>
+          <a:p>
+            <a:r>
+              <a:rPr lang="en-US" dirty="0"/>
+              <a:t>&lt;read slide&gt;</a:t>
+            </a:r>
+          </a:p>
+        </p:txBody>
+      </p:sp>
+      <p:sp>
+        <p:nvSpPr>
+          <p:cNvPr id="4" name="Slide Number Placeholder 3"/>
+          <p:cNvSpPr>
+            <a:spLocks noGrp="1"/>
+          </p:cNvSpPr>
+          <p:nvPr>
+            <p:ph type="sldNum" sz="quarter" idx="5"/>
+          </p:nvPr>
+        </p:nvSpPr>
+        <p:spPr/>
+        <p:txBody>
+          <a:bodyPr/>
+          <a:lstStyle/>
+          <a:p>
+            <a:fld id="{07937F07-1250-4CCE-B198-1B2887014F41}" type="slidenum">
+              <a:rPr lang="en-US" smtClean="0"/>
+              <a:t>19</a:t>
+            </a:fld>
+            <a:endParaRPr lang="en-US"/>
+          </a:p>
+        </p:txBody>
+      </p:sp>
+    </p:spTree>
+    <p:extLst>
+      <p:ext uri="{BB962C8B-B14F-4D97-AF65-F5344CB8AC3E}">
+        <p14:creationId xmlns:p14="http://schemas.microsoft.com/office/powerpoint/2010/main" val="2985101085"/>
+      </p:ext>
+    </p:extLst>
+  </p:cSld>
+  <p:clrMapOvr>
+    <a:masterClrMapping/>
+  </p:clrMapOvr>
+</p:notes>
+</file>
+
+<file path=ppt/notesSlides/notesSlide17.xml><?xml version="1.0" encoding="utf-8"?>
+<p:notes xmlns:a="http://schemas.openxmlformats.org/drawingml/2006/main" xmlns:r="http://schemas.openxmlformats.org/officeDocument/2006/relationships" xmlns:p="http://schemas.openxmlformats.org/presentationml/2006/main">
+  <p:cSld>
+    <p:spTree>
+      <p:nvGrpSpPr>
+        <p:cNvPr id="1" name=""/>
+        <p:cNvGrpSpPr/>
+        <p:nvPr/>
+      </p:nvGrpSpPr>
+      <p:grpSpPr>
+        <a:xfrm>
+          <a:off x="0" y="0"/>
+          <a:ext cx="0" cy="0"/>
+          <a:chOff x="0" y="0"/>
+          <a:chExt cx="0" cy="0"/>
+        </a:xfrm>
+      </p:grpSpPr>
+      <p:sp>
+        <p:nvSpPr>
+          <p:cNvPr id="2" name="Slide Image Placeholder 1"/>
+          <p:cNvSpPr>
+            <a:spLocks noGrp="1" noRot="1" noChangeAspect="1"/>
+          </p:cNvSpPr>
+          <p:nvPr>
+            <p:ph type="sldImg"/>
+          </p:nvPr>
+        </p:nvSpPr>
+        <p:spPr/>
+      </p:sp>
+      <p:sp>
+        <p:nvSpPr>
+          <p:cNvPr id="3" name="Notes Placeholder 2"/>
+          <p:cNvSpPr>
+            <a:spLocks noGrp="1"/>
+          </p:cNvSpPr>
+          <p:nvPr>
+            <p:ph type="body" idx="1"/>
+          </p:nvPr>
+        </p:nvSpPr>
+        <p:spPr/>
+        <p:txBody>
+          <a:bodyPr/>
+          <a:lstStyle/>
+          <a:p>
+            <a:endParaRPr lang="en-US"/>
+          </a:p>
+        </p:txBody>
+      </p:sp>
+      <p:sp>
+        <p:nvSpPr>
+          <p:cNvPr id="4" name="Slide Number Placeholder 3"/>
+          <p:cNvSpPr>
+            <a:spLocks noGrp="1"/>
+          </p:cNvSpPr>
+          <p:nvPr>
+            <p:ph type="sldNum" sz="quarter" idx="5"/>
+          </p:nvPr>
+        </p:nvSpPr>
+        <p:spPr/>
+        <p:txBody>
+          <a:bodyPr/>
+          <a:lstStyle/>
+          <a:p>
+            <a:fld id="{07937F07-1250-4CCE-B198-1B2887014F41}" type="slidenum">
+              <a:rPr lang="en-US" smtClean="0"/>
+              <a:t>20</a:t>
+            </a:fld>
+            <a:endParaRPr lang="en-US"/>
+          </a:p>
+        </p:txBody>
+      </p:sp>
+    </p:spTree>
+    <p:extLst>
+      <p:ext uri="{BB962C8B-B14F-4D97-AF65-F5344CB8AC3E}">
+        <p14:creationId xmlns:p14="http://schemas.microsoft.com/office/powerpoint/2010/main" val="1639719316"/>
       </p:ext>
     </p:extLst>
   </p:cSld>
@@ -1217,16 +1616,10 @@
           <a:lstStyle/>
           <a:p>
             <a:r>
-              <a:rPr lang="en-US" b="1" dirty="0">
+              <a:rPr lang="en-US" b="0" dirty="0">
                 <a:latin typeface="+mn-lt"/>
               </a:rPr>
-              <a:t>Stubs</a:t>
-            </a:r>
-            <a:r>
-              <a:rPr lang="en-US" dirty="0">
-                <a:latin typeface="+mn-lt"/>
-              </a:rPr>
-              <a:t> provide canned answers to calls made during the test, usually not responding at all to anything outside what's programmed in for the test.</a:t>
+              <a:t>You are probably familiar with use of drivers and stubs from your earlier programming courses. They are often used for simple programs</a:t>
             </a:r>
           </a:p>
         </p:txBody>
@@ -1315,7 +1708,15 @@
               <a:rPr lang="en-US" dirty="0">
                 <a:latin typeface="+mn-lt"/>
               </a:rPr>
-              <a:t>If you are working on a system which sends an email to customer after an operation, how will you test it? Instead of sending a real email every time you test, you can use doubles (i.e., a mock mail service)</a:t>
+              <a:t>Real systems are hardly that simple. You are often working with a software with a lot of pieces. A typical system may be accessing a dB and some online web services, and can have a bunch of users.</a:t>
+            </a:r>
+          </a:p>
+          <a:p>
+            <a:r>
+              <a:rPr lang="en-US" dirty="0">
+                <a:latin typeface="+mn-lt"/>
+              </a:rPr>
+              <a:t>Instead of interacting with real network or read web service, we can use “doubles”. This is a term similar to the one used in movies.</a:t>
             </a:r>
           </a:p>
         </p:txBody>
@@ -1404,6 +1805,14 @@
               <a:rPr lang="en-US" dirty="0">
                 <a:latin typeface="+mn-lt"/>
               </a:rPr>
+              <a:t>Doubles are things that look like the real thing but they are not real.</a:t>
+            </a:r>
+          </a:p>
+          <a:p>
+            <a:r>
+              <a:rPr lang="en-US" dirty="0">
+                <a:latin typeface="+mn-lt"/>
+              </a:rPr>
               <a:t>If you are working on a system which sends an email to customer after an operation, how will you test it? Instead of sending a real email every time you test, you can use doubles (i.e., a mock mail service)</a:t>
             </a:r>
           </a:p>
@@ -1497,17 +1906,38 @@
           <a:bodyPr/>
           <a:lstStyle/>
           <a:p>
-            <a:r>
-              <a:rPr lang="en-US" dirty="0"/>
-              <a:t>A stub is an object which returns fake data. Let’s imagine our service depends on a user-model, then the service does something, and finally, it returns the user’s UUID.</a:t>
-            </a:r>
-            <a:br>
-              <a:rPr lang="en-US" dirty="0"/>
-            </a:br>
-            <a:r>
-              <a:rPr lang="en-US" dirty="0"/>
-              <a:t>We can create a stub object with fake values to assert the service works as expected. This is Java code, something you may have seen in OOD.</a:t>
-            </a:r>
+            <a:pPr marL="0" marR="0" lvl="0" indent="0" algn="l" defTabSz="914400" rtl="0" eaLnBrk="1" fontAlgn="auto" latinLnBrk="0" hangingPunct="1">
+              <a:lnSpc>
+                <a:spcPct val="100000"/>
+              </a:lnSpc>
+              <a:spcBef>
+                <a:spcPts val="0"/>
+              </a:spcBef>
+              <a:spcAft>
+                <a:spcPts val="0"/>
+              </a:spcAft>
+              <a:buClrTx/>
+              <a:buSzTx/>
+              <a:buFontTx/>
+              <a:buNone/>
+              <a:tabLst/>
+              <a:defRPr/>
+            </a:pPr>
+            <a:r>
+              <a:rPr lang="en-US" b="1" dirty="0">
+                <a:latin typeface="+mn-lt"/>
+              </a:rPr>
+              <a:t>Stubs</a:t>
+            </a:r>
+            <a:r>
+              <a:rPr lang="en-US" dirty="0">
+                <a:latin typeface="+mn-lt"/>
+              </a:rPr>
+              <a:t> provide canned answers to calls made during the test, usually not responding at all to anything outside what's programmed in for the test.</a:t>
+            </a:r>
+          </a:p>
+          <a:p>
+            <a:endParaRPr lang="en-US" dirty="0"/>
           </a:p>
         </p:txBody>
       </p:sp>
@@ -1528,7 +1958,7 @@
           <a:p>
             <a:fld id="{07937F07-1250-4CCE-B198-1B2887014F41}" type="slidenum">
               <a:rPr lang="en-US" smtClean="0"/>
-              <a:t>9</a:t>
+              <a:t>8</a:t>
             </a:fld>
             <a:endParaRPr lang="en-US"/>
           </a:p>
@@ -1537,7 +1967,7 @@
     </p:spTree>
     <p:extLst>
       <p:ext uri="{BB962C8B-B14F-4D97-AF65-F5344CB8AC3E}">
-        <p14:creationId xmlns:p14="http://schemas.microsoft.com/office/powerpoint/2010/main" val="2298322642"/>
+        <p14:creationId xmlns:p14="http://schemas.microsoft.com/office/powerpoint/2010/main" val="3868978770"/>
       </p:ext>
     </p:extLst>
   </p:cSld>
@@ -1593,71 +2023,14 @@
           <a:p>
             <a:r>
               <a:rPr lang="en-US" dirty="0"/>
-              <a:t>Use Stubs to:</a:t>
-            </a:r>
-          </a:p>
-          <a:p>
-            <a:pPr>
-              <a:buFont typeface="Arial" panose="020B0604020202020204" pitchFamily="34" charset="0"/>
-              <a:buChar char="•"/>
-            </a:pPr>
-            <a:r>
+              <a:t>A stub is an object which returns fake data. Let’s imagine our service depends on a user-model, then the service does something, and finally, it returns the user’s UUID.</a:t>
+            </a:r>
+            <a:br>
               <a:rPr lang="en-US" dirty="0"/>
-              <a:t>provide a predetermined response from a collaborator</a:t>
-            </a:r>
-          </a:p>
-          <a:p>
-            <a:pPr>
-              <a:buFont typeface="Arial" panose="020B0604020202020204" pitchFamily="34" charset="0"/>
-              <a:buChar char="•"/>
-            </a:pPr>
+            </a:br>
             <a:r>
               <a:rPr lang="en-US" dirty="0"/>
-              <a:t>take a predetermined action from a collaborator, like throwing an exception</a:t>
-            </a:r>
-          </a:p>
-          <a:p>
-            <a:r>
-              <a:rPr lang="en-US" dirty="0"/>
-              <a:t>Use Mocks to:</a:t>
-            </a:r>
-          </a:p>
-          <a:p>
-            <a:pPr>
-              <a:buFont typeface="Arial" panose="020B0604020202020204" pitchFamily="34" charset="0"/>
-              <a:buChar char="•"/>
-            </a:pPr>
-            <a:r>
-              <a:rPr lang="en-US" dirty="0"/>
-              <a:t>verify the contract between the code under test and a collaborator</a:t>
-            </a:r>
-          </a:p>
-          <a:p>
-            <a:pPr>
-              <a:buFont typeface="Arial" panose="020B0604020202020204" pitchFamily="34" charset="0"/>
-              <a:buChar char="•"/>
-            </a:pPr>
-            <a:r>
-              <a:rPr lang="en-US" dirty="0"/>
-              <a:t>verify the </a:t>
-            </a:r>
-            <a:r>
-              <a:rPr lang="en-US" dirty="0" err="1"/>
-              <a:t>the</a:t>
-            </a:r>
-            <a:r>
-              <a:rPr lang="en-US" dirty="0"/>
-              <a:t> collaborator's method is called the correct number of times</a:t>
-            </a:r>
-          </a:p>
-          <a:p>
-            <a:pPr>
-              <a:buFont typeface="Arial" panose="020B0604020202020204" pitchFamily="34" charset="0"/>
-              <a:buChar char="•"/>
-            </a:pPr>
-            <a:r>
-              <a:rPr lang="en-US" dirty="0"/>
-              <a:t>verify the collaborator's method is called with the correct parameters</a:t>
+              <a:t>We can create a stub object with fake values to assert the service works as expected. This is Java code, something you may have seen in OOD.</a:t>
             </a:r>
           </a:p>
         </p:txBody>
@@ -1679,7 +2052,7 @@
           <a:p>
             <a:fld id="{07937F07-1250-4CCE-B198-1B2887014F41}" type="slidenum">
               <a:rPr lang="en-US" smtClean="0"/>
-              <a:t>10</a:t>
+              <a:t>9</a:t>
             </a:fld>
             <a:endParaRPr lang="en-US"/>
           </a:p>
@@ -1688,7 +2061,7 @@
     </p:spTree>
     <p:extLst>
       <p:ext uri="{BB962C8B-B14F-4D97-AF65-F5344CB8AC3E}">
-        <p14:creationId xmlns:p14="http://schemas.microsoft.com/office/powerpoint/2010/main" val="2045764863"/>
+        <p14:creationId xmlns:p14="http://schemas.microsoft.com/office/powerpoint/2010/main" val="2298322642"/>
       </p:ext>
     </p:extLst>
   </p:cSld>
@@ -1743,16 +2116,72 @@
           <a:lstStyle/>
           <a:p>
             <a:r>
-              <a:rPr lang="en-US" b="1" dirty="0">
-                <a:latin typeface="+mn-lt"/>
-              </a:rPr>
-              <a:t>Spies</a:t>
-            </a:r>
-            <a:r>
-              <a:rPr lang="en-US" dirty="0">
-                <a:latin typeface="+mn-lt"/>
-              </a:rPr>
-              <a:t> are stubs that also record some information based on how they were called. One form of this might be an email service that records how many messages it was sent. This is an example of spy being used with a real email service</a:t>
+              <a:rPr lang="en-US" dirty="0"/>
+              <a:t>Use Stubs to:</a:t>
+            </a:r>
+          </a:p>
+          <a:p>
+            <a:pPr>
+              <a:buFont typeface="Arial" panose="020B0604020202020204" pitchFamily="34" charset="0"/>
+              <a:buChar char="•"/>
+            </a:pPr>
+            <a:r>
+              <a:rPr lang="en-US" dirty="0"/>
+              <a:t>provide a predetermined response from a collaborator</a:t>
+            </a:r>
+          </a:p>
+          <a:p>
+            <a:pPr>
+              <a:buFont typeface="Arial" panose="020B0604020202020204" pitchFamily="34" charset="0"/>
+              <a:buChar char="•"/>
+            </a:pPr>
+            <a:r>
+              <a:rPr lang="en-US" dirty="0"/>
+              <a:t>take a predetermined action from a collaborator, like throwing an exception</a:t>
+            </a:r>
+          </a:p>
+          <a:p>
+            <a:r>
+              <a:rPr lang="en-US" dirty="0"/>
+              <a:t>Use Mocks to:</a:t>
+            </a:r>
+          </a:p>
+          <a:p>
+            <a:pPr>
+              <a:buFont typeface="Arial" panose="020B0604020202020204" pitchFamily="34" charset="0"/>
+              <a:buChar char="•"/>
+            </a:pPr>
+            <a:r>
+              <a:rPr lang="en-US" dirty="0"/>
+              <a:t>verify the contract between the code under test and a collaborator</a:t>
+            </a:r>
+          </a:p>
+          <a:p>
+            <a:pPr>
+              <a:buFont typeface="Arial" panose="020B0604020202020204" pitchFamily="34" charset="0"/>
+              <a:buChar char="•"/>
+            </a:pPr>
+            <a:r>
+              <a:rPr lang="en-US" dirty="0"/>
+              <a:t>verify the </a:t>
+            </a:r>
+            <a:r>
+              <a:rPr lang="en-US" dirty="0" err="1"/>
+              <a:t>the</a:t>
+            </a:r>
+            <a:r>
+              <a:rPr lang="en-US" dirty="0"/>
+              <a:t> collaborator's method is called the correct number of times</a:t>
+            </a:r>
+          </a:p>
+          <a:p>
+            <a:pPr>
+              <a:buFont typeface="Arial" panose="020B0604020202020204" pitchFamily="34" charset="0"/>
+              <a:buChar char="•"/>
+            </a:pPr>
+            <a:r>
+              <a:rPr lang="en-US" dirty="0"/>
+              <a:t>verify the collaborator's method is called with the correct parameters</a:t>
             </a:r>
           </a:p>
         </p:txBody>
@@ -1774,7 +2203,7 @@
           <a:p>
             <a:fld id="{07937F07-1250-4CCE-B198-1B2887014F41}" type="slidenum">
               <a:rPr lang="en-US" smtClean="0"/>
-              <a:t>11</a:t>
+              <a:t>10</a:t>
             </a:fld>
             <a:endParaRPr lang="en-US"/>
           </a:p>
@@ -1783,7 +2212,7 @@
     </p:spTree>
     <p:extLst>
       <p:ext uri="{BB962C8B-B14F-4D97-AF65-F5344CB8AC3E}">
-        <p14:creationId xmlns:p14="http://schemas.microsoft.com/office/powerpoint/2010/main" val="2550589936"/>
+        <p14:creationId xmlns:p14="http://schemas.microsoft.com/office/powerpoint/2010/main" val="2045764863"/>
       </p:ext>
     </p:extLst>
   </p:cSld>
@@ -1838,30 +2267,16 @@
           <a:lstStyle/>
           <a:p>
             <a:r>
-              <a:rPr lang="en-US" dirty="0"/>
-              <a:t>A test spy is an object capable of capturing indirect output and providing indirect input as needed. The indirect output is something we cannot directly observe.</a:t>
-            </a:r>
-            <a:br>
-              <a:rPr lang="en-US" dirty="0"/>
-            </a:br>
-            <a:r>
-              <a:rPr lang="en-US" dirty="0"/>
-              <a:t>In the snippet, we can know exactly how many times the </a:t>
-            </a:r>
-            <a:r>
-              <a:rPr lang="en-US" i="1" dirty="0"/>
-              <a:t>log()</a:t>
-            </a:r>
-            <a:r>
-              <a:rPr lang="en-US" dirty="0"/>
-              <a:t> method has been called, as well as the content of the messages.</a:t>
-            </a:r>
-            <a:br>
-              <a:rPr lang="en-US" dirty="0"/>
-            </a:br>
-            <a:r>
-              <a:rPr lang="en-US" dirty="0"/>
-              <a:t>The point of this spy is to have much more knowledge of the internal object state in exchange for deeper coupling, which could be problematic in the future because it makes our tests more fragile.</a:t>
+              <a:rPr lang="en-US" b="1" dirty="0">
+                <a:latin typeface="+mn-lt"/>
+              </a:rPr>
+              <a:t>Spies</a:t>
+            </a:r>
+            <a:r>
+              <a:rPr lang="en-US" dirty="0">
+                <a:latin typeface="+mn-lt"/>
+              </a:rPr>
+              <a:t> are stubs that also record some information based on how they were called. One form of this might be an email service that records how many messages it was sent. This is an example of spy being used with a real email service</a:t>
             </a:r>
           </a:p>
         </p:txBody>
@@ -1883,7 +2298,7 @@
           <a:p>
             <a:fld id="{07937F07-1250-4CCE-B198-1B2887014F41}" type="slidenum">
               <a:rPr lang="en-US" smtClean="0"/>
-              <a:t>12</a:t>
+              <a:t>11</a:t>
             </a:fld>
             <a:endParaRPr lang="en-US"/>
           </a:p>
@@ -1892,7 +2307,7 @@
     </p:spTree>
     <p:extLst>
       <p:ext uri="{BB962C8B-B14F-4D97-AF65-F5344CB8AC3E}">
-        <p14:creationId xmlns:p14="http://schemas.microsoft.com/office/powerpoint/2010/main" val="251261324"/>
+        <p14:creationId xmlns:p14="http://schemas.microsoft.com/office/powerpoint/2010/main" val="2550589936"/>
       </p:ext>
     </p:extLst>
   </p:cSld>
@@ -1947,60 +2362,31 @@
           <a:lstStyle/>
           <a:p>
             <a:r>
-              <a:rPr lang="en-US" b="1" dirty="0">
-                <a:latin typeface="+mn-lt"/>
-              </a:rPr>
-              <a:t>Mocks</a:t>
-            </a:r>
-            <a:r>
-              <a:rPr lang="en-US" dirty="0">
-                <a:latin typeface="+mn-lt"/>
-              </a:rPr>
-              <a:t> are objects pre-programmed with expectations which form a specification of the calls they are expected to receive. </a:t>
-            </a:r>
-            <a:r>
               <a:rPr lang="en-US" dirty="0"/>
-              <a:t>It is used to record and verify the interaction between classes/components. A mock is known as the most powerful and flexible version of the test doubles. </a:t>
-            </a:r>
-          </a:p>
-          <a:p>
-            <a:r>
+              <a:t>A test spy is an object capable of capturing indirect output and providing indirect input as needed. The indirect output is something we cannot directly observe.</a:t>
+            </a:r>
+            <a:br>
               <a:rPr lang="en-US" dirty="0"/>
-              <a:t>The mock objects are generally used for </a:t>
-            </a:r>
-            <a:r>
-              <a:rPr lang="en-US" b="1" dirty="0"/>
-              <a:t>behavior verification</a:t>
-            </a:r>
+            </a:br>
             <a:r>
               <a:rPr lang="en-US" dirty="0"/>
-              <a:t>. The term behavior means to check the correct methods and paths that are applied to the objects.</a:t>
-            </a:r>
-          </a:p>
-          <a:p>
+              <a:t>In the snippet, we can know exactly how many times the </a:t>
+            </a:r>
+            <a:r>
+              <a:rPr lang="en-US" i="1" dirty="0"/>
+              <a:t>log()</a:t>
+            </a:r>
             <a:r>
               <a:rPr lang="en-US" dirty="0"/>
-              <a:t>Mocks are mostly created by using a library or a mocking framework like Mockito, </a:t>
-            </a:r>
-            <a:r>
-              <a:rPr lang="en-US" dirty="0" err="1"/>
-              <a:t>JMock</a:t>
-            </a:r>
-            <a:r>
+              <a:t> method has been called, as well as the content of the messages.</a:t>
+            </a:r>
+            <a:br>
               <a:rPr lang="en-US" dirty="0"/>
-              <a:t>, and </a:t>
-            </a:r>
-            <a:r>
-              <a:rPr lang="en-US" dirty="0" err="1"/>
-              <a:t>EasyMock</a:t>
-            </a:r>
+            </a:br>
             <a:r>
               <a:rPr lang="en-US" dirty="0"/>
-              <a:t>. It is used for testing a large suite of tests where stubs are not sufficient. </a:t>
-            </a:r>
-            <a:endParaRPr lang="en-US" dirty="0">
-              <a:latin typeface="+mn-lt"/>
-            </a:endParaRPr>
+              <a:t>The point of this spy is to have much more knowledge of the internal object state in exchange for deeper coupling, which could be problematic in the future because it makes our tests more fragile.</a:t>
+            </a:r>
           </a:p>
         </p:txBody>
       </p:sp>
@@ -2021,7 +2407,7 @@
           <a:p>
             <a:fld id="{07937F07-1250-4CCE-B198-1B2887014F41}" type="slidenum">
               <a:rPr lang="en-US" smtClean="0"/>
-              <a:t>13</a:t>
+              <a:t>12</a:t>
             </a:fld>
             <a:endParaRPr lang="en-US"/>
           </a:p>
@@ -2030,7 +2416,7 @@
     </p:spTree>
     <p:extLst>
       <p:ext uri="{BB962C8B-B14F-4D97-AF65-F5344CB8AC3E}">
-        <p14:creationId xmlns:p14="http://schemas.microsoft.com/office/powerpoint/2010/main" val="3035997716"/>
+        <p14:creationId xmlns:p14="http://schemas.microsoft.com/office/powerpoint/2010/main" val="251261324"/>
       </p:ext>
     </p:extLst>
   </p:cSld>
@@ -13504,7 +13890,19 @@
           <a:p>
             <a:r>
               <a:rPr lang="en-US" dirty="0"/>
-              <a:t>To replace a user, we can program a “Bot”</a:t>
+              <a:t>To replace a user, we can program a “</a:t>
+            </a:r>
+            <a:r>
+              <a:rPr lang="en-US" dirty="0">
+                <a:solidFill>
+                  <a:srgbClr val="FF0000"/>
+                </a:solidFill>
+              </a:rPr>
+              <a:t>Bot</a:t>
+            </a:r>
+            <a:r>
+              <a:rPr lang="en-US" dirty="0"/>
+              <a:t>”</a:t>
             </a:r>
           </a:p>
           <a:p>
@@ -13531,7 +13929,19 @@
           <a:p>
             <a:r>
               <a:rPr lang="en-US" dirty="0"/>
-              <a:t>Smarter (“Fuzzing”)</a:t>
+              <a:t>Smarter (“</a:t>
+            </a:r>
+            <a:r>
+              <a:rPr lang="en-US" dirty="0">
+                <a:solidFill>
+                  <a:srgbClr val="FF0000"/>
+                </a:solidFill>
+              </a:rPr>
+              <a:t>Fuzzing</a:t>
+            </a:r>
+            <a:r>
+              <a:rPr lang="en-US" dirty="0"/>
+              <a:t>”)</a:t>
             </a:r>
           </a:p>
           <a:p>
@@ -14052,7 +14462,7 @@
             </a:r>
             <a:r>
               <a:rPr lang="en-US" dirty="0">
-                <a:hlinkClick r:id="rId2"/>
+                <a:hlinkClick r:id="rId3"/>
               </a:rPr>
               <a:t>https://martinfowler.com/articles/mocksArentStubs.html</a:t>
             </a:r>
@@ -14859,7 +15269,7 @@
             <a:effectLst/>
             <a:extLst>
               <a:ext uri="{C572A759-6A51-4108-AA02-DFA0A04FC94B}">
-                <ma14:wrappingTextBoxFlag xmlns="" xmlns:m="http://schemas.openxmlformats.org/officeDocument/2006/math" xmlns:a14="http://schemas.microsoft.com/office/drawing/2010/main" xmlns:ma14="http://schemas.microsoft.com/office/mac/drawingml/2011/main" val="1"/>
+                <ma14:wrappingTextBoxFlag xmlns:ma14="http://schemas.microsoft.com/office/mac/drawingml/2011/main" xmlns:a14="http://schemas.microsoft.com/office/drawing/2010/main" xmlns:m="http://schemas.openxmlformats.org/officeDocument/2006/math" xmlns="" val="1"/>
               </a:ext>
             </a:extLst>
           </p:spPr>
@@ -14920,7 +15330,7 @@
             <a:effectLst/>
             <a:extLst>
               <a:ext uri="{C572A759-6A51-4108-AA02-DFA0A04FC94B}">
-                <ma14:wrappingTextBoxFlag xmlns="" xmlns:m="http://schemas.openxmlformats.org/officeDocument/2006/math" xmlns:a14="http://schemas.microsoft.com/office/drawing/2010/main" xmlns:ma14="http://schemas.microsoft.com/office/mac/drawingml/2011/main" val="1"/>
+                <ma14:wrappingTextBoxFlag xmlns:ma14="http://schemas.microsoft.com/office/mac/drawingml/2011/main" xmlns:a14="http://schemas.microsoft.com/office/drawing/2010/main" xmlns:m="http://schemas.openxmlformats.org/officeDocument/2006/math" xmlns="" val="1"/>
               </a:ext>
             </a:extLst>
           </p:spPr>
@@ -14981,7 +15391,7 @@
             <a:effectLst/>
             <a:extLst>
               <a:ext uri="{C572A759-6A51-4108-AA02-DFA0A04FC94B}">
-                <ma14:wrappingTextBoxFlag xmlns="" xmlns:m="http://schemas.openxmlformats.org/officeDocument/2006/math" xmlns:a14="http://schemas.microsoft.com/office/drawing/2010/main" xmlns:ma14="http://schemas.microsoft.com/office/mac/drawingml/2011/main" val="1"/>
+                <ma14:wrappingTextBoxFlag xmlns:ma14="http://schemas.microsoft.com/office/mac/drawingml/2011/main" xmlns:a14="http://schemas.microsoft.com/office/drawing/2010/main" xmlns:m="http://schemas.openxmlformats.org/officeDocument/2006/math" xmlns="" val="1"/>
               </a:ext>
             </a:extLst>
           </p:spPr>

--- a/Slides/Lesson 5.3 Testing Systems.pptx
+++ b/Slides/Lesson 5.3 Testing Systems.pptx
@@ -255,7 +255,7 @@
           <a:p>
             <a:fld id="{7C7E5181-6CF5-45F7-A87A-E0E0B1FD7549}" type="datetimeFigureOut">
               <a:rPr lang="en-US" smtClean="0"/>
-              <a:t>2/13/2022</a:t>
+              <a:t>2/14/2022</a:t>
             </a:fld>
             <a:endParaRPr lang="en-US"/>
           </a:p>
@@ -2582,7 +2582,7 @@
           <a:p>
             <a:fld id="{5D2A64DE-480B-420F-9649-4F8E696E08E0}" type="datetime1">
               <a:rPr lang="en-US" smtClean="0"/>
-              <a:t>2/13/2022</a:t>
+              <a:t>2/14/2022</a:t>
             </a:fld>
             <a:endParaRPr lang="en-US"/>
           </a:p>
@@ -2816,7 +2816,7 @@
           <a:p>
             <a:fld id="{0D3616D0-8311-4107-9726-6B805E7D05BA}" type="datetime1">
               <a:rPr lang="en-US" smtClean="0"/>
-              <a:t>2/13/2022</a:t>
+              <a:t>2/14/2022</a:t>
             </a:fld>
             <a:endParaRPr lang="en-US"/>
           </a:p>
@@ -3024,7 +3024,7 @@
           <a:p>
             <a:fld id="{3BC2557A-5C88-417A-A763-5AC779462A5F}" type="datetime1">
               <a:rPr lang="en-US" smtClean="0"/>
-              <a:t>2/13/2022</a:t>
+              <a:t>2/14/2022</a:t>
             </a:fld>
             <a:endParaRPr lang="en-US"/>
           </a:p>
@@ -3554,7 +3554,7 @@
           <a:p>
             <a:fld id="{07C7BFD4-467E-4EDE-93EA-052F5B39A4E5}" type="datetime1">
               <a:rPr lang="en-US" smtClean="0"/>
-              <a:t>2/13/2022</a:t>
+              <a:t>2/14/2022</a:t>
             </a:fld>
             <a:endParaRPr lang="en-US"/>
           </a:p>
@@ -3868,7 +3868,7 @@
           <a:p>
             <a:fld id="{A533CBE2-D5BE-47AC-ADC2-9CDFC1D0CF90}" type="datetime1">
               <a:rPr lang="en-US" smtClean="0"/>
-              <a:t>2/13/2022</a:t>
+              <a:t>2/14/2022</a:t>
             </a:fld>
             <a:endParaRPr lang="en-US"/>
           </a:p>
@@ -4171,7 +4171,7 @@
           <a:p>
             <a:fld id="{39B7EDB1-CE74-4951-85A2-0B01C2128E28}" type="datetime1">
               <a:rPr lang="en-US" smtClean="0"/>
-              <a:t>2/13/2022</a:t>
+              <a:t>2/14/2022</a:t>
             </a:fld>
             <a:endParaRPr lang="en-US"/>
           </a:p>
@@ -4620,7 +4620,7 @@
           <a:p>
             <a:fld id="{2BC7EB92-A5C2-4807-A9DC-9EDE6CBFB241}" type="datetime1">
               <a:rPr lang="en-US" smtClean="0"/>
-              <a:t>2/13/2022</a:t>
+              <a:t>2/14/2022</a:t>
             </a:fld>
             <a:endParaRPr lang="en-US"/>
           </a:p>
@@ -4767,7 +4767,7 @@
           <a:p>
             <a:fld id="{109E55A0-C911-4F03-82FC-7E5926047D46}" type="datetime1">
               <a:rPr lang="en-US" smtClean="0"/>
-              <a:t>2/13/2022</a:t>
+              <a:t>2/14/2022</a:t>
             </a:fld>
             <a:endParaRPr lang="en-US"/>
           </a:p>
@@ -4916,7 +4916,7 @@
           <a:p>
             <a:fld id="{2B7B7EE0-7771-4CD5-9B2B-3550753A54A1}" type="datetime1">
               <a:rPr lang="en-US" smtClean="0"/>
-              <a:t>2/13/2022</a:t>
+              <a:t>2/14/2022</a:t>
             </a:fld>
             <a:endParaRPr lang="en-US"/>
           </a:p>
@@ -5227,7 +5227,7 @@
           <a:p>
             <a:fld id="{F8B318B3-0E87-4416-A9B8-D891968C2727}" type="datetime1">
               <a:rPr lang="en-US" smtClean="0"/>
-              <a:t>2/13/2022</a:t>
+              <a:t>2/14/2022</a:t>
             </a:fld>
             <a:endParaRPr lang="en-US"/>
           </a:p>
@@ -5518,7 +5518,7 @@
           <a:p>
             <a:fld id="{EA476A42-A091-4468-A075-64A31BE59948}" type="datetime1">
               <a:rPr lang="en-US" smtClean="0"/>
-              <a:t>2/13/2022</a:t>
+              <a:t>2/14/2022</a:t>
             </a:fld>
             <a:endParaRPr lang="en-US"/>
           </a:p>
@@ -5761,7 +5761,7 @@
           <a:p>
             <a:fld id="{54D997E8-DDEE-43F1-8D9B-F8A1E11DE488}" type="datetime1">
               <a:rPr lang="en-US" smtClean="0"/>
-              <a:t>2/13/2022</a:t>
+              <a:t>2/14/2022</a:t>
             </a:fld>
             <a:endParaRPr lang="en-US"/>
           </a:p>
@@ -6210,10 +6210,16 @@
           <a:lstStyle/>
           <a:p>
             <a:r>
+              <a:rPr lang="en-US" altLang="en-US" sz="3200">
+                <a:sym typeface="Helvetica Neue" charset="0"/>
+              </a:rPr>
+              <a:t>CS 4530</a:t>
+            </a:r>
+            <a:r>
               <a:rPr lang="en-US" altLang="en-US" sz="3200" dirty="0">
                 <a:sym typeface="Helvetica Neue" charset="0"/>
               </a:rPr>
-              <a:t>CS 4350: Fundamentals of Software Engineering</a:t>
+              <a:t>: Fundamentals of Software Engineering</a:t>
             </a:r>
             <a:br>
               <a:rPr lang="en-US" altLang="en-US" sz="3200" dirty="0">
@@ -15269,7 +15275,7 @@
             <a:effectLst/>
             <a:extLst>
               <a:ext uri="{C572A759-6A51-4108-AA02-DFA0A04FC94B}">
-                <ma14:wrappingTextBoxFlag xmlns:ma14="http://schemas.microsoft.com/office/mac/drawingml/2011/main" xmlns:a14="http://schemas.microsoft.com/office/drawing/2010/main" xmlns:m="http://schemas.openxmlformats.org/officeDocument/2006/math" xmlns="" val="1"/>
+                <ma14:wrappingTextBoxFlag xmlns="" xmlns:m="http://schemas.openxmlformats.org/officeDocument/2006/math" xmlns:a14="http://schemas.microsoft.com/office/drawing/2010/main" xmlns:ma14="http://schemas.microsoft.com/office/mac/drawingml/2011/main" val="1"/>
               </a:ext>
             </a:extLst>
           </p:spPr>
@@ -15330,7 +15336,7 @@
             <a:effectLst/>
             <a:extLst>
               <a:ext uri="{C572A759-6A51-4108-AA02-DFA0A04FC94B}">
-                <ma14:wrappingTextBoxFlag xmlns:ma14="http://schemas.microsoft.com/office/mac/drawingml/2011/main" xmlns:a14="http://schemas.microsoft.com/office/drawing/2010/main" xmlns:m="http://schemas.openxmlformats.org/officeDocument/2006/math" xmlns="" val="1"/>
+                <ma14:wrappingTextBoxFlag xmlns="" xmlns:m="http://schemas.openxmlformats.org/officeDocument/2006/math" xmlns:a14="http://schemas.microsoft.com/office/drawing/2010/main" xmlns:ma14="http://schemas.microsoft.com/office/mac/drawingml/2011/main" val="1"/>
               </a:ext>
             </a:extLst>
           </p:spPr>
@@ -15391,7 +15397,7 @@
             <a:effectLst/>
             <a:extLst>
               <a:ext uri="{C572A759-6A51-4108-AA02-DFA0A04FC94B}">
-                <ma14:wrappingTextBoxFlag xmlns:ma14="http://schemas.microsoft.com/office/mac/drawingml/2011/main" xmlns:a14="http://schemas.microsoft.com/office/drawing/2010/main" xmlns:m="http://schemas.openxmlformats.org/officeDocument/2006/math" xmlns="" val="1"/>
+                <ma14:wrappingTextBoxFlag xmlns="" xmlns:m="http://schemas.openxmlformats.org/officeDocument/2006/math" xmlns:a14="http://schemas.microsoft.com/office/drawing/2010/main" xmlns:ma14="http://schemas.microsoft.com/office/mac/drawingml/2011/main" val="1"/>
               </a:ext>
             </a:extLst>
           </p:spPr>

--- a/Slides/Lesson 5.3 Testing Systems.pptx
+++ b/Slides/Lesson 5.3 Testing Systems.pptx
@@ -255,7 +255,7 @@
           <a:p>
             <a:fld id="{7C7E5181-6CF5-45F7-A87A-E0E0B1FD7549}" type="datetimeFigureOut">
               <a:rPr lang="en-US" smtClean="0"/>
-              <a:t>2/14/2022</a:t>
+              <a:t>2/16/2022</a:t>
             </a:fld>
             <a:endParaRPr lang="en-US"/>
           </a:p>
@@ -566,10 +566,9 @@
           <a:bodyPr/>
           <a:lstStyle/>
           <a:p>
-            <a:r>
-              <a:rPr lang="en-US" dirty="0"/>
-              <a:t>&lt;read slide&gt;</a:t>
-            </a:r>
+            <a:endParaRPr lang="en-US" dirty="0">
+              <a:latin typeface="+mn-lt"/>
+            </a:endParaRPr>
           </a:p>
         </p:txBody>
       </p:sp>
@@ -590,7 +589,7 @@
           <a:p>
             <a:fld id="{07937F07-1250-4CCE-B198-1B2887014F41}" type="slidenum">
               <a:rPr lang="en-US" smtClean="0"/>
-              <a:t>4</a:t>
+              <a:t>1</a:t>
             </a:fld>
             <a:endParaRPr lang="en-US"/>
           </a:p>
@@ -599,7 +598,7 @@
     </p:spTree>
     <p:extLst>
       <p:ext uri="{BB962C8B-B14F-4D97-AF65-F5344CB8AC3E}">
-        <p14:creationId xmlns:p14="http://schemas.microsoft.com/office/powerpoint/2010/main" val="3353541825"/>
+        <p14:creationId xmlns:p14="http://schemas.microsoft.com/office/powerpoint/2010/main" val="3557916704"/>
       </p:ext>
     </p:extLst>
   </p:cSld>
@@ -654,60 +653,73 @@
           <a:lstStyle/>
           <a:p>
             <a:r>
-              <a:rPr lang="en-US" b="1" dirty="0">
-                <a:latin typeface="+mn-lt"/>
-              </a:rPr>
-              <a:t>Mocks</a:t>
-            </a:r>
-            <a:r>
-              <a:rPr lang="en-US" dirty="0">
-                <a:latin typeface="+mn-lt"/>
-              </a:rPr>
-              <a:t> are objects pre-programmed with expectations which form a specification of the calls they are expected to receive. </a:t>
-            </a:r>
-            <a:r>
               <a:rPr lang="en-US" dirty="0"/>
-              <a:t>It is used to record and verify the interaction between classes/components. A mock is known as the most powerful and flexible version of the test doubles. </a:t>
-            </a:r>
-          </a:p>
-          <a:p>
+              <a:t>Use Stubs to:</a:t>
+            </a:r>
+          </a:p>
+          <a:p>
+            <a:pPr>
+              <a:buFont typeface="Arial" panose="020B0604020202020204" pitchFamily="34" charset="0"/>
+              <a:buChar char="•"/>
+            </a:pPr>
             <a:r>
               <a:rPr lang="en-US" dirty="0"/>
-              <a:t>The mock objects are generally used for </a:t>
-            </a:r>
-            <a:r>
-              <a:rPr lang="en-US" b="1" dirty="0"/>
-              <a:t>behavior verification</a:t>
-            </a:r>
+              <a:t>provide a predetermined response from a collaborator</a:t>
+            </a:r>
+          </a:p>
+          <a:p>
+            <a:pPr>
+              <a:buFont typeface="Arial" panose="020B0604020202020204" pitchFamily="34" charset="0"/>
+              <a:buChar char="•"/>
+            </a:pPr>
             <a:r>
               <a:rPr lang="en-US" dirty="0"/>
-              <a:t>. The term behavior means to check the correct methods and paths that are applied to the objects.</a:t>
+              <a:t>take a predetermined action from a collaborator, like throwing an exception</a:t>
             </a:r>
           </a:p>
           <a:p>
             <a:r>
               <a:rPr lang="en-US" dirty="0"/>
-              <a:t>Mocks are mostly created by using a library or a mocking framework like Mockito, </a:t>
+              <a:t>Use Mocks to:</a:t>
+            </a:r>
+          </a:p>
+          <a:p>
+            <a:pPr>
+              <a:buFont typeface="Arial" panose="020B0604020202020204" pitchFamily="34" charset="0"/>
+              <a:buChar char="•"/>
+            </a:pPr>
+            <a:r>
+              <a:rPr lang="en-US" dirty="0"/>
+              <a:t>verify the contract between the code under test and a collaborator</a:t>
+            </a:r>
+          </a:p>
+          <a:p>
+            <a:pPr>
+              <a:buFont typeface="Arial" panose="020B0604020202020204" pitchFamily="34" charset="0"/>
+              <a:buChar char="•"/>
+            </a:pPr>
+            <a:r>
+              <a:rPr lang="en-US" dirty="0"/>
+              <a:t>verify the </a:t>
             </a:r>
             <a:r>
               <a:rPr lang="en-US" dirty="0" err="1"/>
-              <a:t>JMock</a:t>
+              <a:t>the</a:t>
             </a:r>
             <a:r>
               <a:rPr lang="en-US" dirty="0"/>
-              <a:t>, and </a:t>
-            </a:r>
-            <a:r>
-              <a:rPr lang="en-US" dirty="0" err="1"/>
-              <a:t>EasyMock</a:t>
-            </a:r>
+              <a:t> collaborator's method is called the correct number of times</a:t>
+            </a:r>
+          </a:p>
+          <a:p>
+            <a:pPr>
+              <a:buFont typeface="Arial" panose="020B0604020202020204" pitchFamily="34" charset="0"/>
+              <a:buChar char="•"/>
+            </a:pPr>
             <a:r>
               <a:rPr lang="en-US" dirty="0"/>
-              <a:t>. It is used for testing a large suite of tests where stubs are not sufficient. </a:t>
-            </a:r>
-            <a:endParaRPr lang="en-US" dirty="0">
-              <a:latin typeface="+mn-lt"/>
-            </a:endParaRPr>
+              <a:t>verify the collaborator's method is called with the correct parameters</a:t>
+            </a:r>
           </a:p>
         </p:txBody>
       </p:sp>
@@ -728,7 +740,7 @@
           <a:p>
             <a:fld id="{07937F07-1250-4CCE-B198-1B2887014F41}" type="slidenum">
               <a:rPr lang="en-US" smtClean="0"/>
-              <a:t>13</a:t>
+              <a:t>10</a:t>
             </a:fld>
             <a:endParaRPr lang="en-US"/>
           </a:p>
@@ -737,7 +749,7 @@
     </p:spTree>
     <p:extLst>
       <p:ext uri="{BB962C8B-B14F-4D97-AF65-F5344CB8AC3E}">
-        <p14:creationId xmlns:p14="http://schemas.microsoft.com/office/powerpoint/2010/main" val="3035997716"/>
+        <p14:creationId xmlns:p14="http://schemas.microsoft.com/office/powerpoint/2010/main" val="2045764863"/>
       </p:ext>
     </p:extLst>
   </p:cSld>
@@ -791,77 +803,18 @@
           <a:bodyPr/>
           <a:lstStyle/>
           <a:p>
-            <a:pPr>
-              <a:buFont typeface="Arial" panose="020B0604020202020204" pitchFamily="34" charset="0"/>
-              <a:buNone/>
-            </a:pPr>
-            <a:r>
-              <a:rPr lang="en-US" dirty="0"/>
-              <a:t>There are three main types of module and function mocking in Jest:</a:t>
-            </a:r>
-            <a:br>
-              <a:rPr lang="en-US" dirty="0"/>
-            </a:br>
-            <a:r>
-              <a:rPr lang="en-US" dirty="0" err="1"/>
-              <a:t>jest.fn</a:t>
-            </a:r>
-            <a:r>
-              <a:rPr lang="en-US" dirty="0"/>
-              <a:t>: Mock a function</a:t>
-            </a:r>
-          </a:p>
-          <a:p>
-            <a:pPr>
-              <a:buFont typeface="Arial" panose="020B0604020202020204" pitchFamily="34" charset="0"/>
-              <a:buNone/>
-            </a:pPr>
-            <a:r>
-              <a:rPr lang="en-US" dirty="0" err="1"/>
-              <a:t>jest.mock</a:t>
-            </a:r>
-            <a:r>
-              <a:rPr lang="en-US" dirty="0"/>
-              <a:t>: Mock a module</a:t>
-            </a:r>
-          </a:p>
-          <a:p>
-            <a:pPr>
-              <a:buFont typeface="Arial" panose="020B0604020202020204" pitchFamily="34" charset="0"/>
-              <a:buNone/>
-            </a:pPr>
-            <a:r>
-              <a:rPr lang="en-US" dirty="0" err="1"/>
-              <a:t>jest.spyOn</a:t>
-            </a:r>
-            <a:r>
-              <a:rPr lang="en-US" dirty="0"/>
-              <a:t>: Spy or mock a function</a:t>
-            </a:r>
-            <a:br>
+            <a:r>
+              <a:rPr lang="en-US" b="1" dirty="0">
+                <a:latin typeface="+mn-lt"/>
+              </a:rPr>
+              <a:t>Spies</a:t>
+            </a:r>
+            <a:r>
               <a:rPr lang="en-US" dirty="0">
                 <a:latin typeface="+mn-lt"/>
               </a:rPr>
-            </a:br>
-            <a:r>
-              <a:rPr lang="en-US" dirty="0">
-                <a:latin typeface="+mn-lt"/>
-              </a:rPr>
-              <a:t>Here is a nice review:</a:t>
-            </a:r>
-          </a:p>
-          <a:p>
-            <a:pPr>
-              <a:buFont typeface="Arial" panose="020B0604020202020204" pitchFamily="34" charset="0"/>
-              <a:buNone/>
-            </a:pPr>
-            <a:r>
-              <a:rPr lang="en-US" dirty="0">
-                <a:latin typeface="+mn-lt"/>
-              </a:rPr>
-              <a:t>https://medium.com/@rickhanlonii/understanding-jest-mocks-f0046c68e53c </a:t>
-            </a:r>
-            <a:endParaRPr lang="en-US" dirty="0"/>
+              <a:t> are stubs that also record some information based on how they were called. One form of this might be an email service that records how many messages it was sent. This is an example of spy being used with a real email service</a:t>
+            </a:r>
           </a:p>
         </p:txBody>
       </p:sp>
@@ -882,7 +835,7 @@
           <a:p>
             <a:fld id="{07937F07-1250-4CCE-B198-1B2887014F41}" type="slidenum">
               <a:rPr lang="en-US" smtClean="0"/>
-              <a:t>14</a:t>
+              <a:t>11</a:t>
             </a:fld>
             <a:endParaRPr lang="en-US"/>
           </a:p>
@@ -891,7 +844,7 @@
     </p:spTree>
     <p:extLst>
       <p:ext uri="{BB962C8B-B14F-4D97-AF65-F5344CB8AC3E}">
-        <p14:creationId xmlns:p14="http://schemas.microsoft.com/office/powerpoint/2010/main" val="1932729978"/>
+        <p14:creationId xmlns:p14="http://schemas.microsoft.com/office/powerpoint/2010/main" val="2550589936"/>
       </p:ext>
     </p:extLst>
   </p:cSld>
@@ -946,74 +899,31 @@
           <a:lstStyle/>
           <a:p>
             <a:r>
-              <a:rPr lang="en-US" b="0" i="0" dirty="0">
-                <a:solidFill>
-                  <a:srgbClr val="1D1C1D"/>
-                </a:solidFill>
-                <a:effectLst/>
-                <a:latin typeface="Slack-Lato"/>
-              </a:rPr>
-              <a:t>This test will spy on the </a:t>
-            </a:r>
-            <a:r>
-              <a:rPr lang="en-US" dirty="0" err="1"/>
-              <a:t>getInstance</a:t>
-            </a:r>
-            <a:r>
-              <a:rPr lang="en-US" b="0" i="0" dirty="0">
-                <a:solidFill>
-                  <a:srgbClr val="1D1C1D"/>
-                </a:solidFill>
-                <a:effectLst/>
-                <a:latin typeface="Slack-Lato"/>
-              </a:rPr>
-              <a:t> method of </a:t>
-            </a:r>
-            <a:r>
-              <a:rPr lang="en-US" dirty="0" err="1"/>
-              <a:t>CoveyTownsStore</a:t>
-            </a:r>
-            <a:r>
-              <a:rPr lang="en-US" b="0" i="0" dirty="0">
-                <a:solidFill>
-                  <a:srgbClr val="1D1C1D"/>
-                </a:solidFill>
-                <a:effectLst/>
-                <a:latin typeface="Slack-Lato"/>
-              </a:rPr>
-              <a:t>, always returning a mock instance. Then, whenever </a:t>
-            </a:r>
-            <a:r>
-              <a:rPr lang="en-US" dirty="0" err="1"/>
-              <a:t>getControllerForTown</a:t>
-            </a:r>
-            <a:r>
-              <a:rPr lang="en-US" b="0" i="0" dirty="0">
-                <a:solidFill>
-                  <a:srgbClr val="1D1C1D"/>
-                </a:solidFill>
-                <a:effectLst/>
-                <a:latin typeface="Slack-Lato"/>
-              </a:rPr>
-              <a:t> is called, it will always return a mock </a:t>
-            </a:r>
-            <a:r>
-              <a:rPr lang="en-US" dirty="0" err="1"/>
-              <a:t>CoveyTownController</a:t>
-            </a:r>
-            <a:r>
-              <a:rPr lang="en-US" b="0" i="0" dirty="0">
-                <a:solidFill>
-                  <a:srgbClr val="1D1C1D"/>
-                </a:solidFill>
-                <a:effectLst/>
-                <a:latin typeface="Slack-Lato"/>
-              </a:rPr>
-              <a:t>. </a:t>
-            </a:r>
-            <a:endParaRPr lang="en-US" dirty="0">
-              <a:latin typeface="+mn-lt"/>
-            </a:endParaRPr>
+              <a:rPr lang="en-US" dirty="0"/>
+              <a:t>A test spy is an object capable of capturing indirect output and providing indirect input as needed. The indirect output is something we cannot directly observe.</a:t>
+            </a:r>
+            <a:br>
+              <a:rPr lang="en-US" dirty="0"/>
+            </a:br>
+            <a:r>
+              <a:rPr lang="en-US" dirty="0"/>
+              <a:t>In the snippet, we can know exactly how many times the </a:t>
+            </a:r>
+            <a:r>
+              <a:rPr lang="en-US" i="1" dirty="0"/>
+              <a:t>log()</a:t>
+            </a:r>
+            <a:r>
+              <a:rPr lang="en-US" dirty="0"/>
+              <a:t> method has been called, as well as the content of the messages.</a:t>
+            </a:r>
+            <a:br>
+              <a:rPr lang="en-US" dirty="0"/>
+            </a:br>
+            <a:r>
+              <a:rPr lang="en-US" dirty="0"/>
+              <a:t>The point of this spy is to have much more knowledge of the internal object state in exchange for deeper coupling, which could be problematic in the future because it makes our tests more fragile.</a:t>
+            </a:r>
           </a:p>
         </p:txBody>
       </p:sp>
@@ -1034,7 +944,7 @@
           <a:p>
             <a:fld id="{07937F07-1250-4CCE-B198-1B2887014F41}" type="slidenum">
               <a:rPr lang="en-US" smtClean="0"/>
-              <a:t>15</a:t>
+              <a:t>12</a:t>
             </a:fld>
             <a:endParaRPr lang="en-US"/>
           </a:p>
@@ -1043,7 +953,7 @@
     </p:spTree>
     <p:extLst>
       <p:ext uri="{BB962C8B-B14F-4D97-AF65-F5344CB8AC3E}">
-        <p14:creationId xmlns:p14="http://schemas.microsoft.com/office/powerpoint/2010/main" val="616533052"/>
+        <p14:creationId xmlns:p14="http://schemas.microsoft.com/office/powerpoint/2010/main" val="251261324"/>
       </p:ext>
     </p:extLst>
   </p:cSld>
@@ -1098,60 +1008,56 @@
           <a:lstStyle/>
           <a:p>
             <a:r>
-              <a:rPr lang="en-US" b="0" i="0" dirty="0">
-                <a:solidFill>
-                  <a:srgbClr val="1D1C1D"/>
-                </a:solidFill>
-                <a:effectLst/>
-                <a:latin typeface="Slack-Lato"/>
-              </a:rPr>
-              <a:t>The test checks to see that </a:t>
+              <a:rPr lang="en-US" b="1" dirty="0">
+                <a:latin typeface="+mn-lt"/>
+              </a:rPr>
+              <a:t>Mocks</a:t>
+            </a:r>
+            <a:r>
+              <a:rPr lang="en-US" dirty="0">
+                <a:latin typeface="+mn-lt"/>
+              </a:rPr>
+              <a:t> are objects pre-programmed with expectations which form a specification of the calls they are expected to receive. </a:t>
+            </a:r>
+            <a:r>
+              <a:rPr lang="en-US" dirty="0"/>
+              <a:t>It is used to record and verify the interaction between classes/components. A mock is known as the most powerful and flexible version of the test doubles. </a:t>
+            </a:r>
+          </a:p>
+          <a:p>
+            <a:r>
+              <a:rPr lang="en-US" dirty="0"/>
+              <a:t>The mock objects are generally used for </a:t>
+            </a:r>
+            <a:r>
+              <a:rPr lang="en-US" b="1" dirty="0"/>
+              <a:t>behavior verification</a:t>
+            </a:r>
+            <a:r>
+              <a:rPr lang="en-US" dirty="0"/>
+              <a:t>. The term behavior means to check the correct methods and paths that are applied to the objects.</a:t>
+            </a:r>
+          </a:p>
+          <a:p>
+            <a:r>
+              <a:rPr lang="en-US" dirty="0"/>
+              <a:t>Mocks are mostly created by using a library or a mocking framework like Mockito, </a:t>
             </a:r>
             <a:r>
               <a:rPr lang="en-US" dirty="0" err="1"/>
-              <a:t>conversationAreaCreateHandler</a:t>
-            </a:r>
-            <a:r>
-              <a:rPr lang="en-US" b="0" i="0" dirty="0">
-                <a:solidFill>
-                  <a:srgbClr val="1D1C1D"/>
-                </a:solidFill>
-                <a:effectLst/>
-                <a:latin typeface="Slack-Lato"/>
-              </a:rPr>
-              <a:t> does NOT call </a:t>
+              <a:t>JMock</a:t>
+            </a:r>
+            <a:r>
+              <a:rPr lang="en-US" dirty="0"/>
+              <a:t>, and </a:t>
             </a:r>
             <a:r>
               <a:rPr lang="en-US" dirty="0" err="1"/>
-              <a:t>addConversationArea</a:t>
-            </a:r>
-            <a:r>
-              <a:rPr lang="en-US" b="0" i="0" dirty="0">
-                <a:solidFill>
-                  <a:srgbClr val="1D1C1D"/>
-                </a:solidFill>
-                <a:effectLst/>
-                <a:latin typeface="Slack-Lato"/>
-              </a:rPr>
-              <a:t> if the session token is invalid, which it simulates by mocking a return value of </a:t>
+              <a:t>EasyMock</a:t>
             </a:r>
             <a:r>
               <a:rPr lang="en-US" dirty="0"/>
-              <a:t>undefined</a:t>
-            </a:r>
-            <a:r>
-              <a:rPr lang="en-US" b="0" i="0" dirty="0">
-                <a:solidFill>
-                  <a:srgbClr val="1D1C1D"/>
-                </a:solidFill>
-                <a:effectLst/>
-                <a:latin typeface="Slack-Lato"/>
-              </a:rPr>
-              <a:t> for </a:t>
-            </a:r>
-            <a:r>
-              <a:rPr lang="en-US" dirty="0" err="1"/>
-              <a:t>getSessionByToken</a:t>
+              <a:t>. It is used for testing a large suite of tests where stubs are not sufficient. </a:t>
             </a:r>
             <a:endParaRPr lang="en-US" dirty="0">
               <a:latin typeface="+mn-lt"/>
@@ -1176,7 +1082,7 @@
           <a:p>
             <a:fld id="{07937F07-1250-4CCE-B198-1B2887014F41}" type="slidenum">
               <a:rPr lang="en-US" smtClean="0"/>
-              <a:t>16</a:t>
+              <a:t>13</a:t>
             </a:fld>
             <a:endParaRPr lang="en-US"/>
           </a:p>
@@ -1185,7 +1091,7 @@
     </p:spTree>
     <p:extLst>
       <p:ext uri="{BB962C8B-B14F-4D97-AF65-F5344CB8AC3E}">
-        <p14:creationId xmlns:p14="http://schemas.microsoft.com/office/powerpoint/2010/main" val="1028540379"/>
+        <p14:creationId xmlns:p14="http://schemas.microsoft.com/office/powerpoint/2010/main" val="3035997716"/>
       </p:ext>
     </p:extLst>
   </p:cSld>
@@ -1239,41 +1145,77 @@
           <a:bodyPr/>
           <a:lstStyle/>
           <a:p>
-            <a:r>
-              <a:rPr lang="en-US" b="1" dirty="0">
-                <a:latin typeface="+mn-lt"/>
-              </a:rPr>
-              <a:t>Fake</a:t>
-            </a:r>
-            <a:r>
+            <a:pPr>
+              <a:buFont typeface="Arial" panose="020B0604020202020204" pitchFamily="34" charset="0"/>
+              <a:buNone/>
+            </a:pPr>
+            <a:r>
+              <a:rPr lang="en-US" dirty="0"/>
+              <a:t>There are three main types of module and function mocking in Jest:</a:t>
+            </a:r>
+            <a:br>
+              <a:rPr lang="en-US" dirty="0"/>
+            </a:br>
+            <a:r>
+              <a:rPr lang="en-US" dirty="0" err="1"/>
+              <a:t>jest.fn</a:t>
+            </a:r>
+            <a:r>
+              <a:rPr lang="en-US" dirty="0"/>
+              <a:t>: Mock a function</a:t>
+            </a:r>
+          </a:p>
+          <a:p>
+            <a:pPr>
+              <a:buFont typeface="Arial" panose="020B0604020202020204" pitchFamily="34" charset="0"/>
+              <a:buNone/>
+            </a:pPr>
+            <a:r>
+              <a:rPr lang="en-US" dirty="0" err="1"/>
+              <a:t>jest.mock</a:t>
+            </a:r>
+            <a:r>
+              <a:rPr lang="en-US" dirty="0"/>
+              <a:t>: Mock a module</a:t>
+            </a:r>
+          </a:p>
+          <a:p>
+            <a:pPr>
+              <a:buFont typeface="Arial" panose="020B0604020202020204" pitchFamily="34" charset="0"/>
+              <a:buNone/>
+            </a:pPr>
+            <a:r>
+              <a:rPr lang="en-US" dirty="0" err="1"/>
+              <a:t>jest.spyOn</a:t>
+            </a:r>
+            <a:r>
+              <a:rPr lang="en-US" dirty="0"/>
+              <a:t>: Spy or mock a function</a:t>
+            </a:r>
+            <a:br>
               <a:rPr lang="en-US" dirty="0">
                 <a:latin typeface="+mn-lt"/>
               </a:rPr>
-              <a:t> objects actually have working implementations, but usually take some shortcut which makes them not suitable for production (an in memory database is a good example).</a:t>
-            </a:r>
-          </a:p>
-          <a:p>
-            <a:r>
-              <a:rPr lang="en-US" dirty="0"/>
-              <a:t>A fake is a simpler implementation of real objects.</a:t>
-            </a:r>
-          </a:p>
-          <a:p>
-            <a:r>
-              <a:rPr lang="en-US" dirty="0"/>
-              <a:t>Fakes are used when we want to test an infrastructural class, in other words, fakes are for the classes which are beyond our application limit (repositories or queues, for example).</a:t>
-            </a:r>
-          </a:p>
-          <a:p>
-            <a:r>
-              <a:rPr lang="en-US" dirty="0"/>
-              <a:t>Transcript Service was a Fake which probably would not scale but worked.</a:t>
-            </a:r>
-          </a:p>
-          <a:p>
-            <a:endParaRPr lang="en-US" dirty="0">
-              <a:latin typeface="+mn-lt"/>
-            </a:endParaRPr>
+            </a:br>
+            <a:r>
+              <a:rPr lang="en-US" dirty="0">
+                <a:latin typeface="+mn-lt"/>
+              </a:rPr>
+              <a:t>Here is a nice review:</a:t>
+            </a:r>
+          </a:p>
+          <a:p>
+            <a:pPr>
+              <a:buFont typeface="Arial" panose="020B0604020202020204" pitchFamily="34" charset="0"/>
+              <a:buNone/>
+            </a:pPr>
+            <a:r>
+              <a:rPr lang="en-US" dirty="0">
+                <a:latin typeface="+mn-lt"/>
+              </a:rPr>
+              <a:t>https://medium.com/@rickhanlonii/understanding-jest-mocks-f0046c68e53c </a:t>
+            </a:r>
+            <a:endParaRPr lang="en-US" dirty="0"/>
           </a:p>
         </p:txBody>
       </p:sp>
@@ -1294,7 +1236,7 @@
           <a:p>
             <a:fld id="{07937F07-1250-4CCE-B198-1B2887014F41}" type="slidenum">
               <a:rPr lang="en-US" smtClean="0"/>
-              <a:t>17</a:t>
+              <a:t>14</a:t>
             </a:fld>
             <a:endParaRPr lang="en-US"/>
           </a:p>
@@ -1303,7 +1245,7 @@
     </p:spTree>
     <p:extLst>
       <p:ext uri="{BB962C8B-B14F-4D97-AF65-F5344CB8AC3E}">
-        <p14:creationId xmlns:p14="http://schemas.microsoft.com/office/powerpoint/2010/main" val="980722978"/>
+        <p14:creationId xmlns:p14="http://schemas.microsoft.com/office/powerpoint/2010/main" val="1932729978"/>
       </p:ext>
     </p:extLst>
   </p:cSld>
@@ -1358,9 +1300,74 @@
           <a:lstStyle/>
           <a:p>
             <a:r>
-              <a:rPr lang="en-US" dirty="0"/>
-              <a:t>&lt;read slide&gt;</a:t>
-            </a:r>
+              <a:rPr lang="en-US" b="0" i="0" dirty="0">
+                <a:solidFill>
+                  <a:srgbClr val="1D1C1D"/>
+                </a:solidFill>
+                <a:effectLst/>
+                <a:latin typeface="Slack-Lato"/>
+              </a:rPr>
+              <a:t>This test will spy on the </a:t>
+            </a:r>
+            <a:r>
+              <a:rPr lang="en-US" dirty="0" err="1"/>
+              <a:t>getInstance</a:t>
+            </a:r>
+            <a:r>
+              <a:rPr lang="en-US" b="0" i="0" dirty="0">
+                <a:solidFill>
+                  <a:srgbClr val="1D1C1D"/>
+                </a:solidFill>
+                <a:effectLst/>
+                <a:latin typeface="Slack-Lato"/>
+              </a:rPr>
+              <a:t> method of </a:t>
+            </a:r>
+            <a:r>
+              <a:rPr lang="en-US" dirty="0" err="1"/>
+              <a:t>CoveyTownsStore</a:t>
+            </a:r>
+            <a:r>
+              <a:rPr lang="en-US" b="0" i="0" dirty="0">
+                <a:solidFill>
+                  <a:srgbClr val="1D1C1D"/>
+                </a:solidFill>
+                <a:effectLst/>
+                <a:latin typeface="Slack-Lato"/>
+              </a:rPr>
+              <a:t>, always returning a mock instance. Then, whenever </a:t>
+            </a:r>
+            <a:r>
+              <a:rPr lang="en-US" dirty="0" err="1"/>
+              <a:t>getControllerForTown</a:t>
+            </a:r>
+            <a:r>
+              <a:rPr lang="en-US" b="0" i="0" dirty="0">
+                <a:solidFill>
+                  <a:srgbClr val="1D1C1D"/>
+                </a:solidFill>
+                <a:effectLst/>
+                <a:latin typeface="Slack-Lato"/>
+              </a:rPr>
+              <a:t> is called, it will always return a mock </a:t>
+            </a:r>
+            <a:r>
+              <a:rPr lang="en-US" dirty="0" err="1"/>
+              <a:t>CoveyTownController</a:t>
+            </a:r>
+            <a:r>
+              <a:rPr lang="en-US" b="0" i="0" dirty="0">
+                <a:solidFill>
+                  <a:srgbClr val="1D1C1D"/>
+                </a:solidFill>
+                <a:effectLst/>
+                <a:latin typeface="Slack-Lato"/>
+              </a:rPr>
+              <a:t>. </a:t>
+            </a:r>
+            <a:endParaRPr lang="en-US" dirty="0">
+              <a:latin typeface="+mn-lt"/>
+            </a:endParaRPr>
           </a:p>
         </p:txBody>
       </p:sp>
@@ -1381,7 +1388,7 @@
           <a:p>
             <a:fld id="{07937F07-1250-4CCE-B198-1B2887014F41}" type="slidenum">
               <a:rPr lang="en-US" smtClean="0"/>
-              <a:t>18</a:t>
+              <a:t>15</a:t>
             </a:fld>
             <a:endParaRPr lang="en-US"/>
           </a:p>
@@ -1390,7 +1397,7 @@
     </p:spTree>
     <p:extLst>
       <p:ext uri="{BB962C8B-B14F-4D97-AF65-F5344CB8AC3E}">
-        <p14:creationId xmlns:p14="http://schemas.microsoft.com/office/powerpoint/2010/main" val="35053294"/>
+        <p14:creationId xmlns:p14="http://schemas.microsoft.com/office/powerpoint/2010/main" val="616533052"/>
       </p:ext>
     </p:extLst>
   </p:cSld>
@@ -1445,9 +1452,64 @@
           <a:lstStyle/>
           <a:p>
             <a:r>
+              <a:rPr lang="en-US" b="0" i="0" dirty="0">
+                <a:solidFill>
+                  <a:srgbClr val="1D1C1D"/>
+                </a:solidFill>
+                <a:effectLst/>
+                <a:latin typeface="Slack-Lato"/>
+              </a:rPr>
+              <a:t>The test checks to see that </a:t>
+            </a:r>
+            <a:r>
+              <a:rPr lang="en-US" dirty="0" err="1"/>
+              <a:t>conversationAreaCreateHandler</a:t>
+            </a:r>
+            <a:r>
+              <a:rPr lang="en-US" b="0" i="0" dirty="0">
+                <a:solidFill>
+                  <a:srgbClr val="1D1C1D"/>
+                </a:solidFill>
+                <a:effectLst/>
+                <a:latin typeface="Slack-Lato"/>
+              </a:rPr>
+              <a:t> does NOT call </a:t>
+            </a:r>
+            <a:r>
+              <a:rPr lang="en-US" dirty="0" err="1"/>
+              <a:t>addConversationArea</a:t>
+            </a:r>
+            <a:r>
+              <a:rPr lang="en-US" b="0" i="0" dirty="0">
+                <a:solidFill>
+                  <a:srgbClr val="1D1C1D"/>
+                </a:solidFill>
+                <a:effectLst/>
+                <a:latin typeface="Slack-Lato"/>
+              </a:rPr>
+              <a:t> if the session token is invalid, which it simulates by mocking a return value of </a:t>
+            </a:r>
+            <a:r>
               <a:rPr lang="en-US" dirty="0"/>
-              <a:t>&lt;read slide&gt;</a:t>
-            </a:r>
+              <a:t>undefined</a:t>
+            </a:r>
+            <a:r>
+              <a:rPr lang="en-US" b="0" i="0" dirty="0">
+                <a:solidFill>
+                  <a:srgbClr val="1D1C1D"/>
+                </a:solidFill>
+                <a:effectLst/>
+                <a:latin typeface="Slack-Lato"/>
+              </a:rPr>
+              <a:t> for </a:t>
+            </a:r>
+            <a:r>
+              <a:rPr lang="en-US" dirty="0" err="1"/>
+              <a:t>getSessionByToken</a:t>
+            </a:r>
+            <a:endParaRPr lang="en-US" dirty="0">
+              <a:latin typeface="+mn-lt"/>
+            </a:endParaRPr>
           </a:p>
         </p:txBody>
       </p:sp>
@@ -1468,7 +1530,7 @@
           <a:p>
             <a:fld id="{07937F07-1250-4CCE-B198-1B2887014F41}" type="slidenum">
               <a:rPr lang="en-US" smtClean="0"/>
-              <a:t>19</a:t>
+              <a:t>16</a:t>
             </a:fld>
             <a:endParaRPr lang="en-US"/>
           </a:p>
@@ -1477,7 +1539,7 @@
     </p:spTree>
     <p:extLst>
       <p:ext uri="{BB962C8B-B14F-4D97-AF65-F5344CB8AC3E}">
-        <p14:creationId xmlns:p14="http://schemas.microsoft.com/office/powerpoint/2010/main" val="2985101085"/>
+        <p14:creationId xmlns:p14="http://schemas.microsoft.com/office/powerpoint/2010/main" val="1028540379"/>
       </p:ext>
     </p:extLst>
   </p:cSld>
@@ -1531,7 +1593,41 @@
           <a:bodyPr/>
           <a:lstStyle/>
           <a:p>
-            <a:endParaRPr lang="en-US"/>
+            <a:r>
+              <a:rPr lang="en-US" b="1" dirty="0">
+                <a:latin typeface="+mn-lt"/>
+              </a:rPr>
+              <a:t>Fake</a:t>
+            </a:r>
+            <a:r>
+              <a:rPr lang="en-US" dirty="0">
+                <a:latin typeface="+mn-lt"/>
+              </a:rPr>
+              <a:t> objects actually have working implementations, but usually take some shortcut which makes them not suitable for production (an in memory database is a good example).</a:t>
+            </a:r>
+          </a:p>
+          <a:p>
+            <a:r>
+              <a:rPr lang="en-US" dirty="0"/>
+              <a:t>A fake is a simpler implementation of real objects.</a:t>
+            </a:r>
+          </a:p>
+          <a:p>
+            <a:r>
+              <a:rPr lang="en-US" dirty="0"/>
+              <a:t>Fakes are used when we want to test an infrastructural class, in other words, fakes are for the classes which are beyond our application limit (repositories or queues, for example).</a:t>
+            </a:r>
+          </a:p>
+          <a:p>
+            <a:r>
+              <a:rPr lang="en-US" dirty="0"/>
+              <a:t>Transcript Service was a Fake which probably would not scale but worked.</a:t>
+            </a:r>
+          </a:p>
+          <a:p>
+            <a:endParaRPr lang="en-US" dirty="0">
+              <a:latin typeface="+mn-lt"/>
+            </a:endParaRPr>
           </a:p>
         </p:txBody>
       </p:sp>
@@ -1552,7 +1648,7 @@
           <a:p>
             <a:fld id="{07937F07-1250-4CCE-B198-1B2887014F41}" type="slidenum">
               <a:rPr lang="en-US" smtClean="0"/>
-              <a:t>20</a:t>
+              <a:t>17</a:t>
             </a:fld>
             <a:endParaRPr lang="en-US"/>
           </a:p>
@@ -1561,7 +1657,181 @@
     </p:spTree>
     <p:extLst>
       <p:ext uri="{BB962C8B-B14F-4D97-AF65-F5344CB8AC3E}">
-        <p14:creationId xmlns:p14="http://schemas.microsoft.com/office/powerpoint/2010/main" val="1639719316"/>
+        <p14:creationId xmlns:p14="http://schemas.microsoft.com/office/powerpoint/2010/main" val="980722978"/>
+      </p:ext>
+    </p:extLst>
+  </p:cSld>
+  <p:clrMapOvr>
+    <a:masterClrMapping/>
+  </p:clrMapOvr>
+</p:notes>
+</file>
+
+<file path=ppt/notesSlides/notesSlide18.xml><?xml version="1.0" encoding="utf-8"?>
+<p:notes xmlns:a="http://schemas.openxmlformats.org/drawingml/2006/main" xmlns:r="http://schemas.openxmlformats.org/officeDocument/2006/relationships" xmlns:p="http://schemas.openxmlformats.org/presentationml/2006/main">
+  <p:cSld>
+    <p:spTree>
+      <p:nvGrpSpPr>
+        <p:cNvPr id="1" name=""/>
+        <p:cNvGrpSpPr/>
+        <p:nvPr/>
+      </p:nvGrpSpPr>
+      <p:grpSpPr>
+        <a:xfrm>
+          <a:off x="0" y="0"/>
+          <a:ext cx="0" cy="0"/>
+          <a:chOff x="0" y="0"/>
+          <a:chExt cx="0" cy="0"/>
+        </a:xfrm>
+      </p:grpSpPr>
+      <p:sp>
+        <p:nvSpPr>
+          <p:cNvPr id="2" name="Slide Image Placeholder 1"/>
+          <p:cNvSpPr>
+            <a:spLocks noGrp="1" noRot="1" noChangeAspect="1"/>
+          </p:cNvSpPr>
+          <p:nvPr>
+            <p:ph type="sldImg"/>
+          </p:nvPr>
+        </p:nvSpPr>
+        <p:spPr/>
+      </p:sp>
+      <p:sp>
+        <p:nvSpPr>
+          <p:cNvPr id="3" name="Notes Placeholder 2"/>
+          <p:cNvSpPr>
+            <a:spLocks noGrp="1"/>
+          </p:cNvSpPr>
+          <p:nvPr>
+            <p:ph type="body" idx="1"/>
+          </p:nvPr>
+        </p:nvSpPr>
+        <p:spPr/>
+        <p:txBody>
+          <a:bodyPr/>
+          <a:lstStyle/>
+          <a:p>
+            <a:r>
+              <a:rPr lang="en-US" dirty="0"/>
+              <a:t>&lt;read slide&gt;</a:t>
+            </a:r>
+          </a:p>
+        </p:txBody>
+      </p:sp>
+      <p:sp>
+        <p:nvSpPr>
+          <p:cNvPr id="4" name="Slide Number Placeholder 3"/>
+          <p:cNvSpPr>
+            <a:spLocks noGrp="1"/>
+          </p:cNvSpPr>
+          <p:nvPr>
+            <p:ph type="sldNum" sz="quarter" idx="5"/>
+          </p:nvPr>
+        </p:nvSpPr>
+        <p:spPr/>
+        <p:txBody>
+          <a:bodyPr/>
+          <a:lstStyle/>
+          <a:p>
+            <a:fld id="{07937F07-1250-4CCE-B198-1B2887014F41}" type="slidenum">
+              <a:rPr lang="en-US" smtClean="0"/>
+              <a:t>18</a:t>
+            </a:fld>
+            <a:endParaRPr lang="en-US"/>
+          </a:p>
+        </p:txBody>
+      </p:sp>
+    </p:spTree>
+    <p:extLst>
+      <p:ext uri="{BB962C8B-B14F-4D97-AF65-F5344CB8AC3E}">
+        <p14:creationId xmlns:p14="http://schemas.microsoft.com/office/powerpoint/2010/main" val="35053294"/>
+      </p:ext>
+    </p:extLst>
+  </p:cSld>
+  <p:clrMapOvr>
+    <a:masterClrMapping/>
+  </p:clrMapOvr>
+</p:notes>
+</file>
+
+<file path=ppt/notesSlides/notesSlide19.xml><?xml version="1.0" encoding="utf-8"?>
+<p:notes xmlns:a="http://schemas.openxmlformats.org/drawingml/2006/main" xmlns:r="http://schemas.openxmlformats.org/officeDocument/2006/relationships" xmlns:p="http://schemas.openxmlformats.org/presentationml/2006/main">
+  <p:cSld>
+    <p:spTree>
+      <p:nvGrpSpPr>
+        <p:cNvPr id="1" name=""/>
+        <p:cNvGrpSpPr/>
+        <p:nvPr/>
+      </p:nvGrpSpPr>
+      <p:grpSpPr>
+        <a:xfrm>
+          <a:off x="0" y="0"/>
+          <a:ext cx="0" cy="0"/>
+          <a:chOff x="0" y="0"/>
+          <a:chExt cx="0" cy="0"/>
+        </a:xfrm>
+      </p:grpSpPr>
+      <p:sp>
+        <p:nvSpPr>
+          <p:cNvPr id="2" name="Slide Image Placeholder 1"/>
+          <p:cNvSpPr>
+            <a:spLocks noGrp="1" noRot="1" noChangeAspect="1"/>
+          </p:cNvSpPr>
+          <p:nvPr>
+            <p:ph type="sldImg"/>
+          </p:nvPr>
+        </p:nvSpPr>
+        <p:spPr/>
+      </p:sp>
+      <p:sp>
+        <p:nvSpPr>
+          <p:cNvPr id="3" name="Notes Placeholder 2"/>
+          <p:cNvSpPr>
+            <a:spLocks noGrp="1"/>
+          </p:cNvSpPr>
+          <p:nvPr>
+            <p:ph type="body" idx="1"/>
+          </p:nvPr>
+        </p:nvSpPr>
+        <p:spPr/>
+        <p:txBody>
+          <a:bodyPr/>
+          <a:lstStyle/>
+          <a:p>
+            <a:r>
+              <a:rPr lang="en-US" dirty="0"/>
+              <a:t>&lt;read slide&gt;</a:t>
+            </a:r>
+          </a:p>
+        </p:txBody>
+      </p:sp>
+      <p:sp>
+        <p:nvSpPr>
+          <p:cNvPr id="4" name="Slide Number Placeholder 3"/>
+          <p:cNvSpPr>
+            <a:spLocks noGrp="1"/>
+          </p:cNvSpPr>
+          <p:nvPr>
+            <p:ph type="sldNum" sz="quarter" idx="5"/>
+          </p:nvPr>
+        </p:nvSpPr>
+        <p:spPr/>
+        <p:txBody>
+          <a:bodyPr/>
+          <a:lstStyle/>
+          <a:p>
+            <a:fld id="{07937F07-1250-4CCE-B198-1B2887014F41}" type="slidenum">
+              <a:rPr lang="en-US" smtClean="0"/>
+              <a:t>19</a:t>
+            </a:fld>
+            <a:endParaRPr lang="en-US"/>
+          </a:p>
+        </p:txBody>
+      </p:sp>
+    </p:spTree>
+    <p:extLst>
+      <p:ext uri="{BB962C8B-B14F-4D97-AF65-F5344CB8AC3E}">
+        <p14:creationId xmlns:p14="http://schemas.microsoft.com/office/powerpoint/2010/main" val="2985101085"/>
       </p:ext>
     </p:extLst>
   </p:cSld>
@@ -1615,12 +1885,9 @@
           <a:bodyPr/>
           <a:lstStyle/>
           <a:p>
-            <a:r>
-              <a:rPr lang="en-US" b="0" dirty="0">
-                <a:latin typeface="+mn-lt"/>
-              </a:rPr>
-              <a:t>You are probably familiar with use of drivers and stubs from your earlier programming courses. They are often used for simple programs</a:t>
-            </a:r>
+            <a:endParaRPr lang="en-US" dirty="0">
+              <a:latin typeface="+mn-lt"/>
+            </a:endParaRPr>
           </a:p>
         </p:txBody>
       </p:sp>
@@ -1641,7 +1908,7 @@
           <a:p>
             <a:fld id="{07937F07-1250-4CCE-B198-1B2887014F41}" type="slidenum">
               <a:rPr lang="en-US" smtClean="0"/>
-              <a:t>5</a:t>
+              <a:t>2</a:t>
             </a:fld>
             <a:endParaRPr lang="en-US"/>
           </a:p>
@@ -1650,7 +1917,91 @@
     </p:spTree>
     <p:extLst>
       <p:ext uri="{BB962C8B-B14F-4D97-AF65-F5344CB8AC3E}">
-        <p14:creationId xmlns:p14="http://schemas.microsoft.com/office/powerpoint/2010/main" val="3383222090"/>
+        <p14:creationId xmlns:p14="http://schemas.microsoft.com/office/powerpoint/2010/main" val="2672682420"/>
+      </p:ext>
+    </p:extLst>
+  </p:cSld>
+  <p:clrMapOvr>
+    <a:masterClrMapping/>
+  </p:clrMapOvr>
+</p:notes>
+</file>
+
+<file path=ppt/notesSlides/notesSlide20.xml><?xml version="1.0" encoding="utf-8"?>
+<p:notes xmlns:a="http://schemas.openxmlformats.org/drawingml/2006/main" xmlns:r="http://schemas.openxmlformats.org/officeDocument/2006/relationships" xmlns:p="http://schemas.openxmlformats.org/presentationml/2006/main">
+  <p:cSld>
+    <p:spTree>
+      <p:nvGrpSpPr>
+        <p:cNvPr id="1" name=""/>
+        <p:cNvGrpSpPr/>
+        <p:nvPr/>
+      </p:nvGrpSpPr>
+      <p:grpSpPr>
+        <a:xfrm>
+          <a:off x="0" y="0"/>
+          <a:ext cx="0" cy="0"/>
+          <a:chOff x="0" y="0"/>
+          <a:chExt cx="0" cy="0"/>
+        </a:xfrm>
+      </p:grpSpPr>
+      <p:sp>
+        <p:nvSpPr>
+          <p:cNvPr id="2" name="Slide Image Placeholder 1"/>
+          <p:cNvSpPr>
+            <a:spLocks noGrp="1" noRot="1" noChangeAspect="1"/>
+          </p:cNvSpPr>
+          <p:nvPr>
+            <p:ph type="sldImg"/>
+          </p:nvPr>
+        </p:nvSpPr>
+        <p:spPr/>
+      </p:sp>
+      <p:sp>
+        <p:nvSpPr>
+          <p:cNvPr id="3" name="Notes Placeholder 2"/>
+          <p:cNvSpPr>
+            <a:spLocks noGrp="1"/>
+          </p:cNvSpPr>
+          <p:nvPr>
+            <p:ph type="body" idx="1"/>
+          </p:nvPr>
+        </p:nvSpPr>
+        <p:spPr/>
+        <p:txBody>
+          <a:bodyPr/>
+          <a:lstStyle/>
+          <a:p>
+            <a:endParaRPr lang="en-US"/>
+          </a:p>
+        </p:txBody>
+      </p:sp>
+      <p:sp>
+        <p:nvSpPr>
+          <p:cNvPr id="4" name="Slide Number Placeholder 3"/>
+          <p:cNvSpPr>
+            <a:spLocks noGrp="1"/>
+          </p:cNvSpPr>
+          <p:nvPr>
+            <p:ph type="sldNum" sz="quarter" idx="5"/>
+          </p:nvPr>
+        </p:nvSpPr>
+        <p:spPr/>
+        <p:txBody>
+          <a:bodyPr/>
+          <a:lstStyle/>
+          <a:p>
+            <a:fld id="{07937F07-1250-4CCE-B198-1B2887014F41}" type="slidenum">
+              <a:rPr lang="en-US" smtClean="0"/>
+              <a:t>20</a:t>
+            </a:fld>
+            <a:endParaRPr lang="en-US"/>
+          </a:p>
+        </p:txBody>
+      </p:sp>
+    </p:spTree>
+    <p:extLst>
+      <p:ext uri="{BB962C8B-B14F-4D97-AF65-F5344CB8AC3E}">
+        <p14:creationId xmlns:p14="http://schemas.microsoft.com/office/powerpoint/2010/main" val="1639719316"/>
       </p:ext>
     </p:extLst>
   </p:cSld>
@@ -1705,18 +2056,8 @@
           <a:lstStyle/>
           <a:p>
             <a:r>
-              <a:rPr lang="en-US" dirty="0">
-                <a:latin typeface="+mn-lt"/>
-              </a:rPr>
-              <a:t>Real systems are hardly that simple. You are often working with a software with a lot of pieces. A typical system may be accessing a dB and some online web services, and can have a bunch of users.</a:t>
-            </a:r>
-          </a:p>
-          <a:p>
-            <a:r>
-              <a:rPr lang="en-US" dirty="0">
-                <a:latin typeface="+mn-lt"/>
-              </a:rPr>
-              <a:t>Instead of interacting with real network or read web service, we can use “doubles”. This is a term similar to the one used in movies.</a:t>
+              <a:rPr lang="en-US" dirty="0"/>
+              <a:t>&lt;read slide&gt;</a:t>
             </a:r>
           </a:p>
         </p:txBody>
@@ -1738,7 +2079,7 @@
           <a:p>
             <a:fld id="{07937F07-1250-4CCE-B198-1B2887014F41}" type="slidenum">
               <a:rPr lang="en-US" smtClean="0"/>
-              <a:t>6</a:t>
+              <a:t>3</a:t>
             </a:fld>
             <a:endParaRPr lang="en-US"/>
           </a:p>
@@ -1747,7 +2088,7 @@
     </p:spTree>
     <p:extLst>
       <p:ext uri="{BB962C8B-B14F-4D97-AF65-F5344CB8AC3E}">
-        <p14:creationId xmlns:p14="http://schemas.microsoft.com/office/powerpoint/2010/main" val="3197295172"/>
+        <p14:creationId xmlns:p14="http://schemas.microsoft.com/office/powerpoint/2010/main" val="1258900114"/>
       </p:ext>
     </p:extLst>
   </p:cSld>
@@ -1802,26 +2143,8 @@
           <a:lstStyle/>
           <a:p>
             <a:r>
-              <a:rPr lang="en-US" dirty="0">
-                <a:latin typeface="+mn-lt"/>
-              </a:rPr>
-              <a:t>Doubles are things that look like the real thing but they are not real.</a:t>
-            </a:r>
-          </a:p>
-          <a:p>
-            <a:r>
-              <a:rPr lang="en-US" dirty="0">
-                <a:latin typeface="+mn-lt"/>
-              </a:rPr>
-              <a:t>If you are working on a system which sends an email to customer after an operation, how will you test it? Instead of sending a real email every time you test, you can use doubles (i.e., a mock mail service)</a:t>
-            </a:r>
-          </a:p>
-          <a:p>
-            <a:r>
-              <a:rPr lang="en-US" dirty="0">
-                <a:latin typeface="+mn-lt"/>
-              </a:rPr>
-              <a:t>One way to say this is: you need test doubles when you code (or function) has side effects.</a:t>
+              <a:rPr lang="en-US" dirty="0"/>
+              <a:t>&lt;read slide&gt;</a:t>
             </a:r>
           </a:p>
         </p:txBody>
@@ -1843,7 +2166,7 @@
           <a:p>
             <a:fld id="{07937F07-1250-4CCE-B198-1B2887014F41}" type="slidenum">
               <a:rPr lang="en-US" smtClean="0"/>
-              <a:t>7</a:t>
+              <a:t>4</a:t>
             </a:fld>
             <a:endParaRPr lang="en-US"/>
           </a:p>
@@ -1852,7 +2175,7 @@
     </p:spTree>
     <p:extLst>
       <p:ext uri="{BB962C8B-B14F-4D97-AF65-F5344CB8AC3E}">
-        <p14:creationId xmlns:p14="http://schemas.microsoft.com/office/powerpoint/2010/main" val="590618737"/>
+        <p14:creationId xmlns:p14="http://schemas.microsoft.com/office/powerpoint/2010/main" val="3353541825"/>
       </p:ext>
     </p:extLst>
   </p:cSld>
@@ -1906,38 +2229,12 @@
           <a:bodyPr/>
           <a:lstStyle/>
           <a:p>
-            <a:pPr marL="0" marR="0" lvl="0" indent="0" algn="l" defTabSz="914400" rtl="0" eaLnBrk="1" fontAlgn="auto" latinLnBrk="0" hangingPunct="1">
-              <a:lnSpc>
-                <a:spcPct val="100000"/>
-              </a:lnSpc>
-              <a:spcBef>
-                <a:spcPts val="0"/>
-              </a:spcBef>
-              <a:spcAft>
-                <a:spcPts val="0"/>
-              </a:spcAft>
-              <a:buClrTx/>
-              <a:buSzTx/>
-              <a:buFontTx/>
-              <a:buNone/>
-              <a:tabLst/>
-              <a:defRPr/>
-            </a:pPr>
-            <a:r>
-              <a:rPr lang="en-US" b="1" dirty="0">
+            <a:r>
+              <a:rPr lang="en-US" b="0" dirty="0">
                 <a:latin typeface="+mn-lt"/>
               </a:rPr>
-              <a:t>Stubs</a:t>
-            </a:r>
-            <a:r>
-              <a:rPr lang="en-US" dirty="0">
-                <a:latin typeface="+mn-lt"/>
-              </a:rPr>
-              <a:t> provide canned answers to calls made during the test, usually not responding at all to anything outside what's programmed in for the test.</a:t>
-            </a:r>
-          </a:p>
-          <a:p>
-            <a:endParaRPr lang="en-US" dirty="0"/>
+              <a:t>You are probably familiar with use of drivers and stubs from your earlier programming courses. They are often used for simple programs</a:t>
+            </a:r>
           </a:p>
         </p:txBody>
       </p:sp>
@@ -1958,7 +2255,7 @@
           <a:p>
             <a:fld id="{07937F07-1250-4CCE-B198-1B2887014F41}" type="slidenum">
               <a:rPr lang="en-US" smtClean="0"/>
-              <a:t>8</a:t>
+              <a:t>5</a:t>
             </a:fld>
             <a:endParaRPr lang="en-US"/>
           </a:p>
@@ -1967,7 +2264,7 @@
     </p:spTree>
     <p:extLst>
       <p:ext uri="{BB962C8B-B14F-4D97-AF65-F5344CB8AC3E}">
-        <p14:creationId xmlns:p14="http://schemas.microsoft.com/office/powerpoint/2010/main" val="3868978770"/>
+        <p14:creationId xmlns:p14="http://schemas.microsoft.com/office/powerpoint/2010/main" val="3383222090"/>
       </p:ext>
     </p:extLst>
   </p:cSld>
@@ -2022,15 +2319,18 @@
           <a:lstStyle/>
           <a:p>
             <a:r>
-              <a:rPr lang="en-US" dirty="0"/>
-              <a:t>A stub is an object which returns fake data. Let’s imagine our service depends on a user-model, then the service does something, and finally, it returns the user’s UUID.</a:t>
-            </a:r>
-            <a:br>
-              <a:rPr lang="en-US" dirty="0"/>
-            </a:br>
-            <a:r>
-              <a:rPr lang="en-US" dirty="0"/>
-              <a:t>We can create a stub object with fake values to assert the service works as expected. This is Java code, something you may have seen in OOD.</a:t>
+              <a:rPr lang="en-US" dirty="0">
+                <a:latin typeface="+mn-lt"/>
+              </a:rPr>
+              <a:t>Real systems are hardly that simple. You are often working with a software with a lot of pieces. A typical system may be accessing a dB and some online web services, and can have a bunch of users.</a:t>
+            </a:r>
+          </a:p>
+          <a:p>
+            <a:r>
+              <a:rPr lang="en-US" dirty="0">
+                <a:latin typeface="+mn-lt"/>
+              </a:rPr>
+              <a:t>Instead of interacting with real network or read web service, we can use “doubles”. This is a term similar to the one used in movies.</a:t>
             </a:r>
           </a:p>
         </p:txBody>
@@ -2052,7 +2352,7 @@
           <a:p>
             <a:fld id="{07937F07-1250-4CCE-B198-1B2887014F41}" type="slidenum">
               <a:rPr lang="en-US" smtClean="0"/>
-              <a:t>9</a:t>
+              <a:t>6</a:t>
             </a:fld>
             <a:endParaRPr lang="en-US"/>
           </a:p>
@@ -2061,7 +2361,7 @@
     </p:spTree>
     <p:extLst>
       <p:ext uri="{BB962C8B-B14F-4D97-AF65-F5344CB8AC3E}">
-        <p14:creationId xmlns:p14="http://schemas.microsoft.com/office/powerpoint/2010/main" val="2298322642"/>
+        <p14:creationId xmlns:p14="http://schemas.microsoft.com/office/powerpoint/2010/main" val="3197295172"/>
       </p:ext>
     </p:extLst>
   </p:cSld>
@@ -2116,72 +2416,26 @@
           <a:lstStyle/>
           <a:p>
             <a:r>
-              <a:rPr lang="en-US" dirty="0"/>
-              <a:t>Use Stubs to:</a:t>
-            </a:r>
-          </a:p>
-          <a:p>
-            <a:pPr>
-              <a:buFont typeface="Arial" panose="020B0604020202020204" pitchFamily="34" charset="0"/>
-              <a:buChar char="•"/>
-            </a:pPr>
-            <a:r>
-              <a:rPr lang="en-US" dirty="0"/>
-              <a:t>provide a predetermined response from a collaborator</a:t>
-            </a:r>
-          </a:p>
-          <a:p>
-            <a:pPr>
-              <a:buFont typeface="Arial" panose="020B0604020202020204" pitchFamily="34" charset="0"/>
-              <a:buChar char="•"/>
-            </a:pPr>
-            <a:r>
-              <a:rPr lang="en-US" dirty="0"/>
-              <a:t>take a predetermined action from a collaborator, like throwing an exception</a:t>
-            </a:r>
-          </a:p>
-          <a:p>
-            <a:r>
-              <a:rPr lang="en-US" dirty="0"/>
-              <a:t>Use Mocks to:</a:t>
-            </a:r>
-          </a:p>
-          <a:p>
-            <a:pPr>
-              <a:buFont typeface="Arial" panose="020B0604020202020204" pitchFamily="34" charset="0"/>
-              <a:buChar char="•"/>
-            </a:pPr>
-            <a:r>
-              <a:rPr lang="en-US" dirty="0"/>
-              <a:t>verify the contract between the code under test and a collaborator</a:t>
-            </a:r>
-          </a:p>
-          <a:p>
-            <a:pPr>
-              <a:buFont typeface="Arial" panose="020B0604020202020204" pitchFamily="34" charset="0"/>
-              <a:buChar char="•"/>
-            </a:pPr>
-            <a:r>
-              <a:rPr lang="en-US" dirty="0"/>
-              <a:t>verify the </a:t>
-            </a:r>
-            <a:r>
-              <a:rPr lang="en-US" dirty="0" err="1"/>
-              <a:t>the</a:t>
-            </a:r>
-            <a:r>
-              <a:rPr lang="en-US" dirty="0"/>
-              <a:t> collaborator's method is called the correct number of times</a:t>
-            </a:r>
-          </a:p>
-          <a:p>
-            <a:pPr>
-              <a:buFont typeface="Arial" panose="020B0604020202020204" pitchFamily="34" charset="0"/>
-              <a:buChar char="•"/>
-            </a:pPr>
-            <a:r>
-              <a:rPr lang="en-US" dirty="0"/>
-              <a:t>verify the collaborator's method is called with the correct parameters</a:t>
+              <a:rPr lang="en-US" dirty="0">
+                <a:latin typeface="+mn-lt"/>
+              </a:rPr>
+              <a:t>Doubles are things that look like the real thing but they are not real.</a:t>
+            </a:r>
+          </a:p>
+          <a:p>
+            <a:r>
+              <a:rPr lang="en-US" dirty="0">
+                <a:latin typeface="+mn-lt"/>
+              </a:rPr>
+              <a:t>If you are working on a system which sends an email to customer after an operation, how will you test it? Instead of sending a real email every time you test, you can use doubles (i.e., a mock mail service)</a:t>
+            </a:r>
+          </a:p>
+          <a:p>
+            <a:r>
+              <a:rPr lang="en-US" dirty="0">
+                <a:latin typeface="+mn-lt"/>
+              </a:rPr>
+              <a:t>One way to say this is: you need test doubles when you code (or function) has side effects.</a:t>
             </a:r>
           </a:p>
         </p:txBody>
@@ -2203,7 +2457,7 @@
           <a:p>
             <a:fld id="{07937F07-1250-4CCE-B198-1B2887014F41}" type="slidenum">
               <a:rPr lang="en-US" smtClean="0"/>
-              <a:t>10</a:t>
+              <a:t>7</a:t>
             </a:fld>
             <a:endParaRPr lang="en-US"/>
           </a:p>
@@ -2212,7 +2466,7 @@
     </p:spTree>
     <p:extLst>
       <p:ext uri="{BB962C8B-B14F-4D97-AF65-F5344CB8AC3E}">
-        <p14:creationId xmlns:p14="http://schemas.microsoft.com/office/powerpoint/2010/main" val="2045764863"/>
+        <p14:creationId xmlns:p14="http://schemas.microsoft.com/office/powerpoint/2010/main" val="590618737"/>
       </p:ext>
     </p:extLst>
   </p:cSld>
@@ -2266,18 +2520,38 @@
           <a:bodyPr/>
           <a:lstStyle/>
           <a:p>
+            <a:pPr marL="0" marR="0" lvl="0" indent="0" algn="l" defTabSz="914400" rtl="0" eaLnBrk="1" fontAlgn="auto" latinLnBrk="0" hangingPunct="1">
+              <a:lnSpc>
+                <a:spcPct val="100000"/>
+              </a:lnSpc>
+              <a:spcBef>
+                <a:spcPts val="0"/>
+              </a:spcBef>
+              <a:spcAft>
+                <a:spcPts val="0"/>
+              </a:spcAft>
+              <a:buClrTx/>
+              <a:buSzTx/>
+              <a:buFontTx/>
+              <a:buNone/>
+              <a:tabLst/>
+              <a:defRPr/>
+            </a:pPr>
             <a:r>
               <a:rPr lang="en-US" b="1" dirty="0">
                 <a:latin typeface="+mn-lt"/>
               </a:rPr>
-              <a:t>Spies</a:t>
+              <a:t>Stubs</a:t>
             </a:r>
             <a:r>
               <a:rPr lang="en-US" dirty="0">
                 <a:latin typeface="+mn-lt"/>
               </a:rPr>
-              <a:t> are stubs that also record some information based on how they were called. One form of this might be an email service that records how many messages it was sent. This is an example of spy being used with a real email service</a:t>
-            </a:r>
+              <a:t> provide canned answers to calls made during the test, usually not responding at all to anything outside what's programmed in for the test.</a:t>
+            </a:r>
+          </a:p>
+          <a:p>
+            <a:endParaRPr lang="en-US" dirty="0"/>
           </a:p>
         </p:txBody>
       </p:sp>
@@ -2298,7 +2572,7 @@
           <a:p>
             <a:fld id="{07937F07-1250-4CCE-B198-1B2887014F41}" type="slidenum">
               <a:rPr lang="en-US" smtClean="0"/>
-              <a:t>11</a:t>
+              <a:t>8</a:t>
             </a:fld>
             <a:endParaRPr lang="en-US"/>
           </a:p>
@@ -2307,7 +2581,7 @@
     </p:spTree>
     <p:extLst>
       <p:ext uri="{BB962C8B-B14F-4D97-AF65-F5344CB8AC3E}">
-        <p14:creationId xmlns:p14="http://schemas.microsoft.com/office/powerpoint/2010/main" val="2550589936"/>
+        <p14:creationId xmlns:p14="http://schemas.microsoft.com/office/powerpoint/2010/main" val="3868978770"/>
       </p:ext>
     </p:extLst>
   </p:cSld>
@@ -2363,29 +2637,14 @@
           <a:p>
             <a:r>
               <a:rPr lang="en-US" dirty="0"/>
-              <a:t>A test spy is an object capable of capturing indirect output and providing indirect input as needed. The indirect output is something we cannot directly observe.</a:t>
+              <a:t>A stub is an object which returns fake data. Let’s imagine our service depends on a user-model, then the service does something, and finally, it returns the user’s UUID.</a:t>
             </a:r>
             <a:br>
               <a:rPr lang="en-US" dirty="0"/>
             </a:br>
             <a:r>
               <a:rPr lang="en-US" dirty="0"/>
-              <a:t>In the snippet, we can know exactly how many times the </a:t>
-            </a:r>
-            <a:r>
-              <a:rPr lang="en-US" i="1" dirty="0"/>
-              <a:t>log()</a:t>
-            </a:r>
-            <a:r>
-              <a:rPr lang="en-US" dirty="0"/>
-              <a:t> method has been called, as well as the content of the messages.</a:t>
-            </a:r>
-            <a:br>
-              <a:rPr lang="en-US" dirty="0"/>
-            </a:br>
-            <a:r>
-              <a:rPr lang="en-US" dirty="0"/>
-              <a:t>The point of this spy is to have much more knowledge of the internal object state in exchange for deeper coupling, which could be problematic in the future because it makes our tests more fragile.</a:t>
+              <a:t>We can create a stub object with fake values to assert the service works as expected. This is Java code, something you may have seen in OOD.</a:t>
             </a:r>
           </a:p>
         </p:txBody>
@@ -2407,7 +2666,7 @@
           <a:p>
             <a:fld id="{07937F07-1250-4CCE-B198-1B2887014F41}" type="slidenum">
               <a:rPr lang="en-US" smtClean="0"/>
-              <a:t>12</a:t>
+              <a:t>9</a:t>
             </a:fld>
             <a:endParaRPr lang="en-US"/>
           </a:p>
@@ -2416,7 +2675,7 @@
     </p:spTree>
     <p:extLst>
       <p:ext uri="{BB962C8B-B14F-4D97-AF65-F5344CB8AC3E}">
-        <p14:creationId xmlns:p14="http://schemas.microsoft.com/office/powerpoint/2010/main" val="251261324"/>
+        <p14:creationId xmlns:p14="http://schemas.microsoft.com/office/powerpoint/2010/main" val="2298322642"/>
       </p:ext>
     </p:extLst>
   </p:cSld>
@@ -2582,7 +2841,7 @@
           <a:p>
             <a:fld id="{5D2A64DE-480B-420F-9649-4F8E696E08E0}" type="datetime1">
               <a:rPr lang="en-US" smtClean="0"/>
-              <a:t>2/14/2022</a:t>
+              <a:t>2/16/2022</a:t>
             </a:fld>
             <a:endParaRPr lang="en-US"/>
           </a:p>
@@ -2816,7 +3075,7 @@
           <a:p>
             <a:fld id="{0D3616D0-8311-4107-9726-6B805E7D05BA}" type="datetime1">
               <a:rPr lang="en-US" smtClean="0"/>
-              <a:t>2/14/2022</a:t>
+              <a:t>2/16/2022</a:t>
             </a:fld>
             <a:endParaRPr lang="en-US"/>
           </a:p>
@@ -3024,7 +3283,7 @@
           <a:p>
             <a:fld id="{3BC2557A-5C88-417A-A763-5AC779462A5F}" type="datetime1">
               <a:rPr lang="en-US" smtClean="0"/>
-              <a:t>2/14/2022</a:t>
+              <a:t>2/16/2022</a:t>
             </a:fld>
             <a:endParaRPr lang="en-US"/>
           </a:p>
@@ -3554,7 +3813,7 @@
           <a:p>
             <a:fld id="{07C7BFD4-467E-4EDE-93EA-052F5B39A4E5}" type="datetime1">
               <a:rPr lang="en-US" smtClean="0"/>
-              <a:t>2/14/2022</a:t>
+              <a:t>2/16/2022</a:t>
             </a:fld>
             <a:endParaRPr lang="en-US"/>
           </a:p>
@@ -3868,7 +4127,7 @@
           <a:p>
             <a:fld id="{A533CBE2-D5BE-47AC-ADC2-9CDFC1D0CF90}" type="datetime1">
               <a:rPr lang="en-US" smtClean="0"/>
-              <a:t>2/14/2022</a:t>
+              <a:t>2/16/2022</a:t>
             </a:fld>
             <a:endParaRPr lang="en-US"/>
           </a:p>
@@ -4171,7 +4430,7 @@
           <a:p>
             <a:fld id="{39B7EDB1-CE74-4951-85A2-0B01C2128E28}" type="datetime1">
               <a:rPr lang="en-US" smtClean="0"/>
-              <a:t>2/14/2022</a:t>
+              <a:t>2/16/2022</a:t>
             </a:fld>
             <a:endParaRPr lang="en-US"/>
           </a:p>
@@ -4620,7 +4879,7 @@
           <a:p>
             <a:fld id="{2BC7EB92-A5C2-4807-A9DC-9EDE6CBFB241}" type="datetime1">
               <a:rPr lang="en-US" smtClean="0"/>
-              <a:t>2/14/2022</a:t>
+              <a:t>2/16/2022</a:t>
             </a:fld>
             <a:endParaRPr lang="en-US"/>
           </a:p>
@@ -4767,7 +5026,7 @@
           <a:p>
             <a:fld id="{109E55A0-C911-4F03-82FC-7E5926047D46}" type="datetime1">
               <a:rPr lang="en-US" smtClean="0"/>
-              <a:t>2/14/2022</a:t>
+              <a:t>2/16/2022</a:t>
             </a:fld>
             <a:endParaRPr lang="en-US"/>
           </a:p>
@@ -4916,7 +5175,7 @@
           <a:p>
             <a:fld id="{2B7B7EE0-7771-4CD5-9B2B-3550753A54A1}" type="datetime1">
               <a:rPr lang="en-US" smtClean="0"/>
-              <a:t>2/14/2022</a:t>
+              <a:t>2/16/2022</a:t>
             </a:fld>
             <a:endParaRPr lang="en-US"/>
           </a:p>
@@ -5227,7 +5486,7 @@
           <a:p>
             <a:fld id="{F8B318B3-0E87-4416-A9B8-D891968C2727}" type="datetime1">
               <a:rPr lang="en-US" smtClean="0"/>
-              <a:t>2/14/2022</a:t>
+              <a:t>2/16/2022</a:t>
             </a:fld>
             <a:endParaRPr lang="en-US"/>
           </a:p>
@@ -5518,7 +5777,7 @@
           <a:p>
             <a:fld id="{EA476A42-A091-4468-A075-64A31BE59948}" type="datetime1">
               <a:rPr lang="en-US" smtClean="0"/>
-              <a:t>2/14/2022</a:t>
+              <a:t>2/16/2022</a:t>
             </a:fld>
             <a:endParaRPr lang="en-US"/>
           </a:p>
@@ -5761,7 +6020,7 @@
           <a:p>
             <a:fld id="{54D997E8-DDEE-43F1-8D9B-F8A1E11DE488}" type="datetime1">
               <a:rPr lang="en-US" smtClean="0"/>
-              <a:t>2/14/2022</a:t>
+              <a:t>2/16/2022</a:t>
             </a:fld>
             <a:endParaRPr lang="en-US"/>
           </a:p>
@@ -6369,7 +6628,7 @@
                 <a:solidFill>
                   <a:srgbClr val="D41B2C"/>
                 </a:solidFill>
-                <a:hlinkClick r:id="rId2"/>
+                <a:hlinkClick r:id="rId3"/>
               </a:rPr>
               <a:t>CC BY-SA</a:t>
             </a:r>
@@ -15275,7 +15534,7 @@
             <a:effectLst/>
             <a:extLst>
               <a:ext uri="{C572A759-6A51-4108-AA02-DFA0A04FC94B}">
-                <ma14:wrappingTextBoxFlag xmlns="" xmlns:m="http://schemas.openxmlformats.org/officeDocument/2006/math" xmlns:a14="http://schemas.microsoft.com/office/drawing/2010/main" xmlns:ma14="http://schemas.microsoft.com/office/mac/drawingml/2011/main" val="1"/>
+                <ma14:wrappingTextBoxFlag xmlns:ma14="http://schemas.microsoft.com/office/mac/drawingml/2011/main" xmlns:a14="http://schemas.microsoft.com/office/drawing/2010/main" xmlns:m="http://schemas.openxmlformats.org/officeDocument/2006/math" xmlns="" val="1"/>
               </a:ext>
             </a:extLst>
           </p:spPr>
@@ -15336,7 +15595,7 @@
             <a:effectLst/>
             <a:extLst>
               <a:ext uri="{C572A759-6A51-4108-AA02-DFA0A04FC94B}">
-                <ma14:wrappingTextBoxFlag xmlns="" xmlns:m="http://schemas.openxmlformats.org/officeDocument/2006/math" xmlns:a14="http://schemas.microsoft.com/office/drawing/2010/main" xmlns:ma14="http://schemas.microsoft.com/office/mac/drawingml/2011/main" val="1"/>
+                <ma14:wrappingTextBoxFlag xmlns:ma14="http://schemas.microsoft.com/office/mac/drawingml/2011/main" xmlns:a14="http://schemas.microsoft.com/office/drawing/2010/main" xmlns:m="http://schemas.openxmlformats.org/officeDocument/2006/math" xmlns="" val="1"/>
               </a:ext>
             </a:extLst>
           </p:spPr>
@@ -15397,7 +15656,7 @@
             <a:effectLst/>
             <a:extLst>
               <a:ext uri="{C572A759-6A51-4108-AA02-DFA0A04FC94B}">
-                <ma14:wrappingTextBoxFlag xmlns="" xmlns:m="http://schemas.openxmlformats.org/officeDocument/2006/math" xmlns:a14="http://schemas.microsoft.com/office/drawing/2010/main" xmlns:ma14="http://schemas.microsoft.com/office/mac/drawingml/2011/main" val="1"/>
+                <ma14:wrappingTextBoxFlag xmlns:ma14="http://schemas.microsoft.com/office/mac/drawingml/2011/main" xmlns:a14="http://schemas.microsoft.com/office/drawing/2010/main" xmlns:m="http://schemas.openxmlformats.org/officeDocument/2006/math" xmlns="" val="1"/>
               </a:ext>
             </a:extLst>
           </p:spPr>

--- a/Slides/Lesson 5.3 Testing Systems.pptx
+++ b/Slides/Lesson 5.3 Testing Systems.pptx
@@ -1059,6 +1059,22 @@
               <a:rPr lang="en-US" dirty="0"/>
               <a:t>. It is used for testing a large suite of tests where stubs are not sufficient. </a:t>
             </a:r>
+          </a:p>
+          <a:p>
+            <a:r>
+              <a:rPr lang="en-US" dirty="0">
+                <a:latin typeface="+mn-lt"/>
+              </a:rPr>
+              <a:t>In jest, when you use a spy on a function, the function actually executes and spy keeps information related to those executions. On the other hand, a mock replaces the function that you </a:t>
+            </a:r>
+            <a:r>
+              <a:rPr lang="en-US">
+                <a:latin typeface="+mn-lt"/>
+              </a:rPr>
+              <a:t>are mocking.</a:t>
+            </a:r>
+          </a:p>
+          <a:p>
             <a:endParaRPr lang="en-US" dirty="0">
               <a:latin typeface="+mn-lt"/>
             </a:endParaRPr>
@@ -15534,7 +15550,7 @@
             <a:effectLst/>
             <a:extLst>
               <a:ext uri="{C572A759-6A51-4108-AA02-DFA0A04FC94B}">
-                <ma14:wrappingTextBoxFlag xmlns:ma14="http://schemas.microsoft.com/office/mac/drawingml/2011/main" xmlns:a14="http://schemas.microsoft.com/office/drawing/2010/main" xmlns:m="http://schemas.openxmlformats.org/officeDocument/2006/math" xmlns="" val="1"/>
+                <ma14:wrappingTextBoxFlag xmlns="" xmlns:m="http://schemas.openxmlformats.org/officeDocument/2006/math" xmlns:a14="http://schemas.microsoft.com/office/drawing/2010/main" xmlns:ma14="http://schemas.microsoft.com/office/mac/drawingml/2011/main" val="1"/>
               </a:ext>
             </a:extLst>
           </p:spPr>
@@ -15595,7 +15611,7 @@
             <a:effectLst/>
             <a:extLst>
               <a:ext uri="{C572A759-6A51-4108-AA02-DFA0A04FC94B}">
-                <ma14:wrappingTextBoxFlag xmlns:ma14="http://schemas.microsoft.com/office/mac/drawingml/2011/main" xmlns:a14="http://schemas.microsoft.com/office/drawing/2010/main" xmlns:m="http://schemas.openxmlformats.org/officeDocument/2006/math" xmlns="" val="1"/>
+                <ma14:wrappingTextBoxFlag xmlns="" xmlns:m="http://schemas.openxmlformats.org/officeDocument/2006/math" xmlns:a14="http://schemas.microsoft.com/office/drawing/2010/main" xmlns:ma14="http://schemas.microsoft.com/office/mac/drawingml/2011/main" val="1"/>
               </a:ext>
             </a:extLst>
           </p:spPr>
@@ -15656,7 +15672,7 @@
             <a:effectLst/>
             <a:extLst>
               <a:ext uri="{C572A759-6A51-4108-AA02-DFA0A04FC94B}">
-                <ma14:wrappingTextBoxFlag xmlns:ma14="http://schemas.microsoft.com/office/mac/drawingml/2011/main" xmlns:a14="http://schemas.microsoft.com/office/drawing/2010/main" xmlns:m="http://schemas.openxmlformats.org/officeDocument/2006/math" xmlns="" val="1"/>
+                <ma14:wrappingTextBoxFlag xmlns="" xmlns:m="http://schemas.openxmlformats.org/officeDocument/2006/math" xmlns:a14="http://schemas.microsoft.com/office/drawing/2010/main" xmlns:ma14="http://schemas.microsoft.com/office/mac/drawingml/2011/main" val="1"/>
               </a:ext>
             </a:extLst>
           </p:spPr>
